--- a/floris_dynamic_special/figs/flowcharts.pptx
+++ b/floris_dynamic_special/figs/flowcharts.pptx
@@ -5413,45 +5413,212 @@
       </p:sp>
       <p:sp>
         <p:nvSpPr>
-          <p:cNvPr id="2" name="Title 1">
+          <p:cNvPr id="12" name="Rounded Rectangle 11">
             <a:extLst>
               <a:ext uri="{FF2B5EF4-FFF2-40B4-BE49-F238E27FC236}">
-                <a16:creationId xmlns:a16="http://schemas.microsoft.com/office/drawing/2014/main" id="{4D98C086-36DC-AB80-90F5-1F43EF669B1E}"/>
+                <a16:creationId xmlns:a16="http://schemas.microsoft.com/office/drawing/2014/main" id="{53729BA8-8D57-BEAE-A468-92385F727536}"/>
               </a:ext>
             </a:extLst>
           </p:cNvPr>
-          <p:cNvSpPr>
-            <a:spLocks noGrp="1"/>
-          </p:cNvSpPr>
-          <p:nvPr>
-            <p:ph type="title" idx="4294967295"/>
-          </p:nvPr>
+          <p:cNvSpPr/>
+          <p:nvPr/>
         </p:nvSpPr>
         <p:spPr>
           <a:xfrm>
-            <a:off x="0" y="1143000"/>
-            <a:ext cx="2835275" cy="2378075"/>
+            <a:off x="753864" y="4273142"/>
+            <a:ext cx="1743255" cy="553998"/>
           </a:xfrm>
+          <a:prstGeom prst="roundRect">
+            <a:avLst/>
+          </a:prstGeom>
+          <a:solidFill>
+            <a:srgbClr val="0070C0"/>
+          </a:solidFill>
+        </p:spPr>
+        <p:style>
+          <a:lnRef idx="2">
+            <a:schemeClr val="dk1">
+              <a:shade val="50000"/>
+            </a:schemeClr>
+          </a:lnRef>
+          <a:fillRef idx="1">
+            <a:schemeClr val="dk1"/>
+          </a:fillRef>
+          <a:effectRef idx="0">
+            <a:schemeClr val="dk1"/>
+          </a:effectRef>
+          <a:fontRef idx="minor">
+            <a:schemeClr val="lt1"/>
+          </a:fontRef>
+        </p:style>
+        <p:txBody>
+          <a:bodyPr rtlCol="0" anchor="ctr"/>
+          <a:lstStyle/>
+          <a:p>
+            <a:pPr algn="ctr"/>
+            <a:r>
+              <a:rPr lang="en-US" sz="1600" b="1" dirty="0">
+                <a:solidFill>
+                  <a:schemeClr val="bg1"/>
+                </a:solidFill>
+                <a:latin typeface="LM Roman 12" pitchFamily="2" charset="77"/>
+              </a:rPr>
+              <a:t>Base Model</a:t>
+            </a:r>
+          </a:p>
+        </p:txBody>
+      </p:sp>
+      <p:cxnSp>
+        <p:nvCxnSpPr>
+          <p:cNvPr id="31" name="Elbow Connector 30">
+            <a:extLst>
+              <a:ext uri="{FF2B5EF4-FFF2-40B4-BE49-F238E27FC236}">
+                <a16:creationId xmlns:a16="http://schemas.microsoft.com/office/drawing/2014/main" id="{5BE2B470-27A4-C936-A525-1AFE8019DE8C}"/>
+              </a:ext>
+            </a:extLst>
+          </p:cNvPr>
+          <p:cNvCxnSpPr>
+            <a:cxnSpLocks/>
+            <a:stCxn id="12" idx="3"/>
+            <a:endCxn id="81" idx="5"/>
+          </p:cNvCxnSpPr>
+          <p:nvPr/>
+        </p:nvCxnSpPr>
+        <p:spPr>
+          <a:xfrm flipV="1">
+            <a:off x="2497119" y="2730704"/>
+            <a:ext cx="1710667" cy="1819437"/>
+          </a:xfrm>
+          <a:prstGeom prst="bentConnector3">
+            <a:avLst>
+              <a:gd name="adj1" fmla="val 80720"/>
+            </a:avLst>
+          </a:prstGeom>
+          <a:ln w="38100">
+            <a:solidFill>
+              <a:srgbClr val="0070C0"/>
+            </a:solidFill>
+            <a:tailEnd type="triangle"/>
+          </a:ln>
+        </p:spPr>
+        <p:style>
+          <a:lnRef idx="1">
+            <a:schemeClr val="accent1"/>
+          </a:lnRef>
+          <a:fillRef idx="0">
+            <a:schemeClr val="accent1"/>
+          </a:fillRef>
+          <a:effectRef idx="0">
+            <a:schemeClr val="accent1"/>
+          </a:effectRef>
+          <a:fontRef idx="minor">
+            <a:schemeClr val="tx1"/>
+          </a:fontRef>
+        </p:style>
+      </p:cxnSp>
+      <p:cxnSp>
+        <p:nvCxnSpPr>
+          <p:cNvPr id="32" name="Elbow Connector 31">
+            <a:extLst>
+              <a:ext uri="{FF2B5EF4-FFF2-40B4-BE49-F238E27FC236}">
+                <a16:creationId xmlns:a16="http://schemas.microsoft.com/office/drawing/2014/main" id="{CE696922-9CF2-11AC-8DF6-CA776F31AA7A}"/>
+              </a:ext>
+            </a:extLst>
+          </p:cNvPr>
+          <p:cNvCxnSpPr>
+            <a:cxnSpLocks/>
+            <a:stCxn id="12" idx="3"/>
+            <a:endCxn id="217" idx="5"/>
+          </p:cNvCxnSpPr>
+          <p:nvPr/>
+        </p:nvCxnSpPr>
+        <p:spPr>
+          <a:xfrm>
+            <a:off x="2497119" y="4550141"/>
+            <a:ext cx="1695939" cy="1809294"/>
+          </a:xfrm>
+          <a:prstGeom prst="bentConnector3">
+            <a:avLst>
+              <a:gd name="adj1" fmla="val 81607"/>
+            </a:avLst>
+          </a:prstGeom>
+          <a:ln w="38100">
+            <a:solidFill>
+              <a:srgbClr val="0070C0"/>
+            </a:solidFill>
+            <a:tailEnd type="triangle"/>
+          </a:ln>
+        </p:spPr>
+        <p:style>
+          <a:lnRef idx="1">
+            <a:schemeClr val="accent1"/>
+          </a:lnRef>
+          <a:fillRef idx="0">
+            <a:schemeClr val="accent1"/>
+          </a:fillRef>
+          <a:effectRef idx="0">
+            <a:schemeClr val="accent1"/>
+          </a:effectRef>
+          <a:fontRef idx="minor">
+            <a:schemeClr val="tx1"/>
+          </a:fontRef>
+        </p:style>
+      </p:cxnSp>
+      <p:sp>
+        <p:nvSpPr>
+          <p:cNvPr id="66" name="TextBox 65">
+            <a:extLst>
+              <a:ext uri="{FF2B5EF4-FFF2-40B4-BE49-F238E27FC236}">
+                <a16:creationId xmlns:a16="http://schemas.microsoft.com/office/drawing/2014/main" id="{BFB09AED-32A8-2A19-CA68-E7B9B4F67B17}"/>
+              </a:ext>
+            </a:extLst>
+          </p:cNvPr>
+          <p:cNvSpPr txBox="1"/>
+          <p:nvPr/>
+        </p:nvSpPr>
+        <p:spPr>
+          <a:xfrm>
+            <a:off x="5452428" y="4885979"/>
+            <a:ext cx="297690" cy="553998"/>
+          </a:xfrm>
+          <a:prstGeom prst="rect">
+            <a:avLst/>
+          </a:prstGeom>
+          <a:noFill/>
         </p:spPr>
         <p:txBody>
-          <a:bodyPr/>
+          <a:bodyPr wrap="square" tIns="0" bIns="0" rtlCol="0">
+            <a:spAutoFit/>
+          </a:bodyPr>
           <a:lstStyle/>
           <a:p>
             <a:r>
-              <a:rPr lang="en-US" altLang="zh-CN" dirty="0"/>
-              <a:t>Models</a:t>
+              <a:rPr lang="en-US" sz="1200" b="1" dirty="0"/>
+              <a:t>.</a:t>
+            </a:r>
+          </a:p>
+          <a:p>
+            <a:r>
+              <a:rPr lang="en-US" sz="1200" b="1" dirty="0"/>
+              <a:t>.</a:t>
+            </a:r>
+          </a:p>
+          <a:p>
+            <a:r>
+              <a:rPr lang="en-US" sz="1200" b="1" dirty="0"/>
+              <a:t>.</a:t>
             </a:r>
           </a:p>
         </p:txBody>
       </p:sp>
-      <mc:AlternateContent xmlns:mc="http://schemas.openxmlformats.org/markup-compatibility/2006" xmlns:a14="http://schemas.microsoft.com/office/drawing/2010/main">
-        <mc:Choice Requires="a14">
+      <mc:AlternateContent xmlns:mc="http://schemas.openxmlformats.org/markup-compatibility/2006">
+        <mc:Choice xmlns:a14="http://schemas.microsoft.com/office/drawing/2010/main" Requires="a14">
           <p:sp>
             <p:nvSpPr>
-              <p:cNvPr id="10" name="Rounded Rectangle 9">
+              <p:cNvPr id="81" name="Parallelogram 80">
                 <a:extLst>
                   <a:ext uri="{FF2B5EF4-FFF2-40B4-BE49-F238E27FC236}">
-                    <a16:creationId xmlns:a16="http://schemas.microsoft.com/office/drawing/2014/main" id="{EF1030F7-2598-8FBF-8A18-3FBDA0889470}"/>
+                    <a16:creationId xmlns:a16="http://schemas.microsoft.com/office/drawing/2014/main" id="{135F239D-C8F6-A2AD-B9A0-0D7F5E26D012}"/>
                   </a:ext>
                 </a:extLst>
               </p:cNvPr>
@@ -5460,294 +5627,8 @@
             </p:nvSpPr>
             <p:spPr>
               <a:xfrm>
-                <a:off x="2465950" y="4912789"/>
-                <a:ext cx="2091599" cy="334800"/>
-              </a:xfrm>
-              <a:prstGeom prst="roundRect">
-                <a:avLst/>
-              </a:prstGeom>
-              <a:solidFill>
-                <a:schemeClr val="tx1">
-                  <a:lumMod val="50000"/>
-                  <a:lumOff val="50000"/>
-                </a:schemeClr>
-              </a:solidFill>
-            </p:spPr>
-            <p:style>
-              <a:lnRef idx="2">
-                <a:schemeClr val="dk1">
-                  <a:shade val="50000"/>
-                </a:schemeClr>
-              </a:lnRef>
-              <a:fillRef idx="1">
-                <a:schemeClr val="dk1"/>
-              </a:fillRef>
-              <a:effectRef idx="0">
-                <a:schemeClr val="dk1"/>
-              </a:effectRef>
-              <a:fontRef idx="minor">
-                <a:schemeClr val="lt1"/>
-              </a:fontRef>
-            </p:style>
-            <p:txBody>
-              <a:bodyPr rtlCol="0" anchor="ctr"/>
-              <a:lstStyle/>
-              <a:p>
-                <a:pPr algn="ctr"/>
-                <a14:m>
-                  <m:oMath xmlns:m="http://schemas.openxmlformats.org/officeDocument/2006/math">
-                    <m:sSub>
-                      <m:sSubPr>
-                        <m:ctrlPr>
-                          <a:rPr lang="en-US" altLang="zh-CN" sz="1600" b="1" i="1" dirty="0" smtClean="0">
-                            <a:solidFill>
-                              <a:schemeClr val="bg1"/>
-                            </a:solidFill>
-                            <a:latin typeface="Cambria Math" panose="02040503050406030204" pitchFamily="18" charset="0"/>
-                          </a:rPr>
-                        </m:ctrlPr>
-                      </m:sSubPr>
-                      <m:e>
-                        <m:r>
-                          <a:rPr lang="en-IE" altLang="zh-CN" sz="1600" b="1" i="1" dirty="0">
-                            <a:solidFill>
-                              <a:schemeClr val="bg1"/>
-                            </a:solidFill>
-                            <a:latin typeface="Cambria Math" panose="02040503050406030204" pitchFamily="18" charset="0"/>
-                          </a:rPr>
-                          <m:t>𝑷</m:t>
-                        </m:r>
-                      </m:e>
-                      <m:sub>
-                        <m:r>
-                          <a:rPr lang="en-IE" altLang="zh-CN" sz="1600" b="1" i="1" dirty="0" smtClean="0">
-                            <a:solidFill>
-                              <a:schemeClr val="bg1"/>
-                            </a:solidFill>
-                            <a:latin typeface="Cambria Math" panose="02040503050406030204" pitchFamily="18" charset="0"/>
-                          </a:rPr>
-                          <m:t>𝜷</m:t>
-                        </m:r>
-                      </m:sub>
-                    </m:sSub>
-                  </m:oMath>
-                </a14:m>
-                <a:r>
-                  <a:rPr lang="en-US" sz="1600" b="1" dirty="0">
-                    <a:solidFill>
-                      <a:schemeClr val="bg1"/>
-                    </a:solidFill>
-                    <a:latin typeface="LM Roman 12" pitchFamily="2" charset="77"/>
-                  </a:rPr>
-                  <a:t> RegLR Model</a:t>
-                </a:r>
-              </a:p>
-            </p:txBody>
-          </p:sp>
-        </mc:Choice>
-        <mc:Fallback xmlns="">
-          <p:sp>
-            <p:nvSpPr>
-              <p:cNvPr id="10" name="Rounded Rectangle 9">
-                <a:extLst>
-                  <a:ext uri="{FF2B5EF4-FFF2-40B4-BE49-F238E27FC236}">
-                    <a16:creationId xmlns:a16="http://schemas.microsoft.com/office/drawing/2014/main" id="{EF1030F7-2598-8FBF-8A18-3FBDA0889470}"/>
-                  </a:ext>
-                </a:extLst>
-              </p:cNvPr>
-              <p:cNvSpPr>
-                <a:spLocks noRot="1" noChangeAspect="1" noMove="1" noResize="1" noEditPoints="1" noAdjustHandles="1" noChangeArrowheads="1" noChangeShapeType="1" noTextEdit="1"/>
-              </p:cNvSpPr>
-              <p:nvPr/>
-            </p:nvSpPr>
-            <p:spPr>
-              <a:xfrm>
-                <a:off x="2465950" y="4912789"/>
-                <a:ext cx="2091599" cy="334800"/>
-              </a:xfrm>
-              <a:prstGeom prst="roundRect">
-                <a:avLst/>
-              </a:prstGeom>
-              <a:blipFill>
-                <a:blip r:embed="rId3"/>
-                <a:stretch>
-                  <a:fillRect t="-7143" b="-17857"/>
-                </a:stretch>
-              </a:blipFill>
-            </p:spPr>
-            <p:txBody>
-              <a:bodyPr/>
-              <a:lstStyle/>
-              <a:p>
-                <a:r>
-                  <a:rPr lang="en-US">
-                    <a:noFill/>
-                  </a:rPr>
-                  <a:t> </a:t>
-                </a:r>
-              </a:p>
-            </p:txBody>
-          </p:sp>
-        </mc:Fallback>
-      </mc:AlternateContent>
-      <mc:AlternateContent xmlns:mc="http://schemas.openxmlformats.org/markup-compatibility/2006" xmlns:a14="http://schemas.microsoft.com/office/drawing/2010/main">
-        <mc:Choice Requires="a14">
-          <p:sp>
-            <p:nvSpPr>
-              <p:cNvPr id="3" name="Rounded Rectangle 2">
-                <a:extLst>
-                  <a:ext uri="{FF2B5EF4-FFF2-40B4-BE49-F238E27FC236}">
-                    <a16:creationId xmlns:a16="http://schemas.microsoft.com/office/drawing/2014/main" id="{A664F8DB-3045-7F54-0004-AB9F244287D0}"/>
-                  </a:ext>
-                </a:extLst>
-              </p:cNvPr>
-              <p:cNvSpPr/>
-              <p:nvPr/>
-            </p:nvSpPr>
-            <p:spPr>
-              <a:xfrm>
-                <a:off x="2468760" y="1344639"/>
-                <a:ext cx="2090057" cy="334800"/>
-              </a:xfrm>
-              <a:prstGeom prst="roundRect">
-                <a:avLst/>
-              </a:prstGeom>
-              <a:solidFill>
-                <a:schemeClr val="tx1">
-                  <a:lumMod val="50000"/>
-                  <a:lumOff val="50000"/>
-                </a:schemeClr>
-              </a:solidFill>
-            </p:spPr>
-            <p:style>
-              <a:lnRef idx="2">
-                <a:schemeClr val="dk1">
-                  <a:shade val="50000"/>
-                </a:schemeClr>
-              </a:lnRef>
-              <a:fillRef idx="1">
-                <a:schemeClr val="dk1"/>
-              </a:fillRef>
-              <a:effectRef idx="0">
-                <a:schemeClr val="dk1"/>
-              </a:effectRef>
-              <a:fontRef idx="minor">
-                <a:schemeClr val="lt1"/>
-              </a:fontRef>
-            </p:style>
-            <p:txBody>
-              <a:bodyPr rtlCol="0" anchor="ctr"/>
-              <a:lstStyle/>
-              <a:p>
-                <a:pPr algn="ctr"/>
-                <a14:m>
-                  <m:oMath xmlns:m="http://schemas.openxmlformats.org/officeDocument/2006/math">
-                    <m:r>
-                      <a:rPr lang="en-IE" sz="1600" b="1" i="1" dirty="0" smtClean="0">
-                        <a:solidFill>
-                          <a:schemeClr val="bg1"/>
-                        </a:solidFill>
-                        <a:latin typeface="Cambria Math" panose="02040503050406030204" pitchFamily="18" charset="0"/>
-                        <a:ea typeface="Cambria Math" panose="02040503050406030204" pitchFamily="18" charset="0"/>
-                      </a:rPr>
-                      <m:t>𝜷</m:t>
-                    </m:r>
-                  </m:oMath>
-                </a14:m>
-                <a:r>
-                  <a:rPr lang="en-US" sz="1600" b="1" dirty="0">
-                    <a:solidFill>
-                      <a:schemeClr val="bg1"/>
-                    </a:solidFill>
-                    <a:latin typeface="LM Roman 12" pitchFamily="2" charset="77"/>
-                  </a:rPr>
-                  <a:t> </a:t>
-                </a:r>
-                <a:r>
-                  <a:rPr lang="en-US" sz="1600" b="1" dirty="0" err="1">
-                    <a:solidFill>
-                      <a:schemeClr val="bg1"/>
-                    </a:solidFill>
-                    <a:latin typeface="LM Roman 12" pitchFamily="2" charset="77"/>
-                  </a:rPr>
-                  <a:t>SINDyC</a:t>
-                </a:r>
-                <a:r>
-                  <a:rPr lang="en-US" sz="1600" b="1" dirty="0">
-                    <a:solidFill>
-                      <a:schemeClr val="bg1"/>
-                    </a:solidFill>
-                    <a:latin typeface="LM Roman 12" pitchFamily="2" charset="77"/>
-                  </a:rPr>
-                  <a:t> Model</a:t>
-                </a:r>
-              </a:p>
-            </p:txBody>
-          </p:sp>
-        </mc:Choice>
-        <mc:Fallback xmlns="">
-          <p:sp>
-            <p:nvSpPr>
-              <p:cNvPr id="3" name="Rounded Rectangle 2">
-                <a:extLst>
-                  <a:ext uri="{FF2B5EF4-FFF2-40B4-BE49-F238E27FC236}">
-                    <a16:creationId xmlns:a16="http://schemas.microsoft.com/office/drawing/2014/main" id="{A664F8DB-3045-7F54-0004-AB9F244287D0}"/>
-                  </a:ext>
-                </a:extLst>
-              </p:cNvPr>
-              <p:cNvSpPr>
-                <a:spLocks noRot="1" noChangeAspect="1" noMove="1" noResize="1" noEditPoints="1" noAdjustHandles="1" noChangeArrowheads="1" noChangeShapeType="1" noTextEdit="1"/>
-              </p:cNvSpPr>
-              <p:nvPr/>
-            </p:nvSpPr>
-            <p:spPr>
-              <a:xfrm>
-                <a:off x="2468760" y="1344639"/>
-                <a:ext cx="2090057" cy="334800"/>
-              </a:xfrm>
-              <a:prstGeom prst="roundRect">
-                <a:avLst/>
-              </a:prstGeom>
-              <a:blipFill>
-                <a:blip r:embed="rId4"/>
-                <a:stretch>
-                  <a:fillRect t="-3571" b="-21429"/>
-                </a:stretch>
-              </a:blipFill>
-            </p:spPr>
-            <p:txBody>
-              <a:bodyPr/>
-              <a:lstStyle/>
-              <a:p>
-                <a:r>
-                  <a:rPr lang="en-US">
-                    <a:noFill/>
-                  </a:rPr>
-                  <a:t> </a:t>
-                </a:r>
-              </a:p>
-            </p:txBody>
-          </p:sp>
-        </mc:Fallback>
-      </mc:AlternateContent>
-      <mc:AlternateContent xmlns:mc="http://schemas.openxmlformats.org/markup-compatibility/2006" xmlns:a14="http://schemas.microsoft.com/office/drawing/2010/main">
-        <mc:Choice Requires="a14">
-          <p:sp>
-            <p:nvSpPr>
-              <p:cNvPr id="14" name="Parallelogram 13">
-                <a:extLst>
-                  <a:ext uri="{FF2B5EF4-FFF2-40B4-BE49-F238E27FC236}">
-                    <a16:creationId xmlns:a16="http://schemas.microsoft.com/office/drawing/2014/main" id="{E5F408DA-824D-3CAF-C148-783269F77E45}"/>
-                  </a:ext>
-                </a:extLst>
-              </p:cNvPr>
-              <p:cNvSpPr/>
-              <p:nvPr/>
-            </p:nvSpPr>
-            <p:spPr>
-              <a:xfrm>
-                <a:off x="1112733" y="1543840"/>
-                <a:ext cx="818022" cy="334800"/>
+                <a:off x="4162145" y="2548142"/>
+                <a:ext cx="998827" cy="365124"/>
               </a:xfrm>
               <a:prstGeom prst="parallelogram">
                 <a:avLst/>
@@ -5786,12 +5667,66 @@
                       <m:jc m:val="center"/>
                     </m:oMathParaPr>
                     <m:oMath xmlns:m="http://schemas.openxmlformats.org/officeDocument/2006/math">
+                      <m:sSubSup>
+                        <m:sSubSupPr>
+                          <m:ctrlPr>
+                            <a:rPr lang="en-IE" sz="1600" b="0" i="1" smtClean="0">
+                              <a:solidFill>
+                                <a:schemeClr val="tx1"/>
+                              </a:solidFill>
+                              <a:latin typeface="Cambria Math" panose="02040503050406030204" pitchFamily="18" charset="0"/>
+                            </a:rPr>
+                          </m:ctrlPr>
+                        </m:sSubSupPr>
+                        <m:e>
+                          <m:r>
+                            <a:rPr lang="en-IE" sz="1600" b="0" i="1" smtClean="0">
+                              <a:solidFill>
+                                <a:schemeClr val="tx1"/>
+                              </a:solidFill>
+                              <a:latin typeface="Cambria Math" panose="02040503050406030204" pitchFamily="18" charset="0"/>
+                            </a:rPr>
+                            <m:t>𝑈</m:t>
+                          </m:r>
+                        </m:e>
+                        <m:sub>
+                          <m:r>
+                            <a:rPr lang="en-IE" sz="1600" b="0" i="1" smtClean="0">
+                              <a:solidFill>
+                                <a:schemeClr val="tx1"/>
+                              </a:solidFill>
+                              <a:latin typeface="Cambria Math" panose="02040503050406030204" pitchFamily="18" charset="0"/>
+                            </a:rPr>
+                            <m:t>1</m:t>
+                          </m:r>
+                        </m:sub>
+                        <m:sup>
+                          <m:r>
+                            <a:rPr lang="en-IE" sz="1600" b="0" i="1" smtClean="0">
+                              <a:solidFill>
+                                <a:schemeClr val="tx1"/>
+                              </a:solidFill>
+                              <a:latin typeface="Cambria Math" panose="02040503050406030204" pitchFamily="18" charset="0"/>
+                            </a:rPr>
+                            <m:t>𝑚𝑑</m:t>
+                          </m:r>
+                        </m:sup>
+                      </m:sSubSup>
+                      <m:r>
+                        <a:rPr lang="en-IE" sz="1600" b="0" i="1" smtClean="0">
+                          <a:solidFill>
+                            <a:schemeClr val="tx1"/>
+                          </a:solidFill>
+                          <a:latin typeface="Cambria Math" panose="02040503050406030204" pitchFamily="18" charset="0"/>
+                        </a:rPr>
+                        <m:t>(</m:t>
+                      </m:r>
                       <m:sSub>
                         <m:sSubPr>
                           <m:ctrlPr>
-                            <a:rPr lang="en-IE" sz="1600" b="0" i="1" dirty="0" smtClean="0">
+                            <a:rPr lang="en-IE" sz="1600" i="1">
                               <a:solidFill>
-                                <a:sysClr val="windowText" lastClr="000000"/>
+                                <a:schemeClr val="tx1"/>
                               </a:solidFill>
                               <a:latin typeface="Cambria Math" panose="02040503050406030204" pitchFamily="18" charset="0"/>
                             </a:rPr>
@@ -5799,49 +5734,31 @@
                         </m:sSubPr>
                         <m:e>
                           <m:r>
-                            <a:rPr lang="en-IE" sz="1600" b="0" i="1" dirty="0" smtClean="0">
+                            <a:rPr lang="en-IE" sz="1600" i="1">
                               <a:solidFill>
-                                <a:sysClr val="windowText" lastClr="000000"/>
+                                <a:schemeClr val="tx1"/>
                               </a:solidFill>
                               <a:latin typeface="Cambria Math" panose="02040503050406030204" pitchFamily="18" charset="0"/>
                             </a:rPr>
-                            <m:t>𝑢</m:t>
+                            <m:t>𝑘</m:t>
                           </m:r>
                         </m:e>
                         <m:sub>
                           <m:r>
-                            <a:rPr lang="en-IE" sz="1600" b="0" i="1" dirty="0" smtClean="0">
+                            <a:rPr lang="en-IE" sz="1600" i="1">
                               <a:solidFill>
-                                <a:sysClr val="windowText" lastClr="000000"/>
+                                <a:schemeClr val="tx1"/>
                               </a:solidFill>
                               <a:latin typeface="Cambria Math" panose="02040503050406030204" pitchFamily="18" charset="0"/>
                             </a:rPr>
-                            <m:t>𝑥</m:t>
+                            <m:t>𝑗</m:t>
                           </m:r>
                         </m:sub>
                       </m:sSub>
                       <m:r>
-                        <a:rPr lang="en-IE" sz="1600" b="0" i="1" dirty="0" smtClean="0">
+                        <a:rPr lang="en-IE" sz="1600" b="0" i="1" smtClean="0">
                           <a:solidFill>
-                            <a:sysClr val="windowText" lastClr="000000"/>
-                          </a:solidFill>
-                          <a:latin typeface="Cambria Math" panose="02040503050406030204" pitchFamily="18" charset="0"/>
-                        </a:rPr>
-                        <m:t>(</m:t>
-                      </m:r>
-                      <m:r>
-                        <a:rPr lang="en-IE" sz="1600" b="0" i="1" dirty="0" smtClean="0">
-                          <a:solidFill>
-                            <a:sysClr val="windowText" lastClr="000000"/>
-                          </a:solidFill>
-                          <a:latin typeface="Cambria Math" panose="02040503050406030204" pitchFamily="18" charset="0"/>
-                        </a:rPr>
-                        <m:t>𝑡</m:t>
-                      </m:r>
-                      <m:r>
-                        <a:rPr lang="en-IE" sz="1600" b="0" i="1" dirty="0" smtClean="0">
-                          <a:solidFill>
-                            <a:sysClr val="windowText" lastClr="000000"/>
+                            <a:schemeClr val="tx1"/>
                           </a:solidFill>
                           <a:latin typeface="Cambria Math" panose="02040503050406030204" pitchFamily="18" charset="0"/>
                         </a:rPr>
@@ -5850,22 +5767,23 @@
                     </m:oMath>
                   </m:oMathPara>
                 </a14:m>
-                <a:endParaRPr lang="en-IE" sz="1600" dirty="0">
+                <a:endParaRPr lang="en-US" sz="1600" dirty="0">
                   <a:solidFill>
-                    <a:sysClr val="windowText" lastClr="000000"/>
+                    <a:schemeClr val="tx1"/>
                   </a:solidFill>
+                  <a:latin typeface="LM Roman 12" pitchFamily="2" charset="77"/>
                 </a:endParaRPr>
               </a:p>
             </p:txBody>
           </p:sp>
         </mc:Choice>
-        <mc:Fallback xmlns="">
+        <mc:Fallback>
           <p:sp>
             <p:nvSpPr>
-              <p:cNvPr id="14" name="Parallelogram 13">
+              <p:cNvPr id="81" name="Parallelogram 80">
                 <a:extLst>
                   <a:ext uri="{FF2B5EF4-FFF2-40B4-BE49-F238E27FC236}">
-                    <a16:creationId xmlns:a16="http://schemas.microsoft.com/office/drawing/2014/main" id="{E5F408DA-824D-3CAF-C148-783269F77E45}"/>
+                    <a16:creationId xmlns:a16="http://schemas.microsoft.com/office/drawing/2014/main" id="{135F239D-C8F6-A2AD-B9A0-0D7F5E26D012}"/>
                   </a:ext>
                 </a:extLst>
               </p:cNvPr>
@@ -5876,16 +5794,16 @@
             </p:nvSpPr>
             <p:spPr>
               <a:xfrm>
-                <a:off x="1112733" y="1543840"/>
-                <a:ext cx="818022" cy="334800"/>
+                <a:off x="4162145" y="2548142"/>
+                <a:ext cx="998827" cy="365124"/>
               </a:xfrm>
               <a:prstGeom prst="parallelogram">
                 <a:avLst/>
               </a:prstGeom>
               <a:blipFill>
-                <a:blip r:embed="rId5"/>
+                <a:blip r:embed="rId3"/>
                 <a:stretch>
-                  <a:fillRect b="-10345"/>
+                  <a:fillRect b="-6667"/>
                 </a:stretch>
               </a:blipFill>
             </p:spPr>
@@ -5904,14 +5822,14 @@
           </p:sp>
         </mc:Fallback>
       </mc:AlternateContent>
-      <mc:AlternateContent xmlns:mc="http://schemas.openxmlformats.org/markup-compatibility/2006" xmlns:a14="http://schemas.microsoft.com/office/drawing/2010/main">
-        <mc:Choice Requires="a14">
+      <mc:AlternateContent xmlns:mc="http://schemas.openxmlformats.org/markup-compatibility/2006">
+        <mc:Choice xmlns:a14="http://schemas.microsoft.com/office/drawing/2010/main" Requires="a14">
           <p:sp>
             <p:nvSpPr>
-              <p:cNvPr id="15" name="Parallelogram 14">
+              <p:cNvPr id="71" name="Oval 70">
                 <a:extLst>
                   <a:ext uri="{FF2B5EF4-FFF2-40B4-BE49-F238E27FC236}">
-                    <a16:creationId xmlns:a16="http://schemas.microsoft.com/office/drawing/2014/main" id="{E20E15E5-6995-719E-32E7-D2C0083F2FF6}"/>
+                    <a16:creationId xmlns:a16="http://schemas.microsoft.com/office/drawing/2014/main" id="{5360D9AB-E620-5156-6940-05E9D0A7E61D}"/>
                   </a:ext>
                 </a:extLst>
               </p:cNvPr>
@@ -5920,8 +5838,1290 @@
             </p:nvSpPr>
             <p:spPr>
               <a:xfrm>
-                <a:off x="1181389" y="1075405"/>
-                <a:ext cx="708228" cy="334637"/>
+                <a:off x="5356538" y="2535776"/>
+                <a:ext cx="450000" cy="450000"/>
+              </a:xfrm>
+              <a:prstGeom prst="ellipse">
+                <a:avLst/>
+              </a:prstGeom>
+              <a:ln>
+                <a:noFill/>
+              </a:ln>
+            </p:spPr>
+            <p:style>
+              <a:lnRef idx="1">
+                <a:schemeClr val="dk1"/>
+              </a:lnRef>
+              <a:fillRef idx="2">
+                <a:schemeClr val="dk1"/>
+              </a:fillRef>
+              <a:effectRef idx="1">
+                <a:schemeClr val="dk1"/>
+              </a:effectRef>
+              <a:fontRef idx="minor">
+                <a:schemeClr val="dk1"/>
+              </a:fontRef>
+            </p:style>
+            <p:txBody>
+              <a:bodyPr vert="horz" lIns="0" tIns="0" rIns="0" bIns="0" rtlCol="0" anchor="ctr" anchorCtr="0">
+                <a:normAutofit fontScale="40000" lnSpcReduction="20000"/>
+              </a:bodyPr>
+              <a:lstStyle/>
+              <a:p>
+                <a:pPr algn="ctr"/>
+                <a14:m>
+                  <m:oMathPara xmlns:m="http://schemas.openxmlformats.org/officeDocument/2006/math">
+                    <m:oMathParaPr>
+                      <m:jc m:val="centerGroup"/>
+                    </m:oMathParaPr>
+                    <m:oMath xmlns:m="http://schemas.openxmlformats.org/officeDocument/2006/math">
+                      <m:r>
+                        <a:rPr lang="en-IE" sz="4800" b="1" i="0" spc="-300" smtClean="0">
+                          <a:latin typeface="Cambria Math" panose="02040503050406030204" pitchFamily="18" charset="0"/>
+                        </a:rPr>
+                        <m:t>+</m:t>
+                      </m:r>
+                    </m:oMath>
+                  </m:oMathPara>
+                </a14:m>
+                <a:endParaRPr lang="en-US" sz="4800" b="1" spc="-300" dirty="0"/>
+              </a:p>
+            </p:txBody>
+          </p:sp>
+        </mc:Choice>
+        <mc:Fallback>
+          <p:sp>
+            <p:nvSpPr>
+              <p:cNvPr id="71" name="Oval 70">
+                <a:extLst>
+                  <a:ext uri="{FF2B5EF4-FFF2-40B4-BE49-F238E27FC236}">
+                    <a16:creationId xmlns:a16="http://schemas.microsoft.com/office/drawing/2014/main" id="{5360D9AB-E620-5156-6940-05E9D0A7E61D}"/>
+                  </a:ext>
+                </a:extLst>
+              </p:cNvPr>
+              <p:cNvSpPr>
+                <a:spLocks noRot="1" noChangeAspect="1" noMove="1" noResize="1" noEditPoints="1" noAdjustHandles="1" noChangeArrowheads="1" noChangeShapeType="1" noTextEdit="1"/>
+              </p:cNvSpPr>
+              <p:nvPr/>
+            </p:nvSpPr>
+            <p:spPr>
+              <a:xfrm>
+                <a:off x="5356538" y="2535776"/>
+                <a:ext cx="450000" cy="450000"/>
+              </a:xfrm>
+              <a:prstGeom prst="ellipse">
+                <a:avLst/>
+              </a:prstGeom>
+              <a:blipFill>
+                <a:blip r:embed="rId4"/>
+                <a:stretch>
+                  <a:fillRect/>
+                </a:stretch>
+              </a:blipFill>
+              <a:ln>
+                <a:noFill/>
+              </a:ln>
+            </p:spPr>
+            <p:txBody>
+              <a:bodyPr/>
+              <a:lstStyle/>
+              <a:p>
+                <a:r>
+                  <a:rPr lang="en-US">
+                    <a:noFill/>
+                  </a:rPr>
+                  <a:t> </a:t>
+                </a:r>
+              </a:p>
+            </p:txBody>
+          </p:sp>
+        </mc:Fallback>
+      </mc:AlternateContent>
+      <mc:AlternateContent xmlns:mc="http://schemas.openxmlformats.org/markup-compatibility/2006">
+        <mc:Choice xmlns:a14="http://schemas.microsoft.com/office/drawing/2010/main" Requires="a14">
+          <p:sp>
+            <p:nvSpPr>
+              <p:cNvPr id="146" name="Oval 145">
+                <a:extLst>
+                  <a:ext uri="{FF2B5EF4-FFF2-40B4-BE49-F238E27FC236}">
+                    <a16:creationId xmlns:a16="http://schemas.microsoft.com/office/drawing/2014/main" id="{25505E2A-C6A6-FA7A-801C-9D263DA93F0B}"/>
+                  </a:ext>
+                </a:extLst>
+              </p:cNvPr>
+              <p:cNvSpPr/>
+              <p:nvPr/>
+            </p:nvSpPr>
+            <p:spPr>
+              <a:xfrm>
+                <a:off x="5352911" y="4311311"/>
+                <a:ext cx="450000" cy="450000"/>
+              </a:xfrm>
+              <a:prstGeom prst="ellipse">
+                <a:avLst/>
+              </a:prstGeom>
+              <a:ln>
+                <a:noFill/>
+              </a:ln>
+            </p:spPr>
+            <p:style>
+              <a:lnRef idx="1">
+                <a:schemeClr val="dk1"/>
+              </a:lnRef>
+              <a:fillRef idx="2">
+                <a:schemeClr val="dk1"/>
+              </a:fillRef>
+              <a:effectRef idx="1">
+                <a:schemeClr val="dk1"/>
+              </a:effectRef>
+              <a:fontRef idx="minor">
+                <a:schemeClr val="dk1"/>
+              </a:fontRef>
+            </p:style>
+            <p:txBody>
+              <a:bodyPr vert="horz" lIns="0" tIns="0" rIns="0" bIns="0" rtlCol="0" anchor="ctr" anchorCtr="0">
+                <a:normAutofit fontScale="40000" lnSpcReduction="20000"/>
+              </a:bodyPr>
+              <a:lstStyle/>
+              <a:p>
+                <a:pPr algn="ctr"/>
+                <a14:m>
+                  <m:oMathPara xmlns:m="http://schemas.openxmlformats.org/officeDocument/2006/math">
+                    <m:oMathParaPr>
+                      <m:jc m:val="centerGroup"/>
+                    </m:oMathParaPr>
+                    <m:oMath xmlns:m="http://schemas.openxmlformats.org/officeDocument/2006/math">
+                      <m:r>
+                        <a:rPr lang="en-IE" sz="4800" b="1" i="0" spc="-300" smtClean="0">
+                          <a:latin typeface="Cambria Math" panose="02040503050406030204" pitchFamily="18" charset="0"/>
+                        </a:rPr>
+                        <m:t>+</m:t>
+                      </m:r>
+                    </m:oMath>
+                  </m:oMathPara>
+                </a14:m>
+                <a:endParaRPr lang="en-US" sz="4800" b="1" spc="-300" dirty="0"/>
+              </a:p>
+            </p:txBody>
+          </p:sp>
+        </mc:Choice>
+        <mc:Fallback>
+          <p:sp>
+            <p:nvSpPr>
+              <p:cNvPr id="146" name="Oval 145">
+                <a:extLst>
+                  <a:ext uri="{FF2B5EF4-FFF2-40B4-BE49-F238E27FC236}">
+                    <a16:creationId xmlns:a16="http://schemas.microsoft.com/office/drawing/2014/main" id="{25505E2A-C6A6-FA7A-801C-9D263DA93F0B}"/>
+                  </a:ext>
+                </a:extLst>
+              </p:cNvPr>
+              <p:cNvSpPr>
+                <a:spLocks noRot="1" noChangeAspect="1" noMove="1" noResize="1" noEditPoints="1" noAdjustHandles="1" noChangeArrowheads="1" noChangeShapeType="1" noTextEdit="1"/>
+              </p:cNvSpPr>
+              <p:nvPr/>
+            </p:nvSpPr>
+            <p:spPr>
+              <a:xfrm>
+                <a:off x="5352911" y="4311311"/>
+                <a:ext cx="450000" cy="450000"/>
+              </a:xfrm>
+              <a:prstGeom prst="ellipse">
+                <a:avLst/>
+              </a:prstGeom>
+              <a:blipFill>
+                <a:blip r:embed="rId5"/>
+                <a:stretch>
+                  <a:fillRect/>
+                </a:stretch>
+              </a:blipFill>
+              <a:ln>
+                <a:noFill/>
+              </a:ln>
+            </p:spPr>
+            <p:txBody>
+              <a:bodyPr/>
+              <a:lstStyle/>
+              <a:p>
+                <a:r>
+                  <a:rPr lang="en-US">
+                    <a:noFill/>
+                  </a:rPr>
+                  <a:t> </a:t>
+                </a:r>
+              </a:p>
+            </p:txBody>
+          </p:sp>
+        </mc:Fallback>
+      </mc:AlternateContent>
+      <mc:AlternateContent xmlns:mc="http://schemas.openxmlformats.org/markup-compatibility/2006">
+        <mc:Choice xmlns:a14="http://schemas.microsoft.com/office/drawing/2010/main" Requires="a14">
+          <p:sp>
+            <p:nvSpPr>
+              <p:cNvPr id="154" name="Oval 153">
+                <a:extLst>
+                  <a:ext uri="{FF2B5EF4-FFF2-40B4-BE49-F238E27FC236}">
+                    <a16:creationId xmlns:a16="http://schemas.microsoft.com/office/drawing/2014/main" id="{BAB8078C-499C-83E4-F7D2-19FFDD3CF688}"/>
+                  </a:ext>
+                </a:extLst>
+              </p:cNvPr>
+              <p:cNvSpPr/>
+              <p:nvPr/>
+            </p:nvSpPr>
+            <p:spPr>
+              <a:xfrm>
+                <a:off x="5352911" y="6134435"/>
+                <a:ext cx="450000" cy="450000"/>
+              </a:xfrm>
+              <a:prstGeom prst="ellipse">
+                <a:avLst/>
+              </a:prstGeom>
+              <a:ln>
+                <a:noFill/>
+              </a:ln>
+            </p:spPr>
+            <p:style>
+              <a:lnRef idx="1">
+                <a:schemeClr val="dk1"/>
+              </a:lnRef>
+              <a:fillRef idx="2">
+                <a:schemeClr val="dk1"/>
+              </a:fillRef>
+              <a:effectRef idx="1">
+                <a:schemeClr val="dk1"/>
+              </a:effectRef>
+              <a:fontRef idx="minor">
+                <a:schemeClr val="dk1"/>
+              </a:fontRef>
+            </p:style>
+            <p:txBody>
+              <a:bodyPr vert="horz" lIns="0" tIns="0" rIns="0" bIns="0" rtlCol="0" anchor="ctr" anchorCtr="0">
+                <a:normAutofit fontScale="40000" lnSpcReduction="20000"/>
+              </a:bodyPr>
+              <a:lstStyle/>
+              <a:p>
+                <a:pPr algn="ctr"/>
+                <a14:m>
+                  <m:oMathPara xmlns:m="http://schemas.openxmlformats.org/officeDocument/2006/math">
+                    <m:oMathParaPr>
+                      <m:jc m:val="centerGroup"/>
+                    </m:oMathParaPr>
+                    <m:oMath xmlns:m="http://schemas.openxmlformats.org/officeDocument/2006/math">
+                      <m:r>
+                        <a:rPr lang="en-IE" sz="4800" b="1" i="0" spc="-300" smtClean="0">
+                          <a:latin typeface="Cambria Math" panose="02040503050406030204" pitchFamily="18" charset="0"/>
+                        </a:rPr>
+                        <m:t>+</m:t>
+                      </m:r>
+                    </m:oMath>
+                  </m:oMathPara>
+                </a14:m>
+                <a:endParaRPr lang="en-US" sz="4800" b="1" spc="-300" dirty="0"/>
+              </a:p>
+            </p:txBody>
+          </p:sp>
+        </mc:Choice>
+        <mc:Fallback>
+          <p:sp>
+            <p:nvSpPr>
+              <p:cNvPr id="154" name="Oval 153">
+                <a:extLst>
+                  <a:ext uri="{FF2B5EF4-FFF2-40B4-BE49-F238E27FC236}">
+                    <a16:creationId xmlns:a16="http://schemas.microsoft.com/office/drawing/2014/main" id="{BAB8078C-499C-83E4-F7D2-19FFDD3CF688}"/>
+                  </a:ext>
+                </a:extLst>
+              </p:cNvPr>
+              <p:cNvSpPr>
+                <a:spLocks noRot="1" noChangeAspect="1" noMove="1" noResize="1" noEditPoints="1" noAdjustHandles="1" noChangeArrowheads="1" noChangeShapeType="1" noTextEdit="1"/>
+              </p:cNvSpPr>
+              <p:nvPr/>
+            </p:nvSpPr>
+            <p:spPr>
+              <a:xfrm>
+                <a:off x="5352911" y="6134435"/>
+                <a:ext cx="450000" cy="450000"/>
+              </a:xfrm>
+              <a:prstGeom prst="ellipse">
+                <a:avLst/>
+              </a:prstGeom>
+              <a:blipFill>
+                <a:blip r:embed="rId6"/>
+                <a:stretch>
+                  <a:fillRect/>
+                </a:stretch>
+              </a:blipFill>
+              <a:ln>
+                <a:noFill/>
+              </a:ln>
+            </p:spPr>
+            <p:txBody>
+              <a:bodyPr/>
+              <a:lstStyle/>
+              <a:p>
+                <a:r>
+                  <a:rPr lang="en-US">
+                    <a:noFill/>
+                  </a:rPr>
+                  <a:t> </a:t>
+                </a:r>
+              </a:p>
+            </p:txBody>
+          </p:sp>
+        </mc:Fallback>
+      </mc:AlternateContent>
+      <p:sp>
+        <p:nvSpPr>
+          <p:cNvPr id="164" name="TextBox 163">
+            <a:extLst>
+              <a:ext uri="{FF2B5EF4-FFF2-40B4-BE49-F238E27FC236}">
+                <a16:creationId xmlns:a16="http://schemas.microsoft.com/office/drawing/2014/main" id="{71558FFF-7DCD-EA65-8B0A-2BD87DB57C77}"/>
+              </a:ext>
+            </a:extLst>
+          </p:cNvPr>
+          <p:cNvSpPr txBox="1"/>
+          <p:nvPr/>
+        </p:nvSpPr>
+        <p:spPr>
+          <a:xfrm>
+            <a:off x="5452428" y="3039400"/>
+            <a:ext cx="297690" cy="553998"/>
+          </a:xfrm>
+          <a:prstGeom prst="rect">
+            <a:avLst/>
+          </a:prstGeom>
+          <a:noFill/>
+        </p:spPr>
+        <p:txBody>
+          <a:bodyPr wrap="square" tIns="0" bIns="0" rtlCol="0">
+            <a:spAutoFit/>
+          </a:bodyPr>
+          <a:lstStyle/>
+          <a:p>
+            <a:r>
+              <a:rPr lang="en-US" sz="1200" b="1" dirty="0"/>
+              <a:t>.</a:t>
+            </a:r>
+          </a:p>
+          <a:p>
+            <a:r>
+              <a:rPr lang="en-US" sz="1200" b="1" dirty="0"/>
+              <a:t>.</a:t>
+            </a:r>
+          </a:p>
+          <a:p>
+            <a:r>
+              <a:rPr lang="en-US" sz="1200" b="1" dirty="0"/>
+              <a:t>.</a:t>
+            </a:r>
+          </a:p>
+        </p:txBody>
+      </p:sp>
+      <p:grpSp>
+        <p:nvGrpSpPr>
+          <p:cNvPr id="326" name="Group 325">
+            <a:extLst>
+              <a:ext uri="{FF2B5EF4-FFF2-40B4-BE49-F238E27FC236}">
+                <a16:creationId xmlns:a16="http://schemas.microsoft.com/office/drawing/2014/main" id="{3B6D731D-25B2-CFF5-1193-164526719355}"/>
+              </a:ext>
+            </a:extLst>
+          </p:cNvPr>
+          <p:cNvGrpSpPr/>
+          <p:nvPr/>
+        </p:nvGrpSpPr>
+        <p:grpSpPr>
+          <a:xfrm>
+            <a:off x="2820109" y="1956071"/>
+            <a:ext cx="3238275" cy="579705"/>
+            <a:chOff x="2820109" y="1956071"/>
+            <a:chExt cx="3238275" cy="579705"/>
+          </a:xfrm>
+        </p:grpSpPr>
+        <p:cxnSp>
+          <p:nvCxnSpPr>
+            <p:cNvPr id="138" name="Straight Arrow Connector 137">
+              <a:extLst>
+                <a:ext uri="{FF2B5EF4-FFF2-40B4-BE49-F238E27FC236}">
+                  <a16:creationId xmlns:a16="http://schemas.microsoft.com/office/drawing/2014/main" id="{5FC692DA-032A-120B-B5E2-BF2CE8D2CE3A}"/>
+                </a:ext>
+              </a:extLst>
+            </p:cNvPr>
+            <p:cNvCxnSpPr>
+              <a:cxnSpLocks/>
+              <a:stCxn id="71" idx="0"/>
+              <a:endCxn id="168" idx="3"/>
+            </p:cNvCxnSpPr>
+            <p:nvPr/>
+          </p:nvCxnSpPr>
+          <p:spPr>
+            <a:xfrm flipV="1">
+              <a:off x="5581538" y="2304170"/>
+              <a:ext cx="800" cy="231606"/>
+            </a:xfrm>
+            <a:prstGeom prst="straightConnector1">
+              <a:avLst/>
+            </a:prstGeom>
+            <a:ln w="38100">
+              <a:solidFill>
+                <a:schemeClr val="tx1"/>
+              </a:solidFill>
+              <a:headEnd type="triangle"/>
+              <a:tailEnd type="none"/>
+            </a:ln>
+          </p:spPr>
+          <p:style>
+            <a:lnRef idx="1">
+              <a:schemeClr val="accent1"/>
+            </a:lnRef>
+            <a:fillRef idx="0">
+              <a:schemeClr val="accent1"/>
+            </a:fillRef>
+            <a:effectRef idx="0">
+              <a:schemeClr val="accent1"/>
+            </a:effectRef>
+            <a:fontRef idx="minor">
+              <a:schemeClr val="tx1"/>
+            </a:fontRef>
+          </p:style>
+        </p:cxnSp>
+        <mc:AlternateContent xmlns:mc="http://schemas.openxmlformats.org/markup-compatibility/2006">
+          <mc:Choice xmlns:a14="http://schemas.microsoft.com/office/drawing/2010/main" Requires="a14">
+            <p:sp>
+              <p:nvSpPr>
+                <p:cNvPr id="168" name="Parallelogram 167">
+                  <a:extLst>
+                    <a:ext uri="{FF2B5EF4-FFF2-40B4-BE49-F238E27FC236}">
+                      <a16:creationId xmlns:a16="http://schemas.microsoft.com/office/drawing/2014/main" id="{1E50A88D-F48C-3831-E4BC-95085F4FD1B5}"/>
+                    </a:ext>
+                  </a:extLst>
+                </p:cNvPr>
+                <p:cNvSpPr/>
+                <p:nvPr/>
+              </p:nvSpPr>
+              <p:spPr>
+                <a:xfrm>
+                  <a:off x="5193317" y="1956071"/>
+                  <a:ext cx="865067" cy="348099"/>
+                </a:xfrm>
+                <a:prstGeom prst="parallelogram">
+                  <a:avLst/>
+                </a:prstGeom>
+                <a:solidFill>
+                  <a:schemeClr val="bg2">
+                    <a:lumMod val="20000"/>
+                    <a:lumOff val="80000"/>
+                  </a:schemeClr>
+                </a:solidFill>
+              </p:spPr>
+              <p:style>
+                <a:lnRef idx="2">
+                  <a:schemeClr val="accent1">
+                    <a:shade val="50000"/>
+                  </a:schemeClr>
+                </a:lnRef>
+                <a:fillRef idx="1">
+                  <a:schemeClr val="accent1"/>
+                </a:fillRef>
+                <a:effectRef idx="0">
+                  <a:schemeClr val="accent1"/>
+                </a:effectRef>
+                <a:fontRef idx="minor">
+                  <a:schemeClr val="lt1"/>
+                </a:fontRef>
+              </p:style>
+              <p:txBody>
+                <a:bodyPr rtlCol="0" anchor="ctr"/>
+                <a:lstStyle/>
+                <a:p>
+                  <a:pPr algn="ctr"/>
+                  <a14:m>
+                    <m:oMathPara xmlns:m="http://schemas.openxmlformats.org/officeDocument/2006/math">
+                      <m:oMathParaPr>
+                        <m:jc m:val="center"/>
+                      </m:oMathParaPr>
+                      <m:oMath xmlns:m="http://schemas.openxmlformats.org/officeDocument/2006/math">
+                        <m:r>
+                          <a:rPr lang="en-IE" sz="1600" b="0" i="1" smtClean="0">
+                            <a:solidFill>
+                              <a:schemeClr val="tx1"/>
+                            </a:solidFill>
+                            <a:latin typeface="Cambria Math" panose="02040503050406030204" pitchFamily="18" charset="0"/>
+                          </a:rPr>
+                          <m:t>𝛿</m:t>
+                        </m:r>
+                        <m:sSubSup>
+                          <m:sSubSupPr>
+                            <m:ctrlPr>
+                              <a:rPr lang="en-IE" sz="1600" b="0" i="1" smtClean="0">
+                                <a:solidFill>
+                                  <a:schemeClr val="tx1"/>
+                                </a:solidFill>
+                                <a:latin typeface="Cambria Math" panose="02040503050406030204" pitchFamily="18" charset="0"/>
+                              </a:rPr>
+                            </m:ctrlPr>
+                          </m:sSubSupPr>
+                          <m:e>
+                            <m:r>
+                              <a:rPr lang="en-IE" sz="1600" b="0" i="1" smtClean="0">
+                                <a:solidFill>
+                                  <a:schemeClr val="tx1"/>
+                                </a:solidFill>
+                                <a:latin typeface="Cambria Math" panose="02040503050406030204" pitchFamily="18" charset="0"/>
+                              </a:rPr>
+                              <m:t>𝑈</m:t>
+                            </m:r>
+                          </m:e>
+                          <m:sub>
+                            <m:r>
+                              <a:rPr lang="en-IE" sz="1600" b="0" i="1" smtClean="0">
+                                <a:solidFill>
+                                  <a:schemeClr val="tx1"/>
+                                </a:solidFill>
+                                <a:latin typeface="Cambria Math" panose="02040503050406030204" pitchFamily="18" charset="0"/>
+                              </a:rPr>
+                              <m:t>1</m:t>
+                            </m:r>
+                          </m:sub>
+                          <m:sup>
+                            <m:r>
+                              <a:rPr lang="en-IE" sz="1600" b="0" i="1" smtClean="0">
+                                <a:solidFill>
+                                  <a:schemeClr val="tx1"/>
+                                </a:solidFill>
+                                <a:latin typeface="Cambria Math" panose="02040503050406030204" pitchFamily="18" charset="0"/>
+                              </a:rPr>
+                              <m:t>𝑙</m:t>
+                            </m:r>
+                          </m:sup>
+                        </m:sSubSup>
+                        <m:r>
+                          <a:rPr lang="en-IE" sz="1600" b="0" i="1" smtClean="0">
+                            <a:solidFill>
+                              <a:schemeClr val="tx1"/>
+                            </a:solidFill>
+                            <a:latin typeface="Cambria Math" panose="02040503050406030204" pitchFamily="18" charset="0"/>
+                          </a:rPr>
+                          <m:t>(</m:t>
+                        </m:r>
+                        <m:sSub>
+                          <m:sSubPr>
+                            <m:ctrlPr>
+                              <a:rPr lang="en-IE" sz="1600" i="1">
+                                <a:solidFill>
+                                  <a:schemeClr val="tx1"/>
+                                </a:solidFill>
+                                <a:latin typeface="Cambria Math" panose="02040503050406030204" pitchFamily="18" charset="0"/>
+                              </a:rPr>
+                            </m:ctrlPr>
+                          </m:sSubPr>
+                          <m:e>
+                            <m:r>
+                              <a:rPr lang="en-IE" sz="1600" i="1">
+                                <a:solidFill>
+                                  <a:schemeClr val="tx1"/>
+                                </a:solidFill>
+                                <a:latin typeface="Cambria Math" panose="02040503050406030204" pitchFamily="18" charset="0"/>
+                              </a:rPr>
+                              <m:t>𝑘</m:t>
+                            </m:r>
+                          </m:e>
+                          <m:sub>
+                            <m:r>
+                              <a:rPr lang="en-IE" sz="1600" i="1">
+                                <a:solidFill>
+                                  <a:schemeClr val="tx1"/>
+                                </a:solidFill>
+                                <a:latin typeface="Cambria Math" panose="02040503050406030204" pitchFamily="18" charset="0"/>
+                              </a:rPr>
+                              <m:t>𝑗</m:t>
+                            </m:r>
+                          </m:sub>
+                        </m:sSub>
+                        <m:r>
+                          <a:rPr lang="en-IE" sz="1600" b="0" i="1" smtClean="0">
+                            <a:solidFill>
+                              <a:schemeClr val="tx1"/>
+                            </a:solidFill>
+                            <a:latin typeface="Cambria Math" panose="02040503050406030204" pitchFamily="18" charset="0"/>
+                          </a:rPr>
+                          <m:t>)</m:t>
+                        </m:r>
+                      </m:oMath>
+                    </m:oMathPara>
+                  </a14:m>
+                  <a:endParaRPr lang="en-US" sz="1600" dirty="0">
+                    <a:solidFill>
+                      <a:schemeClr val="tx1"/>
+                    </a:solidFill>
+                    <a:latin typeface="LM Roman 12" pitchFamily="2" charset="77"/>
+                  </a:endParaRPr>
+                </a:p>
+              </p:txBody>
+            </p:sp>
+          </mc:Choice>
+          <mc:Fallback>
+            <p:sp>
+              <p:nvSpPr>
+                <p:cNvPr id="168" name="Parallelogram 167">
+                  <a:extLst>
+                    <a:ext uri="{FF2B5EF4-FFF2-40B4-BE49-F238E27FC236}">
+                      <a16:creationId xmlns:a16="http://schemas.microsoft.com/office/drawing/2014/main" id="{1E50A88D-F48C-3831-E4BC-95085F4FD1B5}"/>
+                    </a:ext>
+                  </a:extLst>
+                </p:cNvPr>
+                <p:cNvSpPr>
+                  <a:spLocks noRot="1" noChangeAspect="1" noMove="1" noResize="1" noEditPoints="1" noAdjustHandles="1" noChangeArrowheads="1" noChangeShapeType="1" noTextEdit="1"/>
+                </p:cNvSpPr>
+                <p:nvPr/>
+              </p:nvSpPr>
+              <p:spPr>
+                <a:xfrm>
+                  <a:off x="5193317" y="1956071"/>
+                  <a:ext cx="865067" cy="348099"/>
+                </a:xfrm>
+                <a:prstGeom prst="parallelogram">
+                  <a:avLst/>
+                </a:prstGeom>
+                <a:blipFill>
+                  <a:blip r:embed="rId7"/>
+                  <a:stretch>
+                    <a:fillRect b="-10345"/>
+                  </a:stretch>
+                </a:blipFill>
+              </p:spPr>
+              <p:txBody>
+                <a:bodyPr/>
+                <a:lstStyle/>
+                <a:p>
+                  <a:r>
+                    <a:rPr lang="en-US">
+                      <a:noFill/>
+                    </a:rPr>
+                    <a:t> </a:t>
+                  </a:r>
+                </a:p>
+              </p:txBody>
+            </p:sp>
+          </mc:Fallback>
+        </mc:AlternateContent>
+        <mc:AlternateContent xmlns:mc="http://schemas.openxmlformats.org/markup-compatibility/2006">
+          <mc:Choice xmlns:a14="http://schemas.microsoft.com/office/drawing/2010/main" Requires="a14">
+            <p:sp>
+              <p:nvSpPr>
+                <p:cNvPr id="116" name="Parallelogram 115">
+                  <a:extLst>
+                    <a:ext uri="{FF2B5EF4-FFF2-40B4-BE49-F238E27FC236}">
+                      <a16:creationId xmlns:a16="http://schemas.microsoft.com/office/drawing/2014/main" id="{9D706B3E-72EC-276E-A897-1EAFFE5941E1}"/>
+                    </a:ext>
+                  </a:extLst>
+                </p:cNvPr>
+                <p:cNvSpPr/>
+                <p:nvPr/>
+              </p:nvSpPr>
+              <p:spPr>
+                <a:xfrm>
+                  <a:off x="2820109" y="1956072"/>
+                  <a:ext cx="831451" cy="348099"/>
+                </a:xfrm>
+                <a:prstGeom prst="parallelogram">
+                  <a:avLst/>
+                </a:prstGeom>
+                <a:solidFill>
+                  <a:schemeClr val="bg2">
+                    <a:lumMod val="20000"/>
+                    <a:lumOff val="80000"/>
+                  </a:schemeClr>
+                </a:solidFill>
+              </p:spPr>
+              <p:style>
+                <a:lnRef idx="2">
+                  <a:schemeClr val="accent1">
+                    <a:shade val="50000"/>
+                  </a:schemeClr>
+                </a:lnRef>
+                <a:fillRef idx="1">
+                  <a:schemeClr val="accent1"/>
+                </a:fillRef>
+                <a:effectRef idx="0">
+                  <a:schemeClr val="accent1"/>
+                </a:effectRef>
+                <a:fontRef idx="minor">
+                  <a:schemeClr val="lt1"/>
+                </a:fontRef>
+              </p:style>
+              <p:txBody>
+                <a:bodyPr rtlCol="0" anchor="ctr"/>
+                <a:lstStyle/>
+                <a:p>
+                  <a:pPr algn="ctr"/>
+                  <a14:m>
+                    <m:oMathPara xmlns:m="http://schemas.openxmlformats.org/officeDocument/2006/math">
+                      <m:oMathParaPr>
+                        <m:jc m:val="center"/>
+                      </m:oMathParaPr>
+                      <m:oMath xmlns:m="http://schemas.openxmlformats.org/officeDocument/2006/math">
+                        <m:sSub>
+                          <m:sSubPr>
+                            <m:ctrlPr>
+                              <a:rPr lang="en-IE" sz="1600" b="0" i="1" smtClean="0">
+                                <a:solidFill>
+                                  <a:schemeClr val="tx1"/>
+                                </a:solidFill>
+                                <a:latin typeface="Cambria Math" panose="02040503050406030204" pitchFamily="18" charset="0"/>
+                              </a:rPr>
+                            </m:ctrlPr>
+                          </m:sSubPr>
+                          <m:e>
+                            <m:r>
+                              <a:rPr lang="el-GR" sz="1600" b="1" i="1" smtClean="0">
+                                <a:solidFill>
+                                  <a:schemeClr val="tx1"/>
+                                </a:solidFill>
+                                <a:latin typeface="Cambria Math" panose="02040503050406030204" pitchFamily="18" charset="0"/>
+                                <a:ea typeface="Cambria Math" panose="02040503050406030204" pitchFamily="18" charset="0"/>
+                              </a:rPr>
+                              <m:t>𝜲</m:t>
+                            </m:r>
+                          </m:e>
+                          <m:sub>
+                            <m:r>
+                              <a:rPr lang="en-IE" sz="1600" b="0" i="1" smtClean="0">
+                                <a:solidFill>
+                                  <a:schemeClr val="tx1"/>
+                                </a:solidFill>
+                                <a:latin typeface="Cambria Math" panose="02040503050406030204" pitchFamily="18" charset="0"/>
+                              </a:rPr>
+                              <m:t>1</m:t>
+                            </m:r>
+                          </m:sub>
+                        </m:sSub>
+                        <m:r>
+                          <a:rPr lang="en-IE" sz="1600" b="0" i="1" smtClean="0">
+                            <a:solidFill>
+                              <a:schemeClr val="tx1"/>
+                            </a:solidFill>
+                            <a:latin typeface="Cambria Math" panose="02040503050406030204" pitchFamily="18" charset="0"/>
+                          </a:rPr>
+                          <m:t>(</m:t>
+                        </m:r>
+                        <m:sSub>
+                          <m:sSubPr>
+                            <m:ctrlPr>
+                              <a:rPr lang="en-IE" sz="1600" b="0" i="1" smtClean="0">
+                                <a:solidFill>
+                                  <a:schemeClr val="tx1"/>
+                                </a:solidFill>
+                                <a:latin typeface="Cambria Math" panose="02040503050406030204" pitchFamily="18" charset="0"/>
+                              </a:rPr>
+                            </m:ctrlPr>
+                          </m:sSubPr>
+                          <m:e>
+                            <m:r>
+                              <a:rPr lang="en-IE" sz="1600" b="0" i="1" smtClean="0">
+                                <a:solidFill>
+                                  <a:schemeClr val="tx1"/>
+                                </a:solidFill>
+                                <a:latin typeface="Cambria Math" panose="02040503050406030204" pitchFamily="18" charset="0"/>
+                              </a:rPr>
+                              <m:t>𝑘</m:t>
+                            </m:r>
+                          </m:e>
+                          <m:sub>
+                            <m:r>
+                              <a:rPr lang="en-IE" sz="1600" b="0" i="1" smtClean="0">
+                                <a:solidFill>
+                                  <a:schemeClr val="tx1"/>
+                                </a:solidFill>
+                                <a:latin typeface="Cambria Math" panose="02040503050406030204" pitchFamily="18" charset="0"/>
+                              </a:rPr>
+                              <m:t>𝑗</m:t>
+                            </m:r>
+                          </m:sub>
+                        </m:sSub>
+                        <m:r>
+                          <a:rPr lang="en-IE" sz="1600" b="0" i="1" smtClean="0">
+                            <a:solidFill>
+                              <a:schemeClr val="tx1"/>
+                            </a:solidFill>
+                            <a:latin typeface="Cambria Math" panose="02040503050406030204" pitchFamily="18" charset="0"/>
+                          </a:rPr>
+                          <m:t>)</m:t>
+                        </m:r>
+                      </m:oMath>
+                    </m:oMathPara>
+                  </a14:m>
+                  <a:endParaRPr lang="en-US" sz="1600" dirty="0">
+                    <a:solidFill>
+                      <a:schemeClr val="tx1"/>
+                    </a:solidFill>
+                    <a:latin typeface="LM Roman 12" pitchFamily="2" charset="77"/>
+                  </a:endParaRPr>
+                </a:p>
+              </p:txBody>
+            </p:sp>
+          </mc:Choice>
+          <mc:Fallback>
+            <p:sp>
+              <p:nvSpPr>
+                <p:cNvPr id="116" name="Parallelogram 115">
+                  <a:extLst>
+                    <a:ext uri="{FF2B5EF4-FFF2-40B4-BE49-F238E27FC236}">
+                      <a16:creationId xmlns:a16="http://schemas.microsoft.com/office/drawing/2014/main" id="{9D706B3E-72EC-276E-A897-1EAFFE5941E1}"/>
+                    </a:ext>
+                  </a:extLst>
+                </p:cNvPr>
+                <p:cNvSpPr>
+                  <a:spLocks noRot="1" noChangeAspect="1" noMove="1" noResize="1" noEditPoints="1" noAdjustHandles="1" noChangeArrowheads="1" noChangeShapeType="1" noTextEdit="1"/>
+                </p:cNvSpPr>
+                <p:nvPr/>
+              </p:nvSpPr>
+              <p:spPr>
+                <a:xfrm>
+                  <a:off x="2820109" y="1956072"/>
+                  <a:ext cx="831451" cy="348099"/>
+                </a:xfrm>
+                <a:prstGeom prst="parallelogram">
+                  <a:avLst/>
+                </a:prstGeom>
+                <a:blipFill>
+                  <a:blip r:embed="rId8"/>
+                  <a:stretch>
+                    <a:fillRect b="-10345"/>
+                  </a:stretch>
+                </a:blipFill>
+              </p:spPr>
+              <p:txBody>
+                <a:bodyPr/>
+                <a:lstStyle/>
+                <a:p>
+                  <a:r>
+                    <a:rPr lang="en-US">
+                      <a:noFill/>
+                    </a:rPr>
+                    <a:t> </a:t>
+                  </a:r>
+                </a:p>
+              </p:txBody>
+            </p:sp>
+          </mc:Fallback>
+        </mc:AlternateContent>
+        <p:grpSp>
+          <p:nvGrpSpPr>
+            <p:cNvPr id="313" name="Group 312">
+              <a:extLst>
+                <a:ext uri="{FF2B5EF4-FFF2-40B4-BE49-F238E27FC236}">
+                  <a16:creationId xmlns:a16="http://schemas.microsoft.com/office/drawing/2014/main" id="{3883AC6F-204E-50E1-2A33-EF6939F43959}"/>
+                </a:ext>
+              </a:extLst>
+            </p:cNvPr>
+            <p:cNvGrpSpPr/>
+            <p:nvPr/>
+          </p:nvGrpSpPr>
+          <p:grpSpPr>
+            <a:xfrm>
+              <a:off x="3608048" y="1962721"/>
+              <a:ext cx="1628781" cy="334800"/>
+              <a:chOff x="3113636" y="2029354"/>
+              <a:chExt cx="1628781" cy="334800"/>
+            </a:xfrm>
+          </p:grpSpPr>
+          <mc:AlternateContent xmlns:mc="http://schemas.openxmlformats.org/markup-compatibility/2006">
+            <mc:Choice xmlns:a14="http://schemas.microsoft.com/office/drawing/2010/main" Requires="a14">
+              <p:sp>
+                <p:nvSpPr>
+                  <p:cNvPr id="125" name="Rounded Rectangle 124">
+                    <a:extLst>
+                      <a:ext uri="{FF2B5EF4-FFF2-40B4-BE49-F238E27FC236}">
+                        <a16:creationId xmlns:a16="http://schemas.microsoft.com/office/drawing/2014/main" id="{B5718154-1151-6832-A237-FA3AE0C75A48}"/>
+                      </a:ext>
+                    </a:extLst>
+                  </p:cNvPr>
+                  <p:cNvSpPr/>
+                  <p:nvPr/>
+                </p:nvSpPr>
+                <p:spPr>
+                  <a:xfrm>
+                    <a:off x="3876559" y="2029354"/>
+                    <a:ext cx="547071" cy="334800"/>
+                  </a:xfrm>
+                  <a:prstGeom prst="roundRect">
+                    <a:avLst/>
+                  </a:prstGeom>
+                  <a:solidFill>
+                    <a:schemeClr val="tx1">
+                      <a:lumMod val="50000"/>
+                      <a:lumOff val="50000"/>
+                    </a:schemeClr>
+                  </a:solidFill>
+                </p:spPr>
+                <p:style>
+                  <a:lnRef idx="2">
+                    <a:schemeClr val="dk1">
+                      <a:shade val="50000"/>
+                    </a:schemeClr>
+                  </a:lnRef>
+                  <a:fillRef idx="1">
+                    <a:schemeClr val="dk1"/>
+                  </a:fillRef>
+                  <a:effectRef idx="0">
+                    <a:schemeClr val="dk1"/>
+                  </a:effectRef>
+                  <a:fontRef idx="minor">
+                    <a:schemeClr val="lt1"/>
+                  </a:fontRef>
+                </p:style>
+                <p:txBody>
+                  <a:bodyPr rtlCol="0" anchor="ctr"/>
+                  <a:lstStyle/>
+                  <a:p>
+                    <a:pPr algn="ctr"/>
+                    <a14:m>
+                      <m:oMathPara xmlns:m="http://schemas.openxmlformats.org/officeDocument/2006/math">
+                        <m:oMathParaPr>
+                          <m:jc m:val="center"/>
+                        </m:oMathParaPr>
+                        <m:oMath xmlns:m="http://schemas.openxmlformats.org/officeDocument/2006/math">
+                          <m:sSub>
+                            <m:sSubPr>
+                              <m:ctrlPr>
+                                <a:rPr lang="en-US" sz="1600" i="1" smtClean="0">
+                                  <a:solidFill>
+                                    <a:schemeClr val="bg1"/>
+                                  </a:solidFill>
+                                  <a:latin typeface="Cambria Math" panose="02040503050406030204" pitchFamily="18" charset="0"/>
+                                  <a:ea typeface="Cambria Math" panose="02040503050406030204" pitchFamily="18" charset="0"/>
+                                </a:rPr>
+                              </m:ctrlPr>
+                            </m:sSubPr>
+                            <m:e>
+                              <m:r>
+                                <a:rPr lang="en-US" sz="1600" b="0" i="1">
+                                  <a:solidFill>
+                                    <a:schemeClr val="bg1"/>
+                                  </a:solidFill>
+                                  <a:latin typeface="Cambria Math" panose="02040503050406030204" pitchFamily="18" charset="0"/>
+                                  <a:ea typeface="Cambria Math" panose="02040503050406030204" pitchFamily="18" charset="0"/>
+                                </a:rPr>
+                                <m:t>𝒢𝒫</m:t>
+                              </m:r>
+                            </m:e>
+                            <m:sub>
+                              <m:r>
+                                <a:rPr lang="en-IE" sz="1600" b="0" i="1" smtClean="0">
+                                  <a:solidFill>
+                                    <a:schemeClr val="bg1"/>
+                                  </a:solidFill>
+                                  <a:latin typeface="Cambria Math" panose="02040503050406030204" pitchFamily="18" charset="0"/>
+                                  <a:ea typeface="Cambria Math" panose="02040503050406030204" pitchFamily="18" charset="0"/>
+                                </a:rPr>
+                                <m:t>1</m:t>
+                              </m:r>
+                            </m:sub>
+                          </m:sSub>
+                        </m:oMath>
+                      </m:oMathPara>
+                    </a14:m>
+                    <a:endParaRPr lang="en-US" sz="1600" dirty="0">
+                      <a:solidFill>
+                        <a:schemeClr val="bg1"/>
+                      </a:solidFill>
+                      <a:latin typeface="LM Roman 12" pitchFamily="2" charset="77"/>
+                    </a:endParaRPr>
+                  </a:p>
+                </p:txBody>
+              </p:sp>
+            </mc:Choice>
+            <mc:Fallback>
+              <p:sp>
+                <p:nvSpPr>
+                  <p:cNvPr id="125" name="Rounded Rectangle 124">
+                    <a:extLst>
+                      <a:ext uri="{FF2B5EF4-FFF2-40B4-BE49-F238E27FC236}">
+                        <a16:creationId xmlns:a16="http://schemas.microsoft.com/office/drawing/2014/main" id="{B5718154-1151-6832-A237-FA3AE0C75A48}"/>
+                      </a:ext>
+                    </a:extLst>
+                  </p:cNvPr>
+                  <p:cNvSpPr>
+                    <a:spLocks noRot="1" noChangeAspect="1" noMove="1" noResize="1" noEditPoints="1" noAdjustHandles="1" noChangeArrowheads="1" noChangeShapeType="1" noTextEdit="1"/>
+                  </p:cNvSpPr>
+                  <p:nvPr/>
+                </p:nvSpPr>
+                <p:spPr>
+                  <a:xfrm>
+                    <a:off x="3876559" y="2029354"/>
+                    <a:ext cx="547071" cy="334800"/>
+                  </a:xfrm>
+                  <a:prstGeom prst="roundRect">
+                    <a:avLst/>
+                  </a:prstGeom>
+                  <a:blipFill>
+                    <a:blip r:embed="rId9"/>
+                    <a:stretch>
+                      <a:fillRect l="-2222" b="-7143"/>
+                    </a:stretch>
+                  </a:blipFill>
+                </p:spPr>
+                <p:txBody>
+                  <a:bodyPr/>
+                  <a:lstStyle/>
+                  <a:p>
+                    <a:r>
+                      <a:rPr lang="en-US">
+                        <a:noFill/>
+                      </a:rPr>
+                      <a:t> </a:t>
+                    </a:r>
+                  </a:p>
+                </p:txBody>
+              </p:sp>
+            </mc:Fallback>
+          </mc:AlternateContent>
+          <p:cxnSp>
+            <p:nvCxnSpPr>
+              <p:cNvPr id="141" name="Straight Arrow Connector 140">
+                <a:extLst>
+                  <a:ext uri="{FF2B5EF4-FFF2-40B4-BE49-F238E27FC236}">
+                    <a16:creationId xmlns:a16="http://schemas.microsoft.com/office/drawing/2014/main" id="{285EC01C-E1FC-0F92-E15A-F5FB0B395544}"/>
+                  </a:ext>
+                </a:extLst>
+              </p:cNvPr>
+              <p:cNvCxnSpPr>
+                <a:cxnSpLocks/>
+                <a:stCxn id="125" idx="1"/>
+                <a:endCxn id="116" idx="2"/>
+              </p:cNvCxnSpPr>
+              <p:nvPr/>
+            </p:nvCxnSpPr>
+            <p:spPr>
+              <a:xfrm flipH="1">
+                <a:off x="3113636" y="2196754"/>
+                <a:ext cx="762923" cy="1"/>
+              </a:xfrm>
+              <a:prstGeom prst="straightConnector1">
+                <a:avLst/>
+              </a:prstGeom>
+              <a:ln w="38100">
+                <a:solidFill>
+                  <a:schemeClr val="tx1"/>
+                </a:solidFill>
+                <a:headEnd type="triangle"/>
+                <a:tailEnd type="none"/>
+              </a:ln>
+            </p:spPr>
+            <p:style>
+              <a:lnRef idx="1">
+                <a:schemeClr val="accent1"/>
+              </a:lnRef>
+              <a:fillRef idx="0">
+                <a:schemeClr val="accent1"/>
+              </a:fillRef>
+              <a:effectRef idx="0">
+                <a:schemeClr val="accent1"/>
+              </a:effectRef>
+              <a:fontRef idx="minor">
+                <a:schemeClr val="tx1"/>
+              </a:fontRef>
+            </p:style>
+          </p:cxnSp>
+          <p:cxnSp>
+            <p:nvCxnSpPr>
+              <p:cNvPr id="169" name="Straight Arrow Connector 168">
+                <a:extLst>
+                  <a:ext uri="{FF2B5EF4-FFF2-40B4-BE49-F238E27FC236}">
+                    <a16:creationId xmlns:a16="http://schemas.microsoft.com/office/drawing/2014/main" id="{FFF95663-66E2-A3F5-7A2F-5C450D4546AB}"/>
+                  </a:ext>
+                </a:extLst>
+              </p:cNvPr>
+              <p:cNvCxnSpPr>
+                <a:cxnSpLocks/>
+                <a:stCxn id="168" idx="5"/>
+                <a:endCxn id="125" idx="3"/>
+              </p:cNvCxnSpPr>
+              <p:nvPr/>
+            </p:nvCxnSpPr>
+            <p:spPr>
+              <a:xfrm flipH="1">
+                <a:off x="4423630" y="2196754"/>
+                <a:ext cx="318787" cy="0"/>
+              </a:xfrm>
+              <a:prstGeom prst="straightConnector1">
+                <a:avLst/>
+              </a:prstGeom>
+              <a:ln w="38100">
+                <a:solidFill>
+                  <a:schemeClr val="tx1"/>
+                </a:solidFill>
+                <a:headEnd type="triangle"/>
+                <a:tailEnd type="none"/>
+              </a:ln>
+            </p:spPr>
+            <p:style>
+              <a:lnRef idx="1">
+                <a:schemeClr val="accent1"/>
+              </a:lnRef>
+              <a:fillRef idx="0">
+                <a:schemeClr val="accent1"/>
+              </a:fillRef>
+              <a:effectRef idx="0">
+                <a:schemeClr val="accent1"/>
+              </a:effectRef>
+              <a:fontRef idx="minor">
+                <a:schemeClr val="tx1"/>
+              </a:fontRef>
+            </p:style>
+          </p:cxnSp>
+        </p:grpSp>
+      </p:grpSp>
+      <p:cxnSp>
+        <p:nvCxnSpPr>
+          <p:cNvPr id="206" name="Straight Arrow Connector 205">
+            <a:extLst>
+              <a:ext uri="{FF2B5EF4-FFF2-40B4-BE49-F238E27FC236}">
+                <a16:creationId xmlns:a16="http://schemas.microsoft.com/office/drawing/2014/main" id="{6E5E1D92-1BDB-3703-1D25-F2B93F5BB974}"/>
+              </a:ext>
+            </a:extLst>
+          </p:cNvPr>
+          <p:cNvCxnSpPr>
+            <a:cxnSpLocks/>
+          </p:cNvCxnSpPr>
+          <p:nvPr/>
+        </p:nvCxnSpPr>
+        <p:spPr>
+          <a:xfrm flipV="1">
+            <a:off x="5577911" y="5891025"/>
+            <a:ext cx="0" cy="264909"/>
+          </a:xfrm>
+          <a:prstGeom prst="straightConnector1">
+            <a:avLst/>
+          </a:prstGeom>
+          <a:ln w="38100">
+            <a:solidFill>
+              <a:schemeClr val="tx1"/>
+            </a:solidFill>
+            <a:headEnd type="triangle"/>
+            <a:tailEnd type="none"/>
+          </a:ln>
+        </p:spPr>
+        <p:style>
+          <a:lnRef idx="1">
+            <a:schemeClr val="accent1"/>
+          </a:lnRef>
+          <a:fillRef idx="0">
+            <a:schemeClr val="accent1"/>
+          </a:fillRef>
+          <a:effectRef idx="0">
+            <a:schemeClr val="accent1"/>
+          </a:effectRef>
+          <a:fontRef idx="minor">
+            <a:schemeClr val="tx1"/>
+          </a:fontRef>
+        </p:style>
+      </p:cxnSp>
+      <p:cxnSp>
+        <p:nvCxnSpPr>
+          <p:cNvPr id="143" name="Straight Arrow Connector 142">
+            <a:extLst>
+              <a:ext uri="{FF2B5EF4-FFF2-40B4-BE49-F238E27FC236}">
+                <a16:creationId xmlns:a16="http://schemas.microsoft.com/office/drawing/2014/main" id="{0DCDAAA0-A9F6-7D46-2473-FB7BAA56090D}"/>
+              </a:ext>
+            </a:extLst>
+          </p:cNvPr>
+          <p:cNvCxnSpPr>
+            <a:cxnSpLocks/>
+          </p:cNvCxnSpPr>
+          <p:nvPr/>
+        </p:nvCxnSpPr>
+        <p:spPr>
+          <a:xfrm rot="16200000" flipV="1">
+            <a:off x="5239329" y="2639810"/>
+            <a:ext cx="0" cy="264909"/>
+          </a:xfrm>
+          <a:prstGeom prst="straightConnector1">
+            <a:avLst/>
+          </a:prstGeom>
+          <a:ln w="38100">
+            <a:solidFill>
+              <a:schemeClr val="tx1"/>
+            </a:solidFill>
+            <a:headEnd type="triangle"/>
+            <a:tailEnd type="none"/>
+          </a:ln>
+        </p:spPr>
+        <p:style>
+          <a:lnRef idx="1">
+            <a:schemeClr val="accent1"/>
+          </a:lnRef>
+          <a:fillRef idx="0">
+            <a:schemeClr val="accent1"/>
+          </a:fillRef>
+          <a:effectRef idx="0">
+            <a:schemeClr val="accent1"/>
+          </a:effectRef>
+          <a:fontRef idx="minor">
+            <a:schemeClr val="tx1"/>
+          </a:fontRef>
+        </p:style>
+      </p:cxnSp>
+      <p:cxnSp>
+        <p:nvCxnSpPr>
+          <p:cNvPr id="213" name="Straight Arrow Connector 212">
+            <a:extLst>
+              <a:ext uri="{FF2B5EF4-FFF2-40B4-BE49-F238E27FC236}">
+                <a16:creationId xmlns:a16="http://schemas.microsoft.com/office/drawing/2014/main" id="{3A5589BF-71B4-BC70-3826-0C6469E0D28B}"/>
+              </a:ext>
+            </a:extLst>
+          </p:cNvPr>
+          <p:cNvCxnSpPr>
+            <a:cxnSpLocks/>
+          </p:cNvCxnSpPr>
+          <p:nvPr/>
+        </p:nvCxnSpPr>
+        <p:spPr>
+          <a:xfrm rot="16200000" flipV="1">
+            <a:off x="5935365" y="2639810"/>
+            <a:ext cx="0" cy="264909"/>
+          </a:xfrm>
+          <a:prstGeom prst="straightConnector1">
+            <a:avLst/>
+          </a:prstGeom>
+          <a:ln w="38100">
+            <a:solidFill>
+              <a:schemeClr val="tx1"/>
+            </a:solidFill>
+            <a:headEnd type="triangle"/>
+            <a:tailEnd type="none"/>
+          </a:ln>
+        </p:spPr>
+        <p:style>
+          <a:lnRef idx="1">
+            <a:schemeClr val="accent1"/>
+          </a:lnRef>
+          <a:fillRef idx="0">
+            <a:schemeClr val="accent1"/>
+          </a:fillRef>
+          <a:effectRef idx="0">
+            <a:schemeClr val="accent1"/>
+          </a:effectRef>
+          <a:fontRef idx="minor">
+            <a:schemeClr val="tx1"/>
+          </a:fontRef>
+        </p:style>
+      </p:cxnSp>
+      <mc:AlternateContent xmlns:mc="http://schemas.openxmlformats.org/markup-compatibility/2006">
+        <mc:Choice xmlns:a14="http://schemas.microsoft.com/office/drawing/2010/main" Requires="a14">
+          <p:sp>
+            <p:nvSpPr>
+              <p:cNvPr id="216" name="Parallelogram 215">
+                <a:extLst>
+                  <a:ext uri="{FF2B5EF4-FFF2-40B4-BE49-F238E27FC236}">
+                    <a16:creationId xmlns:a16="http://schemas.microsoft.com/office/drawing/2014/main" id="{D4F351C7-EC35-3A49-FCF5-550A33464A72}"/>
+                  </a:ext>
+                </a:extLst>
+              </p:cNvPr>
+              <p:cNvSpPr/>
+              <p:nvPr/>
+            </p:nvSpPr>
+            <p:spPr>
+              <a:xfrm>
+                <a:off x="4162145" y="4353444"/>
+                <a:ext cx="1001116" cy="365124"/>
               </a:xfrm>
               <a:prstGeom prst="parallelogram">
                 <a:avLst/>
@@ -5957,48 +7157,126 @@
                 <a14:m>
                   <m:oMathPara xmlns:m="http://schemas.openxmlformats.org/officeDocument/2006/math">
                     <m:oMathParaPr>
-                      <m:jc m:val="centerGroup"/>
+                      <m:jc m:val="center"/>
                     </m:oMathParaPr>
                     <m:oMath xmlns:m="http://schemas.openxmlformats.org/officeDocument/2006/math">
+                      <m:sSubSup>
+                        <m:sSubSupPr>
+                          <m:ctrlPr>
+                            <a:rPr lang="en-IE" sz="1600" i="1" smtClean="0">
+                              <a:solidFill>
+                                <a:schemeClr val="tx1"/>
+                              </a:solidFill>
+                              <a:latin typeface="Cambria Math" panose="02040503050406030204" pitchFamily="18" charset="0"/>
+                            </a:rPr>
+                          </m:ctrlPr>
+                        </m:sSubSupPr>
+                        <m:e>
+                          <m:r>
+                            <a:rPr lang="en-IE" sz="1600" i="1">
+                              <a:solidFill>
+                                <a:schemeClr val="tx1"/>
+                              </a:solidFill>
+                              <a:latin typeface="Cambria Math" panose="02040503050406030204" pitchFamily="18" charset="0"/>
+                            </a:rPr>
+                            <m:t>𝑈</m:t>
+                          </m:r>
+                        </m:e>
+                        <m:sub>
+                          <m:r>
+                            <a:rPr lang="en-IE" sz="1600" b="0" i="1" smtClean="0">
+                              <a:solidFill>
+                                <a:schemeClr val="tx1"/>
+                              </a:solidFill>
+                              <a:latin typeface="Cambria Math" panose="02040503050406030204" pitchFamily="18" charset="0"/>
+                            </a:rPr>
+                            <m:t>𝑑</m:t>
+                          </m:r>
+                        </m:sub>
+                        <m:sup>
+                          <m:r>
+                            <a:rPr lang="en-IE" sz="1600" i="1">
+                              <a:solidFill>
+                                <a:schemeClr val="tx1"/>
+                              </a:solidFill>
+                              <a:latin typeface="Cambria Math" panose="02040503050406030204" pitchFamily="18" charset="0"/>
+                            </a:rPr>
+                            <m:t>𝑚𝑑</m:t>
+                          </m:r>
+                        </m:sup>
+                      </m:sSubSup>
                       <m:r>
-                        <a:rPr lang="en-IE" sz="1600" i="1" dirty="0" smtClean="0">
+                        <a:rPr lang="en-IE" sz="1600" b="0" i="1" smtClean="0">
                           <a:solidFill>
-                            <a:sysClr val="windowText" lastClr="000000"/>
+                            <a:schemeClr val="tx1"/>
                           </a:solidFill>
                           <a:latin typeface="Cambria Math" panose="02040503050406030204" pitchFamily="18" charset="0"/>
-                          <a:ea typeface="Cambria Math" panose="02040503050406030204" pitchFamily="18" charset="0"/>
                         </a:rPr>
-                        <m:t>𝛽</m:t>
+                        <m:t>(</m:t>
                       </m:r>
+                      <m:sSub>
+                        <m:sSubPr>
+                          <m:ctrlPr>
+                            <a:rPr lang="en-IE" sz="1600" i="1">
+                              <a:solidFill>
+                                <a:schemeClr val="tx1"/>
+                              </a:solidFill>
+                              <a:latin typeface="Cambria Math" panose="02040503050406030204" pitchFamily="18" charset="0"/>
+                            </a:rPr>
+                          </m:ctrlPr>
+                        </m:sSubPr>
+                        <m:e>
+                          <m:r>
+                            <a:rPr lang="en-IE" sz="1600" i="1">
+                              <a:solidFill>
+                                <a:schemeClr val="tx1"/>
+                              </a:solidFill>
+                              <a:latin typeface="Cambria Math" panose="02040503050406030204" pitchFamily="18" charset="0"/>
+                            </a:rPr>
+                            <m:t>𝑘</m:t>
+                          </m:r>
+                        </m:e>
+                        <m:sub>
+                          <m:r>
+                            <a:rPr lang="en-IE" sz="1600" i="1">
+                              <a:solidFill>
+                                <a:schemeClr val="tx1"/>
+                              </a:solidFill>
+                              <a:latin typeface="Cambria Math" panose="02040503050406030204" pitchFamily="18" charset="0"/>
+                            </a:rPr>
+                            <m:t>𝑗</m:t>
+                          </m:r>
+                        </m:sub>
+                      </m:sSub>
                       <m:r>
-                        <a:rPr lang="en-IE" sz="1600" b="0" i="1" dirty="0" smtClean="0">
+                        <a:rPr lang="en-IE" sz="1600" b="0" i="1" smtClean="0">
                           <a:solidFill>
-                            <a:sysClr val="windowText" lastClr="000000"/>
+                            <a:schemeClr val="tx1"/>
                           </a:solidFill>
                           <a:latin typeface="Cambria Math" panose="02040503050406030204" pitchFamily="18" charset="0"/>
-                          <a:ea typeface="Cambria Math" panose="02040503050406030204" pitchFamily="18" charset="0"/>
                         </a:rPr>
-                        <m:t>(0)</m:t>
+                        <m:t>)</m:t>
                       </m:r>
                     </m:oMath>
                   </m:oMathPara>
                 </a14:m>
-                <a:endParaRPr lang="en-IE" sz="1600" dirty="0">
+                <a:endParaRPr lang="en-US" sz="1600" dirty="0">
                   <a:solidFill>
-                    <a:sysClr val="windowText" lastClr="000000"/>
+                    <a:schemeClr val="tx1"/>
                   </a:solidFill>
+                  <a:latin typeface="LM Roman 12" pitchFamily="2" charset="77"/>
                 </a:endParaRPr>
               </a:p>
             </p:txBody>
           </p:sp>
         </mc:Choice>
-        <mc:Fallback xmlns="">
+        <mc:Fallback>
           <p:sp>
             <p:nvSpPr>
-              <p:cNvPr id="15" name="Parallelogram 14">
+              <p:cNvPr id="216" name="Parallelogram 215">
                 <a:extLst>
                   <a:ext uri="{FF2B5EF4-FFF2-40B4-BE49-F238E27FC236}">
-                    <a16:creationId xmlns:a16="http://schemas.microsoft.com/office/drawing/2014/main" id="{E20E15E5-6995-719E-32E7-D2C0083F2FF6}"/>
+                    <a16:creationId xmlns:a16="http://schemas.microsoft.com/office/drawing/2014/main" id="{D4F351C7-EC35-3A49-FCF5-550A33464A72}"/>
                   </a:ext>
                 </a:extLst>
               </p:cNvPr>
@@ -6009,16 +7287,16 @@
             </p:nvSpPr>
             <p:spPr>
               <a:xfrm>
-                <a:off x="1181389" y="1075405"/>
-                <a:ext cx="708228" cy="334637"/>
+                <a:off x="4162145" y="4353444"/>
+                <a:ext cx="1001116" cy="365124"/>
               </a:xfrm>
               <a:prstGeom prst="parallelogram">
                 <a:avLst/>
               </a:prstGeom>
               <a:blipFill>
-                <a:blip r:embed="rId6"/>
+                <a:blip r:embed="rId10"/>
                 <a:stretch>
-                  <a:fillRect b="-14286"/>
+                  <a:fillRect b="-10000"/>
                 </a:stretch>
               </a:blipFill>
             </p:spPr>
@@ -6037,14 +7315,14 @@
           </p:sp>
         </mc:Fallback>
       </mc:AlternateContent>
-      <mc:AlternateContent xmlns:mc="http://schemas.openxmlformats.org/markup-compatibility/2006" xmlns:a14="http://schemas.microsoft.com/office/drawing/2010/main">
-        <mc:Choice Requires="a14">
+      <mc:AlternateContent xmlns:mc="http://schemas.openxmlformats.org/markup-compatibility/2006">
+        <mc:Choice xmlns:a14="http://schemas.microsoft.com/office/drawing/2010/main" Requires="a14">
           <p:sp>
             <p:nvSpPr>
-              <p:cNvPr id="21" name="Parallelogram 20">
+              <p:cNvPr id="217" name="Parallelogram 216">
                 <a:extLst>
                   <a:ext uri="{FF2B5EF4-FFF2-40B4-BE49-F238E27FC236}">
-                    <a16:creationId xmlns:a16="http://schemas.microsoft.com/office/drawing/2014/main" id="{860D2063-3A0B-336C-309D-51270987D0A7}"/>
+                    <a16:creationId xmlns:a16="http://schemas.microsoft.com/office/drawing/2014/main" id="{2F812347-3490-5717-34DE-1E7646D80971}"/>
                   </a:ext>
                 </a:extLst>
               </p:cNvPr>
@@ -6053,8 +7331,8 @@
             </p:nvSpPr>
             <p:spPr>
               <a:xfrm>
-                <a:off x="4949962" y="1344639"/>
-                <a:ext cx="708146" cy="334800"/>
+                <a:off x="4147417" y="6176873"/>
+                <a:ext cx="993884" cy="365124"/>
               </a:xfrm>
               <a:prstGeom prst="parallelogram">
                 <a:avLst/>
@@ -6090,55 +7368,101 @@
                 <a14:m>
                   <m:oMathPara xmlns:m="http://schemas.openxmlformats.org/officeDocument/2006/math">
                     <m:oMathParaPr>
-                      <m:jc m:val="centerGroup"/>
+                      <m:jc m:val="center"/>
                     </m:oMathParaPr>
                     <m:oMath xmlns:m="http://schemas.openxmlformats.org/officeDocument/2006/math">
-                      <m:acc>
-                        <m:accPr>
-                          <m:chr m:val="̇"/>
+                      <m:sSubSup>
+                        <m:sSubSupPr>
                           <m:ctrlPr>
-                            <a:rPr lang="en-IE" sz="1600" b="0" i="1" dirty="0" smtClean="0">
+                            <a:rPr lang="en-IE" sz="1600" i="1" smtClean="0">
                               <a:solidFill>
-                                <a:sysClr val="windowText" lastClr="000000"/>
+                                <a:schemeClr val="tx1"/>
                               </a:solidFill>
                               <a:latin typeface="Cambria Math" panose="02040503050406030204" pitchFamily="18" charset="0"/>
                             </a:rPr>
                           </m:ctrlPr>
-                        </m:accPr>
+                        </m:sSubSupPr>
                         <m:e>
                           <m:r>
-                            <a:rPr lang="en-IE" sz="1600" b="0" i="1" dirty="0" smtClean="0">
+                            <a:rPr lang="en-IE" sz="1600" i="1">
                               <a:solidFill>
-                                <a:sysClr val="windowText" lastClr="000000"/>
+                                <a:schemeClr val="tx1"/>
                               </a:solidFill>
                               <a:latin typeface="Cambria Math" panose="02040503050406030204" pitchFamily="18" charset="0"/>
                             </a:rPr>
-                            <m:t>𝛽</m:t>
+                            <m:t>𝑈</m:t>
                           </m:r>
                         </m:e>
-                      </m:acc>
+                        <m:sub>
+                          <m:r>
+                            <a:rPr lang="en-IE" sz="1600" b="0" i="1" smtClean="0">
+                              <a:solidFill>
+                                <a:schemeClr val="tx1"/>
+                              </a:solidFill>
+                              <a:latin typeface="Cambria Math" panose="02040503050406030204" pitchFamily="18" charset="0"/>
+                            </a:rPr>
+                            <m:t>𝐷</m:t>
+                          </m:r>
+                        </m:sub>
+                        <m:sup>
+                          <m:r>
+                            <a:rPr lang="en-IE" sz="1600" i="1">
+                              <a:solidFill>
+                                <a:schemeClr val="tx1"/>
+                              </a:solidFill>
+                              <a:latin typeface="Cambria Math" panose="02040503050406030204" pitchFamily="18" charset="0"/>
+                            </a:rPr>
+                            <m:t>𝑚𝑑</m:t>
+                          </m:r>
+                        </m:sup>
+                      </m:sSubSup>
                       <m:r>
-                        <a:rPr lang="en-IE" sz="1600" b="0" i="1" dirty="0" smtClean="0">
+                        <a:rPr lang="en-IE" sz="1600" b="0" i="1" smtClean="0">
                           <a:solidFill>
-                            <a:sysClr val="windowText" lastClr="000000"/>
+                            <a:schemeClr val="tx1"/>
                           </a:solidFill>
                           <a:latin typeface="Cambria Math" panose="02040503050406030204" pitchFamily="18" charset="0"/>
                         </a:rPr>
                         <m:t>(</m:t>
                       </m:r>
+                      <m:sSub>
+                        <m:sSubPr>
+                          <m:ctrlPr>
+                            <a:rPr lang="en-IE" sz="1600" i="1">
+                              <a:solidFill>
+                                <a:schemeClr val="tx1"/>
+                              </a:solidFill>
+                              <a:latin typeface="Cambria Math" panose="02040503050406030204" pitchFamily="18" charset="0"/>
+                            </a:rPr>
+                          </m:ctrlPr>
+                        </m:sSubPr>
+                        <m:e>
+                          <m:r>
+                            <a:rPr lang="en-IE" sz="1600" i="1">
+                              <a:solidFill>
+                                <a:schemeClr val="tx1"/>
+                              </a:solidFill>
+                              <a:latin typeface="Cambria Math" panose="02040503050406030204" pitchFamily="18" charset="0"/>
+                            </a:rPr>
+                            <m:t>𝑘</m:t>
+                          </m:r>
+                        </m:e>
+                        <m:sub>
+                          <m:r>
+                            <a:rPr lang="en-IE" sz="1600" i="1">
+                              <a:solidFill>
+                                <a:schemeClr val="tx1"/>
+                              </a:solidFill>
+                              <a:latin typeface="Cambria Math" panose="02040503050406030204" pitchFamily="18" charset="0"/>
+                            </a:rPr>
+                            <m:t>𝑗</m:t>
+                          </m:r>
+                        </m:sub>
+                      </m:sSub>
                       <m:r>
-                        <a:rPr lang="en-IE" sz="1600" b="0" i="1" dirty="0" smtClean="0">
+                        <a:rPr lang="en-IE" sz="1600" b="0" i="1" smtClean="0">
                           <a:solidFill>
-                            <a:sysClr val="windowText" lastClr="000000"/>
-                          </a:solidFill>
-                          <a:latin typeface="Cambria Math" panose="02040503050406030204" pitchFamily="18" charset="0"/>
-                        </a:rPr>
-                        <m:t>𝑡</m:t>
-                      </m:r>
-                      <m:r>
-                        <a:rPr lang="en-IE" sz="1600" b="0" i="1" dirty="0" smtClean="0">
-                          <a:solidFill>
-                            <a:sysClr val="windowText" lastClr="000000"/>
+                            <a:schemeClr val="tx1"/>
                           </a:solidFill>
                           <a:latin typeface="Cambria Math" panose="02040503050406030204" pitchFamily="18" charset="0"/>
                         </a:rPr>
@@ -6147,22 +7471,23 @@
                     </m:oMath>
                   </m:oMathPara>
                 </a14:m>
-                <a:endParaRPr lang="en-IE" sz="1600" dirty="0">
+                <a:endParaRPr lang="en-US" sz="1600" dirty="0">
                   <a:solidFill>
-                    <a:sysClr val="windowText" lastClr="000000"/>
+                    <a:schemeClr val="tx1"/>
                   </a:solidFill>
+                  <a:latin typeface="LM Roman 12" pitchFamily="2" charset="77"/>
                 </a:endParaRPr>
               </a:p>
             </p:txBody>
           </p:sp>
         </mc:Choice>
-        <mc:Fallback xmlns="">
+        <mc:Fallback>
           <p:sp>
             <p:nvSpPr>
-              <p:cNvPr id="21" name="Parallelogram 20">
+              <p:cNvPr id="217" name="Parallelogram 216">
                 <a:extLst>
                   <a:ext uri="{FF2B5EF4-FFF2-40B4-BE49-F238E27FC236}">
-                    <a16:creationId xmlns:a16="http://schemas.microsoft.com/office/drawing/2014/main" id="{860D2063-3A0B-336C-309D-51270987D0A7}"/>
+                    <a16:creationId xmlns:a16="http://schemas.microsoft.com/office/drawing/2014/main" id="{2F812347-3490-5717-34DE-1E7646D80971}"/>
                   </a:ext>
                 </a:extLst>
               </p:cNvPr>
@@ -6173,16 +7498,16 @@
             </p:nvSpPr>
             <p:spPr>
               <a:xfrm>
-                <a:off x="4949962" y="1344639"/>
-                <a:ext cx="708146" cy="334800"/>
+                <a:off x="4147417" y="6176873"/>
+                <a:ext cx="993884" cy="365124"/>
               </a:xfrm>
               <a:prstGeom prst="parallelogram">
                 <a:avLst/>
               </a:prstGeom>
               <a:blipFill>
-                <a:blip r:embed="rId7"/>
+                <a:blip r:embed="rId11"/>
                 <a:stretch>
-                  <a:fillRect b="-14286"/>
+                  <a:fillRect b="-6452"/>
                 </a:stretch>
               </a:blipFill>
             </p:spPr>
@@ -6201,14 +7526,241 @@
           </p:sp>
         </mc:Fallback>
       </mc:AlternateContent>
-      <mc:AlternateContent xmlns:mc="http://schemas.openxmlformats.org/markup-compatibility/2006" xmlns:a14="http://schemas.microsoft.com/office/drawing/2010/main">
-        <mc:Choice Requires="a14">
+      <p:cxnSp>
+        <p:nvCxnSpPr>
+          <p:cNvPr id="240" name="Straight Arrow Connector 239">
+            <a:extLst>
+              <a:ext uri="{FF2B5EF4-FFF2-40B4-BE49-F238E27FC236}">
+                <a16:creationId xmlns:a16="http://schemas.microsoft.com/office/drawing/2014/main" id="{59882AA0-AC67-7F18-A4A8-D8F40AE2B9AA}"/>
+              </a:ext>
+            </a:extLst>
+          </p:cNvPr>
+          <p:cNvCxnSpPr>
+            <a:cxnSpLocks/>
+          </p:cNvCxnSpPr>
+          <p:nvPr/>
+        </p:nvCxnSpPr>
+        <p:spPr>
+          <a:xfrm rot="16200000" flipV="1">
+            <a:off x="5229893" y="4431898"/>
+            <a:ext cx="0" cy="264909"/>
+          </a:xfrm>
+          <a:prstGeom prst="straightConnector1">
+            <a:avLst/>
+          </a:prstGeom>
+          <a:ln w="38100">
+            <a:solidFill>
+              <a:schemeClr val="tx1"/>
+            </a:solidFill>
+            <a:headEnd type="triangle"/>
+            <a:tailEnd type="none"/>
+          </a:ln>
+        </p:spPr>
+        <p:style>
+          <a:lnRef idx="1">
+            <a:schemeClr val="accent1"/>
+          </a:lnRef>
+          <a:fillRef idx="0">
+            <a:schemeClr val="accent1"/>
+          </a:fillRef>
+          <a:effectRef idx="0">
+            <a:schemeClr val="accent1"/>
+          </a:effectRef>
+          <a:fontRef idx="minor">
+            <a:schemeClr val="tx1"/>
+          </a:fontRef>
+        </p:style>
+      </p:cxnSp>
+      <p:cxnSp>
+        <p:nvCxnSpPr>
+          <p:cNvPr id="241" name="Straight Arrow Connector 240">
+            <a:extLst>
+              <a:ext uri="{FF2B5EF4-FFF2-40B4-BE49-F238E27FC236}">
+                <a16:creationId xmlns:a16="http://schemas.microsoft.com/office/drawing/2014/main" id="{1A7000A4-191A-E527-196A-DFD12E0BE676}"/>
+              </a:ext>
+            </a:extLst>
+          </p:cNvPr>
+          <p:cNvCxnSpPr>
+            <a:cxnSpLocks/>
+          </p:cNvCxnSpPr>
+          <p:nvPr/>
+        </p:nvCxnSpPr>
+        <p:spPr>
+          <a:xfrm rot="16200000" flipV="1">
+            <a:off x="5925929" y="4431898"/>
+            <a:ext cx="0" cy="264909"/>
+          </a:xfrm>
+          <a:prstGeom prst="straightConnector1">
+            <a:avLst/>
+          </a:prstGeom>
+          <a:ln w="38100">
+            <a:solidFill>
+              <a:schemeClr val="tx1"/>
+            </a:solidFill>
+            <a:headEnd type="triangle"/>
+            <a:tailEnd type="none"/>
+          </a:ln>
+        </p:spPr>
+        <p:style>
+          <a:lnRef idx="1">
+            <a:schemeClr val="accent1"/>
+          </a:lnRef>
+          <a:fillRef idx="0">
+            <a:schemeClr val="accent1"/>
+          </a:fillRef>
+          <a:effectRef idx="0">
+            <a:schemeClr val="accent1"/>
+          </a:effectRef>
+          <a:fontRef idx="minor">
+            <a:schemeClr val="tx1"/>
+          </a:fontRef>
+        </p:style>
+      </p:cxnSp>
+      <p:cxnSp>
+        <p:nvCxnSpPr>
+          <p:cNvPr id="243" name="Straight Arrow Connector 242">
+            <a:extLst>
+              <a:ext uri="{FF2B5EF4-FFF2-40B4-BE49-F238E27FC236}">
+                <a16:creationId xmlns:a16="http://schemas.microsoft.com/office/drawing/2014/main" id="{FC00652D-1ACB-F149-80B4-43B203AF5CA7}"/>
+              </a:ext>
+            </a:extLst>
+          </p:cNvPr>
+          <p:cNvCxnSpPr>
+            <a:cxnSpLocks/>
+          </p:cNvCxnSpPr>
+          <p:nvPr/>
+        </p:nvCxnSpPr>
+        <p:spPr>
+          <a:xfrm rot="16200000" flipV="1">
+            <a:off x="5239329" y="6237729"/>
+            <a:ext cx="0" cy="264909"/>
+          </a:xfrm>
+          <a:prstGeom prst="straightConnector1">
+            <a:avLst/>
+          </a:prstGeom>
+          <a:ln w="38100">
+            <a:solidFill>
+              <a:schemeClr val="tx1"/>
+            </a:solidFill>
+            <a:headEnd type="triangle"/>
+            <a:tailEnd type="none"/>
+          </a:ln>
+        </p:spPr>
+        <p:style>
+          <a:lnRef idx="1">
+            <a:schemeClr val="accent1"/>
+          </a:lnRef>
+          <a:fillRef idx="0">
+            <a:schemeClr val="accent1"/>
+          </a:fillRef>
+          <a:effectRef idx="0">
+            <a:schemeClr val="accent1"/>
+          </a:effectRef>
+          <a:fontRef idx="minor">
+            <a:schemeClr val="tx1"/>
+          </a:fontRef>
+        </p:style>
+      </p:cxnSp>
+      <p:cxnSp>
+        <p:nvCxnSpPr>
+          <p:cNvPr id="244" name="Straight Arrow Connector 243">
+            <a:extLst>
+              <a:ext uri="{FF2B5EF4-FFF2-40B4-BE49-F238E27FC236}">
+                <a16:creationId xmlns:a16="http://schemas.microsoft.com/office/drawing/2014/main" id="{BAA51044-4AFB-7467-20A8-985A10001A9E}"/>
+              </a:ext>
+            </a:extLst>
+          </p:cNvPr>
+          <p:cNvCxnSpPr>
+            <a:cxnSpLocks/>
+          </p:cNvCxnSpPr>
+          <p:nvPr/>
+        </p:nvCxnSpPr>
+        <p:spPr>
+          <a:xfrm rot="16200000" flipV="1">
+            <a:off x="5935365" y="6237729"/>
+            <a:ext cx="0" cy="264909"/>
+          </a:xfrm>
+          <a:prstGeom prst="straightConnector1">
+            <a:avLst/>
+          </a:prstGeom>
+          <a:ln w="38100">
+            <a:solidFill>
+              <a:schemeClr val="tx1"/>
+            </a:solidFill>
+            <a:headEnd type="triangle"/>
+            <a:tailEnd type="none"/>
+          </a:ln>
+        </p:spPr>
+        <p:style>
+          <a:lnRef idx="1">
+            <a:schemeClr val="accent1"/>
+          </a:lnRef>
+          <a:fillRef idx="0">
+            <a:schemeClr val="accent1"/>
+          </a:fillRef>
+          <a:effectRef idx="0">
+            <a:schemeClr val="accent1"/>
+          </a:effectRef>
+          <a:fontRef idx="minor">
+            <a:schemeClr val="tx1"/>
+          </a:fontRef>
+        </p:style>
+      </p:cxnSp>
+      <p:cxnSp>
+        <p:nvCxnSpPr>
+          <p:cNvPr id="245" name="Straight Arrow Connector 244">
+            <a:extLst>
+              <a:ext uri="{FF2B5EF4-FFF2-40B4-BE49-F238E27FC236}">
+                <a16:creationId xmlns:a16="http://schemas.microsoft.com/office/drawing/2014/main" id="{0427CB26-3F0D-34D7-D802-D4978C317091}"/>
+              </a:ext>
+            </a:extLst>
+          </p:cNvPr>
+          <p:cNvCxnSpPr>
+            <a:cxnSpLocks/>
+            <a:stCxn id="216" idx="5"/>
+            <a:endCxn id="12" idx="3"/>
+          </p:cNvCxnSpPr>
+          <p:nvPr/>
+        </p:nvCxnSpPr>
+        <p:spPr>
+          <a:xfrm flipH="1">
+            <a:off x="2497119" y="4536006"/>
+            <a:ext cx="1710667" cy="14135"/>
+          </a:xfrm>
+          <a:prstGeom prst="straightConnector1">
+            <a:avLst/>
+          </a:prstGeom>
+          <a:ln w="38100">
+            <a:solidFill>
+              <a:srgbClr val="0070C0"/>
+            </a:solidFill>
+            <a:headEnd type="triangle"/>
+            <a:tailEnd type="none"/>
+          </a:ln>
+        </p:spPr>
+        <p:style>
+          <a:lnRef idx="1">
+            <a:schemeClr val="accent1"/>
+          </a:lnRef>
+          <a:fillRef idx="0">
+            <a:schemeClr val="accent1"/>
+          </a:fillRef>
+          <a:effectRef idx="0">
+            <a:schemeClr val="accent1"/>
+          </a:effectRef>
+          <a:fontRef idx="minor">
+            <a:schemeClr val="tx1"/>
+          </a:fontRef>
+        </p:style>
+      </p:cxnSp>
+      <mc:AlternateContent xmlns:mc="http://schemas.openxmlformats.org/markup-compatibility/2006">
+        <mc:Choice xmlns:a14="http://schemas.microsoft.com/office/drawing/2010/main" Requires="a14">
           <p:sp>
             <p:nvSpPr>
-              <p:cNvPr id="22" name="Parallelogram 21">
+              <p:cNvPr id="248" name="Parallelogram 247">
                 <a:extLst>
                   <a:ext uri="{FF2B5EF4-FFF2-40B4-BE49-F238E27FC236}">
-                    <a16:creationId xmlns:a16="http://schemas.microsoft.com/office/drawing/2014/main" id="{FA7D59ED-958C-0B33-2496-9F2FA790A27C}"/>
+                    <a16:creationId xmlns:a16="http://schemas.microsoft.com/office/drawing/2014/main" id="{04C30ACF-A7AA-FBB0-D6F2-BE62556002B0}"/>
                   </a:ext>
                 </a:extLst>
               </p:cNvPr>
@@ -6217,8 +7769,8 @@
             </p:nvSpPr>
             <p:spPr>
               <a:xfrm>
-                <a:off x="5954052" y="1344639"/>
-                <a:ext cx="708146" cy="334800"/>
+                <a:off x="6017682" y="2547806"/>
+                <a:ext cx="852965" cy="365124"/>
               </a:xfrm>
               <a:prstGeom prst="parallelogram">
                 <a:avLst/>
@@ -6254,55 +7806,101 @@
                 <a14:m>
                   <m:oMathPara xmlns:m="http://schemas.openxmlformats.org/officeDocument/2006/math">
                     <m:oMathParaPr>
-                      <m:jc m:val="centerGroup"/>
+                      <m:jc m:val="center"/>
                     </m:oMathParaPr>
                     <m:oMath xmlns:m="http://schemas.openxmlformats.org/officeDocument/2006/math">
-                      <m:acc>
-                        <m:accPr>
-                          <m:chr m:val="̈"/>
+                      <m:sSubSup>
+                        <m:sSubSupPr>
                           <m:ctrlPr>
-                            <a:rPr lang="en-IE" sz="1600" b="0" i="1" dirty="0" smtClean="0">
+                            <a:rPr lang="en-IE" sz="1600" i="1" smtClean="0">
                               <a:solidFill>
-                                <a:sysClr val="windowText" lastClr="000000"/>
+                                <a:schemeClr val="tx1"/>
                               </a:solidFill>
                               <a:latin typeface="Cambria Math" panose="02040503050406030204" pitchFamily="18" charset="0"/>
                             </a:rPr>
                           </m:ctrlPr>
-                        </m:accPr>
+                        </m:sSubSupPr>
                         <m:e>
                           <m:r>
-                            <a:rPr lang="en-IE" sz="1600" b="0" i="1" dirty="0" smtClean="0">
+                            <a:rPr lang="en-IE" sz="1600" i="1">
                               <a:solidFill>
-                                <a:sysClr val="windowText" lastClr="000000"/>
+                                <a:schemeClr val="tx1"/>
                               </a:solidFill>
                               <a:latin typeface="Cambria Math" panose="02040503050406030204" pitchFamily="18" charset="0"/>
                             </a:rPr>
-                            <m:t>𝛽</m:t>
+                            <m:t>𝑈</m:t>
                           </m:r>
                         </m:e>
-                      </m:acc>
+                        <m:sub>
+                          <m:r>
+                            <a:rPr lang="en-IE" sz="1600" i="1">
+                              <a:solidFill>
+                                <a:schemeClr val="tx1"/>
+                              </a:solidFill>
+                              <a:latin typeface="Cambria Math" panose="02040503050406030204" pitchFamily="18" charset="0"/>
+                            </a:rPr>
+                            <m:t>1</m:t>
+                          </m:r>
+                        </m:sub>
+                        <m:sup>
+                          <m:r>
+                            <a:rPr lang="en-IE" sz="1600" i="1">
+                              <a:solidFill>
+                                <a:schemeClr val="tx1"/>
+                              </a:solidFill>
+                              <a:latin typeface="Cambria Math" panose="02040503050406030204" pitchFamily="18" charset="0"/>
+                            </a:rPr>
+                            <m:t>𝑙</m:t>
+                          </m:r>
+                        </m:sup>
+                      </m:sSubSup>
                       <m:r>
-                        <a:rPr lang="en-IE" sz="1600" b="0" i="1" dirty="0" smtClean="0">
+                        <a:rPr lang="en-IE" sz="1600" i="1">
                           <a:solidFill>
-                            <a:sysClr val="windowText" lastClr="000000"/>
+                            <a:schemeClr val="tx1"/>
                           </a:solidFill>
                           <a:latin typeface="Cambria Math" panose="02040503050406030204" pitchFamily="18" charset="0"/>
                         </a:rPr>
                         <m:t>(</m:t>
                       </m:r>
+                      <m:sSub>
+                        <m:sSubPr>
+                          <m:ctrlPr>
+                            <a:rPr lang="en-IE" sz="1600" i="1">
+                              <a:solidFill>
+                                <a:schemeClr val="tx1"/>
+                              </a:solidFill>
+                              <a:latin typeface="Cambria Math" panose="02040503050406030204" pitchFamily="18" charset="0"/>
+                            </a:rPr>
+                          </m:ctrlPr>
+                        </m:sSubPr>
+                        <m:e>
+                          <m:r>
+                            <a:rPr lang="en-IE" sz="1600" i="1">
+                              <a:solidFill>
+                                <a:schemeClr val="tx1"/>
+                              </a:solidFill>
+                              <a:latin typeface="Cambria Math" panose="02040503050406030204" pitchFamily="18" charset="0"/>
+                            </a:rPr>
+                            <m:t>𝑘</m:t>
+                          </m:r>
+                        </m:e>
+                        <m:sub>
+                          <m:r>
+                            <a:rPr lang="en-IE" sz="1600" i="1">
+                              <a:solidFill>
+                                <a:schemeClr val="tx1"/>
+                              </a:solidFill>
+                              <a:latin typeface="Cambria Math" panose="02040503050406030204" pitchFamily="18" charset="0"/>
+                            </a:rPr>
+                            <m:t>𝑗</m:t>
+                          </m:r>
+                        </m:sub>
+                      </m:sSub>
                       <m:r>
-                        <a:rPr lang="en-IE" sz="1600" b="0" i="1" dirty="0" smtClean="0">
+                        <a:rPr lang="en-IE" sz="1600" b="0" i="1" smtClean="0">
                           <a:solidFill>
-                            <a:sysClr val="windowText" lastClr="000000"/>
-                          </a:solidFill>
-                          <a:latin typeface="Cambria Math" panose="02040503050406030204" pitchFamily="18" charset="0"/>
-                        </a:rPr>
-                        <m:t>𝑡</m:t>
-                      </m:r>
-                      <m:r>
-                        <a:rPr lang="en-IE" sz="1600" b="0" i="1" dirty="0" smtClean="0">
-                          <a:solidFill>
-                            <a:sysClr val="windowText" lastClr="000000"/>
+                            <a:schemeClr val="tx1"/>
                           </a:solidFill>
                           <a:latin typeface="Cambria Math" panose="02040503050406030204" pitchFamily="18" charset="0"/>
                         </a:rPr>
@@ -6311,22 +7909,23 @@
                     </m:oMath>
                   </m:oMathPara>
                 </a14:m>
-                <a:endParaRPr lang="en-IE" sz="1600" dirty="0">
+                <a:endParaRPr lang="en-US" sz="1600" dirty="0">
                   <a:solidFill>
-                    <a:sysClr val="windowText" lastClr="000000"/>
+                    <a:schemeClr val="tx1"/>
                   </a:solidFill>
+                  <a:latin typeface="LM Roman 12" pitchFamily="2" charset="77"/>
                 </a:endParaRPr>
               </a:p>
             </p:txBody>
           </p:sp>
         </mc:Choice>
-        <mc:Fallback xmlns="">
+        <mc:Fallback>
           <p:sp>
             <p:nvSpPr>
-              <p:cNvPr id="22" name="Parallelogram 21">
+              <p:cNvPr id="248" name="Parallelogram 247">
                 <a:extLst>
                   <a:ext uri="{FF2B5EF4-FFF2-40B4-BE49-F238E27FC236}">
-                    <a16:creationId xmlns:a16="http://schemas.microsoft.com/office/drawing/2014/main" id="{FA7D59ED-958C-0B33-2496-9F2FA790A27C}"/>
+                    <a16:creationId xmlns:a16="http://schemas.microsoft.com/office/drawing/2014/main" id="{04C30ACF-A7AA-FBB0-D6F2-BE62556002B0}"/>
                   </a:ext>
                 </a:extLst>
               </p:cNvPr>
@@ -6337,16 +7936,16 @@
             </p:nvSpPr>
             <p:spPr>
               <a:xfrm>
-                <a:off x="5954052" y="1344639"/>
-                <a:ext cx="708146" cy="334800"/>
+                <a:off x="6017682" y="2547806"/>
+                <a:ext cx="852965" cy="365124"/>
               </a:xfrm>
               <a:prstGeom prst="parallelogram">
                 <a:avLst/>
               </a:prstGeom>
               <a:blipFill>
-                <a:blip r:embed="rId8"/>
+                <a:blip r:embed="rId12"/>
                 <a:stretch>
-                  <a:fillRect b="-14286"/>
+                  <a:fillRect b="-6667"/>
                 </a:stretch>
               </a:blipFill>
             </p:spPr>
@@ -6365,104 +7964,14 @@
           </p:sp>
         </mc:Fallback>
       </mc:AlternateContent>
-      <p:cxnSp>
-        <p:nvCxnSpPr>
-          <p:cNvPr id="61" name="Straight Arrow Connector 60">
-            <a:extLst>
-              <a:ext uri="{FF2B5EF4-FFF2-40B4-BE49-F238E27FC236}">
-                <a16:creationId xmlns:a16="http://schemas.microsoft.com/office/drawing/2014/main" id="{CDF32BBC-5A97-649E-A19B-2615920F3833}"/>
-              </a:ext>
-            </a:extLst>
-          </p:cNvPr>
-          <p:cNvCxnSpPr>
-            <a:cxnSpLocks/>
-            <a:stCxn id="21" idx="2"/>
-            <a:endCxn id="22" idx="5"/>
-          </p:cNvCxnSpPr>
-          <p:nvPr/>
-        </p:nvCxnSpPr>
-        <p:spPr>
-          <a:xfrm>
-            <a:off x="5616258" y="1512039"/>
-            <a:ext cx="379644" cy="0"/>
-          </a:xfrm>
-          <a:prstGeom prst="straightConnector1">
-            <a:avLst/>
-          </a:prstGeom>
-          <a:ln w="38100">
-            <a:solidFill>
-              <a:schemeClr val="tx1"/>
-            </a:solidFill>
-            <a:tailEnd type="triangle"/>
-          </a:ln>
-        </p:spPr>
-        <p:style>
-          <a:lnRef idx="1">
-            <a:schemeClr val="accent1"/>
-          </a:lnRef>
-          <a:fillRef idx="0">
-            <a:schemeClr val="accent1"/>
-          </a:fillRef>
-          <a:effectRef idx="0">
-            <a:schemeClr val="accent1"/>
-          </a:effectRef>
-          <a:fontRef idx="minor">
-            <a:schemeClr val="tx1"/>
-          </a:fontRef>
-        </p:style>
-      </p:cxnSp>
-      <p:cxnSp>
-        <p:nvCxnSpPr>
-          <p:cNvPr id="85" name="Elbow Connector 84">
-            <a:extLst>
-              <a:ext uri="{FF2B5EF4-FFF2-40B4-BE49-F238E27FC236}">
-                <a16:creationId xmlns:a16="http://schemas.microsoft.com/office/drawing/2014/main" id="{97C62BD3-640D-DA26-8106-DECD661A7307}"/>
-              </a:ext>
-            </a:extLst>
-          </p:cNvPr>
-          <p:cNvCxnSpPr>
-            <a:cxnSpLocks/>
-          </p:cNvCxnSpPr>
-          <p:nvPr/>
-        </p:nvCxnSpPr>
-        <p:spPr>
-          <a:xfrm rot="10800000" flipV="1">
-            <a:off x="3920597" y="2782382"/>
-            <a:ext cx="2546097" cy="3107262"/>
-          </a:xfrm>
-          <a:prstGeom prst="bentConnector2">
-            <a:avLst/>
-          </a:prstGeom>
-          <a:ln w="38100">
-            <a:solidFill>
-              <a:schemeClr val="tx1"/>
-            </a:solidFill>
-            <a:tailEnd type="triangle"/>
-          </a:ln>
-        </p:spPr>
-        <p:style>
-          <a:lnRef idx="1">
-            <a:schemeClr val="accent1"/>
-          </a:lnRef>
-          <a:fillRef idx="0">
-            <a:schemeClr val="accent1"/>
-          </a:fillRef>
-          <a:effectRef idx="0">
-            <a:schemeClr val="accent1"/>
-          </a:effectRef>
-          <a:fontRef idx="minor">
-            <a:schemeClr val="tx1"/>
-          </a:fontRef>
-        </p:style>
-      </p:cxnSp>
-      <mc:AlternateContent xmlns:mc="http://schemas.openxmlformats.org/markup-compatibility/2006" xmlns:a14="http://schemas.microsoft.com/office/drawing/2010/main">
-        <mc:Choice Requires="a14">
+      <mc:AlternateContent xmlns:mc="http://schemas.openxmlformats.org/markup-compatibility/2006">
+        <mc:Choice xmlns:a14="http://schemas.microsoft.com/office/drawing/2010/main" Requires="a14">
           <p:sp>
             <p:nvSpPr>
-              <p:cNvPr id="130" name="Parallelogram 129">
+              <p:cNvPr id="250" name="Parallelogram 249">
                 <a:extLst>
                   <a:ext uri="{FF2B5EF4-FFF2-40B4-BE49-F238E27FC236}">
-                    <a16:creationId xmlns:a16="http://schemas.microsoft.com/office/drawing/2014/main" id="{2F72F36D-39AF-5A08-90CC-5DA20DF686A6}"/>
+                    <a16:creationId xmlns:a16="http://schemas.microsoft.com/office/drawing/2014/main" id="{E62E4F22-E603-29C9-7263-4B5E22B644CB}"/>
                   </a:ext>
                 </a:extLst>
               </p:cNvPr>
@@ -6471,8 +7980,8 @@
             </p:nvSpPr>
             <p:spPr>
               <a:xfrm>
-                <a:off x="4745766" y="4911194"/>
-                <a:ext cx="1350234" cy="334800"/>
+                <a:off x="6014522" y="4353444"/>
+                <a:ext cx="865066" cy="365124"/>
               </a:xfrm>
               <a:prstGeom prst="parallelogram">
                 <a:avLst/>
@@ -6508,13 +8017,67 @@
                 <a14:m>
                   <m:oMathPara xmlns:m="http://schemas.openxmlformats.org/officeDocument/2006/math">
                     <m:oMathParaPr>
-                      <m:jc m:val="centerGroup"/>
+                      <m:jc m:val="center"/>
                     </m:oMathParaPr>
                     <m:oMath xmlns:m="http://schemas.openxmlformats.org/officeDocument/2006/math">
+                      <m:sSubSup>
+                        <m:sSubSupPr>
+                          <m:ctrlPr>
+                            <a:rPr lang="en-IE" sz="1600" i="1" smtClean="0">
+                              <a:solidFill>
+                                <a:schemeClr val="tx1"/>
+                              </a:solidFill>
+                              <a:latin typeface="Cambria Math" panose="02040503050406030204" pitchFamily="18" charset="0"/>
+                            </a:rPr>
+                          </m:ctrlPr>
+                        </m:sSubSupPr>
+                        <m:e>
+                          <m:r>
+                            <a:rPr lang="en-IE" sz="1600" i="1">
+                              <a:solidFill>
+                                <a:schemeClr val="tx1"/>
+                              </a:solidFill>
+                              <a:latin typeface="Cambria Math" panose="02040503050406030204" pitchFamily="18" charset="0"/>
+                            </a:rPr>
+                            <m:t>𝑈</m:t>
+                          </m:r>
+                        </m:e>
+                        <m:sub>
+                          <m:r>
+                            <a:rPr lang="en-IE" sz="1600" b="0" i="1" smtClean="0">
+                              <a:solidFill>
+                                <a:schemeClr val="tx1"/>
+                              </a:solidFill>
+                              <a:latin typeface="Cambria Math" panose="02040503050406030204" pitchFamily="18" charset="0"/>
+                            </a:rPr>
+                            <m:t>𝑑</m:t>
+                          </m:r>
+                        </m:sub>
+                        <m:sup>
+                          <m:r>
+                            <a:rPr lang="en-IE" sz="1600" i="1">
+                              <a:solidFill>
+                                <a:schemeClr val="tx1"/>
+                              </a:solidFill>
+                              <a:latin typeface="Cambria Math" panose="02040503050406030204" pitchFamily="18" charset="0"/>
+                            </a:rPr>
+                            <m:t>𝑙</m:t>
+                          </m:r>
+                        </m:sup>
+                      </m:sSubSup>
+                      <m:r>
+                        <a:rPr lang="en-IE" sz="1600" i="1">
+                          <a:solidFill>
+                            <a:schemeClr val="tx1"/>
+                          </a:solidFill>
+                          <a:latin typeface="Cambria Math" panose="02040503050406030204" pitchFamily="18" charset="0"/>
+                        </a:rPr>
+                        <m:t>(</m:t>
+                      </m:r>
                       <m:sSub>
                         <m:sSubPr>
                           <m:ctrlPr>
-                            <a:rPr lang="en-US" altLang="zh-CN" sz="1600" i="1" dirty="0" smtClean="0">
+                            <a:rPr lang="en-IE" sz="1600" i="1">
                               <a:solidFill>
                                 <a:schemeClr val="tx1"/>
                               </a:solidFill>
@@ -6524,47 +8087,29 @@
                         </m:sSubPr>
                         <m:e>
                           <m:r>
-                            <a:rPr lang="en-IE" altLang="zh-CN" sz="1600" i="1" dirty="0">
+                            <a:rPr lang="en-IE" sz="1600" i="1">
                               <a:solidFill>
                                 <a:schemeClr val="tx1"/>
                               </a:solidFill>
                               <a:latin typeface="Cambria Math" panose="02040503050406030204" pitchFamily="18" charset="0"/>
                             </a:rPr>
-                            <m:t>𝑃</m:t>
+                            <m:t>𝑘</m:t>
                           </m:r>
                         </m:e>
                         <m:sub>
                           <m:r>
-                            <a:rPr lang="en-IE" altLang="zh-CN" sz="1600" b="0" i="1" dirty="0" smtClean="0">
+                            <a:rPr lang="en-IE" sz="1600" i="1">
                               <a:solidFill>
                                 <a:schemeClr val="tx1"/>
                               </a:solidFill>
                               <a:latin typeface="Cambria Math" panose="02040503050406030204" pitchFamily="18" charset="0"/>
                             </a:rPr>
-                            <m:t>𝛽</m:t>
+                            <m:t>𝑗</m:t>
                           </m:r>
                         </m:sub>
                       </m:sSub>
                       <m:r>
-                        <a:rPr lang="en-IE" altLang="zh-CN" sz="1600" b="0" i="1" dirty="0" smtClean="0">
-                          <a:solidFill>
-                            <a:schemeClr val="tx1"/>
-                          </a:solidFill>
-                          <a:latin typeface="Cambria Math" panose="02040503050406030204" pitchFamily="18" charset="0"/>
-                        </a:rPr>
-                        <m:t>(</m:t>
-                      </m:r>
-                      <m:r>
-                        <a:rPr lang="en-IE" altLang="zh-CN" sz="1600" b="0" i="1" dirty="0" smtClean="0">
-                          <a:solidFill>
-                            <a:schemeClr val="tx1"/>
-                          </a:solidFill>
-                          <a:latin typeface="Cambria Math" panose="02040503050406030204" pitchFamily="18" charset="0"/>
-                        </a:rPr>
-                        <m:t>𝑡</m:t>
-                      </m:r>
-                      <m:r>
-                        <a:rPr lang="en-IE" altLang="zh-CN" sz="1600" b="0" i="1" dirty="0" smtClean="0">
+                        <a:rPr lang="en-IE" sz="1600" i="1">
                           <a:solidFill>
                             <a:schemeClr val="tx1"/>
                           </a:solidFill>
@@ -6575,22 +8120,23 @@
                     </m:oMath>
                   </m:oMathPara>
                 </a14:m>
-                <a:endParaRPr lang="en-IE" sz="1600" dirty="0">
+                <a:endParaRPr lang="en-US" sz="1600" dirty="0">
                   <a:solidFill>
-                    <a:sysClr val="windowText" lastClr="000000"/>
+                    <a:schemeClr val="tx1"/>
                   </a:solidFill>
+                  <a:latin typeface="LM Roman 12" pitchFamily="2" charset="77"/>
                 </a:endParaRPr>
               </a:p>
             </p:txBody>
           </p:sp>
         </mc:Choice>
-        <mc:Fallback xmlns="">
+        <mc:Fallback>
           <p:sp>
             <p:nvSpPr>
-              <p:cNvPr id="130" name="Parallelogram 129">
+              <p:cNvPr id="250" name="Parallelogram 249">
                 <a:extLst>
                   <a:ext uri="{FF2B5EF4-FFF2-40B4-BE49-F238E27FC236}">
-                    <a16:creationId xmlns:a16="http://schemas.microsoft.com/office/drawing/2014/main" id="{2F72F36D-39AF-5A08-90CC-5DA20DF686A6}"/>
+                    <a16:creationId xmlns:a16="http://schemas.microsoft.com/office/drawing/2014/main" id="{E62E4F22-E603-29C9-7263-4B5E22B644CB}"/>
                   </a:ext>
                 </a:extLst>
               </p:cNvPr>
@@ -6601,16 +8147,16 @@
             </p:nvSpPr>
             <p:spPr>
               <a:xfrm>
-                <a:off x="4745766" y="4911194"/>
-                <a:ext cx="1350234" cy="334800"/>
+                <a:off x="6014522" y="4353444"/>
+                <a:ext cx="865066" cy="365124"/>
               </a:xfrm>
               <a:prstGeom prst="parallelogram">
                 <a:avLst/>
               </a:prstGeom>
               <a:blipFill>
-                <a:blip r:embed="rId9"/>
+                <a:blip r:embed="rId13"/>
                 <a:stretch>
-                  <a:fillRect b="-10714"/>
+                  <a:fillRect b="-10000"/>
                 </a:stretch>
               </a:blipFill>
             </p:spPr>
@@ -6629,33 +8175,303 @@
           </p:sp>
         </mc:Fallback>
       </mc:AlternateContent>
+      <mc:AlternateContent xmlns:mc="http://schemas.openxmlformats.org/markup-compatibility/2006">
+        <mc:Choice xmlns:a14="http://schemas.microsoft.com/office/drawing/2010/main" Requires="a14">
+          <p:sp>
+            <p:nvSpPr>
+              <p:cNvPr id="251" name="Parallelogram 250">
+                <a:extLst>
+                  <a:ext uri="{FF2B5EF4-FFF2-40B4-BE49-F238E27FC236}">
+                    <a16:creationId xmlns:a16="http://schemas.microsoft.com/office/drawing/2014/main" id="{7137C7EB-13A2-D692-39C1-C3A9097DFC80}"/>
+                  </a:ext>
+                </a:extLst>
+              </p:cNvPr>
+              <p:cNvSpPr/>
+              <p:nvPr/>
+            </p:nvSpPr>
+            <p:spPr>
+              <a:xfrm>
+                <a:off x="6014521" y="6176873"/>
+                <a:ext cx="856125" cy="365124"/>
+              </a:xfrm>
+              <a:prstGeom prst="parallelogram">
+                <a:avLst/>
+              </a:prstGeom>
+              <a:solidFill>
+                <a:schemeClr val="bg2">
+                  <a:lumMod val="20000"/>
+                  <a:lumOff val="80000"/>
+                </a:schemeClr>
+              </a:solidFill>
+            </p:spPr>
+            <p:style>
+              <a:lnRef idx="2">
+                <a:schemeClr val="accent1">
+                  <a:shade val="50000"/>
+                </a:schemeClr>
+              </a:lnRef>
+              <a:fillRef idx="1">
+                <a:schemeClr val="accent1"/>
+              </a:fillRef>
+              <a:effectRef idx="0">
+                <a:schemeClr val="accent1"/>
+              </a:effectRef>
+              <a:fontRef idx="minor">
+                <a:schemeClr val="lt1"/>
+              </a:fontRef>
+            </p:style>
+            <p:txBody>
+              <a:bodyPr rtlCol="0" anchor="ctr"/>
+              <a:lstStyle/>
+              <a:p>
+                <a:pPr algn="ctr"/>
+                <a14:m>
+                  <m:oMathPara xmlns:m="http://schemas.openxmlformats.org/officeDocument/2006/math">
+                    <m:oMathParaPr>
+                      <m:jc m:val="center"/>
+                    </m:oMathParaPr>
+                    <m:oMath xmlns:m="http://schemas.openxmlformats.org/officeDocument/2006/math">
+                      <m:sSubSup>
+                        <m:sSubSupPr>
+                          <m:ctrlPr>
+                            <a:rPr lang="en-IE" sz="1600" i="1" smtClean="0">
+                              <a:solidFill>
+                                <a:schemeClr val="tx1"/>
+                              </a:solidFill>
+                              <a:latin typeface="Cambria Math" panose="02040503050406030204" pitchFamily="18" charset="0"/>
+                            </a:rPr>
+                          </m:ctrlPr>
+                        </m:sSubSupPr>
+                        <m:e>
+                          <m:r>
+                            <a:rPr lang="en-IE" sz="1600" i="1">
+                              <a:solidFill>
+                                <a:schemeClr val="tx1"/>
+                              </a:solidFill>
+                              <a:latin typeface="Cambria Math" panose="02040503050406030204" pitchFamily="18" charset="0"/>
+                            </a:rPr>
+                            <m:t>𝑈</m:t>
+                          </m:r>
+                        </m:e>
+                        <m:sub>
+                          <m:r>
+                            <a:rPr lang="en-IE" sz="1600" b="0" i="1" smtClean="0">
+                              <a:solidFill>
+                                <a:schemeClr val="tx1"/>
+                              </a:solidFill>
+                              <a:latin typeface="Cambria Math" panose="02040503050406030204" pitchFamily="18" charset="0"/>
+                            </a:rPr>
+                            <m:t>𝐷</m:t>
+                          </m:r>
+                        </m:sub>
+                        <m:sup>
+                          <m:r>
+                            <a:rPr lang="en-IE" sz="1600" i="1">
+                              <a:solidFill>
+                                <a:schemeClr val="tx1"/>
+                              </a:solidFill>
+                              <a:latin typeface="Cambria Math" panose="02040503050406030204" pitchFamily="18" charset="0"/>
+                            </a:rPr>
+                            <m:t>𝑙</m:t>
+                          </m:r>
+                        </m:sup>
+                      </m:sSubSup>
+                      <m:r>
+                        <a:rPr lang="en-IE" sz="1600" i="1">
+                          <a:solidFill>
+                            <a:schemeClr val="tx1"/>
+                          </a:solidFill>
+                          <a:latin typeface="Cambria Math" panose="02040503050406030204" pitchFamily="18" charset="0"/>
+                        </a:rPr>
+                        <m:t>(</m:t>
+                      </m:r>
+                      <m:sSub>
+                        <m:sSubPr>
+                          <m:ctrlPr>
+                            <a:rPr lang="en-IE" sz="1600" i="1">
+                              <a:solidFill>
+                                <a:schemeClr val="tx1"/>
+                              </a:solidFill>
+                              <a:latin typeface="Cambria Math" panose="02040503050406030204" pitchFamily="18" charset="0"/>
+                            </a:rPr>
+                          </m:ctrlPr>
+                        </m:sSubPr>
+                        <m:e>
+                          <m:r>
+                            <a:rPr lang="en-IE" sz="1600" i="1">
+                              <a:solidFill>
+                                <a:schemeClr val="tx1"/>
+                              </a:solidFill>
+                              <a:latin typeface="Cambria Math" panose="02040503050406030204" pitchFamily="18" charset="0"/>
+                            </a:rPr>
+                            <m:t>𝑘</m:t>
+                          </m:r>
+                        </m:e>
+                        <m:sub>
+                          <m:r>
+                            <a:rPr lang="en-IE" sz="1600" i="1">
+                              <a:solidFill>
+                                <a:schemeClr val="tx1"/>
+                              </a:solidFill>
+                              <a:latin typeface="Cambria Math" panose="02040503050406030204" pitchFamily="18" charset="0"/>
+                            </a:rPr>
+                            <m:t>𝑗</m:t>
+                          </m:r>
+                        </m:sub>
+                      </m:sSub>
+                      <m:r>
+                        <a:rPr lang="en-IE" sz="1600" i="1">
+                          <a:solidFill>
+                            <a:schemeClr val="tx1"/>
+                          </a:solidFill>
+                          <a:latin typeface="Cambria Math" panose="02040503050406030204" pitchFamily="18" charset="0"/>
+                        </a:rPr>
+                        <m:t>)</m:t>
+                      </m:r>
+                    </m:oMath>
+                  </m:oMathPara>
+                </a14:m>
+                <a:endParaRPr lang="en-US" sz="1600" dirty="0">
+                  <a:solidFill>
+                    <a:schemeClr val="tx1"/>
+                  </a:solidFill>
+                  <a:latin typeface="LM Roman 12" pitchFamily="2" charset="77"/>
+                </a:endParaRPr>
+              </a:p>
+            </p:txBody>
+          </p:sp>
+        </mc:Choice>
+        <mc:Fallback>
+          <p:sp>
+            <p:nvSpPr>
+              <p:cNvPr id="251" name="Parallelogram 250">
+                <a:extLst>
+                  <a:ext uri="{FF2B5EF4-FFF2-40B4-BE49-F238E27FC236}">
+                    <a16:creationId xmlns:a16="http://schemas.microsoft.com/office/drawing/2014/main" id="{7137C7EB-13A2-D692-39C1-C3A9097DFC80}"/>
+                  </a:ext>
+                </a:extLst>
+              </p:cNvPr>
+              <p:cNvSpPr>
+                <a:spLocks noRot="1" noChangeAspect="1" noMove="1" noResize="1" noEditPoints="1" noAdjustHandles="1" noChangeArrowheads="1" noChangeShapeType="1" noTextEdit="1"/>
+              </p:cNvSpPr>
+              <p:nvPr/>
+            </p:nvSpPr>
+            <p:spPr>
+              <a:xfrm>
+                <a:off x="6014521" y="6176873"/>
+                <a:ext cx="856125" cy="365124"/>
+              </a:xfrm>
+              <a:prstGeom prst="parallelogram">
+                <a:avLst/>
+              </a:prstGeom>
+              <a:blipFill>
+                <a:blip r:embed="rId14"/>
+                <a:stretch>
+                  <a:fillRect b="-6452"/>
+                </a:stretch>
+              </a:blipFill>
+            </p:spPr>
+            <p:txBody>
+              <a:bodyPr/>
+              <a:lstStyle/>
+              <a:p>
+                <a:r>
+                  <a:rPr lang="en-US">
+                    <a:noFill/>
+                  </a:rPr>
+                  <a:t> </a:t>
+                </a:r>
+              </a:p>
+            </p:txBody>
+          </p:sp>
+        </mc:Fallback>
+      </mc:AlternateContent>
+      <p:sp>
+        <p:nvSpPr>
+          <p:cNvPr id="252" name="Rounded Rectangle 251">
+            <a:extLst>
+              <a:ext uri="{FF2B5EF4-FFF2-40B4-BE49-F238E27FC236}">
+                <a16:creationId xmlns:a16="http://schemas.microsoft.com/office/drawing/2014/main" id="{2D33A370-5806-7F90-79D2-70046B22BADE}"/>
+              </a:ext>
+            </a:extLst>
+          </p:cNvPr>
+          <p:cNvSpPr/>
+          <p:nvPr/>
+        </p:nvSpPr>
+        <p:spPr>
+          <a:xfrm>
+            <a:off x="760463" y="3639368"/>
+            <a:ext cx="1745955" cy="553998"/>
+          </a:xfrm>
+          <a:prstGeom prst="roundRect">
+            <a:avLst/>
+          </a:prstGeom>
+          <a:solidFill>
+            <a:srgbClr val="C00000"/>
+          </a:solidFill>
+        </p:spPr>
+        <p:style>
+          <a:lnRef idx="2">
+            <a:schemeClr val="dk1">
+              <a:shade val="50000"/>
+            </a:schemeClr>
+          </a:lnRef>
+          <a:fillRef idx="1">
+            <a:schemeClr val="dk1"/>
+          </a:fillRef>
+          <a:effectRef idx="0">
+            <a:schemeClr val="dk1"/>
+          </a:effectRef>
+          <a:fontRef idx="minor">
+            <a:schemeClr val="lt1"/>
+          </a:fontRef>
+        </p:style>
+        <p:txBody>
+          <a:bodyPr rtlCol="0" anchor="ctr"/>
+          <a:lstStyle/>
+          <a:p>
+            <a:pPr algn="ctr"/>
+            <a:r>
+              <a:rPr lang="en-US" sz="1600" b="1" dirty="0">
+                <a:solidFill>
+                  <a:schemeClr val="bg1"/>
+                </a:solidFill>
+                <a:latin typeface="LM Roman 12" pitchFamily="2" charset="77"/>
+              </a:rPr>
+              <a:t>Measurements</a:t>
+            </a:r>
+          </a:p>
+        </p:txBody>
+      </p:sp>
       <p:cxnSp>
         <p:nvCxnSpPr>
-          <p:cNvPr id="131" name="Straight Arrow Connector 130">
+          <p:cNvPr id="272" name="Elbow Connector 271">
             <a:extLst>
               <a:ext uri="{FF2B5EF4-FFF2-40B4-BE49-F238E27FC236}">
-                <a16:creationId xmlns:a16="http://schemas.microsoft.com/office/drawing/2014/main" id="{95299026-2A87-97A2-2425-BA00394CE766}"/>
+                <a16:creationId xmlns:a16="http://schemas.microsoft.com/office/drawing/2014/main" id="{B641676E-44A5-FE3C-8353-0C9530A14D2B}"/>
               </a:ext>
             </a:extLst>
           </p:cNvPr>
           <p:cNvCxnSpPr>
             <a:cxnSpLocks/>
-            <a:stCxn id="10" idx="3"/>
-            <a:endCxn id="130" idx="5"/>
+            <a:stCxn id="252" idx="3"/>
+            <a:endCxn id="116" idx="5"/>
           </p:cNvCxnSpPr>
           <p:nvPr/>
         </p:nvCxnSpPr>
         <p:spPr>
           <a:xfrm flipV="1">
-            <a:off x="4557549" y="5078594"/>
-            <a:ext cx="230067" cy="1595"/>
+            <a:off x="2506418" y="2130122"/>
+            <a:ext cx="357203" cy="1786245"/>
           </a:xfrm>
-          <a:prstGeom prst="straightConnector1">
-            <a:avLst/>
+          <a:prstGeom prst="bentConnector3">
+            <a:avLst>
+              <a:gd name="adj1" fmla="val 29403"/>
+            </a:avLst>
           </a:prstGeom>
           <a:ln w="38100">
             <a:solidFill>
-              <a:schemeClr val="tx1"/>
+              <a:srgbClr val="C00000"/>
             </a:solidFill>
             <a:tailEnd type="triangle"/>
           </a:ln>
@@ -6677,31 +8493,78 @@
       </p:cxnSp>
       <p:cxnSp>
         <p:nvCxnSpPr>
-          <p:cNvPr id="33" name="Elbow Connector 32">
+          <p:cNvPr id="278" name="Straight Arrow Connector 277">
             <a:extLst>
               <a:ext uri="{FF2B5EF4-FFF2-40B4-BE49-F238E27FC236}">
-                <a16:creationId xmlns:a16="http://schemas.microsoft.com/office/drawing/2014/main" id="{65420A35-F89D-80C6-3C4A-7C46B7047E1F}"/>
+                <a16:creationId xmlns:a16="http://schemas.microsoft.com/office/drawing/2014/main" id="{C7FD6906-72C6-AFCF-F1E1-E7A339A28303}"/>
               </a:ext>
             </a:extLst>
           </p:cNvPr>
           <p:cNvCxnSpPr>
             <a:cxnSpLocks/>
+            <a:endCxn id="252" idx="3"/>
           </p:cNvCxnSpPr>
           <p:nvPr/>
         </p:nvCxnSpPr>
         <p:spPr>
-          <a:xfrm rot="5400000">
-            <a:off x="6490892" y="650455"/>
-            <a:ext cx="1654823" cy="543905"/>
+          <a:xfrm flipH="1">
+            <a:off x="2506418" y="3905008"/>
+            <a:ext cx="357204" cy="11359"/>
+          </a:xfrm>
+          <a:prstGeom prst="straightConnector1">
+            <a:avLst/>
+          </a:prstGeom>
+          <a:ln w="38100">
+            <a:solidFill>
+              <a:srgbClr val="C00000"/>
+            </a:solidFill>
+            <a:headEnd type="triangle"/>
+            <a:tailEnd type="none"/>
+          </a:ln>
+        </p:spPr>
+        <p:style>
+          <a:lnRef idx="1">
+            <a:schemeClr val="accent1"/>
+          </a:lnRef>
+          <a:fillRef idx="0">
+            <a:schemeClr val="accent1"/>
+          </a:fillRef>
+          <a:effectRef idx="0">
+            <a:schemeClr val="accent1"/>
+          </a:effectRef>
+          <a:fontRef idx="minor">
+            <a:schemeClr val="tx1"/>
+          </a:fontRef>
+        </p:style>
+      </p:cxnSp>
+      <p:cxnSp>
+        <p:nvCxnSpPr>
+          <p:cNvPr id="281" name="Elbow Connector 280">
+            <a:extLst>
+              <a:ext uri="{FF2B5EF4-FFF2-40B4-BE49-F238E27FC236}">
+                <a16:creationId xmlns:a16="http://schemas.microsoft.com/office/drawing/2014/main" id="{72E683AC-B54C-9DD2-0778-4FE233784B90}"/>
+              </a:ext>
+            </a:extLst>
+          </p:cNvPr>
+          <p:cNvCxnSpPr>
+            <a:cxnSpLocks/>
+            <a:stCxn id="252" idx="3"/>
+          </p:cNvCxnSpPr>
+          <p:nvPr/>
+        </p:nvCxnSpPr>
+        <p:spPr>
+          <a:xfrm>
+            <a:off x="2506418" y="3916367"/>
+            <a:ext cx="357204" cy="1821547"/>
           </a:xfrm>
           <a:prstGeom prst="bentConnector3">
             <a:avLst>
-              <a:gd name="adj1" fmla="val 50000"/>
+              <a:gd name="adj1" fmla="val 29403"/>
             </a:avLst>
           </a:prstGeom>
           <a:ln w="38100">
             <a:solidFill>
-              <a:schemeClr val="tx1"/>
+              <a:srgbClr val="C00000"/>
             </a:solidFill>
             <a:tailEnd type="triangle"/>
           </a:ln>
@@ -6721,56 +8584,12 @@
           </a:fontRef>
         </p:style>
       </p:cxnSp>
-      <p:cxnSp>
-        <p:nvCxnSpPr>
-          <p:cNvPr id="38" name="Straight Arrow Connector 37">
+      <p:grpSp>
+        <p:nvGrpSpPr>
+          <p:cNvPr id="327" name="Group 326">
             <a:extLst>
               <a:ext uri="{FF2B5EF4-FFF2-40B4-BE49-F238E27FC236}">
-                <a16:creationId xmlns:a16="http://schemas.microsoft.com/office/drawing/2014/main" id="{E8CC2132-19C9-8D1C-BDA6-396A328CF846}"/>
-              </a:ext>
-            </a:extLst>
-          </p:cNvPr>
-          <p:cNvCxnSpPr>
-            <a:cxnSpLocks/>
-          </p:cNvCxnSpPr>
-          <p:nvPr/>
-        </p:nvCxnSpPr>
-        <p:spPr>
-          <a:xfrm>
-            <a:off x="2330395" y="1364426"/>
-            <a:ext cx="0" cy="315013"/>
-          </a:xfrm>
-          <a:prstGeom prst="straightConnector1">
-            <a:avLst/>
-          </a:prstGeom>
-          <a:ln w="38100">
-            <a:solidFill>
-              <a:schemeClr val="tx1"/>
-            </a:solidFill>
-            <a:tailEnd type="none"/>
-          </a:ln>
-        </p:spPr>
-        <p:style>
-          <a:lnRef idx="1">
-            <a:schemeClr val="accent1"/>
-          </a:lnRef>
-          <a:fillRef idx="0">
-            <a:schemeClr val="accent1"/>
-          </a:fillRef>
-          <a:effectRef idx="0">
-            <a:schemeClr val="accent1"/>
-          </a:effectRef>
-          <a:fontRef idx="minor">
-            <a:schemeClr val="tx1"/>
-          </a:fontRef>
-        </p:style>
-      </p:cxnSp>
-      <p:grpSp>
-        <p:nvGrpSpPr>
-          <p:cNvPr id="83" name="Group 82">
-            <a:extLst>
-              <a:ext uri="{FF2B5EF4-FFF2-40B4-BE49-F238E27FC236}">
-                <a16:creationId xmlns:a16="http://schemas.microsoft.com/office/drawing/2014/main" id="{5E45C6ED-5EB7-3B9B-ED5A-98320ACFE56B}"/>
+                <a16:creationId xmlns:a16="http://schemas.microsoft.com/office/drawing/2014/main" id="{88B7D4FF-3BA2-9F46-DD9B-F3FEFBF7CE94}"/>
               </a:ext>
             </a:extLst>
           </p:cNvPr>
@@ -6779,20 +8598,66 @@
         </p:nvGrpSpPr>
         <p:grpSpPr>
           <a:xfrm>
-            <a:off x="6445337" y="4589224"/>
-            <a:ext cx="725442" cy="978740"/>
-            <a:chOff x="8814640" y="4890052"/>
-            <a:chExt cx="980444" cy="978740"/>
+            <a:off x="2820109" y="3750916"/>
+            <a:ext cx="3238275" cy="579705"/>
+            <a:chOff x="2820109" y="1956071"/>
+            <a:chExt cx="3238275" cy="579705"/>
           </a:xfrm>
         </p:grpSpPr>
-        <mc:AlternateContent xmlns:mc="http://schemas.openxmlformats.org/markup-compatibility/2006" xmlns:a14="http://schemas.microsoft.com/office/drawing/2010/main">
-          <mc:Choice Requires="a14">
+        <p:cxnSp>
+          <p:nvCxnSpPr>
+            <p:cNvPr id="328" name="Straight Arrow Connector 327">
+              <a:extLst>
+                <a:ext uri="{FF2B5EF4-FFF2-40B4-BE49-F238E27FC236}">
+                  <a16:creationId xmlns:a16="http://schemas.microsoft.com/office/drawing/2014/main" id="{007E3B59-9572-F056-1261-0347B6DEBFFA}"/>
+                </a:ext>
+              </a:extLst>
+            </p:cNvPr>
+            <p:cNvCxnSpPr>
+              <a:cxnSpLocks/>
+              <a:endCxn id="329" idx="3"/>
+            </p:cNvCxnSpPr>
+            <p:nvPr/>
+          </p:nvCxnSpPr>
+          <p:spPr>
+            <a:xfrm flipV="1">
+              <a:off x="5581538" y="2304170"/>
+              <a:ext cx="800" cy="231606"/>
+            </a:xfrm>
+            <a:prstGeom prst="straightConnector1">
+              <a:avLst/>
+            </a:prstGeom>
+            <a:ln w="38100">
+              <a:solidFill>
+                <a:schemeClr val="tx1"/>
+              </a:solidFill>
+              <a:headEnd type="triangle"/>
+              <a:tailEnd type="none"/>
+            </a:ln>
+          </p:spPr>
+          <p:style>
+            <a:lnRef idx="1">
+              <a:schemeClr val="accent1"/>
+            </a:lnRef>
+            <a:fillRef idx="0">
+              <a:schemeClr val="accent1"/>
+            </a:fillRef>
+            <a:effectRef idx="0">
+              <a:schemeClr val="accent1"/>
+            </a:effectRef>
+            <a:fontRef idx="minor">
+              <a:schemeClr val="tx1"/>
+            </a:fontRef>
+          </p:style>
+        </p:cxnSp>
+        <mc:AlternateContent xmlns:mc="http://schemas.openxmlformats.org/markup-compatibility/2006">
+          <mc:Choice xmlns:a14="http://schemas.microsoft.com/office/drawing/2010/main" Requires="a14">
             <p:sp>
               <p:nvSpPr>
-                <p:cNvPr id="59" name="Parallelogram 58">
+                <p:cNvPr id="329" name="Parallelogram 328">
                   <a:extLst>
                     <a:ext uri="{FF2B5EF4-FFF2-40B4-BE49-F238E27FC236}">
-                      <a16:creationId xmlns:a16="http://schemas.microsoft.com/office/drawing/2014/main" id="{AE7487F5-C3CB-2BDD-640C-039CB8872CF4}"/>
+                      <a16:creationId xmlns:a16="http://schemas.microsoft.com/office/drawing/2014/main" id="{CF8152C9-7F39-8187-15F8-6831E4C1FF56}"/>
                     </a:ext>
                   </a:extLst>
                 </p:cNvPr>
@@ -6801,8 +8666,8 @@
               </p:nvSpPr>
               <p:spPr>
                 <a:xfrm>
-                  <a:off x="8814640" y="4890052"/>
-                  <a:ext cx="980444" cy="379948"/>
+                  <a:off x="5193317" y="1956071"/>
+                  <a:ext cx="865067" cy="348099"/>
                 </a:xfrm>
                 <a:prstGeom prst="parallelogram">
                   <a:avLst/>
@@ -6838,45 +8703,39 @@
                   <a14:m>
                     <m:oMathPara xmlns:m="http://schemas.openxmlformats.org/officeDocument/2006/math">
                       <m:oMathParaPr>
-                        <m:jc m:val="centerGroup"/>
+                        <m:jc m:val="center"/>
                       </m:oMathParaPr>
                       <m:oMath xmlns:m="http://schemas.openxmlformats.org/officeDocument/2006/math">
-                        <m:sSub>
-                          <m:sSubPr>
+                        <m:r>
+                          <a:rPr lang="en-IE" sz="1600" b="0" i="1" smtClean="0">
+                            <a:solidFill>
+                              <a:schemeClr val="tx1"/>
+                            </a:solidFill>
+                            <a:latin typeface="Cambria Math" panose="02040503050406030204" pitchFamily="18" charset="0"/>
+                          </a:rPr>
+                          <m:t>𝛿</m:t>
+                        </m:r>
+                        <m:sSubSup>
+                          <m:sSubSupPr>
                             <m:ctrlPr>
-                              <a:rPr lang="en-US" sz="1600" i="1" smtClean="0">
+                              <a:rPr lang="en-IE" sz="1600" b="0" i="1" smtClean="0">
                                 <a:solidFill>
                                   <a:schemeClr val="tx1"/>
                                 </a:solidFill>
                                 <a:latin typeface="Cambria Math" panose="02040503050406030204" pitchFamily="18" charset="0"/>
                               </a:rPr>
                             </m:ctrlPr>
-                          </m:sSubPr>
+                          </m:sSubSupPr>
                           <m:e>
-                            <m:acc>
-                              <m:accPr>
-                                <m:chr m:val="̅"/>
-                                <m:ctrlPr>
-                                  <a:rPr lang="en-US" sz="1600" i="1">
-                                    <a:solidFill>
-                                      <a:schemeClr val="tx1"/>
-                                    </a:solidFill>
-                                    <a:latin typeface="Cambria Math" panose="02040503050406030204" pitchFamily="18" charset="0"/>
-                                  </a:rPr>
-                                </m:ctrlPr>
-                              </m:accPr>
-                              <m:e>
-                                <m:r>
-                                  <a:rPr lang="en-IE" sz="1600" i="1">
-                                    <a:solidFill>
-                                      <a:schemeClr val="tx1"/>
-                                    </a:solidFill>
-                                    <a:latin typeface="Cambria Math" panose="02040503050406030204" pitchFamily="18" charset="0"/>
-                                  </a:rPr>
-                                  <m:t>𝑃</m:t>
-                                </m:r>
-                              </m:e>
-                            </m:acc>
+                            <m:r>
+                              <a:rPr lang="en-IE" sz="1600" b="0" i="1" smtClean="0">
+                                <a:solidFill>
+                                  <a:schemeClr val="tx1"/>
+                                </a:solidFill>
+                                <a:latin typeface="Cambria Math" panose="02040503050406030204" pitchFamily="18" charset="0"/>
+                              </a:rPr>
+                              <m:t>𝑈</m:t>
+                            </m:r>
                           </m:e>
                           <m:sub>
                             <m:r>
@@ -6886,12 +8745,23 @@
                                 </a:solidFill>
                                 <a:latin typeface="Cambria Math" panose="02040503050406030204" pitchFamily="18" charset="0"/>
                               </a:rPr>
-                              <m:t>𝛽</m:t>
+                              <m:t>𝑑</m:t>
                             </m:r>
                           </m:sub>
-                        </m:sSub>
+                          <m:sup>
+                            <m:r>
+                              <a:rPr lang="en-IE" sz="1600" b="0" i="1" smtClean="0">
+                                <a:solidFill>
+                                  <a:schemeClr val="tx1"/>
+                                </a:solidFill>
+                                <a:latin typeface="Cambria Math" panose="02040503050406030204" pitchFamily="18" charset="0"/>
+                              </a:rPr>
+                              <m:t>𝑙</m:t>
+                            </m:r>
+                          </m:sup>
+                        </m:sSubSup>
                         <m:r>
-                          <a:rPr lang="en-IE" altLang="zh-CN" sz="1600" i="1" dirty="0">
+                          <a:rPr lang="en-IE" sz="1600" b="0" i="1" smtClean="0">
                             <a:solidFill>
                               <a:schemeClr val="tx1"/>
                             </a:solidFill>
@@ -6899,17 +8769,42 @@
                           </a:rPr>
                           <m:t>(</m:t>
                         </m:r>
+                        <m:sSub>
+                          <m:sSubPr>
+                            <m:ctrlPr>
+                              <a:rPr lang="en-IE" sz="1600" i="1">
+                                <a:solidFill>
+                                  <a:schemeClr val="tx1"/>
+                                </a:solidFill>
+                                <a:latin typeface="Cambria Math" panose="02040503050406030204" pitchFamily="18" charset="0"/>
+                              </a:rPr>
+                            </m:ctrlPr>
+                          </m:sSubPr>
+                          <m:e>
+                            <m:r>
+                              <a:rPr lang="en-IE" sz="1600" i="1">
+                                <a:solidFill>
+                                  <a:schemeClr val="tx1"/>
+                                </a:solidFill>
+                                <a:latin typeface="Cambria Math" panose="02040503050406030204" pitchFamily="18" charset="0"/>
+                              </a:rPr>
+                              <m:t>𝑘</m:t>
+                            </m:r>
+                          </m:e>
+                          <m:sub>
+                            <m:r>
+                              <a:rPr lang="en-IE" sz="1600" i="1">
+                                <a:solidFill>
+                                  <a:schemeClr val="tx1"/>
+                                </a:solidFill>
+                                <a:latin typeface="Cambria Math" panose="02040503050406030204" pitchFamily="18" charset="0"/>
+                              </a:rPr>
+                              <m:t>𝑗</m:t>
+                            </m:r>
+                          </m:sub>
+                        </m:sSub>
                         <m:r>
-                          <a:rPr lang="en-IE" altLang="zh-CN" sz="1600" i="1" dirty="0">
-                            <a:solidFill>
-                              <a:schemeClr val="tx1"/>
-                            </a:solidFill>
-                            <a:latin typeface="Cambria Math" panose="02040503050406030204" pitchFamily="18" charset="0"/>
-                          </a:rPr>
-                          <m:t>𝑡</m:t>
-                        </m:r>
-                        <m:r>
-                          <a:rPr lang="en-IE" altLang="zh-CN" sz="1600" i="1" dirty="0">
+                          <a:rPr lang="en-IE" sz="1600" b="0" i="1" smtClean="0">
                             <a:solidFill>
                               <a:schemeClr val="tx1"/>
                             </a:solidFill>
@@ -6920,22 +8815,23 @@
                       </m:oMath>
                     </m:oMathPara>
                   </a14:m>
-                  <a:endParaRPr lang="en-IE" sz="1600" dirty="0">
+                  <a:endParaRPr lang="en-US" sz="1600" dirty="0">
                     <a:solidFill>
                       <a:schemeClr val="tx1"/>
                     </a:solidFill>
+                    <a:latin typeface="LM Roman 12" pitchFamily="2" charset="77"/>
                   </a:endParaRPr>
                 </a:p>
               </p:txBody>
             </p:sp>
           </mc:Choice>
-          <mc:Fallback xmlns="">
+          <mc:Fallback>
             <p:sp>
               <p:nvSpPr>
-                <p:cNvPr id="59" name="Parallelogram 58">
+                <p:cNvPr id="329" name="Parallelogram 328">
                   <a:extLst>
                     <a:ext uri="{FF2B5EF4-FFF2-40B4-BE49-F238E27FC236}">
-                      <a16:creationId xmlns:a16="http://schemas.microsoft.com/office/drawing/2014/main" id="{AE7487F5-C3CB-2BDD-640C-039CB8872CF4}"/>
+                      <a16:creationId xmlns:a16="http://schemas.microsoft.com/office/drawing/2014/main" id="{CF8152C9-7F39-8187-15F8-6831E4C1FF56}"/>
                     </a:ext>
                   </a:extLst>
                 </p:cNvPr>
@@ -6946,16 +8842,16 @@
               </p:nvSpPr>
               <p:spPr>
                 <a:xfrm>
-                  <a:off x="8814640" y="4890052"/>
-                  <a:ext cx="980444" cy="379948"/>
+                  <a:off x="5193317" y="1956071"/>
+                  <a:ext cx="865067" cy="348099"/>
                 </a:xfrm>
                 <a:prstGeom prst="parallelogram">
                   <a:avLst/>
                 </a:prstGeom>
                 <a:blipFill>
-                  <a:blip r:embed="rId10"/>
+                  <a:blip r:embed="rId15"/>
                   <a:stretch>
-                    <a:fillRect b="-6250"/>
+                    <a:fillRect l="-1429" b="-10000"/>
                   </a:stretch>
                 </a:blipFill>
               </p:spPr>
@@ -6974,14 +8870,14 @@
             </p:sp>
           </mc:Fallback>
         </mc:AlternateContent>
-        <mc:AlternateContent xmlns:mc="http://schemas.openxmlformats.org/markup-compatibility/2006" xmlns:a14="http://schemas.microsoft.com/office/drawing/2010/main">
-          <mc:Choice Requires="a14">
+        <mc:AlternateContent xmlns:mc="http://schemas.openxmlformats.org/markup-compatibility/2006">
+          <mc:Choice xmlns:a14="http://schemas.microsoft.com/office/drawing/2010/main" Requires="a14">
             <p:sp>
               <p:nvSpPr>
-                <p:cNvPr id="60" name="Parallelogram 59">
+                <p:cNvPr id="330" name="Parallelogram 329">
                   <a:extLst>
                     <a:ext uri="{FF2B5EF4-FFF2-40B4-BE49-F238E27FC236}">
-                      <a16:creationId xmlns:a16="http://schemas.microsoft.com/office/drawing/2014/main" id="{B327E90E-6457-0991-F93B-6A1900F67B21}"/>
+                      <a16:creationId xmlns:a16="http://schemas.microsoft.com/office/drawing/2014/main" id="{2D338C51-60F6-5438-294E-05415AA16289}"/>
                     </a:ext>
                   </a:extLst>
                 </p:cNvPr>
@@ -6990,8 +8886,8 @@
               </p:nvSpPr>
               <p:spPr>
                 <a:xfrm>
-                  <a:off x="8814640" y="5488844"/>
-                  <a:ext cx="980444" cy="379948"/>
+                  <a:off x="2820109" y="1956072"/>
+                  <a:ext cx="831451" cy="348099"/>
                 </a:xfrm>
                 <a:prstGeom prst="parallelogram">
                   <a:avLst/>
@@ -7027,29 +8923,30 @@
                   <a14:m>
                     <m:oMathPara xmlns:m="http://schemas.openxmlformats.org/officeDocument/2006/math">
                       <m:oMathParaPr>
-                        <m:jc m:val="centerGroup"/>
+                        <m:jc m:val="center"/>
                       </m:oMathParaPr>
                       <m:oMath xmlns:m="http://schemas.openxmlformats.org/officeDocument/2006/math">
-                        <m:sSubSup>
-                          <m:sSubSupPr>
+                        <m:sSub>
+                          <m:sSubPr>
                             <m:ctrlPr>
-                              <a:rPr lang="en-US" sz="1600" i="1" smtClean="0">
+                              <a:rPr lang="en-IE" sz="1600" b="0" i="1" smtClean="0">
                                 <a:solidFill>
                                   <a:schemeClr val="tx1"/>
                                 </a:solidFill>
                                 <a:latin typeface="Cambria Math" panose="02040503050406030204" pitchFamily="18" charset="0"/>
                               </a:rPr>
                             </m:ctrlPr>
-                          </m:sSubSupPr>
+                          </m:sSubPr>
                           <m:e>
                             <m:r>
-                              <a:rPr lang="en-IE" sz="1600" i="1">
+                              <a:rPr lang="el-GR" sz="1600" b="1" i="1" smtClean="0">
                                 <a:solidFill>
                                   <a:schemeClr val="tx1"/>
                                 </a:solidFill>
                                 <a:latin typeface="Cambria Math" panose="02040503050406030204" pitchFamily="18" charset="0"/>
+                                <a:ea typeface="Cambria Math" panose="02040503050406030204" pitchFamily="18" charset="0"/>
                               </a:rPr>
-                              <m:t>𝑃</m:t>
+                              <m:t>𝜲</m:t>
                             </m:r>
                           </m:e>
                           <m:sub>
@@ -7060,10 +8957,31 @@
                                 </a:solidFill>
                                 <a:latin typeface="Cambria Math" panose="02040503050406030204" pitchFamily="18" charset="0"/>
                               </a:rPr>
-                              <m:t>𝛽</m:t>
+                              <m:t>𝑑</m:t>
                             </m:r>
                           </m:sub>
-                          <m:sup>
+                        </m:sSub>
+                        <m:r>
+                          <a:rPr lang="en-IE" sz="1600" b="0" i="1" smtClean="0">
+                            <a:solidFill>
+                              <a:schemeClr val="tx1"/>
+                            </a:solidFill>
+                            <a:latin typeface="Cambria Math" panose="02040503050406030204" pitchFamily="18" charset="0"/>
+                          </a:rPr>
+                          <m:t>(</m:t>
+                        </m:r>
+                        <m:sSub>
+                          <m:sSubPr>
+                            <m:ctrlPr>
+                              <a:rPr lang="en-IE" sz="1600" b="0" i="1" smtClean="0">
+                                <a:solidFill>
+                                  <a:schemeClr val="tx1"/>
+                                </a:solidFill>
+                                <a:latin typeface="Cambria Math" panose="02040503050406030204" pitchFamily="18" charset="0"/>
+                              </a:rPr>
+                            </m:ctrlPr>
+                          </m:sSubPr>
+                          <m:e>
                             <m:r>
                               <a:rPr lang="en-IE" sz="1600" b="0" i="1" smtClean="0">
                                 <a:solidFill>
@@ -7071,30 +8989,23 @@
                                 </a:solidFill>
                                 <a:latin typeface="Cambria Math" panose="02040503050406030204" pitchFamily="18" charset="0"/>
                               </a:rPr>
-                              <m:t>⋆</m:t>
+                              <m:t>𝑘</m:t>
                             </m:r>
-                          </m:sup>
-                        </m:sSubSup>
+                          </m:e>
+                          <m:sub>
+                            <m:r>
+                              <a:rPr lang="en-IE" sz="1600" b="0" i="1" smtClean="0">
+                                <a:solidFill>
+                                  <a:schemeClr val="tx1"/>
+                                </a:solidFill>
+                                <a:latin typeface="Cambria Math" panose="02040503050406030204" pitchFamily="18" charset="0"/>
+                              </a:rPr>
+                              <m:t>𝑗</m:t>
+                            </m:r>
+                          </m:sub>
+                        </m:sSub>
                         <m:r>
-                          <a:rPr lang="en-IE" altLang="zh-CN" sz="1600" i="1" dirty="0">
-                            <a:solidFill>
-                              <a:schemeClr val="tx1"/>
-                            </a:solidFill>
-                            <a:latin typeface="Cambria Math" panose="02040503050406030204" pitchFamily="18" charset="0"/>
-                          </a:rPr>
-                          <m:t>(</m:t>
-                        </m:r>
-                        <m:r>
-                          <a:rPr lang="en-IE" altLang="zh-CN" sz="1600" i="1" dirty="0">
-                            <a:solidFill>
-                              <a:schemeClr val="tx1"/>
-                            </a:solidFill>
-                            <a:latin typeface="Cambria Math" panose="02040503050406030204" pitchFamily="18" charset="0"/>
-                          </a:rPr>
-                          <m:t>𝑡</m:t>
-                        </m:r>
-                        <m:r>
-                          <a:rPr lang="en-IE" altLang="zh-CN" sz="1600" i="1" dirty="0">
+                          <a:rPr lang="en-IE" sz="1600" b="0" i="1" smtClean="0">
                             <a:solidFill>
                               <a:schemeClr val="tx1"/>
                             </a:solidFill>
@@ -7105,22 +9016,23 @@
                       </m:oMath>
                     </m:oMathPara>
                   </a14:m>
-                  <a:endParaRPr lang="en-IE" sz="1600" dirty="0">
+                  <a:endParaRPr lang="en-US" sz="1600" dirty="0">
                     <a:solidFill>
                       <a:schemeClr val="tx1"/>
                     </a:solidFill>
+                    <a:latin typeface="LM Roman 12" pitchFamily="2" charset="77"/>
                   </a:endParaRPr>
                 </a:p>
               </p:txBody>
             </p:sp>
           </mc:Choice>
-          <mc:Fallback xmlns="">
+          <mc:Fallback>
             <p:sp>
               <p:nvSpPr>
-                <p:cNvPr id="60" name="Parallelogram 59">
+                <p:cNvPr id="330" name="Parallelogram 329">
                   <a:extLst>
                     <a:ext uri="{FF2B5EF4-FFF2-40B4-BE49-F238E27FC236}">
-                      <a16:creationId xmlns:a16="http://schemas.microsoft.com/office/drawing/2014/main" id="{B327E90E-6457-0991-F93B-6A1900F67B21}"/>
+                      <a16:creationId xmlns:a16="http://schemas.microsoft.com/office/drawing/2014/main" id="{2D338C51-60F6-5438-294E-05415AA16289}"/>
                     </a:ext>
                   </a:extLst>
                 </p:cNvPr>
@@ -7131,16 +9043,16 @@
               </p:nvSpPr>
               <p:spPr>
                 <a:xfrm>
-                  <a:off x="8814640" y="5488844"/>
-                  <a:ext cx="980444" cy="379948"/>
+                  <a:off x="2820109" y="1956072"/>
+                  <a:ext cx="831451" cy="348099"/>
                 </a:xfrm>
                 <a:prstGeom prst="parallelogram">
                   <a:avLst/>
                 </a:prstGeom>
                 <a:blipFill>
-                  <a:blip r:embed="rId11"/>
+                  <a:blip r:embed="rId16"/>
                   <a:stretch>
-                    <a:fillRect b="-3226"/>
+                    <a:fillRect b="-6667"/>
                   </a:stretch>
                 </a:blipFill>
               </p:spPr>
@@ -7159,13 +9071,279 @@
             </p:sp>
           </mc:Fallback>
         </mc:AlternateContent>
+        <p:grpSp>
+          <p:nvGrpSpPr>
+            <p:cNvPr id="331" name="Group 330">
+              <a:extLst>
+                <a:ext uri="{FF2B5EF4-FFF2-40B4-BE49-F238E27FC236}">
+                  <a16:creationId xmlns:a16="http://schemas.microsoft.com/office/drawing/2014/main" id="{C9E84944-79B1-AC97-B24E-43BD7C1DEE68}"/>
+                </a:ext>
+              </a:extLst>
+            </p:cNvPr>
+            <p:cNvGrpSpPr/>
+            <p:nvPr/>
+          </p:nvGrpSpPr>
+          <p:grpSpPr>
+            <a:xfrm>
+              <a:off x="3608048" y="1962721"/>
+              <a:ext cx="1628781" cy="334800"/>
+              <a:chOff x="3113636" y="2029354"/>
+              <a:chExt cx="1628781" cy="334800"/>
+            </a:xfrm>
+          </p:grpSpPr>
+          <mc:AlternateContent xmlns:mc="http://schemas.openxmlformats.org/markup-compatibility/2006">
+            <mc:Choice xmlns:a14="http://schemas.microsoft.com/office/drawing/2010/main" Requires="a14">
+              <p:sp>
+                <p:nvSpPr>
+                  <p:cNvPr id="332" name="Rounded Rectangle 331">
+                    <a:extLst>
+                      <a:ext uri="{FF2B5EF4-FFF2-40B4-BE49-F238E27FC236}">
+                        <a16:creationId xmlns:a16="http://schemas.microsoft.com/office/drawing/2014/main" id="{35FF2506-C4A2-2ABA-8D2A-82333E070793}"/>
+                      </a:ext>
+                    </a:extLst>
+                  </p:cNvPr>
+                  <p:cNvSpPr/>
+                  <p:nvPr/>
+                </p:nvSpPr>
+                <p:spPr>
+                  <a:xfrm>
+                    <a:off x="3876559" y="2029354"/>
+                    <a:ext cx="547071" cy="334800"/>
+                  </a:xfrm>
+                  <a:prstGeom prst="roundRect">
+                    <a:avLst/>
+                  </a:prstGeom>
+                  <a:solidFill>
+                    <a:schemeClr val="tx1">
+                      <a:lumMod val="50000"/>
+                      <a:lumOff val="50000"/>
+                    </a:schemeClr>
+                  </a:solidFill>
+                </p:spPr>
+                <p:style>
+                  <a:lnRef idx="2">
+                    <a:schemeClr val="dk1">
+                      <a:shade val="50000"/>
+                    </a:schemeClr>
+                  </a:lnRef>
+                  <a:fillRef idx="1">
+                    <a:schemeClr val="dk1"/>
+                  </a:fillRef>
+                  <a:effectRef idx="0">
+                    <a:schemeClr val="dk1"/>
+                  </a:effectRef>
+                  <a:fontRef idx="minor">
+                    <a:schemeClr val="lt1"/>
+                  </a:fontRef>
+                </p:style>
+                <p:txBody>
+                  <a:bodyPr rtlCol="0" anchor="ctr"/>
+                  <a:lstStyle/>
+                  <a:p>
+                    <a:pPr algn="ctr"/>
+                    <a14:m>
+                      <m:oMathPara xmlns:m="http://schemas.openxmlformats.org/officeDocument/2006/math">
+                        <m:oMathParaPr>
+                          <m:jc m:val="center"/>
+                        </m:oMathParaPr>
+                        <m:oMath xmlns:m="http://schemas.openxmlformats.org/officeDocument/2006/math">
+                          <m:sSub>
+                            <m:sSubPr>
+                              <m:ctrlPr>
+                                <a:rPr lang="en-US" sz="1600" i="1" smtClean="0">
+                                  <a:solidFill>
+                                    <a:schemeClr val="bg1"/>
+                                  </a:solidFill>
+                                  <a:latin typeface="Cambria Math" panose="02040503050406030204" pitchFamily="18" charset="0"/>
+                                  <a:ea typeface="Cambria Math" panose="02040503050406030204" pitchFamily="18" charset="0"/>
+                                </a:rPr>
+                              </m:ctrlPr>
+                            </m:sSubPr>
+                            <m:e>
+                              <m:r>
+                                <a:rPr lang="en-US" sz="1600" b="0" i="1">
+                                  <a:solidFill>
+                                    <a:schemeClr val="bg1"/>
+                                  </a:solidFill>
+                                  <a:latin typeface="Cambria Math" panose="02040503050406030204" pitchFamily="18" charset="0"/>
+                                  <a:ea typeface="Cambria Math" panose="02040503050406030204" pitchFamily="18" charset="0"/>
+                                </a:rPr>
+                                <m:t>𝒢𝒫</m:t>
+                              </m:r>
+                            </m:e>
+                            <m:sub>
+                              <m:r>
+                                <a:rPr lang="en-IE" sz="1600" b="0" i="1" smtClean="0">
+                                  <a:solidFill>
+                                    <a:schemeClr val="bg1"/>
+                                  </a:solidFill>
+                                  <a:latin typeface="Cambria Math" panose="02040503050406030204" pitchFamily="18" charset="0"/>
+                                  <a:ea typeface="Cambria Math" panose="02040503050406030204" pitchFamily="18" charset="0"/>
+                                </a:rPr>
+                                <m:t>𝑑</m:t>
+                              </m:r>
+                            </m:sub>
+                          </m:sSub>
+                        </m:oMath>
+                      </m:oMathPara>
+                    </a14:m>
+                    <a:endParaRPr lang="en-US" sz="1600" dirty="0">
+                      <a:solidFill>
+                        <a:schemeClr val="bg1"/>
+                      </a:solidFill>
+                      <a:latin typeface="LM Roman 12" pitchFamily="2" charset="77"/>
+                    </a:endParaRPr>
+                  </a:p>
+                </p:txBody>
+              </p:sp>
+            </mc:Choice>
+            <mc:Fallback>
+              <p:sp>
+                <p:nvSpPr>
+                  <p:cNvPr id="332" name="Rounded Rectangle 331">
+                    <a:extLst>
+                      <a:ext uri="{FF2B5EF4-FFF2-40B4-BE49-F238E27FC236}">
+                        <a16:creationId xmlns:a16="http://schemas.microsoft.com/office/drawing/2014/main" id="{35FF2506-C4A2-2ABA-8D2A-82333E070793}"/>
+                      </a:ext>
+                    </a:extLst>
+                  </p:cNvPr>
+                  <p:cNvSpPr>
+                    <a:spLocks noRot="1" noChangeAspect="1" noMove="1" noResize="1" noEditPoints="1" noAdjustHandles="1" noChangeArrowheads="1" noChangeShapeType="1" noTextEdit="1"/>
+                  </p:cNvSpPr>
+                  <p:nvPr/>
+                </p:nvSpPr>
+                <p:spPr>
+                  <a:xfrm>
+                    <a:off x="3876559" y="2029354"/>
+                    <a:ext cx="547071" cy="334800"/>
+                  </a:xfrm>
+                  <a:prstGeom prst="roundRect">
+                    <a:avLst/>
+                  </a:prstGeom>
+                  <a:blipFill>
+                    <a:blip r:embed="rId17"/>
+                    <a:stretch>
+                      <a:fillRect l="-4444" b="-7143"/>
+                    </a:stretch>
+                  </a:blipFill>
+                </p:spPr>
+                <p:txBody>
+                  <a:bodyPr/>
+                  <a:lstStyle/>
+                  <a:p>
+                    <a:r>
+                      <a:rPr lang="en-US">
+                        <a:noFill/>
+                      </a:rPr>
+                      <a:t> </a:t>
+                    </a:r>
+                  </a:p>
+                </p:txBody>
+              </p:sp>
+            </mc:Fallback>
+          </mc:AlternateContent>
+          <p:cxnSp>
+            <p:nvCxnSpPr>
+              <p:cNvPr id="333" name="Straight Arrow Connector 332">
+                <a:extLst>
+                  <a:ext uri="{FF2B5EF4-FFF2-40B4-BE49-F238E27FC236}">
+                    <a16:creationId xmlns:a16="http://schemas.microsoft.com/office/drawing/2014/main" id="{56FA7FA7-17F7-4A29-3D2F-DB00AD9969E9}"/>
+                  </a:ext>
+                </a:extLst>
+              </p:cNvPr>
+              <p:cNvCxnSpPr>
+                <a:cxnSpLocks/>
+                <a:stCxn id="332" idx="1"/>
+                <a:endCxn id="330" idx="2"/>
+              </p:cNvCxnSpPr>
+              <p:nvPr/>
+            </p:nvCxnSpPr>
+            <p:spPr>
+              <a:xfrm flipH="1">
+                <a:off x="3113636" y="2196754"/>
+                <a:ext cx="762923" cy="1"/>
+              </a:xfrm>
+              <a:prstGeom prst="straightConnector1">
+                <a:avLst/>
+              </a:prstGeom>
+              <a:ln w="38100">
+                <a:solidFill>
+                  <a:schemeClr val="tx1"/>
+                </a:solidFill>
+                <a:headEnd type="triangle"/>
+                <a:tailEnd type="none"/>
+              </a:ln>
+            </p:spPr>
+            <p:style>
+              <a:lnRef idx="1">
+                <a:schemeClr val="accent1"/>
+              </a:lnRef>
+              <a:fillRef idx="0">
+                <a:schemeClr val="accent1"/>
+              </a:fillRef>
+              <a:effectRef idx="0">
+                <a:schemeClr val="accent1"/>
+              </a:effectRef>
+              <a:fontRef idx="minor">
+                <a:schemeClr val="tx1"/>
+              </a:fontRef>
+            </p:style>
+          </p:cxnSp>
+          <p:cxnSp>
+            <p:nvCxnSpPr>
+              <p:cNvPr id="334" name="Straight Arrow Connector 333">
+                <a:extLst>
+                  <a:ext uri="{FF2B5EF4-FFF2-40B4-BE49-F238E27FC236}">
+                    <a16:creationId xmlns:a16="http://schemas.microsoft.com/office/drawing/2014/main" id="{6B1F20EC-8047-7B97-8A67-54D16651CEAB}"/>
+                  </a:ext>
+                </a:extLst>
+              </p:cNvPr>
+              <p:cNvCxnSpPr>
+                <a:cxnSpLocks/>
+                <a:stCxn id="329" idx="5"/>
+                <a:endCxn id="332" idx="3"/>
+              </p:cNvCxnSpPr>
+              <p:nvPr/>
+            </p:nvCxnSpPr>
+            <p:spPr>
+              <a:xfrm flipH="1">
+                <a:off x="4423630" y="2196754"/>
+                <a:ext cx="318787" cy="0"/>
+              </a:xfrm>
+              <a:prstGeom prst="straightConnector1">
+                <a:avLst/>
+              </a:prstGeom>
+              <a:ln w="38100">
+                <a:solidFill>
+                  <a:schemeClr val="tx1"/>
+                </a:solidFill>
+                <a:headEnd type="triangle"/>
+                <a:tailEnd type="none"/>
+              </a:ln>
+            </p:spPr>
+            <p:style>
+              <a:lnRef idx="1">
+                <a:schemeClr val="accent1"/>
+              </a:lnRef>
+              <a:fillRef idx="0">
+                <a:schemeClr val="accent1"/>
+              </a:fillRef>
+              <a:effectRef idx="0">
+                <a:schemeClr val="accent1"/>
+              </a:effectRef>
+              <a:fontRef idx="minor">
+                <a:schemeClr val="tx1"/>
+              </a:fontRef>
+            </p:style>
+          </p:cxnSp>
+        </p:grpSp>
       </p:grpSp>
       <p:grpSp>
         <p:nvGrpSpPr>
-          <p:cNvPr id="40" name="Group 39">
+          <p:cNvPr id="335" name="Group 334">
             <a:extLst>
               <a:ext uri="{FF2B5EF4-FFF2-40B4-BE49-F238E27FC236}">
-                <a16:creationId xmlns:a16="http://schemas.microsoft.com/office/drawing/2014/main" id="{2983295D-00CD-59DD-030D-0359D0FA2995}"/>
+                <a16:creationId xmlns:a16="http://schemas.microsoft.com/office/drawing/2014/main" id="{B84FD460-7484-45BB-B4D5-170E0BF62E0C}"/>
               </a:ext>
             </a:extLst>
           </p:cNvPr>
@@ -7174,640 +9352,40 @@
         </p:nvGrpSpPr>
         <p:grpSpPr>
           <a:xfrm>
-            <a:off x="6053337" y="4780052"/>
-            <a:ext cx="413357" cy="650070"/>
-            <a:chOff x="8311023" y="5080880"/>
-            <a:chExt cx="558657" cy="650070"/>
+            <a:off x="2815885" y="5573178"/>
+            <a:ext cx="3238275" cy="579705"/>
+            <a:chOff x="2820109" y="1956071"/>
+            <a:chExt cx="3238275" cy="579705"/>
           </a:xfrm>
         </p:grpSpPr>
         <p:cxnSp>
           <p:nvCxnSpPr>
-            <p:cNvPr id="67" name="Elbow Connector 66">
+            <p:cNvPr id="336" name="Straight Arrow Connector 335">
               <a:extLst>
                 <a:ext uri="{FF2B5EF4-FFF2-40B4-BE49-F238E27FC236}">
-                  <a16:creationId xmlns:a16="http://schemas.microsoft.com/office/drawing/2014/main" id="{1B1FF153-7099-EE9A-9890-6E55B8C9CB52}"/>
+                  <a16:creationId xmlns:a16="http://schemas.microsoft.com/office/drawing/2014/main" id="{5579C47D-A925-F9FD-C44C-5D30FCBF94C1}"/>
                 </a:ext>
               </a:extLst>
             </p:cNvPr>
             <p:cNvCxnSpPr>
               <a:cxnSpLocks/>
+              <a:endCxn id="337" idx="3"/>
             </p:cNvCxnSpPr>
             <p:nvPr/>
           </p:nvCxnSpPr>
           <p:spPr>
             <a:xfrm flipV="1">
-              <a:off x="8311023" y="5080880"/>
-              <a:ext cx="558657" cy="325035"/>
+              <a:off x="5581538" y="2304170"/>
+              <a:ext cx="800" cy="231606"/>
             </a:xfrm>
-            <a:prstGeom prst="bentConnector3">
-              <a:avLst>
-                <a:gd name="adj1" fmla="val 50000"/>
-              </a:avLst>
+            <a:prstGeom prst="straightConnector1">
+              <a:avLst/>
             </a:prstGeom>
             <a:ln w="38100">
               <a:solidFill>
                 <a:schemeClr val="tx1"/>
               </a:solidFill>
-              <a:tailEnd type="triangle"/>
-            </a:ln>
-          </p:spPr>
-          <p:style>
-            <a:lnRef idx="1">
-              <a:schemeClr val="accent1"/>
-            </a:lnRef>
-            <a:fillRef idx="0">
-              <a:schemeClr val="accent1"/>
-            </a:fillRef>
-            <a:effectRef idx="0">
-              <a:schemeClr val="accent1"/>
-            </a:effectRef>
-            <a:fontRef idx="minor">
-              <a:schemeClr val="tx1"/>
-            </a:fontRef>
-          </p:style>
-        </p:cxnSp>
-        <p:cxnSp>
-          <p:nvCxnSpPr>
-            <p:cNvPr id="39" name="Elbow Connector 38">
-              <a:extLst>
-                <a:ext uri="{FF2B5EF4-FFF2-40B4-BE49-F238E27FC236}">
-                  <a16:creationId xmlns:a16="http://schemas.microsoft.com/office/drawing/2014/main" id="{B09EC804-6530-5F14-081E-518C0757E89C}"/>
-                </a:ext>
-              </a:extLst>
-            </p:cNvPr>
-            <p:cNvCxnSpPr>
-              <a:cxnSpLocks/>
-            </p:cNvCxnSpPr>
-            <p:nvPr/>
-          </p:nvCxnSpPr>
-          <p:spPr>
-            <a:xfrm>
-              <a:off x="8311023" y="5405915"/>
-              <a:ext cx="558657" cy="325035"/>
-            </a:xfrm>
-            <a:prstGeom prst="bentConnector3">
-              <a:avLst>
-                <a:gd name="adj1" fmla="val 50000"/>
-              </a:avLst>
-            </a:prstGeom>
-            <a:ln w="38100">
-              <a:solidFill>
-                <a:schemeClr val="tx1"/>
-              </a:solidFill>
-              <a:tailEnd type="triangle"/>
-            </a:ln>
-          </p:spPr>
-          <p:style>
-            <a:lnRef idx="1">
-              <a:schemeClr val="accent1"/>
-            </a:lnRef>
-            <a:fillRef idx="0">
-              <a:schemeClr val="accent1"/>
-            </a:fillRef>
-            <a:effectRef idx="0">
-              <a:schemeClr val="accent1"/>
-            </a:effectRef>
-            <a:fontRef idx="minor">
-              <a:schemeClr val="tx1"/>
-            </a:fontRef>
-          </p:style>
-        </p:cxnSp>
-      </p:grpSp>
-      <p:grpSp>
-        <p:nvGrpSpPr>
-          <p:cNvPr id="41" name="Group 40">
-            <a:extLst>
-              <a:ext uri="{FF2B5EF4-FFF2-40B4-BE49-F238E27FC236}">
-                <a16:creationId xmlns:a16="http://schemas.microsoft.com/office/drawing/2014/main" id="{0AB39678-9FC2-2CD2-65A9-491A9F5B2422}"/>
-              </a:ext>
-            </a:extLst>
-          </p:cNvPr>
-          <p:cNvGrpSpPr/>
-          <p:nvPr/>
-        </p:nvGrpSpPr>
-        <p:grpSpPr>
-          <a:xfrm>
-            <a:off x="1753151" y="1381296"/>
-            <a:ext cx="558657" cy="2745604"/>
-            <a:chOff x="8311023" y="5080880"/>
-            <a:chExt cx="558657" cy="650070"/>
-          </a:xfrm>
-        </p:grpSpPr>
-        <p:cxnSp>
-          <p:nvCxnSpPr>
-            <p:cNvPr id="43" name="Elbow Connector 42">
-              <a:extLst>
-                <a:ext uri="{FF2B5EF4-FFF2-40B4-BE49-F238E27FC236}">
-                  <a16:creationId xmlns:a16="http://schemas.microsoft.com/office/drawing/2014/main" id="{7B02479F-364B-314D-1B2B-0EA242FE8B3D}"/>
-                </a:ext>
-              </a:extLst>
-            </p:cNvPr>
-            <p:cNvCxnSpPr>
-              <a:cxnSpLocks/>
-            </p:cNvCxnSpPr>
-            <p:nvPr/>
-          </p:nvCxnSpPr>
-          <p:spPr>
-            <a:xfrm flipV="1">
-              <a:off x="8311023" y="5080880"/>
-              <a:ext cx="558657" cy="325035"/>
-            </a:xfrm>
-            <a:prstGeom prst="bentConnector3">
-              <a:avLst>
-                <a:gd name="adj1" fmla="val 50000"/>
-              </a:avLst>
-            </a:prstGeom>
-            <a:ln w="38100">
-              <a:solidFill>
-                <a:schemeClr val="tx1"/>
-              </a:solidFill>
-              <a:tailEnd type="triangle"/>
-            </a:ln>
-          </p:spPr>
-          <p:style>
-            <a:lnRef idx="1">
-              <a:schemeClr val="accent1"/>
-            </a:lnRef>
-            <a:fillRef idx="0">
-              <a:schemeClr val="accent1"/>
-            </a:fillRef>
-            <a:effectRef idx="0">
-              <a:schemeClr val="accent1"/>
-            </a:effectRef>
-            <a:fontRef idx="minor">
-              <a:schemeClr val="tx1"/>
-            </a:fontRef>
-          </p:style>
-        </p:cxnSp>
-        <p:cxnSp>
-          <p:nvCxnSpPr>
-            <p:cNvPr id="45" name="Elbow Connector 44">
-              <a:extLst>
-                <a:ext uri="{FF2B5EF4-FFF2-40B4-BE49-F238E27FC236}">
-                  <a16:creationId xmlns:a16="http://schemas.microsoft.com/office/drawing/2014/main" id="{B3AAE30E-B73D-ADC8-2FA5-B99F56895228}"/>
-                </a:ext>
-              </a:extLst>
-            </p:cNvPr>
-            <p:cNvCxnSpPr>
-              <a:cxnSpLocks/>
-            </p:cNvCxnSpPr>
-            <p:nvPr/>
-          </p:nvCxnSpPr>
-          <p:spPr>
-            <a:xfrm>
-              <a:off x="8311023" y="5405915"/>
-              <a:ext cx="558657" cy="325035"/>
-            </a:xfrm>
-            <a:prstGeom prst="bentConnector3">
-              <a:avLst>
-                <a:gd name="adj1" fmla="val 50000"/>
-              </a:avLst>
-            </a:prstGeom>
-            <a:ln w="38100">
-              <a:solidFill>
-                <a:schemeClr val="tx1"/>
-              </a:solidFill>
-              <a:tailEnd type="triangle"/>
-            </a:ln>
-          </p:spPr>
-          <p:style>
-            <a:lnRef idx="1">
-              <a:schemeClr val="accent1"/>
-            </a:lnRef>
-            <a:fillRef idx="0">
-              <a:schemeClr val="accent1"/>
-            </a:fillRef>
-            <a:effectRef idx="0">
-              <a:schemeClr val="accent1"/>
-            </a:effectRef>
-            <a:fontRef idx="minor">
-              <a:schemeClr val="tx1"/>
-            </a:fontRef>
-          </p:style>
-        </p:cxnSp>
-      </p:grpSp>
-      <mc:AlternateContent xmlns:mc="http://schemas.openxmlformats.org/markup-compatibility/2006" xmlns:a14="http://schemas.microsoft.com/office/drawing/2010/main">
-        <mc:Choice Requires="a14">
-          <p:sp>
-            <p:nvSpPr>
-              <p:cNvPr id="53" name="Parallelogram 52">
-                <a:extLst>
-                  <a:ext uri="{FF2B5EF4-FFF2-40B4-BE49-F238E27FC236}">
-                    <a16:creationId xmlns:a16="http://schemas.microsoft.com/office/drawing/2014/main" id="{6644CF72-0ACC-E666-DA3B-8C5DC843FC28}"/>
-                  </a:ext>
-                </a:extLst>
-              </p:cNvPr>
-              <p:cNvSpPr/>
-              <p:nvPr/>
-            </p:nvSpPr>
-            <p:spPr>
-              <a:xfrm>
-                <a:off x="413783" y="2502457"/>
-                <a:ext cx="891392" cy="334637"/>
-              </a:xfrm>
-              <a:prstGeom prst="parallelogram">
-                <a:avLst/>
-              </a:prstGeom>
-              <a:solidFill>
-                <a:schemeClr val="bg2">
-                  <a:lumMod val="20000"/>
-                  <a:lumOff val="80000"/>
-                </a:schemeClr>
-              </a:solidFill>
-            </p:spPr>
-            <p:style>
-              <a:lnRef idx="2">
-                <a:schemeClr val="accent1">
-                  <a:shade val="50000"/>
-                </a:schemeClr>
-              </a:lnRef>
-              <a:fillRef idx="1">
-                <a:schemeClr val="accent1"/>
-              </a:fillRef>
-              <a:effectRef idx="0">
-                <a:schemeClr val="accent1"/>
-              </a:effectRef>
-              <a:fontRef idx="minor">
-                <a:schemeClr val="lt1"/>
-              </a:fontRef>
-            </p:style>
-            <p:txBody>
-              <a:bodyPr rtlCol="0" anchor="ctr"/>
-              <a:lstStyle/>
-              <a:p>
-                <a:pPr algn="ctr"/>
-                <a14:m>
-                  <m:oMathPara xmlns:m="http://schemas.openxmlformats.org/officeDocument/2006/math">
-                    <m:oMathParaPr>
-                      <m:jc m:val="centerGroup"/>
-                    </m:oMathParaPr>
-                    <m:oMath xmlns:m="http://schemas.openxmlformats.org/officeDocument/2006/math">
-                      <m:sSub>
-                        <m:sSubPr>
-                          <m:ctrlPr>
-                            <a:rPr lang="en-IE" sz="1600" b="0" i="1" smtClean="0">
-                              <a:solidFill>
-                                <a:sysClr val="windowText" lastClr="000000"/>
-                              </a:solidFill>
-                              <a:latin typeface="Cambria Math" panose="02040503050406030204" pitchFamily="18" charset="0"/>
-                            </a:rPr>
-                          </m:ctrlPr>
-                        </m:sSubPr>
-                        <m:e>
-                          <m:r>
-                            <a:rPr lang="en-IE" sz="1600" b="0" i="1" smtClean="0">
-                              <a:solidFill>
-                                <a:sysClr val="windowText" lastClr="000000"/>
-                              </a:solidFill>
-                              <a:latin typeface="Cambria Math" panose="02040503050406030204" pitchFamily="18" charset="0"/>
-                            </a:rPr>
-                            <m:t>𝜔</m:t>
-                          </m:r>
-                        </m:e>
-                        <m:sub>
-                          <m:r>
-                            <a:rPr lang="en-IE" sz="1600" b="0" i="1" smtClean="0">
-                              <a:solidFill>
-                                <a:sysClr val="windowText" lastClr="000000"/>
-                              </a:solidFill>
-                              <a:latin typeface="Cambria Math" panose="02040503050406030204" pitchFamily="18" charset="0"/>
-                            </a:rPr>
-                            <m:t>𝑔</m:t>
-                          </m:r>
-                        </m:sub>
-                      </m:sSub>
-                      <m:r>
-                        <a:rPr lang="en-IE" sz="1600" b="0" i="1" smtClean="0">
-                          <a:solidFill>
-                            <a:sysClr val="windowText" lastClr="000000"/>
-                          </a:solidFill>
-                          <a:latin typeface="Cambria Math" panose="02040503050406030204" pitchFamily="18" charset="0"/>
-                        </a:rPr>
-                        <m:t>(</m:t>
-                      </m:r>
-                      <m:r>
-                        <a:rPr lang="en-IE" sz="1600" b="0" i="1" smtClean="0">
-                          <a:solidFill>
-                            <a:sysClr val="windowText" lastClr="000000"/>
-                          </a:solidFill>
-                          <a:latin typeface="Cambria Math" panose="02040503050406030204" pitchFamily="18" charset="0"/>
-                        </a:rPr>
-                        <m:t>𝑡</m:t>
-                      </m:r>
-                      <m:r>
-                        <a:rPr lang="en-IE" sz="1600" b="0" i="1" smtClean="0">
-                          <a:solidFill>
-                            <a:sysClr val="windowText" lastClr="000000"/>
-                          </a:solidFill>
-                          <a:latin typeface="Cambria Math" panose="02040503050406030204" pitchFamily="18" charset="0"/>
-                        </a:rPr>
-                        <m:t>)</m:t>
-                      </m:r>
-                    </m:oMath>
-                  </m:oMathPara>
-                </a14:m>
-                <a:endParaRPr lang="en-IE" sz="1600" dirty="0">
-                  <a:solidFill>
-                    <a:sysClr val="windowText" lastClr="000000"/>
-                  </a:solidFill>
-                </a:endParaRPr>
-              </a:p>
-            </p:txBody>
-          </p:sp>
-        </mc:Choice>
-        <mc:Fallback xmlns="">
-          <p:sp>
-            <p:nvSpPr>
-              <p:cNvPr id="53" name="Parallelogram 52">
-                <a:extLst>
-                  <a:ext uri="{FF2B5EF4-FFF2-40B4-BE49-F238E27FC236}">
-                    <a16:creationId xmlns:a16="http://schemas.microsoft.com/office/drawing/2014/main" id="{6644CF72-0ACC-E666-DA3B-8C5DC843FC28}"/>
-                  </a:ext>
-                </a:extLst>
-              </p:cNvPr>
-              <p:cNvSpPr>
-                <a:spLocks noRot="1" noChangeAspect="1" noMove="1" noResize="1" noEditPoints="1" noAdjustHandles="1" noChangeArrowheads="1" noChangeShapeType="1" noTextEdit="1"/>
-              </p:cNvSpPr>
-              <p:nvPr/>
-            </p:nvSpPr>
-            <p:spPr>
-              <a:xfrm>
-                <a:off x="413783" y="2502457"/>
-                <a:ext cx="891392" cy="334637"/>
-              </a:xfrm>
-              <a:prstGeom prst="parallelogram">
-                <a:avLst/>
-              </a:prstGeom>
-              <a:blipFill>
-                <a:blip r:embed="rId12"/>
-                <a:stretch>
-                  <a:fillRect b="-10714"/>
-                </a:stretch>
-              </a:blipFill>
-            </p:spPr>
-            <p:txBody>
-              <a:bodyPr/>
-              <a:lstStyle/>
-              <a:p>
-                <a:r>
-                  <a:rPr lang="en-US">
-                    <a:noFill/>
-                  </a:rPr>
-                  <a:t> </a:t>
-                </a:r>
-              </a:p>
-            </p:txBody>
-          </p:sp>
-        </mc:Fallback>
-      </mc:AlternateContent>
-      <mc:AlternateContent xmlns:mc="http://schemas.openxmlformats.org/markup-compatibility/2006" xmlns:a14="http://schemas.microsoft.com/office/drawing/2010/main">
-        <mc:Choice Requires="a14">
-          <p:sp>
-            <p:nvSpPr>
-              <p:cNvPr id="55" name="Parallelogram 54">
-                <a:extLst>
-                  <a:ext uri="{FF2B5EF4-FFF2-40B4-BE49-F238E27FC236}">
-                    <a16:creationId xmlns:a16="http://schemas.microsoft.com/office/drawing/2014/main" id="{2A01E865-2795-E8DF-1AFD-A940B776ACED}"/>
-                  </a:ext>
-                </a:extLst>
-              </p:cNvPr>
-              <p:cNvSpPr/>
-              <p:nvPr/>
-            </p:nvSpPr>
-            <p:spPr>
-              <a:xfrm>
-                <a:off x="402128" y="2067697"/>
-                <a:ext cx="891392" cy="334637"/>
-              </a:xfrm>
-              <a:prstGeom prst="parallelogram">
-                <a:avLst/>
-              </a:prstGeom>
-              <a:solidFill>
-                <a:schemeClr val="bg2">
-                  <a:lumMod val="20000"/>
-                  <a:lumOff val="80000"/>
-                </a:schemeClr>
-              </a:solidFill>
-            </p:spPr>
-            <p:style>
-              <a:lnRef idx="2">
-                <a:schemeClr val="accent1">
-                  <a:shade val="50000"/>
-                </a:schemeClr>
-              </a:lnRef>
-              <a:fillRef idx="1">
-                <a:schemeClr val="accent1"/>
-              </a:fillRef>
-              <a:effectRef idx="0">
-                <a:schemeClr val="accent1"/>
-              </a:effectRef>
-              <a:fontRef idx="minor">
-                <a:schemeClr val="lt1"/>
-              </a:fontRef>
-            </p:style>
-            <p:txBody>
-              <a:bodyPr rtlCol="0" anchor="ctr"/>
-              <a:lstStyle/>
-              <a:p>
-                <a:pPr algn="ctr"/>
-                <a14:m>
-                  <m:oMathPara xmlns:m="http://schemas.openxmlformats.org/officeDocument/2006/math">
-                    <m:oMathParaPr>
-                      <m:jc m:val="centerGroup"/>
-                    </m:oMathParaPr>
-                    <m:oMath xmlns:m="http://schemas.openxmlformats.org/officeDocument/2006/math">
-                      <m:r>
-                        <a:rPr lang="en-IE" sz="1600" b="0" i="1" smtClean="0">
-                          <a:solidFill>
-                            <a:sysClr val="windowText" lastClr="000000"/>
-                          </a:solidFill>
-                          <a:latin typeface="Cambria Math" panose="02040503050406030204" pitchFamily="18" charset="0"/>
-                        </a:rPr>
-                        <m:t>𝜃</m:t>
-                      </m:r>
-                      <m:d>
-                        <m:dPr>
-                          <m:ctrlPr>
-                            <a:rPr lang="en-IE" sz="1600" b="0" i="1" smtClean="0">
-                              <a:solidFill>
-                                <a:sysClr val="windowText" lastClr="000000"/>
-                              </a:solidFill>
-                              <a:latin typeface="Cambria Math" panose="02040503050406030204" pitchFamily="18" charset="0"/>
-                            </a:rPr>
-                          </m:ctrlPr>
-                        </m:dPr>
-                        <m:e>
-                          <m:r>
-                            <a:rPr lang="en-IE" sz="1600" b="0" i="1" smtClean="0">
-                              <a:solidFill>
-                                <a:sysClr val="windowText" lastClr="000000"/>
-                              </a:solidFill>
-                              <a:latin typeface="Cambria Math" panose="02040503050406030204" pitchFamily="18" charset="0"/>
-                            </a:rPr>
-                            <m:t>𝑡</m:t>
-                          </m:r>
-                        </m:e>
-                      </m:d>
-                      <m:r>
-                        <a:rPr lang="en-IE" sz="1600" b="0" i="1" smtClean="0">
-                          <a:solidFill>
-                            <a:sysClr val="windowText" lastClr="000000"/>
-                          </a:solidFill>
-                          <a:latin typeface="Cambria Math" panose="02040503050406030204" pitchFamily="18" charset="0"/>
-                        </a:rPr>
-                        <m:t>?</m:t>
-                      </m:r>
-                    </m:oMath>
-                  </m:oMathPara>
-                </a14:m>
-                <a:endParaRPr lang="en-IE" sz="1600" dirty="0">
-                  <a:solidFill>
-                    <a:sysClr val="windowText" lastClr="000000"/>
-                  </a:solidFill>
-                </a:endParaRPr>
-              </a:p>
-            </p:txBody>
-          </p:sp>
-        </mc:Choice>
-        <mc:Fallback xmlns="">
-          <p:sp>
-            <p:nvSpPr>
-              <p:cNvPr id="55" name="Parallelogram 54">
-                <a:extLst>
-                  <a:ext uri="{FF2B5EF4-FFF2-40B4-BE49-F238E27FC236}">
-                    <a16:creationId xmlns:a16="http://schemas.microsoft.com/office/drawing/2014/main" id="{2A01E865-2795-E8DF-1AFD-A940B776ACED}"/>
-                  </a:ext>
-                </a:extLst>
-              </p:cNvPr>
-              <p:cNvSpPr>
-                <a:spLocks noRot="1" noChangeAspect="1" noMove="1" noResize="1" noEditPoints="1" noAdjustHandles="1" noChangeArrowheads="1" noChangeShapeType="1" noTextEdit="1"/>
-              </p:cNvSpPr>
-              <p:nvPr/>
-            </p:nvSpPr>
-            <p:spPr>
-              <a:xfrm>
-                <a:off x="402128" y="2067697"/>
-                <a:ext cx="891392" cy="334637"/>
-              </a:xfrm>
-              <a:prstGeom prst="parallelogram">
-                <a:avLst/>
-              </a:prstGeom>
-              <a:blipFill>
-                <a:blip r:embed="rId13"/>
-                <a:stretch>
-                  <a:fillRect/>
-                </a:stretch>
-              </a:blipFill>
-            </p:spPr>
-            <p:txBody>
-              <a:bodyPr/>
-              <a:lstStyle/>
-              <a:p>
-                <a:r>
-                  <a:rPr lang="en-US">
-                    <a:noFill/>
-                  </a:rPr>
-                  <a:t> </a:t>
-                </a:r>
-              </a:p>
-            </p:txBody>
-          </p:sp>
-        </mc:Fallback>
-      </mc:AlternateContent>
-      <p:cxnSp>
-        <p:nvCxnSpPr>
-          <p:cNvPr id="75" name="Straight Arrow Connector 74">
-            <a:extLst>
-              <a:ext uri="{FF2B5EF4-FFF2-40B4-BE49-F238E27FC236}">
-                <a16:creationId xmlns:a16="http://schemas.microsoft.com/office/drawing/2014/main" id="{22905F90-BABA-DFFA-3536-FEFB157BA757}"/>
-              </a:ext>
-            </a:extLst>
-          </p:cNvPr>
-          <p:cNvCxnSpPr>
-            <a:cxnSpLocks/>
-            <a:stCxn id="3" idx="3"/>
-            <a:endCxn id="21" idx="5"/>
-          </p:cNvCxnSpPr>
-          <p:nvPr/>
-        </p:nvCxnSpPr>
-        <p:spPr>
-          <a:xfrm>
-            <a:off x="4558817" y="1512039"/>
-            <a:ext cx="432995" cy="0"/>
-          </a:xfrm>
-          <a:prstGeom prst="straightConnector1">
-            <a:avLst/>
-          </a:prstGeom>
-          <a:ln w="38100">
-            <a:solidFill>
-              <a:schemeClr val="tx1"/>
-            </a:solidFill>
-            <a:tailEnd type="triangle"/>
-          </a:ln>
-        </p:spPr>
-        <p:style>
-          <a:lnRef idx="1">
-            <a:schemeClr val="accent1"/>
-          </a:lnRef>
-          <a:fillRef idx="0">
-            <a:schemeClr val="accent1"/>
-          </a:fillRef>
-          <a:effectRef idx="0">
-            <a:schemeClr val="accent1"/>
-          </a:effectRef>
-          <a:fontRef idx="minor">
-            <a:schemeClr val="tx1"/>
-          </a:fontRef>
-        </p:style>
-      </p:cxnSp>
-      <p:grpSp>
-        <p:nvGrpSpPr>
-          <p:cNvPr id="99" name="Group 98">
-            <a:extLst>
-              <a:ext uri="{FF2B5EF4-FFF2-40B4-BE49-F238E27FC236}">
-                <a16:creationId xmlns:a16="http://schemas.microsoft.com/office/drawing/2014/main" id="{1C943FF2-06A9-380D-258F-5B137B922E3A}"/>
-              </a:ext>
-            </a:extLst>
-          </p:cNvPr>
-          <p:cNvGrpSpPr/>
-          <p:nvPr/>
-        </p:nvGrpSpPr>
-        <p:grpSpPr>
-          <a:xfrm>
-            <a:off x="1795762" y="1679440"/>
-            <a:ext cx="3494461" cy="3226868"/>
-            <a:chOff x="2172861" y="1679440"/>
-            <a:chExt cx="3117362" cy="3425648"/>
-          </a:xfrm>
-        </p:grpSpPr>
-        <p:cxnSp>
-          <p:nvCxnSpPr>
-            <p:cNvPr id="93" name="Elbow Connector 92">
-              <a:extLst>
-                <a:ext uri="{FF2B5EF4-FFF2-40B4-BE49-F238E27FC236}">
-                  <a16:creationId xmlns:a16="http://schemas.microsoft.com/office/drawing/2014/main" id="{D53C2082-CC29-2F7C-B2D6-9F42F911FD17}"/>
-                </a:ext>
-              </a:extLst>
-            </p:cNvPr>
-            <p:cNvCxnSpPr>
-              <a:cxnSpLocks/>
-            </p:cNvCxnSpPr>
-            <p:nvPr/>
-          </p:nvCxnSpPr>
-          <p:spPr>
-            <a:xfrm rot="5400000">
-              <a:off x="2018799" y="1833663"/>
-              <a:ext cx="3425648" cy="3117201"/>
-            </a:xfrm>
-            <a:prstGeom prst="bentConnector3">
-              <a:avLst>
-                <a:gd name="adj1" fmla="val 50000"/>
-              </a:avLst>
-            </a:prstGeom>
-            <a:ln w="38100">
-              <a:solidFill>
-                <a:schemeClr val="tx1"/>
-              </a:solidFill>
+              <a:headEnd type="triangle"/>
               <a:tailEnd type="none"/>
             </a:ln>
           </p:spPr>
@@ -7826,162 +9404,693 @@
             </a:fontRef>
           </p:style>
         </p:cxnSp>
-        <p:cxnSp>
-          <p:nvCxnSpPr>
-            <p:cNvPr id="94" name="Straight Arrow Connector 93">
+        <mc:AlternateContent xmlns:mc="http://schemas.openxmlformats.org/markup-compatibility/2006">
+          <mc:Choice xmlns:a14="http://schemas.microsoft.com/office/drawing/2010/main" Requires="a14">
+            <p:sp>
+              <p:nvSpPr>
+                <p:cNvPr id="337" name="Parallelogram 336">
+                  <a:extLst>
+                    <a:ext uri="{FF2B5EF4-FFF2-40B4-BE49-F238E27FC236}">
+                      <a16:creationId xmlns:a16="http://schemas.microsoft.com/office/drawing/2014/main" id="{61B55645-14B8-9B8D-DF28-6757EB722B39}"/>
+                    </a:ext>
+                  </a:extLst>
+                </p:cNvPr>
+                <p:cNvSpPr/>
+                <p:nvPr/>
+              </p:nvSpPr>
+              <p:spPr>
+                <a:xfrm>
+                  <a:off x="5193317" y="1956071"/>
+                  <a:ext cx="865067" cy="348099"/>
+                </a:xfrm>
+                <a:prstGeom prst="parallelogram">
+                  <a:avLst/>
+                </a:prstGeom>
+                <a:solidFill>
+                  <a:schemeClr val="bg2">
+                    <a:lumMod val="20000"/>
+                    <a:lumOff val="80000"/>
+                  </a:schemeClr>
+                </a:solidFill>
+              </p:spPr>
+              <p:style>
+                <a:lnRef idx="2">
+                  <a:schemeClr val="accent1">
+                    <a:shade val="50000"/>
+                  </a:schemeClr>
+                </a:lnRef>
+                <a:fillRef idx="1">
+                  <a:schemeClr val="accent1"/>
+                </a:fillRef>
+                <a:effectRef idx="0">
+                  <a:schemeClr val="accent1"/>
+                </a:effectRef>
+                <a:fontRef idx="minor">
+                  <a:schemeClr val="lt1"/>
+                </a:fontRef>
+              </p:style>
+              <p:txBody>
+                <a:bodyPr rtlCol="0" anchor="ctr"/>
+                <a:lstStyle/>
+                <a:p>
+                  <a:pPr algn="ctr"/>
+                  <a14:m>
+                    <m:oMathPara xmlns:m="http://schemas.openxmlformats.org/officeDocument/2006/math">
+                      <m:oMathParaPr>
+                        <m:jc m:val="center"/>
+                      </m:oMathParaPr>
+                      <m:oMath xmlns:m="http://schemas.openxmlformats.org/officeDocument/2006/math">
+                        <m:r>
+                          <a:rPr lang="en-IE" sz="1600" b="0" i="1" smtClean="0">
+                            <a:solidFill>
+                              <a:schemeClr val="tx1"/>
+                            </a:solidFill>
+                            <a:latin typeface="Cambria Math" panose="02040503050406030204" pitchFamily="18" charset="0"/>
+                          </a:rPr>
+                          <m:t>𝛿</m:t>
+                        </m:r>
+                        <m:sSubSup>
+                          <m:sSubSupPr>
+                            <m:ctrlPr>
+                              <a:rPr lang="en-IE" sz="1600" b="0" i="1" smtClean="0">
+                                <a:solidFill>
+                                  <a:schemeClr val="tx1"/>
+                                </a:solidFill>
+                                <a:latin typeface="Cambria Math" panose="02040503050406030204" pitchFamily="18" charset="0"/>
+                              </a:rPr>
+                            </m:ctrlPr>
+                          </m:sSubSupPr>
+                          <m:e>
+                            <m:r>
+                              <a:rPr lang="en-IE" sz="1600" b="0" i="1" smtClean="0">
+                                <a:solidFill>
+                                  <a:schemeClr val="tx1"/>
+                                </a:solidFill>
+                                <a:latin typeface="Cambria Math" panose="02040503050406030204" pitchFamily="18" charset="0"/>
+                              </a:rPr>
+                              <m:t>𝑈</m:t>
+                            </m:r>
+                          </m:e>
+                          <m:sub>
+                            <m:r>
+                              <a:rPr lang="en-IE" sz="1600" b="0" i="1" smtClean="0">
+                                <a:solidFill>
+                                  <a:schemeClr val="tx1"/>
+                                </a:solidFill>
+                                <a:latin typeface="Cambria Math" panose="02040503050406030204" pitchFamily="18" charset="0"/>
+                              </a:rPr>
+                              <m:t>𝐷</m:t>
+                            </m:r>
+                          </m:sub>
+                          <m:sup>
+                            <m:r>
+                              <a:rPr lang="en-IE" sz="1600" b="0" i="1" smtClean="0">
+                                <a:solidFill>
+                                  <a:schemeClr val="tx1"/>
+                                </a:solidFill>
+                                <a:latin typeface="Cambria Math" panose="02040503050406030204" pitchFamily="18" charset="0"/>
+                              </a:rPr>
+                              <m:t>𝑙</m:t>
+                            </m:r>
+                          </m:sup>
+                        </m:sSubSup>
+                        <m:r>
+                          <a:rPr lang="en-IE" sz="1600" b="0" i="1" smtClean="0">
+                            <a:solidFill>
+                              <a:schemeClr val="tx1"/>
+                            </a:solidFill>
+                            <a:latin typeface="Cambria Math" panose="02040503050406030204" pitchFamily="18" charset="0"/>
+                          </a:rPr>
+                          <m:t>(</m:t>
+                        </m:r>
+                        <m:sSub>
+                          <m:sSubPr>
+                            <m:ctrlPr>
+                              <a:rPr lang="en-IE" sz="1600" i="1">
+                                <a:solidFill>
+                                  <a:schemeClr val="tx1"/>
+                                </a:solidFill>
+                                <a:latin typeface="Cambria Math" panose="02040503050406030204" pitchFamily="18" charset="0"/>
+                              </a:rPr>
+                            </m:ctrlPr>
+                          </m:sSubPr>
+                          <m:e>
+                            <m:r>
+                              <a:rPr lang="en-IE" sz="1600" i="1">
+                                <a:solidFill>
+                                  <a:schemeClr val="tx1"/>
+                                </a:solidFill>
+                                <a:latin typeface="Cambria Math" panose="02040503050406030204" pitchFamily="18" charset="0"/>
+                              </a:rPr>
+                              <m:t>𝑘</m:t>
+                            </m:r>
+                          </m:e>
+                          <m:sub>
+                            <m:r>
+                              <a:rPr lang="en-IE" sz="1600" i="1">
+                                <a:solidFill>
+                                  <a:schemeClr val="tx1"/>
+                                </a:solidFill>
+                                <a:latin typeface="Cambria Math" panose="02040503050406030204" pitchFamily="18" charset="0"/>
+                              </a:rPr>
+                              <m:t>𝑗</m:t>
+                            </m:r>
+                          </m:sub>
+                        </m:sSub>
+                        <m:r>
+                          <a:rPr lang="en-IE" sz="1600" b="0" i="1" smtClean="0">
+                            <a:solidFill>
+                              <a:schemeClr val="tx1"/>
+                            </a:solidFill>
+                            <a:latin typeface="Cambria Math" panose="02040503050406030204" pitchFamily="18" charset="0"/>
+                          </a:rPr>
+                          <m:t>)</m:t>
+                        </m:r>
+                      </m:oMath>
+                    </m:oMathPara>
+                  </a14:m>
+                  <a:endParaRPr lang="en-US" sz="1600" dirty="0">
+                    <a:solidFill>
+                      <a:schemeClr val="tx1"/>
+                    </a:solidFill>
+                    <a:latin typeface="LM Roman 12" pitchFamily="2" charset="77"/>
+                  </a:endParaRPr>
+                </a:p>
+              </p:txBody>
+            </p:sp>
+          </mc:Choice>
+          <mc:Fallback>
+            <p:sp>
+              <p:nvSpPr>
+                <p:cNvPr id="337" name="Parallelogram 336">
+                  <a:extLst>
+                    <a:ext uri="{FF2B5EF4-FFF2-40B4-BE49-F238E27FC236}">
+                      <a16:creationId xmlns:a16="http://schemas.microsoft.com/office/drawing/2014/main" id="{61B55645-14B8-9B8D-DF28-6757EB722B39}"/>
+                    </a:ext>
+                  </a:extLst>
+                </p:cNvPr>
+                <p:cNvSpPr>
+                  <a:spLocks noRot="1" noChangeAspect="1" noMove="1" noResize="1" noEditPoints="1" noAdjustHandles="1" noChangeArrowheads="1" noChangeShapeType="1" noTextEdit="1"/>
+                </p:cNvSpPr>
+                <p:nvPr/>
+              </p:nvSpPr>
+              <p:spPr>
+                <a:xfrm>
+                  <a:off x="5193317" y="1956071"/>
+                  <a:ext cx="865067" cy="348099"/>
+                </a:xfrm>
+                <a:prstGeom prst="parallelogram">
+                  <a:avLst/>
+                </a:prstGeom>
+                <a:blipFill>
+                  <a:blip r:embed="rId18"/>
+                  <a:stretch>
+                    <a:fillRect l="-2857" b="-10345"/>
+                  </a:stretch>
+                </a:blipFill>
+              </p:spPr>
+              <p:txBody>
+                <a:bodyPr/>
+                <a:lstStyle/>
+                <a:p>
+                  <a:r>
+                    <a:rPr lang="en-US">
+                      <a:noFill/>
+                    </a:rPr>
+                    <a:t> </a:t>
+                  </a:r>
+                </a:p>
+              </p:txBody>
+            </p:sp>
+          </mc:Fallback>
+        </mc:AlternateContent>
+        <mc:AlternateContent xmlns:mc="http://schemas.openxmlformats.org/markup-compatibility/2006">
+          <mc:Choice xmlns:a14="http://schemas.microsoft.com/office/drawing/2010/main" Requires="a14">
+            <p:sp>
+              <p:nvSpPr>
+                <p:cNvPr id="338" name="Parallelogram 337">
+                  <a:extLst>
+                    <a:ext uri="{FF2B5EF4-FFF2-40B4-BE49-F238E27FC236}">
+                      <a16:creationId xmlns:a16="http://schemas.microsoft.com/office/drawing/2014/main" id="{5F87B6B7-630E-B2FE-87CD-F89F51E2D816}"/>
+                    </a:ext>
+                  </a:extLst>
+                </p:cNvPr>
+                <p:cNvSpPr/>
+                <p:nvPr/>
+              </p:nvSpPr>
+              <p:spPr>
+                <a:xfrm>
+                  <a:off x="2820109" y="1956072"/>
+                  <a:ext cx="831451" cy="348099"/>
+                </a:xfrm>
+                <a:prstGeom prst="parallelogram">
+                  <a:avLst/>
+                </a:prstGeom>
+                <a:solidFill>
+                  <a:schemeClr val="bg2">
+                    <a:lumMod val="20000"/>
+                    <a:lumOff val="80000"/>
+                  </a:schemeClr>
+                </a:solidFill>
+              </p:spPr>
+              <p:style>
+                <a:lnRef idx="2">
+                  <a:schemeClr val="accent1">
+                    <a:shade val="50000"/>
+                  </a:schemeClr>
+                </a:lnRef>
+                <a:fillRef idx="1">
+                  <a:schemeClr val="accent1"/>
+                </a:fillRef>
+                <a:effectRef idx="0">
+                  <a:schemeClr val="accent1"/>
+                </a:effectRef>
+                <a:fontRef idx="minor">
+                  <a:schemeClr val="lt1"/>
+                </a:fontRef>
+              </p:style>
+              <p:txBody>
+                <a:bodyPr rtlCol="0" anchor="ctr"/>
+                <a:lstStyle/>
+                <a:p>
+                  <a:pPr algn="ctr"/>
+                  <a14:m>
+                    <m:oMathPara xmlns:m="http://schemas.openxmlformats.org/officeDocument/2006/math">
+                      <m:oMathParaPr>
+                        <m:jc m:val="center"/>
+                      </m:oMathParaPr>
+                      <m:oMath xmlns:m="http://schemas.openxmlformats.org/officeDocument/2006/math">
+                        <m:sSub>
+                          <m:sSubPr>
+                            <m:ctrlPr>
+                              <a:rPr lang="en-IE" sz="1600" b="0" i="1" smtClean="0">
+                                <a:solidFill>
+                                  <a:schemeClr val="tx1"/>
+                                </a:solidFill>
+                                <a:latin typeface="Cambria Math" panose="02040503050406030204" pitchFamily="18" charset="0"/>
+                              </a:rPr>
+                            </m:ctrlPr>
+                          </m:sSubPr>
+                          <m:e>
+                            <m:r>
+                              <a:rPr lang="el-GR" sz="1600" b="1" i="1" smtClean="0">
+                                <a:solidFill>
+                                  <a:schemeClr val="tx1"/>
+                                </a:solidFill>
+                                <a:latin typeface="Cambria Math" panose="02040503050406030204" pitchFamily="18" charset="0"/>
+                                <a:ea typeface="Cambria Math" panose="02040503050406030204" pitchFamily="18" charset="0"/>
+                              </a:rPr>
+                              <m:t>𝜲</m:t>
+                            </m:r>
+                          </m:e>
+                          <m:sub>
+                            <m:r>
+                              <a:rPr lang="en-IE" sz="1600" b="0" i="1" smtClean="0">
+                                <a:solidFill>
+                                  <a:schemeClr val="tx1"/>
+                                </a:solidFill>
+                                <a:latin typeface="Cambria Math" panose="02040503050406030204" pitchFamily="18" charset="0"/>
+                              </a:rPr>
+                              <m:t>𝐷</m:t>
+                            </m:r>
+                          </m:sub>
+                        </m:sSub>
+                        <m:r>
+                          <a:rPr lang="en-IE" sz="1600" b="0" i="1" smtClean="0">
+                            <a:solidFill>
+                              <a:schemeClr val="tx1"/>
+                            </a:solidFill>
+                            <a:latin typeface="Cambria Math" panose="02040503050406030204" pitchFamily="18" charset="0"/>
+                          </a:rPr>
+                          <m:t>(</m:t>
+                        </m:r>
+                        <m:sSub>
+                          <m:sSubPr>
+                            <m:ctrlPr>
+                              <a:rPr lang="en-IE" sz="1600" b="0" i="1" smtClean="0">
+                                <a:solidFill>
+                                  <a:schemeClr val="tx1"/>
+                                </a:solidFill>
+                                <a:latin typeface="Cambria Math" panose="02040503050406030204" pitchFamily="18" charset="0"/>
+                              </a:rPr>
+                            </m:ctrlPr>
+                          </m:sSubPr>
+                          <m:e>
+                            <m:r>
+                              <a:rPr lang="en-IE" sz="1600" b="0" i="1" smtClean="0">
+                                <a:solidFill>
+                                  <a:schemeClr val="tx1"/>
+                                </a:solidFill>
+                                <a:latin typeface="Cambria Math" panose="02040503050406030204" pitchFamily="18" charset="0"/>
+                              </a:rPr>
+                              <m:t>𝑘</m:t>
+                            </m:r>
+                          </m:e>
+                          <m:sub>
+                            <m:r>
+                              <a:rPr lang="en-IE" sz="1600" b="0" i="1" smtClean="0">
+                                <a:solidFill>
+                                  <a:schemeClr val="tx1"/>
+                                </a:solidFill>
+                                <a:latin typeface="Cambria Math" panose="02040503050406030204" pitchFamily="18" charset="0"/>
+                              </a:rPr>
+                              <m:t>𝑗</m:t>
+                            </m:r>
+                          </m:sub>
+                        </m:sSub>
+                        <m:r>
+                          <a:rPr lang="en-IE" sz="1600" b="0" i="1" smtClean="0">
+                            <a:solidFill>
+                              <a:schemeClr val="tx1"/>
+                            </a:solidFill>
+                            <a:latin typeface="Cambria Math" panose="02040503050406030204" pitchFamily="18" charset="0"/>
+                          </a:rPr>
+                          <m:t>)</m:t>
+                        </m:r>
+                      </m:oMath>
+                    </m:oMathPara>
+                  </a14:m>
+                  <a:endParaRPr lang="en-US" sz="1600" dirty="0">
+                    <a:solidFill>
+                      <a:schemeClr val="tx1"/>
+                    </a:solidFill>
+                    <a:latin typeface="LM Roman 12" pitchFamily="2" charset="77"/>
+                  </a:endParaRPr>
+                </a:p>
+              </p:txBody>
+            </p:sp>
+          </mc:Choice>
+          <mc:Fallback>
+            <p:sp>
+              <p:nvSpPr>
+                <p:cNvPr id="338" name="Parallelogram 337">
+                  <a:extLst>
+                    <a:ext uri="{FF2B5EF4-FFF2-40B4-BE49-F238E27FC236}">
+                      <a16:creationId xmlns:a16="http://schemas.microsoft.com/office/drawing/2014/main" id="{5F87B6B7-630E-B2FE-87CD-F89F51E2D816}"/>
+                    </a:ext>
+                  </a:extLst>
+                </p:cNvPr>
+                <p:cNvSpPr>
+                  <a:spLocks noRot="1" noChangeAspect="1" noMove="1" noResize="1" noEditPoints="1" noAdjustHandles="1" noChangeArrowheads="1" noChangeShapeType="1" noTextEdit="1"/>
+                </p:cNvSpPr>
+                <p:nvPr/>
+              </p:nvSpPr>
+              <p:spPr>
+                <a:xfrm>
+                  <a:off x="2820109" y="1956072"/>
+                  <a:ext cx="831451" cy="348099"/>
+                </a:xfrm>
+                <a:prstGeom prst="parallelogram">
+                  <a:avLst/>
+                </a:prstGeom>
+                <a:blipFill>
+                  <a:blip r:embed="rId19"/>
+                  <a:stretch>
+                    <a:fillRect b="-6897"/>
+                  </a:stretch>
+                </a:blipFill>
+              </p:spPr>
+              <p:txBody>
+                <a:bodyPr/>
+                <a:lstStyle/>
+                <a:p>
+                  <a:r>
+                    <a:rPr lang="en-US">
+                      <a:noFill/>
+                    </a:rPr>
+                    <a:t> </a:t>
+                  </a:r>
+                </a:p>
+              </p:txBody>
+            </p:sp>
+          </mc:Fallback>
+        </mc:AlternateContent>
+        <p:grpSp>
+          <p:nvGrpSpPr>
+            <p:cNvPr id="339" name="Group 338">
               <a:extLst>
                 <a:ext uri="{FF2B5EF4-FFF2-40B4-BE49-F238E27FC236}">
-                  <a16:creationId xmlns:a16="http://schemas.microsoft.com/office/drawing/2014/main" id="{BC87113F-71EC-7924-4913-4062181F1176}"/>
+                  <a16:creationId xmlns:a16="http://schemas.microsoft.com/office/drawing/2014/main" id="{1C60ABF9-ECE9-F7CE-9F92-7160D0D2D9F6}"/>
                 </a:ext>
               </a:extLst>
             </p:cNvPr>
-            <p:cNvCxnSpPr>
-              <a:cxnSpLocks/>
-              <a:endCxn id="10" idx="1"/>
-            </p:cNvCxnSpPr>
+            <p:cNvGrpSpPr/>
             <p:nvPr/>
-          </p:nvCxnSpPr>
-          <p:spPr>
+          </p:nvGrpSpPr>
+          <p:grpSpPr>
             <a:xfrm>
-              <a:off x="2172861" y="5078956"/>
-              <a:ext cx="292074" cy="0"/>
+              <a:off x="3608048" y="1962721"/>
+              <a:ext cx="1628781" cy="334800"/>
+              <a:chOff x="3113636" y="2029354"/>
+              <a:chExt cx="1628781" cy="334800"/>
             </a:xfrm>
-            <a:prstGeom prst="straightConnector1">
-              <a:avLst/>
-            </a:prstGeom>
-            <a:ln w="38100">
-              <a:solidFill>
+          </p:grpSpPr>
+          <mc:AlternateContent xmlns:mc="http://schemas.openxmlformats.org/markup-compatibility/2006">
+            <mc:Choice xmlns:a14="http://schemas.microsoft.com/office/drawing/2010/main" Requires="a14">
+              <p:sp>
+                <p:nvSpPr>
+                  <p:cNvPr id="340" name="Rounded Rectangle 339">
+                    <a:extLst>
+                      <a:ext uri="{FF2B5EF4-FFF2-40B4-BE49-F238E27FC236}">
+                        <a16:creationId xmlns:a16="http://schemas.microsoft.com/office/drawing/2014/main" id="{FB4E52F2-157A-CC40-BDB6-9CBEC5548A0E}"/>
+                      </a:ext>
+                    </a:extLst>
+                  </p:cNvPr>
+                  <p:cNvSpPr/>
+                  <p:nvPr/>
+                </p:nvSpPr>
+                <p:spPr>
+                  <a:xfrm>
+                    <a:off x="3876559" y="2029354"/>
+                    <a:ext cx="547071" cy="334800"/>
+                  </a:xfrm>
+                  <a:prstGeom prst="roundRect">
+                    <a:avLst/>
+                  </a:prstGeom>
+                  <a:solidFill>
+                    <a:schemeClr val="tx1">
+                      <a:lumMod val="50000"/>
+                      <a:lumOff val="50000"/>
+                    </a:schemeClr>
+                  </a:solidFill>
+                </p:spPr>
+                <p:style>
+                  <a:lnRef idx="2">
+                    <a:schemeClr val="dk1">
+                      <a:shade val="50000"/>
+                    </a:schemeClr>
+                  </a:lnRef>
+                  <a:fillRef idx="1">
+                    <a:schemeClr val="dk1"/>
+                  </a:fillRef>
+                  <a:effectRef idx="0">
+                    <a:schemeClr val="dk1"/>
+                  </a:effectRef>
+                  <a:fontRef idx="minor">
+                    <a:schemeClr val="lt1"/>
+                  </a:fontRef>
+                </p:style>
+                <p:txBody>
+                  <a:bodyPr rtlCol="0" anchor="ctr"/>
+                  <a:lstStyle/>
+                  <a:p>
+                    <a:pPr algn="ctr"/>
+                    <a14:m>
+                      <m:oMathPara xmlns:m="http://schemas.openxmlformats.org/officeDocument/2006/math">
+                        <m:oMathParaPr>
+                          <m:jc m:val="center"/>
+                        </m:oMathParaPr>
+                        <m:oMath xmlns:m="http://schemas.openxmlformats.org/officeDocument/2006/math">
+                          <m:sSub>
+                            <m:sSubPr>
+                              <m:ctrlPr>
+                                <a:rPr lang="en-US" sz="1600" i="1" smtClean="0">
+                                  <a:solidFill>
+                                    <a:schemeClr val="bg1"/>
+                                  </a:solidFill>
+                                  <a:latin typeface="Cambria Math" panose="02040503050406030204" pitchFamily="18" charset="0"/>
+                                  <a:ea typeface="Cambria Math" panose="02040503050406030204" pitchFamily="18" charset="0"/>
+                                </a:rPr>
+                              </m:ctrlPr>
+                            </m:sSubPr>
+                            <m:e>
+                              <m:r>
+                                <a:rPr lang="en-US" sz="1600" b="0" i="1">
+                                  <a:solidFill>
+                                    <a:schemeClr val="bg1"/>
+                                  </a:solidFill>
+                                  <a:latin typeface="Cambria Math" panose="02040503050406030204" pitchFamily="18" charset="0"/>
+                                  <a:ea typeface="Cambria Math" panose="02040503050406030204" pitchFamily="18" charset="0"/>
+                                </a:rPr>
+                                <m:t>𝒢𝒫</m:t>
+                              </m:r>
+                            </m:e>
+                            <m:sub>
+                              <m:r>
+                                <a:rPr lang="en-IE" sz="1600" b="0" i="1" smtClean="0">
+                                  <a:solidFill>
+                                    <a:schemeClr val="bg1"/>
+                                  </a:solidFill>
+                                  <a:latin typeface="Cambria Math" panose="02040503050406030204" pitchFamily="18" charset="0"/>
+                                  <a:ea typeface="Cambria Math" panose="02040503050406030204" pitchFamily="18" charset="0"/>
+                                </a:rPr>
+                                <m:t>𝐷</m:t>
+                              </m:r>
+                            </m:sub>
+                          </m:sSub>
+                        </m:oMath>
+                      </m:oMathPara>
+                    </a14:m>
+                    <a:endParaRPr lang="en-US" sz="1600" dirty="0">
+                      <a:solidFill>
+                        <a:schemeClr val="bg1"/>
+                      </a:solidFill>
+                      <a:latin typeface="LM Roman 12" pitchFamily="2" charset="77"/>
+                    </a:endParaRPr>
+                  </a:p>
+                </p:txBody>
+              </p:sp>
+            </mc:Choice>
+            <mc:Fallback>
+              <p:sp>
+                <p:nvSpPr>
+                  <p:cNvPr id="340" name="Rounded Rectangle 339">
+                    <a:extLst>
+                      <a:ext uri="{FF2B5EF4-FFF2-40B4-BE49-F238E27FC236}">
+                        <a16:creationId xmlns:a16="http://schemas.microsoft.com/office/drawing/2014/main" id="{FB4E52F2-157A-CC40-BDB6-9CBEC5548A0E}"/>
+                      </a:ext>
+                    </a:extLst>
+                  </p:cNvPr>
+                  <p:cNvSpPr>
+                    <a:spLocks noRot="1" noChangeAspect="1" noMove="1" noResize="1" noEditPoints="1" noAdjustHandles="1" noChangeArrowheads="1" noChangeShapeType="1" noTextEdit="1"/>
+                  </p:cNvSpPr>
+                  <p:nvPr/>
+                </p:nvSpPr>
+                <p:spPr>
+                  <a:xfrm>
+                    <a:off x="3876559" y="2029354"/>
+                    <a:ext cx="547071" cy="334800"/>
+                  </a:xfrm>
+                  <a:prstGeom prst="roundRect">
+                    <a:avLst/>
+                  </a:prstGeom>
+                  <a:blipFill>
+                    <a:blip r:embed="rId20"/>
+                    <a:stretch>
+                      <a:fillRect l="-4444" b="-6897"/>
+                    </a:stretch>
+                  </a:blipFill>
+                </p:spPr>
+                <p:txBody>
+                  <a:bodyPr/>
+                  <a:lstStyle/>
+                  <a:p>
+                    <a:r>
+                      <a:rPr lang="en-US">
+                        <a:noFill/>
+                      </a:rPr>
+                      <a:t> </a:t>
+                    </a:r>
+                  </a:p>
+                </p:txBody>
+              </p:sp>
+            </mc:Fallback>
+          </mc:AlternateContent>
+          <p:cxnSp>
+            <p:nvCxnSpPr>
+              <p:cNvPr id="341" name="Straight Arrow Connector 340">
+                <a:extLst>
+                  <a:ext uri="{FF2B5EF4-FFF2-40B4-BE49-F238E27FC236}">
+                    <a16:creationId xmlns:a16="http://schemas.microsoft.com/office/drawing/2014/main" id="{C784B480-20A8-2372-2E8E-37F5A0809997}"/>
+                  </a:ext>
+                </a:extLst>
+              </p:cNvPr>
+              <p:cNvCxnSpPr>
+                <a:cxnSpLocks/>
+                <a:stCxn id="340" idx="1"/>
+                <a:endCxn id="338" idx="2"/>
+              </p:cNvCxnSpPr>
+              <p:nvPr/>
+            </p:nvCxnSpPr>
+            <p:spPr>
+              <a:xfrm flipH="1">
+                <a:off x="3113636" y="2196754"/>
+                <a:ext cx="762923" cy="1"/>
+              </a:xfrm>
+              <a:prstGeom prst="straightConnector1">
+                <a:avLst/>
+              </a:prstGeom>
+              <a:ln w="38100">
+                <a:solidFill>
+                  <a:schemeClr val="tx1"/>
+                </a:solidFill>
+                <a:headEnd type="triangle"/>
+                <a:tailEnd type="none"/>
+              </a:ln>
+            </p:spPr>
+            <p:style>
+              <a:lnRef idx="1">
+                <a:schemeClr val="accent1"/>
+              </a:lnRef>
+              <a:fillRef idx="0">
+                <a:schemeClr val="accent1"/>
+              </a:fillRef>
+              <a:effectRef idx="0">
+                <a:schemeClr val="accent1"/>
+              </a:effectRef>
+              <a:fontRef idx="minor">
                 <a:schemeClr val="tx1"/>
-              </a:solidFill>
-              <a:tailEnd type="triangle"/>
-            </a:ln>
-          </p:spPr>
-          <p:style>
-            <a:lnRef idx="1">
-              <a:schemeClr val="accent1"/>
-            </a:lnRef>
-            <a:fillRef idx="0">
-              <a:schemeClr val="accent1"/>
-            </a:fillRef>
-            <a:effectRef idx="0">
-              <a:schemeClr val="accent1"/>
-            </a:effectRef>
-            <a:fontRef idx="minor">
-              <a:schemeClr val="tx1"/>
-            </a:fontRef>
-          </p:style>
-        </p:cxnSp>
-      </p:grpSp>
-      <p:grpSp>
-        <p:nvGrpSpPr>
-          <p:cNvPr id="100" name="Group 99">
-            <a:extLst>
-              <a:ext uri="{FF2B5EF4-FFF2-40B4-BE49-F238E27FC236}">
-                <a16:creationId xmlns:a16="http://schemas.microsoft.com/office/drawing/2014/main" id="{85E8F9BA-A196-AE3B-33B3-5D8C3D61FCE7}"/>
-              </a:ext>
-            </a:extLst>
-          </p:cNvPr>
-          <p:cNvGrpSpPr/>
-          <p:nvPr/>
-        </p:nvGrpSpPr>
-        <p:grpSpPr>
-          <a:xfrm>
-            <a:off x="2225437" y="1705933"/>
-            <a:ext cx="4086324" cy="3394271"/>
-            <a:chOff x="2164469" y="1679440"/>
-            <a:chExt cx="3125754" cy="3425648"/>
-          </a:xfrm>
-        </p:grpSpPr>
-        <p:cxnSp>
-          <p:nvCxnSpPr>
-            <p:cNvPr id="101" name="Elbow Connector 100">
-              <a:extLst>
-                <a:ext uri="{FF2B5EF4-FFF2-40B4-BE49-F238E27FC236}">
-                  <a16:creationId xmlns:a16="http://schemas.microsoft.com/office/drawing/2014/main" id="{4A4BE5DD-EB95-593E-07D4-6CB2A71DFB82}"/>
-                </a:ext>
-              </a:extLst>
-            </p:cNvPr>
-            <p:cNvCxnSpPr>
-              <a:cxnSpLocks/>
-            </p:cNvCxnSpPr>
-            <p:nvPr/>
-          </p:nvCxnSpPr>
-          <p:spPr>
-            <a:xfrm rot="5400000">
-              <a:off x="2018799" y="1833663"/>
-              <a:ext cx="3425648" cy="3117201"/>
-            </a:xfrm>
-            <a:prstGeom prst="bentConnector3">
-              <a:avLst>
-                <a:gd name="adj1" fmla="val 50000"/>
-              </a:avLst>
-            </a:prstGeom>
-            <a:ln w="38100">
-              <a:solidFill>
+              </a:fontRef>
+            </p:style>
+          </p:cxnSp>
+          <p:cxnSp>
+            <p:nvCxnSpPr>
+              <p:cNvPr id="342" name="Straight Arrow Connector 341">
+                <a:extLst>
+                  <a:ext uri="{FF2B5EF4-FFF2-40B4-BE49-F238E27FC236}">
+                    <a16:creationId xmlns:a16="http://schemas.microsoft.com/office/drawing/2014/main" id="{FCDC53F5-4F2B-863A-1491-56E464BA1771}"/>
+                  </a:ext>
+                </a:extLst>
+              </p:cNvPr>
+              <p:cNvCxnSpPr>
+                <a:cxnSpLocks/>
+                <a:stCxn id="337" idx="5"/>
+                <a:endCxn id="340" idx="3"/>
+              </p:cNvCxnSpPr>
+              <p:nvPr/>
+            </p:nvCxnSpPr>
+            <p:spPr>
+              <a:xfrm flipH="1">
+                <a:off x="4423630" y="2196754"/>
+                <a:ext cx="318787" cy="0"/>
+              </a:xfrm>
+              <a:prstGeom prst="straightConnector1">
+                <a:avLst/>
+              </a:prstGeom>
+              <a:ln w="38100">
+                <a:solidFill>
+                  <a:schemeClr val="tx1"/>
+                </a:solidFill>
+                <a:headEnd type="triangle"/>
+                <a:tailEnd type="none"/>
+              </a:ln>
+            </p:spPr>
+            <p:style>
+              <a:lnRef idx="1">
+                <a:schemeClr val="accent1"/>
+              </a:lnRef>
+              <a:fillRef idx="0">
+                <a:schemeClr val="accent1"/>
+              </a:fillRef>
+              <a:effectRef idx="0">
+                <a:schemeClr val="accent1"/>
+              </a:effectRef>
+              <a:fontRef idx="minor">
                 <a:schemeClr val="tx1"/>
-              </a:solidFill>
-              <a:tailEnd type="none"/>
-            </a:ln>
-          </p:spPr>
-          <p:style>
-            <a:lnRef idx="1">
-              <a:schemeClr val="accent1"/>
-            </a:lnRef>
-            <a:fillRef idx="0">
-              <a:schemeClr val="accent1"/>
-            </a:fillRef>
-            <a:effectRef idx="0">
-              <a:schemeClr val="accent1"/>
-            </a:effectRef>
-            <a:fontRef idx="minor">
-              <a:schemeClr val="tx1"/>
-            </a:fontRef>
-          </p:style>
-        </p:cxnSp>
-        <p:cxnSp>
-          <p:nvCxnSpPr>
-            <p:cNvPr id="102" name="Straight Arrow Connector 101">
-              <a:extLst>
-                <a:ext uri="{FF2B5EF4-FFF2-40B4-BE49-F238E27FC236}">
-                  <a16:creationId xmlns:a16="http://schemas.microsoft.com/office/drawing/2014/main" id="{29FA99EC-4830-70B6-7B47-EC126D14336E}"/>
-                </a:ext>
-              </a:extLst>
-            </p:cNvPr>
-            <p:cNvCxnSpPr>
-              <a:cxnSpLocks/>
-            </p:cNvCxnSpPr>
-            <p:nvPr/>
-          </p:nvCxnSpPr>
-          <p:spPr>
-            <a:xfrm>
-              <a:off x="2164469" y="5100204"/>
-              <a:ext cx="292074" cy="0"/>
-            </a:xfrm>
-            <a:prstGeom prst="straightConnector1">
-              <a:avLst/>
-            </a:prstGeom>
-            <a:ln w="38100">
-              <a:solidFill>
-                <a:schemeClr val="tx1"/>
-              </a:solidFill>
-              <a:tailEnd type="triangle"/>
-            </a:ln>
-          </p:spPr>
-          <p:style>
-            <a:lnRef idx="1">
-              <a:schemeClr val="accent1"/>
-            </a:lnRef>
-            <a:fillRef idx="0">
-              <a:schemeClr val="accent1"/>
-            </a:fillRef>
-            <a:effectRef idx="0">
-              <a:schemeClr val="accent1"/>
-            </a:effectRef>
-            <a:fontRef idx="minor">
-              <a:schemeClr val="tx1"/>
-            </a:fontRef>
-          </p:style>
-        </p:cxnSp>
+              </a:fontRef>
+            </p:style>
+          </p:cxnSp>
+        </p:grpSp>
       </p:grpSp>
     </p:spTree>
     <p:extLst>

--- a/floris_dynamic_special/figs/flowcharts.pptx
+++ b/floris_dynamic_special/figs/flowcharts.pptx
@@ -201,7 +201,7 @@
           <a:p>
             <a:fld id="{E86D8963-CFCD-4740-AF60-049850373CDF}" type="datetimeFigureOut">
               <a:rPr lang="zh-CN" altLang="en-US" smtClean="0"/>
-              <a:t>2023/2/27</a:t>
+              <a:t>2023/3/3</a:t>
             </a:fld>
             <a:endParaRPr lang="zh-CN" altLang="en-US"/>
           </a:p>
@@ -908,7 +908,7 @@
             <a:fld id="{6489D9C7-5DC6-4263-87FF-7C99F6FB63C3}" type="datetime1">
               <a:rPr lang="zh-CN" altLang="en-US" smtClean="0"/>
               <a:pPr/>
-              <a:t>2023/2/27</a:t>
+              <a:t>2023/3/3</a:t>
             </a:fld>
             <a:endParaRPr lang="zh-CN" altLang="en-US"/>
           </a:p>
@@ -1085,7 +1085,7 @@
             <a:fld id="{6489D9C7-5DC6-4263-87FF-7C99F6FB63C3}" type="datetime1">
               <a:rPr lang="zh-CN" altLang="en-US" smtClean="0"/>
               <a:pPr/>
-              <a:t>2023/2/27</a:t>
+              <a:t>2023/3/3</a:t>
             </a:fld>
             <a:endParaRPr lang="zh-CN" altLang="en-US"/>
           </a:p>
@@ -1272,7 +1272,7 @@
             <a:fld id="{6489D9C7-5DC6-4263-87FF-7C99F6FB63C3}" type="datetime1">
               <a:rPr lang="zh-CN" altLang="en-US" smtClean="0"/>
               <a:pPr/>
-              <a:t>2023/2/27</a:t>
+              <a:t>2023/3/3</a:t>
             </a:fld>
             <a:endParaRPr lang="zh-CN" altLang="en-US"/>
           </a:p>
@@ -2239,7 +2239,7 @@
             <a:fld id="{6489D9C7-5DC6-4263-87FF-7C99F6FB63C3}" type="datetime1">
               <a:rPr lang="zh-CN" altLang="en-US" smtClean="0"/>
               <a:pPr/>
-              <a:t>2023/2/27</a:t>
+              <a:t>2023/3/3</a:t>
             </a:fld>
             <a:endParaRPr lang="zh-CN" altLang="en-US"/>
           </a:p>
@@ -2503,7 +2503,7 @@
             <a:fld id="{6489D9C7-5DC6-4263-87FF-7C99F6FB63C3}" type="datetime1">
               <a:rPr lang="zh-CN" altLang="en-US" smtClean="0"/>
               <a:pPr/>
-              <a:t>2023/2/27</a:t>
+              <a:t>2023/3/3</a:t>
             </a:fld>
             <a:endParaRPr lang="zh-CN" altLang="en-US"/>
           </a:p>
@@ -2691,7 +2691,7 @@
             <a:fld id="{6489D9C7-5DC6-4263-87FF-7C99F6FB63C3}" type="datetime1">
               <a:rPr lang="zh-CN" altLang="en-US" smtClean="0"/>
               <a:pPr/>
-              <a:t>2023/2/27</a:t>
+              <a:t>2023/3/3</a:t>
             </a:fld>
             <a:endParaRPr lang="zh-CN" altLang="en-US"/>
           </a:p>
@@ -2956,7 +2956,7 @@
             <a:fld id="{6489D9C7-5DC6-4263-87FF-7C99F6FB63C3}" type="datetime1">
               <a:rPr lang="zh-CN" altLang="en-US" smtClean="0"/>
               <a:pPr/>
-              <a:t>2023/2/27</a:t>
+              <a:t>2023/3/3</a:t>
             </a:fld>
             <a:endParaRPr lang="zh-CN" altLang="en-US"/>
           </a:p>
@@ -3251,7 +3251,7 @@
             <a:fld id="{6489D9C7-5DC6-4263-87FF-7C99F6FB63C3}" type="datetime1">
               <a:rPr lang="zh-CN" altLang="en-US" smtClean="0"/>
               <a:pPr/>
-              <a:t>2023/2/27</a:t>
+              <a:t>2023/3/3</a:t>
             </a:fld>
             <a:endParaRPr lang="zh-CN" altLang="en-US"/>
           </a:p>
@@ -3700,7 +3700,7 @@
             <a:fld id="{6489D9C7-5DC6-4263-87FF-7C99F6FB63C3}" type="datetime1">
               <a:rPr lang="zh-CN" altLang="en-US" smtClean="0"/>
               <a:pPr/>
-              <a:t>2023/2/27</a:t>
+              <a:t>2023/3/3</a:t>
             </a:fld>
             <a:endParaRPr lang="zh-CN" altLang="en-US"/>
           </a:p>
@@ -3825,7 +3825,7 @@
             <a:fld id="{6489D9C7-5DC6-4263-87FF-7C99F6FB63C3}" type="datetime1">
               <a:rPr lang="zh-CN" altLang="en-US" smtClean="0"/>
               <a:pPr/>
-              <a:t>2023/2/27</a:t>
+              <a:t>2023/3/3</a:t>
             </a:fld>
             <a:endParaRPr lang="zh-CN" altLang="en-US"/>
           </a:p>
@@ -3927,7 +3927,7 @@
             <a:fld id="{6489D9C7-5DC6-4263-87FF-7C99F6FB63C3}" type="datetime1">
               <a:rPr lang="zh-CN" altLang="en-US" smtClean="0"/>
               <a:pPr/>
-              <a:t>2023/2/27</a:t>
+              <a:t>2023/3/3</a:t>
             </a:fld>
             <a:endParaRPr lang="zh-CN" altLang="en-US"/>
           </a:p>
@@ -4222,7 +4222,7 @@
             <a:fld id="{6489D9C7-5DC6-4263-87FF-7C99F6FB63C3}" type="datetime1">
               <a:rPr lang="zh-CN" altLang="en-US" smtClean="0"/>
               <a:pPr/>
-              <a:t>2023/2/27</a:t>
+              <a:t>2023/3/3</a:t>
             </a:fld>
             <a:endParaRPr lang="zh-CN" altLang="en-US"/>
           </a:p>
@@ -4502,7 +4502,7 @@
             <a:fld id="{6489D9C7-5DC6-4263-87FF-7C99F6FB63C3}" type="datetime1">
               <a:rPr lang="zh-CN" altLang="en-US" smtClean="0"/>
               <a:pPr/>
-              <a:t>2023/2/27</a:t>
+              <a:t>2023/3/3</a:t>
             </a:fld>
             <a:endParaRPr lang="zh-CN" altLang="en-US"/>
           </a:p>
@@ -4806,7 +4806,7 @@
             <a:fld id="{6489D9C7-5DC6-4263-87FF-7C99F6FB63C3}" type="datetime1">
               <a:rPr lang="zh-CN" altLang="en-US" smtClean="0"/>
               <a:pPr/>
-              <a:t>2023/2/27</a:t>
+              <a:t>2023/3/3</a:t>
             </a:fld>
             <a:endParaRPr lang="zh-CN" altLang="en-US"/>
           </a:p>
@@ -5411,815 +5411,12 @@
           </a:p>
         </p:txBody>
       </p:sp>
-      <p:sp>
-        <p:nvSpPr>
-          <p:cNvPr id="12" name="Rounded Rectangle 11">
+      <p:grpSp>
+        <p:nvGrpSpPr>
+          <p:cNvPr id="347" name="Group 346">
             <a:extLst>
               <a:ext uri="{FF2B5EF4-FFF2-40B4-BE49-F238E27FC236}">
-                <a16:creationId xmlns:a16="http://schemas.microsoft.com/office/drawing/2014/main" id="{53729BA8-8D57-BEAE-A468-92385F727536}"/>
-              </a:ext>
-            </a:extLst>
-          </p:cNvPr>
-          <p:cNvSpPr/>
-          <p:nvPr/>
-        </p:nvSpPr>
-        <p:spPr>
-          <a:xfrm>
-            <a:off x="753864" y="4273142"/>
-            <a:ext cx="1743255" cy="553998"/>
-          </a:xfrm>
-          <a:prstGeom prst="roundRect">
-            <a:avLst/>
-          </a:prstGeom>
-          <a:solidFill>
-            <a:srgbClr val="0070C0"/>
-          </a:solidFill>
-        </p:spPr>
-        <p:style>
-          <a:lnRef idx="2">
-            <a:schemeClr val="dk1">
-              <a:shade val="50000"/>
-            </a:schemeClr>
-          </a:lnRef>
-          <a:fillRef idx="1">
-            <a:schemeClr val="dk1"/>
-          </a:fillRef>
-          <a:effectRef idx="0">
-            <a:schemeClr val="dk1"/>
-          </a:effectRef>
-          <a:fontRef idx="minor">
-            <a:schemeClr val="lt1"/>
-          </a:fontRef>
-        </p:style>
-        <p:txBody>
-          <a:bodyPr rtlCol="0" anchor="ctr"/>
-          <a:lstStyle/>
-          <a:p>
-            <a:pPr algn="ctr"/>
-            <a:r>
-              <a:rPr lang="en-US" sz="1600" b="1" dirty="0">
-                <a:solidFill>
-                  <a:schemeClr val="bg1"/>
-                </a:solidFill>
-                <a:latin typeface="LM Roman 12" pitchFamily="2" charset="77"/>
-              </a:rPr>
-              <a:t>Base Model</a:t>
-            </a:r>
-          </a:p>
-        </p:txBody>
-      </p:sp>
-      <p:cxnSp>
-        <p:nvCxnSpPr>
-          <p:cNvPr id="31" name="Elbow Connector 30">
-            <a:extLst>
-              <a:ext uri="{FF2B5EF4-FFF2-40B4-BE49-F238E27FC236}">
-                <a16:creationId xmlns:a16="http://schemas.microsoft.com/office/drawing/2014/main" id="{5BE2B470-27A4-C936-A525-1AFE8019DE8C}"/>
-              </a:ext>
-            </a:extLst>
-          </p:cNvPr>
-          <p:cNvCxnSpPr>
-            <a:cxnSpLocks/>
-            <a:stCxn id="12" idx="3"/>
-            <a:endCxn id="81" idx="5"/>
-          </p:cNvCxnSpPr>
-          <p:nvPr/>
-        </p:nvCxnSpPr>
-        <p:spPr>
-          <a:xfrm flipV="1">
-            <a:off x="2497119" y="2730704"/>
-            <a:ext cx="1710667" cy="1819437"/>
-          </a:xfrm>
-          <a:prstGeom prst="bentConnector3">
-            <a:avLst>
-              <a:gd name="adj1" fmla="val 80720"/>
-            </a:avLst>
-          </a:prstGeom>
-          <a:ln w="38100">
-            <a:solidFill>
-              <a:srgbClr val="0070C0"/>
-            </a:solidFill>
-            <a:tailEnd type="triangle"/>
-          </a:ln>
-        </p:spPr>
-        <p:style>
-          <a:lnRef idx="1">
-            <a:schemeClr val="accent1"/>
-          </a:lnRef>
-          <a:fillRef idx="0">
-            <a:schemeClr val="accent1"/>
-          </a:fillRef>
-          <a:effectRef idx="0">
-            <a:schemeClr val="accent1"/>
-          </a:effectRef>
-          <a:fontRef idx="minor">
-            <a:schemeClr val="tx1"/>
-          </a:fontRef>
-        </p:style>
-      </p:cxnSp>
-      <p:cxnSp>
-        <p:nvCxnSpPr>
-          <p:cNvPr id="32" name="Elbow Connector 31">
-            <a:extLst>
-              <a:ext uri="{FF2B5EF4-FFF2-40B4-BE49-F238E27FC236}">
-                <a16:creationId xmlns:a16="http://schemas.microsoft.com/office/drawing/2014/main" id="{CE696922-9CF2-11AC-8DF6-CA776F31AA7A}"/>
-              </a:ext>
-            </a:extLst>
-          </p:cNvPr>
-          <p:cNvCxnSpPr>
-            <a:cxnSpLocks/>
-            <a:stCxn id="12" idx="3"/>
-            <a:endCxn id="217" idx="5"/>
-          </p:cNvCxnSpPr>
-          <p:nvPr/>
-        </p:nvCxnSpPr>
-        <p:spPr>
-          <a:xfrm>
-            <a:off x="2497119" y="4550141"/>
-            <a:ext cx="1695939" cy="1809294"/>
-          </a:xfrm>
-          <a:prstGeom prst="bentConnector3">
-            <a:avLst>
-              <a:gd name="adj1" fmla="val 81607"/>
-            </a:avLst>
-          </a:prstGeom>
-          <a:ln w="38100">
-            <a:solidFill>
-              <a:srgbClr val="0070C0"/>
-            </a:solidFill>
-            <a:tailEnd type="triangle"/>
-          </a:ln>
-        </p:spPr>
-        <p:style>
-          <a:lnRef idx="1">
-            <a:schemeClr val="accent1"/>
-          </a:lnRef>
-          <a:fillRef idx="0">
-            <a:schemeClr val="accent1"/>
-          </a:fillRef>
-          <a:effectRef idx="0">
-            <a:schemeClr val="accent1"/>
-          </a:effectRef>
-          <a:fontRef idx="minor">
-            <a:schemeClr val="tx1"/>
-          </a:fontRef>
-        </p:style>
-      </p:cxnSp>
-      <p:sp>
-        <p:nvSpPr>
-          <p:cNvPr id="66" name="TextBox 65">
-            <a:extLst>
-              <a:ext uri="{FF2B5EF4-FFF2-40B4-BE49-F238E27FC236}">
-                <a16:creationId xmlns:a16="http://schemas.microsoft.com/office/drawing/2014/main" id="{BFB09AED-32A8-2A19-CA68-E7B9B4F67B17}"/>
-              </a:ext>
-            </a:extLst>
-          </p:cNvPr>
-          <p:cNvSpPr txBox="1"/>
-          <p:nvPr/>
-        </p:nvSpPr>
-        <p:spPr>
-          <a:xfrm>
-            <a:off x="5452428" y="4885979"/>
-            <a:ext cx="297690" cy="553998"/>
-          </a:xfrm>
-          <a:prstGeom prst="rect">
-            <a:avLst/>
-          </a:prstGeom>
-          <a:noFill/>
-        </p:spPr>
-        <p:txBody>
-          <a:bodyPr wrap="square" tIns="0" bIns="0" rtlCol="0">
-            <a:spAutoFit/>
-          </a:bodyPr>
-          <a:lstStyle/>
-          <a:p>
-            <a:r>
-              <a:rPr lang="en-US" sz="1200" b="1" dirty="0"/>
-              <a:t>.</a:t>
-            </a:r>
-          </a:p>
-          <a:p>
-            <a:r>
-              <a:rPr lang="en-US" sz="1200" b="1" dirty="0"/>
-              <a:t>.</a:t>
-            </a:r>
-          </a:p>
-          <a:p>
-            <a:r>
-              <a:rPr lang="en-US" sz="1200" b="1" dirty="0"/>
-              <a:t>.</a:t>
-            </a:r>
-          </a:p>
-        </p:txBody>
-      </p:sp>
-      <mc:AlternateContent xmlns:mc="http://schemas.openxmlformats.org/markup-compatibility/2006">
-        <mc:Choice xmlns:a14="http://schemas.microsoft.com/office/drawing/2010/main" Requires="a14">
-          <p:sp>
-            <p:nvSpPr>
-              <p:cNvPr id="81" name="Parallelogram 80">
-                <a:extLst>
-                  <a:ext uri="{FF2B5EF4-FFF2-40B4-BE49-F238E27FC236}">
-                    <a16:creationId xmlns:a16="http://schemas.microsoft.com/office/drawing/2014/main" id="{135F239D-C8F6-A2AD-B9A0-0D7F5E26D012}"/>
-                  </a:ext>
-                </a:extLst>
-              </p:cNvPr>
-              <p:cNvSpPr/>
-              <p:nvPr/>
-            </p:nvSpPr>
-            <p:spPr>
-              <a:xfrm>
-                <a:off x="4162145" y="2548142"/>
-                <a:ext cx="998827" cy="365124"/>
-              </a:xfrm>
-              <a:prstGeom prst="parallelogram">
-                <a:avLst/>
-              </a:prstGeom>
-              <a:solidFill>
-                <a:schemeClr val="bg2">
-                  <a:lumMod val="20000"/>
-                  <a:lumOff val="80000"/>
-                </a:schemeClr>
-              </a:solidFill>
-            </p:spPr>
-            <p:style>
-              <a:lnRef idx="2">
-                <a:schemeClr val="accent1">
-                  <a:shade val="50000"/>
-                </a:schemeClr>
-              </a:lnRef>
-              <a:fillRef idx="1">
-                <a:schemeClr val="accent1"/>
-              </a:fillRef>
-              <a:effectRef idx="0">
-                <a:schemeClr val="accent1"/>
-              </a:effectRef>
-              <a:fontRef idx="minor">
-                <a:schemeClr val="lt1"/>
-              </a:fontRef>
-            </p:style>
-            <p:txBody>
-              <a:bodyPr rtlCol="0" anchor="ctr"/>
-              <a:lstStyle/>
-              <a:p>
-                <a:pPr algn="ctr"/>
-                <a14:m>
-                  <m:oMathPara xmlns:m="http://schemas.openxmlformats.org/officeDocument/2006/math">
-                    <m:oMathParaPr>
-                      <m:jc m:val="center"/>
-                    </m:oMathParaPr>
-                    <m:oMath xmlns:m="http://schemas.openxmlformats.org/officeDocument/2006/math">
-                      <m:sSubSup>
-                        <m:sSubSupPr>
-                          <m:ctrlPr>
-                            <a:rPr lang="en-IE" sz="1600" b="0" i="1" smtClean="0">
-                              <a:solidFill>
-                                <a:schemeClr val="tx1"/>
-                              </a:solidFill>
-                              <a:latin typeface="Cambria Math" panose="02040503050406030204" pitchFamily="18" charset="0"/>
-                            </a:rPr>
-                          </m:ctrlPr>
-                        </m:sSubSupPr>
-                        <m:e>
-                          <m:r>
-                            <a:rPr lang="en-IE" sz="1600" b="0" i="1" smtClean="0">
-                              <a:solidFill>
-                                <a:schemeClr val="tx1"/>
-                              </a:solidFill>
-                              <a:latin typeface="Cambria Math" panose="02040503050406030204" pitchFamily="18" charset="0"/>
-                            </a:rPr>
-                            <m:t>𝑈</m:t>
-                          </m:r>
-                        </m:e>
-                        <m:sub>
-                          <m:r>
-                            <a:rPr lang="en-IE" sz="1600" b="0" i="1" smtClean="0">
-                              <a:solidFill>
-                                <a:schemeClr val="tx1"/>
-                              </a:solidFill>
-                              <a:latin typeface="Cambria Math" panose="02040503050406030204" pitchFamily="18" charset="0"/>
-                            </a:rPr>
-                            <m:t>1</m:t>
-                          </m:r>
-                        </m:sub>
-                        <m:sup>
-                          <m:r>
-                            <a:rPr lang="en-IE" sz="1600" b="0" i="1" smtClean="0">
-                              <a:solidFill>
-                                <a:schemeClr val="tx1"/>
-                              </a:solidFill>
-                              <a:latin typeface="Cambria Math" panose="02040503050406030204" pitchFamily="18" charset="0"/>
-                            </a:rPr>
-                            <m:t>𝑚𝑑</m:t>
-                          </m:r>
-                        </m:sup>
-                      </m:sSubSup>
-                      <m:r>
-                        <a:rPr lang="en-IE" sz="1600" b="0" i="1" smtClean="0">
-                          <a:solidFill>
-                            <a:schemeClr val="tx1"/>
-                          </a:solidFill>
-                          <a:latin typeface="Cambria Math" panose="02040503050406030204" pitchFamily="18" charset="0"/>
-                        </a:rPr>
-                        <m:t>(</m:t>
-                      </m:r>
-                      <m:sSub>
-                        <m:sSubPr>
-                          <m:ctrlPr>
-                            <a:rPr lang="en-IE" sz="1600" i="1">
-                              <a:solidFill>
-                                <a:schemeClr val="tx1"/>
-                              </a:solidFill>
-                              <a:latin typeface="Cambria Math" panose="02040503050406030204" pitchFamily="18" charset="0"/>
-                            </a:rPr>
-                          </m:ctrlPr>
-                        </m:sSubPr>
-                        <m:e>
-                          <m:r>
-                            <a:rPr lang="en-IE" sz="1600" i="1">
-                              <a:solidFill>
-                                <a:schemeClr val="tx1"/>
-                              </a:solidFill>
-                              <a:latin typeface="Cambria Math" panose="02040503050406030204" pitchFamily="18" charset="0"/>
-                            </a:rPr>
-                            <m:t>𝑘</m:t>
-                          </m:r>
-                        </m:e>
-                        <m:sub>
-                          <m:r>
-                            <a:rPr lang="en-IE" sz="1600" i="1">
-                              <a:solidFill>
-                                <a:schemeClr val="tx1"/>
-                              </a:solidFill>
-                              <a:latin typeface="Cambria Math" panose="02040503050406030204" pitchFamily="18" charset="0"/>
-                            </a:rPr>
-                            <m:t>𝑗</m:t>
-                          </m:r>
-                        </m:sub>
-                      </m:sSub>
-                      <m:r>
-                        <a:rPr lang="en-IE" sz="1600" b="0" i="1" smtClean="0">
-                          <a:solidFill>
-                            <a:schemeClr val="tx1"/>
-                          </a:solidFill>
-                          <a:latin typeface="Cambria Math" panose="02040503050406030204" pitchFamily="18" charset="0"/>
-                        </a:rPr>
-                        <m:t>)</m:t>
-                      </m:r>
-                    </m:oMath>
-                  </m:oMathPara>
-                </a14:m>
-                <a:endParaRPr lang="en-US" sz="1600" dirty="0">
-                  <a:solidFill>
-                    <a:schemeClr val="tx1"/>
-                  </a:solidFill>
-                  <a:latin typeface="LM Roman 12" pitchFamily="2" charset="77"/>
-                </a:endParaRPr>
-              </a:p>
-            </p:txBody>
-          </p:sp>
-        </mc:Choice>
-        <mc:Fallback>
-          <p:sp>
-            <p:nvSpPr>
-              <p:cNvPr id="81" name="Parallelogram 80">
-                <a:extLst>
-                  <a:ext uri="{FF2B5EF4-FFF2-40B4-BE49-F238E27FC236}">
-                    <a16:creationId xmlns:a16="http://schemas.microsoft.com/office/drawing/2014/main" id="{135F239D-C8F6-A2AD-B9A0-0D7F5E26D012}"/>
-                  </a:ext>
-                </a:extLst>
-              </p:cNvPr>
-              <p:cNvSpPr>
-                <a:spLocks noRot="1" noChangeAspect="1" noMove="1" noResize="1" noEditPoints="1" noAdjustHandles="1" noChangeArrowheads="1" noChangeShapeType="1" noTextEdit="1"/>
-              </p:cNvSpPr>
-              <p:nvPr/>
-            </p:nvSpPr>
-            <p:spPr>
-              <a:xfrm>
-                <a:off x="4162145" y="2548142"/>
-                <a:ext cx="998827" cy="365124"/>
-              </a:xfrm>
-              <a:prstGeom prst="parallelogram">
-                <a:avLst/>
-              </a:prstGeom>
-              <a:blipFill>
-                <a:blip r:embed="rId3"/>
-                <a:stretch>
-                  <a:fillRect b="-6667"/>
-                </a:stretch>
-              </a:blipFill>
-            </p:spPr>
-            <p:txBody>
-              <a:bodyPr/>
-              <a:lstStyle/>
-              <a:p>
-                <a:r>
-                  <a:rPr lang="en-US">
-                    <a:noFill/>
-                  </a:rPr>
-                  <a:t> </a:t>
-                </a:r>
-              </a:p>
-            </p:txBody>
-          </p:sp>
-        </mc:Fallback>
-      </mc:AlternateContent>
-      <mc:AlternateContent xmlns:mc="http://schemas.openxmlformats.org/markup-compatibility/2006">
-        <mc:Choice xmlns:a14="http://schemas.microsoft.com/office/drawing/2010/main" Requires="a14">
-          <p:sp>
-            <p:nvSpPr>
-              <p:cNvPr id="71" name="Oval 70">
-                <a:extLst>
-                  <a:ext uri="{FF2B5EF4-FFF2-40B4-BE49-F238E27FC236}">
-                    <a16:creationId xmlns:a16="http://schemas.microsoft.com/office/drawing/2014/main" id="{5360D9AB-E620-5156-6940-05E9D0A7E61D}"/>
-                  </a:ext>
-                </a:extLst>
-              </p:cNvPr>
-              <p:cNvSpPr/>
-              <p:nvPr/>
-            </p:nvSpPr>
-            <p:spPr>
-              <a:xfrm>
-                <a:off x="5356538" y="2535776"/>
-                <a:ext cx="450000" cy="450000"/>
-              </a:xfrm>
-              <a:prstGeom prst="ellipse">
-                <a:avLst/>
-              </a:prstGeom>
-              <a:ln>
-                <a:noFill/>
-              </a:ln>
-            </p:spPr>
-            <p:style>
-              <a:lnRef idx="1">
-                <a:schemeClr val="dk1"/>
-              </a:lnRef>
-              <a:fillRef idx="2">
-                <a:schemeClr val="dk1"/>
-              </a:fillRef>
-              <a:effectRef idx="1">
-                <a:schemeClr val="dk1"/>
-              </a:effectRef>
-              <a:fontRef idx="minor">
-                <a:schemeClr val="dk1"/>
-              </a:fontRef>
-            </p:style>
-            <p:txBody>
-              <a:bodyPr vert="horz" lIns="0" tIns="0" rIns="0" bIns="0" rtlCol="0" anchor="ctr" anchorCtr="0">
-                <a:normAutofit fontScale="40000" lnSpcReduction="20000"/>
-              </a:bodyPr>
-              <a:lstStyle/>
-              <a:p>
-                <a:pPr algn="ctr"/>
-                <a14:m>
-                  <m:oMathPara xmlns:m="http://schemas.openxmlformats.org/officeDocument/2006/math">
-                    <m:oMathParaPr>
-                      <m:jc m:val="centerGroup"/>
-                    </m:oMathParaPr>
-                    <m:oMath xmlns:m="http://schemas.openxmlformats.org/officeDocument/2006/math">
-                      <m:r>
-                        <a:rPr lang="en-IE" sz="4800" b="1" i="0" spc="-300" smtClean="0">
-                          <a:latin typeface="Cambria Math" panose="02040503050406030204" pitchFamily="18" charset="0"/>
-                        </a:rPr>
-                        <m:t>+</m:t>
-                      </m:r>
-                    </m:oMath>
-                  </m:oMathPara>
-                </a14:m>
-                <a:endParaRPr lang="en-US" sz="4800" b="1" spc="-300" dirty="0"/>
-              </a:p>
-            </p:txBody>
-          </p:sp>
-        </mc:Choice>
-        <mc:Fallback>
-          <p:sp>
-            <p:nvSpPr>
-              <p:cNvPr id="71" name="Oval 70">
-                <a:extLst>
-                  <a:ext uri="{FF2B5EF4-FFF2-40B4-BE49-F238E27FC236}">
-                    <a16:creationId xmlns:a16="http://schemas.microsoft.com/office/drawing/2014/main" id="{5360D9AB-E620-5156-6940-05E9D0A7E61D}"/>
-                  </a:ext>
-                </a:extLst>
-              </p:cNvPr>
-              <p:cNvSpPr>
-                <a:spLocks noRot="1" noChangeAspect="1" noMove="1" noResize="1" noEditPoints="1" noAdjustHandles="1" noChangeArrowheads="1" noChangeShapeType="1" noTextEdit="1"/>
-              </p:cNvSpPr>
-              <p:nvPr/>
-            </p:nvSpPr>
-            <p:spPr>
-              <a:xfrm>
-                <a:off x="5356538" y="2535776"/>
-                <a:ext cx="450000" cy="450000"/>
-              </a:xfrm>
-              <a:prstGeom prst="ellipse">
-                <a:avLst/>
-              </a:prstGeom>
-              <a:blipFill>
-                <a:blip r:embed="rId4"/>
-                <a:stretch>
-                  <a:fillRect/>
-                </a:stretch>
-              </a:blipFill>
-              <a:ln>
-                <a:noFill/>
-              </a:ln>
-            </p:spPr>
-            <p:txBody>
-              <a:bodyPr/>
-              <a:lstStyle/>
-              <a:p>
-                <a:r>
-                  <a:rPr lang="en-US">
-                    <a:noFill/>
-                  </a:rPr>
-                  <a:t> </a:t>
-                </a:r>
-              </a:p>
-            </p:txBody>
-          </p:sp>
-        </mc:Fallback>
-      </mc:AlternateContent>
-      <mc:AlternateContent xmlns:mc="http://schemas.openxmlformats.org/markup-compatibility/2006">
-        <mc:Choice xmlns:a14="http://schemas.microsoft.com/office/drawing/2010/main" Requires="a14">
-          <p:sp>
-            <p:nvSpPr>
-              <p:cNvPr id="146" name="Oval 145">
-                <a:extLst>
-                  <a:ext uri="{FF2B5EF4-FFF2-40B4-BE49-F238E27FC236}">
-                    <a16:creationId xmlns:a16="http://schemas.microsoft.com/office/drawing/2014/main" id="{25505E2A-C6A6-FA7A-801C-9D263DA93F0B}"/>
-                  </a:ext>
-                </a:extLst>
-              </p:cNvPr>
-              <p:cNvSpPr/>
-              <p:nvPr/>
-            </p:nvSpPr>
-            <p:spPr>
-              <a:xfrm>
-                <a:off x="5352911" y="4311311"/>
-                <a:ext cx="450000" cy="450000"/>
-              </a:xfrm>
-              <a:prstGeom prst="ellipse">
-                <a:avLst/>
-              </a:prstGeom>
-              <a:ln>
-                <a:noFill/>
-              </a:ln>
-            </p:spPr>
-            <p:style>
-              <a:lnRef idx="1">
-                <a:schemeClr val="dk1"/>
-              </a:lnRef>
-              <a:fillRef idx="2">
-                <a:schemeClr val="dk1"/>
-              </a:fillRef>
-              <a:effectRef idx="1">
-                <a:schemeClr val="dk1"/>
-              </a:effectRef>
-              <a:fontRef idx="minor">
-                <a:schemeClr val="dk1"/>
-              </a:fontRef>
-            </p:style>
-            <p:txBody>
-              <a:bodyPr vert="horz" lIns="0" tIns="0" rIns="0" bIns="0" rtlCol="0" anchor="ctr" anchorCtr="0">
-                <a:normAutofit fontScale="40000" lnSpcReduction="20000"/>
-              </a:bodyPr>
-              <a:lstStyle/>
-              <a:p>
-                <a:pPr algn="ctr"/>
-                <a14:m>
-                  <m:oMathPara xmlns:m="http://schemas.openxmlformats.org/officeDocument/2006/math">
-                    <m:oMathParaPr>
-                      <m:jc m:val="centerGroup"/>
-                    </m:oMathParaPr>
-                    <m:oMath xmlns:m="http://schemas.openxmlformats.org/officeDocument/2006/math">
-                      <m:r>
-                        <a:rPr lang="en-IE" sz="4800" b="1" i="0" spc="-300" smtClean="0">
-                          <a:latin typeface="Cambria Math" panose="02040503050406030204" pitchFamily="18" charset="0"/>
-                        </a:rPr>
-                        <m:t>+</m:t>
-                      </m:r>
-                    </m:oMath>
-                  </m:oMathPara>
-                </a14:m>
-                <a:endParaRPr lang="en-US" sz="4800" b="1" spc="-300" dirty="0"/>
-              </a:p>
-            </p:txBody>
-          </p:sp>
-        </mc:Choice>
-        <mc:Fallback>
-          <p:sp>
-            <p:nvSpPr>
-              <p:cNvPr id="146" name="Oval 145">
-                <a:extLst>
-                  <a:ext uri="{FF2B5EF4-FFF2-40B4-BE49-F238E27FC236}">
-                    <a16:creationId xmlns:a16="http://schemas.microsoft.com/office/drawing/2014/main" id="{25505E2A-C6A6-FA7A-801C-9D263DA93F0B}"/>
-                  </a:ext>
-                </a:extLst>
-              </p:cNvPr>
-              <p:cNvSpPr>
-                <a:spLocks noRot="1" noChangeAspect="1" noMove="1" noResize="1" noEditPoints="1" noAdjustHandles="1" noChangeArrowheads="1" noChangeShapeType="1" noTextEdit="1"/>
-              </p:cNvSpPr>
-              <p:nvPr/>
-            </p:nvSpPr>
-            <p:spPr>
-              <a:xfrm>
-                <a:off x="5352911" y="4311311"/>
-                <a:ext cx="450000" cy="450000"/>
-              </a:xfrm>
-              <a:prstGeom prst="ellipse">
-                <a:avLst/>
-              </a:prstGeom>
-              <a:blipFill>
-                <a:blip r:embed="rId5"/>
-                <a:stretch>
-                  <a:fillRect/>
-                </a:stretch>
-              </a:blipFill>
-              <a:ln>
-                <a:noFill/>
-              </a:ln>
-            </p:spPr>
-            <p:txBody>
-              <a:bodyPr/>
-              <a:lstStyle/>
-              <a:p>
-                <a:r>
-                  <a:rPr lang="en-US">
-                    <a:noFill/>
-                  </a:rPr>
-                  <a:t> </a:t>
-                </a:r>
-              </a:p>
-            </p:txBody>
-          </p:sp>
-        </mc:Fallback>
-      </mc:AlternateContent>
-      <mc:AlternateContent xmlns:mc="http://schemas.openxmlformats.org/markup-compatibility/2006">
-        <mc:Choice xmlns:a14="http://schemas.microsoft.com/office/drawing/2010/main" Requires="a14">
-          <p:sp>
-            <p:nvSpPr>
-              <p:cNvPr id="154" name="Oval 153">
-                <a:extLst>
-                  <a:ext uri="{FF2B5EF4-FFF2-40B4-BE49-F238E27FC236}">
-                    <a16:creationId xmlns:a16="http://schemas.microsoft.com/office/drawing/2014/main" id="{BAB8078C-499C-83E4-F7D2-19FFDD3CF688}"/>
-                  </a:ext>
-                </a:extLst>
-              </p:cNvPr>
-              <p:cNvSpPr/>
-              <p:nvPr/>
-            </p:nvSpPr>
-            <p:spPr>
-              <a:xfrm>
-                <a:off x="5352911" y="6134435"/>
-                <a:ext cx="450000" cy="450000"/>
-              </a:xfrm>
-              <a:prstGeom prst="ellipse">
-                <a:avLst/>
-              </a:prstGeom>
-              <a:ln>
-                <a:noFill/>
-              </a:ln>
-            </p:spPr>
-            <p:style>
-              <a:lnRef idx="1">
-                <a:schemeClr val="dk1"/>
-              </a:lnRef>
-              <a:fillRef idx="2">
-                <a:schemeClr val="dk1"/>
-              </a:fillRef>
-              <a:effectRef idx="1">
-                <a:schemeClr val="dk1"/>
-              </a:effectRef>
-              <a:fontRef idx="minor">
-                <a:schemeClr val="dk1"/>
-              </a:fontRef>
-            </p:style>
-            <p:txBody>
-              <a:bodyPr vert="horz" lIns="0" tIns="0" rIns="0" bIns="0" rtlCol="0" anchor="ctr" anchorCtr="0">
-                <a:normAutofit fontScale="40000" lnSpcReduction="20000"/>
-              </a:bodyPr>
-              <a:lstStyle/>
-              <a:p>
-                <a:pPr algn="ctr"/>
-                <a14:m>
-                  <m:oMathPara xmlns:m="http://schemas.openxmlformats.org/officeDocument/2006/math">
-                    <m:oMathParaPr>
-                      <m:jc m:val="centerGroup"/>
-                    </m:oMathParaPr>
-                    <m:oMath xmlns:m="http://schemas.openxmlformats.org/officeDocument/2006/math">
-                      <m:r>
-                        <a:rPr lang="en-IE" sz="4800" b="1" i="0" spc="-300" smtClean="0">
-                          <a:latin typeface="Cambria Math" panose="02040503050406030204" pitchFamily="18" charset="0"/>
-                        </a:rPr>
-                        <m:t>+</m:t>
-                      </m:r>
-                    </m:oMath>
-                  </m:oMathPara>
-                </a14:m>
-                <a:endParaRPr lang="en-US" sz="4800" b="1" spc="-300" dirty="0"/>
-              </a:p>
-            </p:txBody>
-          </p:sp>
-        </mc:Choice>
-        <mc:Fallback>
-          <p:sp>
-            <p:nvSpPr>
-              <p:cNvPr id="154" name="Oval 153">
-                <a:extLst>
-                  <a:ext uri="{FF2B5EF4-FFF2-40B4-BE49-F238E27FC236}">
-                    <a16:creationId xmlns:a16="http://schemas.microsoft.com/office/drawing/2014/main" id="{BAB8078C-499C-83E4-F7D2-19FFDD3CF688}"/>
-                  </a:ext>
-                </a:extLst>
-              </p:cNvPr>
-              <p:cNvSpPr>
-                <a:spLocks noRot="1" noChangeAspect="1" noMove="1" noResize="1" noEditPoints="1" noAdjustHandles="1" noChangeArrowheads="1" noChangeShapeType="1" noTextEdit="1"/>
-              </p:cNvSpPr>
-              <p:nvPr/>
-            </p:nvSpPr>
-            <p:spPr>
-              <a:xfrm>
-                <a:off x="5352911" y="6134435"/>
-                <a:ext cx="450000" cy="450000"/>
-              </a:xfrm>
-              <a:prstGeom prst="ellipse">
-                <a:avLst/>
-              </a:prstGeom>
-              <a:blipFill>
-                <a:blip r:embed="rId6"/>
-                <a:stretch>
-                  <a:fillRect/>
-                </a:stretch>
-              </a:blipFill>
-              <a:ln>
-                <a:noFill/>
-              </a:ln>
-            </p:spPr>
-            <p:txBody>
-              <a:bodyPr/>
-              <a:lstStyle/>
-              <a:p>
-                <a:r>
-                  <a:rPr lang="en-US">
-                    <a:noFill/>
-                  </a:rPr>
-                  <a:t> </a:t>
-                </a:r>
-              </a:p>
-            </p:txBody>
-          </p:sp>
-        </mc:Fallback>
-      </mc:AlternateContent>
-      <p:sp>
-        <p:nvSpPr>
-          <p:cNvPr id="164" name="TextBox 163">
-            <a:extLst>
-              <a:ext uri="{FF2B5EF4-FFF2-40B4-BE49-F238E27FC236}">
-                <a16:creationId xmlns:a16="http://schemas.microsoft.com/office/drawing/2014/main" id="{71558FFF-7DCD-EA65-8B0A-2BD87DB57C77}"/>
-              </a:ext>
-            </a:extLst>
-          </p:cNvPr>
-          <p:cNvSpPr txBox="1"/>
-          <p:nvPr/>
-        </p:nvSpPr>
-        <p:spPr>
-          <a:xfrm>
-            <a:off x="5452428" y="3039400"/>
-            <a:ext cx="297690" cy="553998"/>
-          </a:xfrm>
-          <a:prstGeom prst="rect">
-            <a:avLst/>
-          </a:prstGeom>
-          <a:noFill/>
-        </p:spPr>
-        <p:txBody>
-          <a:bodyPr wrap="square" tIns="0" bIns="0" rtlCol="0">
-            <a:spAutoFit/>
-          </a:bodyPr>
-          <a:lstStyle/>
-          <a:p>
-            <a:r>
-              <a:rPr lang="en-US" sz="1200" b="1" dirty="0"/>
-              <a:t>.</a:t>
-            </a:r>
-          </a:p>
-          <a:p>
-            <a:r>
-              <a:rPr lang="en-US" sz="1200" b="1" dirty="0"/>
-              <a:t>.</a:t>
-            </a:r>
-          </a:p>
-          <a:p>
-            <a:r>
-              <a:rPr lang="en-US" sz="1200" b="1" dirty="0"/>
-              <a:t>.</a:t>
-            </a:r>
-          </a:p>
-        </p:txBody>
-      </p:sp>
-      <p:grpSp>
-        <p:nvGrpSpPr>
-          <p:cNvPr id="326" name="Group 325">
-            <a:extLst>
-              <a:ext uri="{FF2B5EF4-FFF2-40B4-BE49-F238E27FC236}">
-                <a16:creationId xmlns:a16="http://schemas.microsoft.com/office/drawing/2014/main" id="{3B6D731D-25B2-CFF5-1193-164526719355}"/>
+                <a16:creationId xmlns:a16="http://schemas.microsoft.com/office/drawing/2014/main" id="{BC756F24-C89F-2EE0-0F5B-F595ADF89822}"/>
               </a:ext>
             </a:extLst>
           </p:cNvPr>
@@ -6228,42 +5425,148 @@
         </p:nvGrpSpPr>
         <p:grpSpPr>
           <a:xfrm>
-            <a:off x="2820109" y="1956071"/>
-            <a:ext cx="3238275" cy="579705"/>
-            <a:chOff x="2820109" y="1956071"/>
-            <a:chExt cx="3238275" cy="579705"/>
+            <a:off x="753864" y="2420752"/>
+            <a:ext cx="6186826" cy="3679401"/>
+            <a:chOff x="753864" y="2420752"/>
+            <a:chExt cx="6186826" cy="3679401"/>
           </a:xfrm>
         </p:grpSpPr>
+        <p:sp>
+          <p:nvSpPr>
+            <p:cNvPr id="12" name="Rounded Rectangle 11">
+              <a:extLst>
+                <a:ext uri="{FF2B5EF4-FFF2-40B4-BE49-F238E27FC236}">
+                  <a16:creationId xmlns:a16="http://schemas.microsoft.com/office/drawing/2014/main" id="{53729BA8-8D57-BEAE-A468-92385F727536}"/>
+                </a:ext>
+              </a:extLst>
+            </p:cNvPr>
+            <p:cNvSpPr/>
+            <p:nvPr/>
+          </p:nvSpPr>
+          <p:spPr>
+            <a:xfrm>
+              <a:off x="753864" y="4273142"/>
+              <a:ext cx="1743255" cy="553998"/>
+            </a:xfrm>
+            <a:prstGeom prst="roundRect">
+              <a:avLst/>
+            </a:prstGeom>
+            <a:solidFill>
+              <a:srgbClr val="0070C0"/>
+            </a:solidFill>
+          </p:spPr>
+          <p:style>
+            <a:lnRef idx="2">
+              <a:schemeClr val="dk1">
+                <a:shade val="50000"/>
+              </a:schemeClr>
+            </a:lnRef>
+            <a:fillRef idx="1">
+              <a:schemeClr val="dk1"/>
+            </a:fillRef>
+            <a:effectRef idx="0">
+              <a:schemeClr val="dk1"/>
+            </a:effectRef>
+            <a:fontRef idx="minor">
+              <a:schemeClr val="lt1"/>
+            </a:fontRef>
+          </p:style>
+          <p:txBody>
+            <a:bodyPr rtlCol="0" anchor="ctr"/>
+            <a:lstStyle/>
+            <a:p>
+              <a:pPr algn="ctr"/>
+              <a:r>
+                <a:rPr lang="en-US" sz="1600" b="1" dirty="0">
+                  <a:solidFill>
+                    <a:schemeClr val="bg1"/>
+                  </a:solidFill>
+                  <a:latin typeface="LM Roman 12" pitchFamily="2" charset="77"/>
+                </a:rPr>
+                <a:t>Base Model</a:t>
+              </a:r>
+            </a:p>
+          </p:txBody>
+        </p:sp>
         <p:cxnSp>
           <p:nvCxnSpPr>
-            <p:cNvPr id="138" name="Straight Arrow Connector 137">
+            <p:cNvPr id="31" name="Elbow Connector 30">
               <a:extLst>
                 <a:ext uri="{FF2B5EF4-FFF2-40B4-BE49-F238E27FC236}">
-                  <a16:creationId xmlns:a16="http://schemas.microsoft.com/office/drawing/2014/main" id="{5FC692DA-032A-120B-B5E2-BF2CE8D2CE3A}"/>
+                  <a16:creationId xmlns:a16="http://schemas.microsoft.com/office/drawing/2014/main" id="{5BE2B470-27A4-C936-A525-1AFE8019DE8C}"/>
                 </a:ext>
               </a:extLst>
             </p:cNvPr>
             <p:cNvCxnSpPr>
               <a:cxnSpLocks/>
-              <a:stCxn id="71" idx="0"/>
-              <a:endCxn id="168" idx="3"/>
+              <a:stCxn id="12" idx="3"/>
+              <a:endCxn id="81" idx="5"/>
             </p:cNvCxnSpPr>
             <p:nvPr/>
           </p:nvCxnSpPr>
           <p:spPr>
             <a:xfrm flipV="1">
-              <a:off x="5581538" y="2304170"/>
-              <a:ext cx="800" cy="231606"/>
+              <a:off x="2497119" y="3224237"/>
+              <a:ext cx="1770437" cy="1325904"/>
             </a:xfrm>
-            <a:prstGeom prst="straightConnector1">
-              <a:avLst/>
+            <a:prstGeom prst="bentConnector3">
+              <a:avLst>
+                <a:gd name="adj1" fmla="val 50000"/>
+              </a:avLst>
             </a:prstGeom>
             <a:ln w="38100">
               <a:solidFill>
-                <a:schemeClr val="tx1"/>
+                <a:srgbClr val="0070C0"/>
               </a:solidFill>
-              <a:headEnd type="triangle"/>
-              <a:tailEnd type="none"/>
+              <a:tailEnd type="triangle"/>
+            </a:ln>
+          </p:spPr>
+          <p:style>
+            <a:lnRef idx="1">
+              <a:schemeClr val="accent1"/>
+            </a:lnRef>
+            <a:fillRef idx="0">
+              <a:schemeClr val="accent1"/>
+            </a:fillRef>
+            <a:effectRef idx="0">
+              <a:schemeClr val="accent1"/>
+            </a:effectRef>
+            <a:fontRef idx="minor">
+              <a:schemeClr val="tx1"/>
+            </a:fontRef>
+          </p:style>
+        </p:cxnSp>
+        <p:cxnSp>
+          <p:nvCxnSpPr>
+            <p:cNvPr id="32" name="Elbow Connector 31">
+              <a:extLst>
+                <a:ext uri="{FF2B5EF4-FFF2-40B4-BE49-F238E27FC236}">
+                  <a16:creationId xmlns:a16="http://schemas.microsoft.com/office/drawing/2014/main" id="{CE696922-9CF2-11AC-8DF6-CA776F31AA7A}"/>
+                </a:ext>
+              </a:extLst>
+            </p:cNvPr>
+            <p:cNvCxnSpPr>
+              <a:cxnSpLocks/>
+              <a:stCxn id="12" idx="3"/>
+              <a:endCxn id="217" idx="5"/>
+            </p:cNvCxnSpPr>
+            <p:nvPr/>
+          </p:nvCxnSpPr>
+          <p:spPr>
+            <a:xfrm>
+              <a:off x="2497119" y="4550141"/>
+              <a:ext cx="1757042" cy="1325012"/>
+            </a:xfrm>
+            <a:prstGeom prst="bentConnector3">
+              <a:avLst>
+                <a:gd name="adj1" fmla="val 50000"/>
+              </a:avLst>
+            </a:prstGeom>
+            <a:ln w="38100">
+              <a:solidFill>
+                <a:srgbClr val="0070C0"/>
+              </a:solidFill>
+              <a:tailEnd type="triangle"/>
             </a:ln>
           </p:spPr>
           <p:style>
@@ -6285,10 +5588,10 @@
           <mc:Choice xmlns:a14="http://schemas.microsoft.com/office/drawing/2010/main" Requires="a14">
             <p:sp>
               <p:nvSpPr>
-                <p:cNvPr id="168" name="Parallelogram 167">
+                <p:cNvPr id="81" name="Parallelogram 80">
                   <a:extLst>
                     <a:ext uri="{FF2B5EF4-FFF2-40B4-BE49-F238E27FC236}">
-                      <a16:creationId xmlns:a16="http://schemas.microsoft.com/office/drawing/2014/main" id="{1E50A88D-F48C-3831-E4BC-95085F4FD1B5}"/>
+                      <a16:creationId xmlns:a16="http://schemas.microsoft.com/office/drawing/2014/main" id="{135F239D-C8F6-A2AD-B9A0-0D7F5E26D012}"/>
                     </a:ext>
                   </a:extLst>
                 </p:cNvPr>
@@ -6297,8 +5600,8 @@
               </p:nvSpPr>
               <p:spPr>
                 <a:xfrm>
-                  <a:off x="5193317" y="1956071"/>
-                  <a:ext cx="865067" cy="348099"/>
+                  <a:off x="4221915" y="3041675"/>
+                  <a:ext cx="998827" cy="365124"/>
                 </a:xfrm>
                 <a:prstGeom prst="parallelogram">
                   <a:avLst/>
@@ -6337,15 +5640,6 @@
                         <m:jc m:val="center"/>
                       </m:oMathParaPr>
                       <m:oMath xmlns:m="http://schemas.openxmlformats.org/officeDocument/2006/math">
-                        <m:r>
-                          <a:rPr lang="en-IE" sz="1600" b="0" i="1" smtClean="0">
-                            <a:solidFill>
-                              <a:schemeClr val="tx1"/>
-                            </a:solidFill>
-                            <a:latin typeface="Cambria Math" panose="02040503050406030204" pitchFamily="18" charset="0"/>
-                          </a:rPr>
-                          <m:t>𝛿</m:t>
-                        </m:r>
                         <m:sSubSup>
                           <m:sSubSupPr>
                             <m:ctrlPr>
@@ -6387,7 +5681,7 @@
                                 </a:solidFill>
                                 <a:latin typeface="Cambria Math" panose="02040503050406030204" pitchFamily="18" charset="0"/>
                               </a:rPr>
-                              <m:t>𝑙</m:t>
+                              <m:t>𝑏</m:t>
                             </m:r>
                           </m:sup>
                         </m:sSubSup>
@@ -6459,10 +5753,10 @@
           <mc:Fallback>
             <p:sp>
               <p:nvSpPr>
-                <p:cNvPr id="168" name="Parallelogram 167">
+                <p:cNvPr id="81" name="Parallelogram 80">
                   <a:extLst>
                     <a:ext uri="{FF2B5EF4-FFF2-40B4-BE49-F238E27FC236}">
-                      <a16:creationId xmlns:a16="http://schemas.microsoft.com/office/drawing/2014/main" id="{1E50A88D-F48C-3831-E4BC-95085F4FD1B5}"/>
+                      <a16:creationId xmlns:a16="http://schemas.microsoft.com/office/drawing/2014/main" id="{135F239D-C8F6-A2AD-B9A0-0D7F5E26D012}"/>
                     </a:ext>
                   </a:extLst>
                 </p:cNvPr>
@@ -6473,16 +5767,16 @@
               </p:nvSpPr>
               <p:spPr>
                 <a:xfrm>
-                  <a:off x="5193317" y="1956071"/>
-                  <a:ext cx="865067" cy="348099"/>
+                  <a:off x="4221915" y="3041675"/>
+                  <a:ext cx="998827" cy="365124"/>
                 </a:xfrm>
                 <a:prstGeom prst="parallelogram">
                   <a:avLst/>
                 </a:prstGeom>
                 <a:blipFill>
-                  <a:blip r:embed="rId7"/>
+                  <a:blip r:embed="rId3"/>
                   <a:stretch>
-                    <a:fillRect b="-10345"/>
+                    <a:fillRect b="-6667"/>
                   </a:stretch>
                 </a:blipFill>
               </p:spPr>
@@ -6505,10 +5799,10 @@
           <mc:Choice xmlns:a14="http://schemas.microsoft.com/office/drawing/2010/main" Requires="a14">
             <p:sp>
               <p:nvSpPr>
-                <p:cNvPr id="116" name="Parallelogram 115">
+                <p:cNvPr id="71" name="Oval 70">
                   <a:extLst>
                     <a:ext uri="{FF2B5EF4-FFF2-40B4-BE49-F238E27FC236}">
-                      <a16:creationId xmlns:a16="http://schemas.microsoft.com/office/drawing/2014/main" id="{9D706B3E-72EC-276E-A897-1EAFFE5941E1}"/>
+                      <a16:creationId xmlns:a16="http://schemas.microsoft.com/office/drawing/2014/main" id="{5360D9AB-E620-5156-6940-05E9D0A7E61D}"/>
                     </a:ext>
                   </a:extLst>
                 </p:cNvPr>
@@ -6517,8 +5811,2289 @@
               </p:nvSpPr>
               <p:spPr>
                 <a:xfrm>
-                  <a:off x="2820109" y="1956072"/>
-                  <a:ext cx="831451" cy="348099"/>
+                  <a:off x="5413417" y="2997372"/>
+                  <a:ext cx="450000" cy="450000"/>
+                </a:xfrm>
+                <a:prstGeom prst="ellipse">
+                  <a:avLst/>
+                </a:prstGeom>
+                <a:ln>
+                  <a:noFill/>
+                </a:ln>
+              </p:spPr>
+              <p:style>
+                <a:lnRef idx="1">
+                  <a:schemeClr val="dk1"/>
+                </a:lnRef>
+                <a:fillRef idx="2">
+                  <a:schemeClr val="dk1"/>
+                </a:fillRef>
+                <a:effectRef idx="1">
+                  <a:schemeClr val="dk1"/>
+                </a:effectRef>
+                <a:fontRef idx="minor">
+                  <a:schemeClr val="dk1"/>
+                </a:fontRef>
+              </p:style>
+              <p:txBody>
+                <a:bodyPr vert="horz" lIns="0" tIns="0" rIns="0" bIns="0" rtlCol="0" anchor="ctr" anchorCtr="0">
+                  <a:normAutofit fontScale="40000" lnSpcReduction="20000"/>
+                </a:bodyPr>
+                <a:lstStyle/>
+                <a:p>
+                  <a:pPr algn="ctr"/>
+                  <a14:m>
+                    <m:oMathPara xmlns:m="http://schemas.openxmlformats.org/officeDocument/2006/math">
+                      <m:oMathParaPr>
+                        <m:jc m:val="centerGroup"/>
+                      </m:oMathParaPr>
+                      <m:oMath xmlns:m="http://schemas.openxmlformats.org/officeDocument/2006/math">
+                        <m:r>
+                          <a:rPr lang="en-IE" sz="4800" b="1" i="0" spc="-300" smtClean="0">
+                            <a:latin typeface="Cambria Math" panose="02040503050406030204" pitchFamily="18" charset="0"/>
+                          </a:rPr>
+                          <m:t>+</m:t>
+                        </m:r>
+                      </m:oMath>
+                    </m:oMathPara>
+                  </a14:m>
+                  <a:endParaRPr lang="en-US" sz="4800" b="1" spc="-300" dirty="0"/>
+                </a:p>
+              </p:txBody>
+            </p:sp>
+          </mc:Choice>
+          <mc:Fallback>
+            <p:sp>
+              <p:nvSpPr>
+                <p:cNvPr id="71" name="Oval 70">
+                  <a:extLst>
+                    <a:ext uri="{FF2B5EF4-FFF2-40B4-BE49-F238E27FC236}">
+                      <a16:creationId xmlns:a16="http://schemas.microsoft.com/office/drawing/2014/main" id="{5360D9AB-E620-5156-6940-05E9D0A7E61D}"/>
+                    </a:ext>
+                  </a:extLst>
+                </p:cNvPr>
+                <p:cNvSpPr>
+                  <a:spLocks noRot="1" noChangeAspect="1" noMove="1" noResize="1" noEditPoints="1" noAdjustHandles="1" noChangeArrowheads="1" noChangeShapeType="1" noTextEdit="1"/>
+                </p:cNvSpPr>
+                <p:nvPr/>
+              </p:nvSpPr>
+              <p:spPr>
+                <a:xfrm>
+                  <a:off x="5413417" y="2997372"/>
+                  <a:ext cx="450000" cy="450000"/>
+                </a:xfrm>
+                <a:prstGeom prst="ellipse">
+                  <a:avLst/>
+                </a:prstGeom>
+                <a:blipFill>
+                  <a:blip r:embed="rId4"/>
+                  <a:stretch>
+                    <a:fillRect/>
+                  </a:stretch>
+                </a:blipFill>
+                <a:ln>
+                  <a:noFill/>
+                </a:ln>
+              </p:spPr>
+              <p:txBody>
+                <a:bodyPr/>
+                <a:lstStyle/>
+                <a:p>
+                  <a:r>
+                    <a:rPr lang="en-US">
+                      <a:noFill/>
+                    </a:rPr>
+                    <a:t> </a:t>
+                  </a:r>
+                </a:p>
+              </p:txBody>
+            </p:sp>
+          </mc:Fallback>
+        </mc:AlternateContent>
+        <mc:AlternateContent xmlns:mc="http://schemas.openxmlformats.org/markup-compatibility/2006" xmlns:a14="http://schemas.microsoft.com/office/drawing/2010/main">
+          <mc:Choice Requires="a14">
+            <p:sp>
+              <p:nvSpPr>
+                <p:cNvPr id="146" name="Oval 145">
+                  <a:extLst>
+                    <a:ext uri="{FF2B5EF4-FFF2-40B4-BE49-F238E27FC236}">
+                      <a16:creationId xmlns:a16="http://schemas.microsoft.com/office/drawing/2014/main" id="{25505E2A-C6A6-FA7A-801C-9D263DA93F0B}"/>
+                    </a:ext>
+                  </a:extLst>
+                </p:cNvPr>
+                <p:cNvSpPr/>
+                <p:nvPr/>
+              </p:nvSpPr>
+              <p:spPr>
+                <a:xfrm>
+                  <a:off x="5414013" y="4308226"/>
+                  <a:ext cx="450000" cy="450000"/>
+                </a:xfrm>
+                <a:prstGeom prst="ellipse">
+                  <a:avLst/>
+                </a:prstGeom>
+                <a:ln>
+                  <a:noFill/>
+                </a:ln>
+              </p:spPr>
+              <p:style>
+                <a:lnRef idx="1">
+                  <a:schemeClr val="dk1"/>
+                </a:lnRef>
+                <a:fillRef idx="2">
+                  <a:schemeClr val="dk1"/>
+                </a:fillRef>
+                <a:effectRef idx="1">
+                  <a:schemeClr val="dk1"/>
+                </a:effectRef>
+                <a:fontRef idx="minor">
+                  <a:schemeClr val="dk1"/>
+                </a:fontRef>
+              </p:style>
+              <p:txBody>
+                <a:bodyPr vert="horz" lIns="0" tIns="0" rIns="0" bIns="0" rtlCol="0" anchor="ctr" anchorCtr="0">
+                  <a:normAutofit fontScale="40000" lnSpcReduction="20000"/>
+                </a:bodyPr>
+                <a:lstStyle/>
+                <a:p>
+                  <a:pPr algn="ctr"/>
+                  <a14:m>
+                    <m:oMathPara xmlns:m="http://schemas.openxmlformats.org/officeDocument/2006/math">
+                      <m:oMathParaPr>
+                        <m:jc m:val="centerGroup"/>
+                      </m:oMathParaPr>
+                      <m:oMath xmlns:m="http://schemas.openxmlformats.org/officeDocument/2006/math">
+                        <m:r>
+                          <a:rPr lang="en-IE" sz="4800" b="1" i="0" spc="-300" smtClean="0">
+                            <a:latin typeface="Cambria Math" panose="02040503050406030204" pitchFamily="18" charset="0"/>
+                          </a:rPr>
+                          <m:t>+</m:t>
+                        </m:r>
+                      </m:oMath>
+                    </m:oMathPara>
+                  </a14:m>
+                  <a:endParaRPr lang="en-US" sz="4800" b="1" spc="-300" dirty="0"/>
+                </a:p>
+              </p:txBody>
+            </p:sp>
+          </mc:Choice>
+          <mc:Fallback xmlns="">
+            <p:sp>
+              <p:nvSpPr>
+                <p:cNvPr id="146" name="Oval 145">
+                  <a:extLst>
+                    <a:ext uri="{FF2B5EF4-FFF2-40B4-BE49-F238E27FC236}">
+                      <a16:creationId xmlns:a16="http://schemas.microsoft.com/office/drawing/2014/main" id="{25505E2A-C6A6-FA7A-801C-9D263DA93F0B}"/>
+                    </a:ext>
+                  </a:extLst>
+                </p:cNvPr>
+                <p:cNvSpPr>
+                  <a:spLocks noRot="1" noChangeAspect="1" noMove="1" noResize="1" noEditPoints="1" noAdjustHandles="1" noChangeArrowheads="1" noChangeShapeType="1" noTextEdit="1"/>
+                </p:cNvSpPr>
+                <p:nvPr/>
+              </p:nvSpPr>
+              <p:spPr>
+                <a:xfrm>
+                  <a:off x="5414013" y="4308226"/>
+                  <a:ext cx="450000" cy="450000"/>
+                </a:xfrm>
+                <a:prstGeom prst="ellipse">
+                  <a:avLst/>
+                </a:prstGeom>
+                <a:blipFill>
+                  <a:blip r:embed="rId5"/>
+                  <a:stretch>
+                    <a:fillRect/>
+                  </a:stretch>
+                </a:blipFill>
+                <a:ln>
+                  <a:noFill/>
+                </a:ln>
+              </p:spPr>
+              <p:txBody>
+                <a:bodyPr/>
+                <a:lstStyle/>
+                <a:p>
+                  <a:r>
+                    <a:rPr lang="en-US">
+                      <a:noFill/>
+                    </a:rPr>
+                    <a:t> </a:t>
+                  </a:r>
+                </a:p>
+              </p:txBody>
+            </p:sp>
+          </mc:Fallback>
+        </mc:AlternateContent>
+        <mc:AlternateContent xmlns:mc="http://schemas.openxmlformats.org/markup-compatibility/2006">
+          <mc:Choice xmlns:a14="http://schemas.microsoft.com/office/drawing/2010/main" Requires="a14">
+            <p:sp>
+              <p:nvSpPr>
+                <p:cNvPr id="154" name="Oval 153">
+                  <a:extLst>
+                    <a:ext uri="{FF2B5EF4-FFF2-40B4-BE49-F238E27FC236}">
+                      <a16:creationId xmlns:a16="http://schemas.microsoft.com/office/drawing/2014/main" id="{BAB8078C-499C-83E4-F7D2-19FFDD3CF688}"/>
+                    </a:ext>
+                  </a:extLst>
+                </p:cNvPr>
+                <p:cNvSpPr/>
+                <p:nvPr/>
+              </p:nvSpPr>
+              <p:spPr>
+                <a:xfrm>
+                  <a:off x="5414014" y="5650153"/>
+                  <a:ext cx="450000" cy="450000"/>
+                </a:xfrm>
+                <a:prstGeom prst="ellipse">
+                  <a:avLst/>
+                </a:prstGeom>
+                <a:ln>
+                  <a:noFill/>
+                </a:ln>
+              </p:spPr>
+              <p:style>
+                <a:lnRef idx="1">
+                  <a:schemeClr val="dk1"/>
+                </a:lnRef>
+                <a:fillRef idx="2">
+                  <a:schemeClr val="dk1"/>
+                </a:fillRef>
+                <a:effectRef idx="1">
+                  <a:schemeClr val="dk1"/>
+                </a:effectRef>
+                <a:fontRef idx="minor">
+                  <a:schemeClr val="dk1"/>
+                </a:fontRef>
+              </p:style>
+              <p:txBody>
+                <a:bodyPr vert="horz" lIns="0" tIns="0" rIns="0" bIns="0" rtlCol="0" anchor="ctr" anchorCtr="0">
+                  <a:normAutofit fontScale="40000" lnSpcReduction="20000"/>
+                </a:bodyPr>
+                <a:lstStyle/>
+                <a:p>
+                  <a:pPr algn="ctr"/>
+                  <a14:m>
+                    <m:oMathPara xmlns:m="http://schemas.openxmlformats.org/officeDocument/2006/math">
+                      <m:oMathParaPr>
+                        <m:jc m:val="centerGroup"/>
+                      </m:oMathParaPr>
+                      <m:oMath xmlns:m="http://schemas.openxmlformats.org/officeDocument/2006/math">
+                        <m:r>
+                          <a:rPr lang="en-IE" sz="4800" b="1" i="0" spc="-300" smtClean="0">
+                            <a:latin typeface="Cambria Math" panose="02040503050406030204" pitchFamily="18" charset="0"/>
+                          </a:rPr>
+                          <m:t>+</m:t>
+                        </m:r>
+                      </m:oMath>
+                    </m:oMathPara>
+                  </a14:m>
+                  <a:endParaRPr lang="en-US" sz="4800" b="1" spc="-300" dirty="0"/>
+                </a:p>
+              </p:txBody>
+            </p:sp>
+          </mc:Choice>
+          <mc:Fallback>
+            <p:sp>
+              <p:nvSpPr>
+                <p:cNvPr id="154" name="Oval 153">
+                  <a:extLst>
+                    <a:ext uri="{FF2B5EF4-FFF2-40B4-BE49-F238E27FC236}">
+                      <a16:creationId xmlns:a16="http://schemas.microsoft.com/office/drawing/2014/main" id="{BAB8078C-499C-83E4-F7D2-19FFDD3CF688}"/>
+                    </a:ext>
+                  </a:extLst>
+                </p:cNvPr>
+                <p:cNvSpPr>
+                  <a:spLocks noRot="1" noChangeAspect="1" noMove="1" noResize="1" noEditPoints="1" noAdjustHandles="1" noChangeArrowheads="1" noChangeShapeType="1" noTextEdit="1"/>
+                </p:cNvSpPr>
+                <p:nvPr/>
+              </p:nvSpPr>
+              <p:spPr>
+                <a:xfrm>
+                  <a:off x="5414014" y="5650153"/>
+                  <a:ext cx="450000" cy="450000"/>
+                </a:xfrm>
+                <a:prstGeom prst="ellipse">
+                  <a:avLst/>
+                </a:prstGeom>
+                <a:blipFill>
+                  <a:blip r:embed="rId6"/>
+                  <a:stretch>
+                    <a:fillRect/>
+                  </a:stretch>
+                </a:blipFill>
+                <a:ln>
+                  <a:noFill/>
+                </a:ln>
+              </p:spPr>
+              <p:txBody>
+                <a:bodyPr/>
+                <a:lstStyle/>
+                <a:p>
+                  <a:r>
+                    <a:rPr lang="en-US">
+                      <a:noFill/>
+                    </a:rPr>
+                    <a:t> </a:t>
+                  </a:r>
+                </a:p>
+              </p:txBody>
+            </p:sp>
+          </mc:Fallback>
+        </mc:AlternateContent>
+        <p:grpSp>
+          <p:nvGrpSpPr>
+            <p:cNvPr id="326" name="Group 325">
+              <a:extLst>
+                <a:ext uri="{FF2B5EF4-FFF2-40B4-BE49-F238E27FC236}">
+                  <a16:creationId xmlns:a16="http://schemas.microsoft.com/office/drawing/2014/main" id="{3B6D731D-25B2-CFF5-1193-164526719355}"/>
+                </a:ext>
+              </a:extLst>
+            </p:cNvPr>
+            <p:cNvGrpSpPr/>
+            <p:nvPr/>
+          </p:nvGrpSpPr>
+          <p:grpSpPr>
+            <a:xfrm>
+              <a:off x="2815886" y="2420752"/>
+              <a:ext cx="3371141" cy="576620"/>
+              <a:chOff x="2815886" y="2420752"/>
+              <a:chExt cx="3371141" cy="576620"/>
+            </a:xfrm>
+          </p:grpSpPr>
+          <p:cxnSp>
+            <p:nvCxnSpPr>
+              <p:cNvPr id="138" name="Straight Arrow Connector 137">
+                <a:extLst>
+                  <a:ext uri="{FF2B5EF4-FFF2-40B4-BE49-F238E27FC236}">
+                    <a16:creationId xmlns:a16="http://schemas.microsoft.com/office/drawing/2014/main" id="{5FC692DA-032A-120B-B5E2-BF2CE8D2CE3A}"/>
+                  </a:ext>
+                </a:extLst>
+              </p:cNvPr>
+              <p:cNvCxnSpPr>
+                <a:cxnSpLocks/>
+                <a:stCxn id="71" idx="0"/>
+                <a:endCxn id="168" idx="3"/>
+              </p:cNvCxnSpPr>
+              <p:nvPr/>
+            </p:nvCxnSpPr>
+            <p:spPr>
+              <a:xfrm flipV="1">
+                <a:off x="5638417" y="2768851"/>
+                <a:ext cx="6131" cy="228521"/>
+              </a:xfrm>
+              <a:prstGeom prst="straightConnector1">
+                <a:avLst/>
+              </a:prstGeom>
+              <a:ln w="38100">
+                <a:solidFill>
+                  <a:schemeClr val="tx1"/>
+                </a:solidFill>
+                <a:headEnd type="triangle"/>
+                <a:tailEnd type="none"/>
+              </a:ln>
+            </p:spPr>
+            <p:style>
+              <a:lnRef idx="1">
+                <a:schemeClr val="accent1"/>
+              </a:lnRef>
+              <a:fillRef idx="0">
+                <a:schemeClr val="accent1"/>
+              </a:fillRef>
+              <a:effectRef idx="0">
+                <a:schemeClr val="accent1"/>
+              </a:effectRef>
+              <a:fontRef idx="minor">
+                <a:schemeClr val="tx1"/>
+              </a:fontRef>
+            </p:style>
+          </p:cxnSp>
+          <mc:AlternateContent xmlns:mc="http://schemas.openxmlformats.org/markup-compatibility/2006">
+            <mc:Choice xmlns:a14="http://schemas.microsoft.com/office/drawing/2010/main" Requires="a14">
+              <p:sp>
+                <p:nvSpPr>
+                  <p:cNvPr id="168" name="Parallelogram 167">
+                    <a:extLst>
+                      <a:ext uri="{FF2B5EF4-FFF2-40B4-BE49-F238E27FC236}">
+                        <a16:creationId xmlns:a16="http://schemas.microsoft.com/office/drawing/2014/main" id="{1E50A88D-F48C-3831-E4BC-95085F4FD1B5}"/>
+                      </a:ext>
+                    </a:extLst>
+                  </p:cNvPr>
+                  <p:cNvSpPr/>
+                  <p:nvPr/>
+                </p:nvSpPr>
+                <p:spPr>
+                  <a:xfrm>
+                    <a:off x="5189094" y="2420752"/>
+                    <a:ext cx="997933" cy="348099"/>
+                  </a:xfrm>
+                  <a:prstGeom prst="parallelogram">
+                    <a:avLst/>
+                  </a:prstGeom>
+                  <a:solidFill>
+                    <a:schemeClr val="bg2">
+                      <a:lumMod val="20000"/>
+                      <a:lumOff val="80000"/>
+                    </a:schemeClr>
+                  </a:solidFill>
+                </p:spPr>
+                <p:style>
+                  <a:lnRef idx="2">
+                    <a:schemeClr val="accent1">
+                      <a:shade val="50000"/>
+                    </a:schemeClr>
+                  </a:lnRef>
+                  <a:fillRef idx="1">
+                    <a:schemeClr val="accent1"/>
+                  </a:fillRef>
+                  <a:effectRef idx="0">
+                    <a:schemeClr val="accent1"/>
+                  </a:effectRef>
+                  <a:fontRef idx="minor">
+                    <a:schemeClr val="lt1"/>
+                  </a:fontRef>
+                </p:style>
+                <p:txBody>
+                  <a:bodyPr rtlCol="0" anchor="ctr"/>
+                  <a:lstStyle/>
+                  <a:p>
+                    <a:pPr algn="ctr"/>
+                    <a14:m>
+                      <m:oMathPara xmlns:m="http://schemas.openxmlformats.org/officeDocument/2006/math">
+                        <m:oMathParaPr>
+                          <m:jc m:val="center"/>
+                        </m:oMathParaPr>
+                        <m:oMath xmlns:m="http://schemas.openxmlformats.org/officeDocument/2006/math">
+                          <m:r>
+                            <a:rPr lang="en-IE" sz="1600" b="0" i="1" smtClean="0">
+                              <a:solidFill>
+                                <a:schemeClr val="tx1"/>
+                              </a:solidFill>
+                              <a:latin typeface="Cambria Math" panose="02040503050406030204" pitchFamily="18" charset="0"/>
+                            </a:rPr>
+                            <m:t>𝛿</m:t>
+                          </m:r>
+                          <m:sSub>
+                            <m:sSubPr>
+                              <m:ctrlPr>
+                                <a:rPr lang="en-IE" sz="1600" b="0" i="1" smtClean="0">
+                                  <a:solidFill>
+                                    <a:schemeClr val="tx1"/>
+                                  </a:solidFill>
+                                  <a:latin typeface="Cambria Math" panose="02040503050406030204" pitchFamily="18" charset="0"/>
+                                </a:rPr>
+                              </m:ctrlPr>
+                            </m:sSubPr>
+                            <m:e>
+                              <m:r>
+                                <a:rPr lang="en-IE" sz="1600" b="0" i="1" smtClean="0">
+                                  <a:solidFill>
+                                    <a:schemeClr val="tx1"/>
+                                  </a:solidFill>
+                                  <a:latin typeface="Cambria Math" panose="02040503050406030204" pitchFamily="18" charset="0"/>
+                                </a:rPr>
+                                <m:t>𝑈</m:t>
+                              </m:r>
+                            </m:e>
+                            <m:sub>
+                              <m:r>
+                                <a:rPr lang="en-IE" sz="1600" b="0" i="1" smtClean="0">
+                                  <a:solidFill>
+                                    <a:schemeClr val="tx1"/>
+                                  </a:solidFill>
+                                  <a:latin typeface="Cambria Math" panose="02040503050406030204" pitchFamily="18" charset="0"/>
+                                </a:rPr>
+                                <m:t>1∗</m:t>
+                              </m:r>
+                            </m:sub>
+                          </m:sSub>
+                          <m:r>
+                            <a:rPr lang="en-IE" sz="1600" b="0" i="1" smtClean="0">
+                              <a:solidFill>
+                                <a:schemeClr val="tx1"/>
+                              </a:solidFill>
+                              <a:latin typeface="Cambria Math" panose="02040503050406030204" pitchFamily="18" charset="0"/>
+                            </a:rPr>
+                            <m:t>(</m:t>
+                          </m:r>
+                          <m:sSub>
+                            <m:sSubPr>
+                              <m:ctrlPr>
+                                <a:rPr lang="en-IE" sz="1600" i="1">
+                                  <a:solidFill>
+                                    <a:schemeClr val="tx1"/>
+                                  </a:solidFill>
+                                  <a:latin typeface="Cambria Math" panose="02040503050406030204" pitchFamily="18" charset="0"/>
+                                </a:rPr>
+                              </m:ctrlPr>
+                            </m:sSubPr>
+                            <m:e>
+                              <m:r>
+                                <a:rPr lang="en-IE" sz="1600" i="1">
+                                  <a:solidFill>
+                                    <a:schemeClr val="tx1"/>
+                                  </a:solidFill>
+                                  <a:latin typeface="Cambria Math" panose="02040503050406030204" pitchFamily="18" charset="0"/>
+                                </a:rPr>
+                                <m:t>𝑘</m:t>
+                              </m:r>
+                            </m:e>
+                            <m:sub>
+                              <m:r>
+                                <a:rPr lang="en-IE" sz="1600" i="1">
+                                  <a:solidFill>
+                                    <a:schemeClr val="tx1"/>
+                                  </a:solidFill>
+                                  <a:latin typeface="Cambria Math" panose="02040503050406030204" pitchFamily="18" charset="0"/>
+                                </a:rPr>
+                                <m:t>𝑗</m:t>
+                              </m:r>
+                            </m:sub>
+                          </m:sSub>
+                          <m:r>
+                            <a:rPr lang="en-IE" sz="1600" b="0" i="1" smtClean="0">
+                              <a:solidFill>
+                                <a:schemeClr val="tx1"/>
+                              </a:solidFill>
+                              <a:latin typeface="Cambria Math" panose="02040503050406030204" pitchFamily="18" charset="0"/>
+                            </a:rPr>
+                            <m:t>)</m:t>
+                          </m:r>
+                        </m:oMath>
+                      </m:oMathPara>
+                    </a14:m>
+                    <a:endParaRPr lang="en-US" sz="1600" dirty="0">
+                      <a:solidFill>
+                        <a:schemeClr val="tx1"/>
+                      </a:solidFill>
+                      <a:latin typeface="LM Roman 12" pitchFamily="2" charset="77"/>
+                    </a:endParaRPr>
+                  </a:p>
+                </p:txBody>
+              </p:sp>
+            </mc:Choice>
+            <mc:Fallback>
+              <p:sp>
+                <p:nvSpPr>
+                  <p:cNvPr id="168" name="Parallelogram 167">
+                    <a:extLst>
+                      <a:ext uri="{FF2B5EF4-FFF2-40B4-BE49-F238E27FC236}">
+                        <a16:creationId xmlns:a16="http://schemas.microsoft.com/office/drawing/2014/main" id="{1E50A88D-F48C-3831-E4BC-95085F4FD1B5}"/>
+                      </a:ext>
+                    </a:extLst>
+                  </p:cNvPr>
+                  <p:cNvSpPr>
+                    <a:spLocks noRot="1" noChangeAspect="1" noMove="1" noResize="1" noEditPoints="1" noAdjustHandles="1" noChangeArrowheads="1" noChangeShapeType="1" noTextEdit="1"/>
+                  </p:cNvSpPr>
+                  <p:nvPr/>
+                </p:nvSpPr>
+                <p:spPr>
+                  <a:xfrm>
+                    <a:off x="5189094" y="2420752"/>
+                    <a:ext cx="997933" cy="348099"/>
+                  </a:xfrm>
+                  <a:prstGeom prst="parallelogram">
+                    <a:avLst/>
+                  </a:prstGeom>
+                  <a:blipFill>
+                    <a:blip r:embed="rId7"/>
+                    <a:stretch>
+                      <a:fillRect b="-6897"/>
+                    </a:stretch>
+                  </a:blipFill>
+                </p:spPr>
+                <p:txBody>
+                  <a:bodyPr/>
+                  <a:lstStyle/>
+                  <a:p>
+                    <a:r>
+                      <a:rPr lang="en-US">
+                        <a:noFill/>
+                      </a:rPr>
+                      <a:t> </a:t>
+                    </a:r>
+                  </a:p>
+                </p:txBody>
+              </p:sp>
+            </mc:Fallback>
+          </mc:AlternateContent>
+          <mc:AlternateContent xmlns:mc="http://schemas.openxmlformats.org/markup-compatibility/2006">
+            <mc:Choice xmlns:a14="http://schemas.microsoft.com/office/drawing/2010/main" Requires="a14">
+              <p:sp>
+                <p:nvSpPr>
+                  <p:cNvPr id="116" name="Parallelogram 115">
+                    <a:extLst>
+                      <a:ext uri="{FF2B5EF4-FFF2-40B4-BE49-F238E27FC236}">
+                        <a16:creationId xmlns:a16="http://schemas.microsoft.com/office/drawing/2014/main" id="{9D706B3E-72EC-276E-A897-1EAFFE5941E1}"/>
+                      </a:ext>
+                    </a:extLst>
+                  </p:cNvPr>
+                  <p:cNvSpPr/>
+                  <p:nvPr/>
+                </p:nvSpPr>
+                <p:spPr>
+                  <a:xfrm>
+                    <a:off x="2815886" y="2420753"/>
+                    <a:ext cx="986291" cy="348099"/>
+                  </a:xfrm>
+                  <a:prstGeom prst="parallelogram">
+                    <a:avLst/>
+                  </a:prstGeom>
+                  <a:solidFill>
+                    <a:schemeClr val="bg2">
+                      <a:lumMod val="20000"/>
+                      <a:lumOff val="80000"/>
+                    </a:schemeClr>
+                  </a:solidFill>
+                </p:spPr>
+                <p:style>
+                  <a:lnRef idx="2">
+                    <a:schemeClr val="accent1">
+                      <a:shade val="50000"/>
+                    </a:schemeClr>
+                  </a:lnRef>
+                  <a:fillRef idx="1">
+                    <a:schemeClr val="accent1"/>
+                  </a:fillRef>
+                  <a:effectRef idx="0">
+                    <a:schemeClr val="accent1"/>
+                  </a:effectRef>
+                  <a:fontRef idx="minor">
+                    <a:schemeClr val="lt1"/>
+                  </a:fontRef>
+                </p:style>
+                <p:txBody>
+                  <a:bodyPr rtlCol="0" anchor="ctr"/>
+                  <a:lstStyle/>
+                  <a:p>
+                    <a:pPr algn="ctr"/>
+                    <a14:m>
+                      <m:oMathPara xmlns:m="http://schemas.openxmlformats.org/officeDocument/2006/math">
+                        <m:oMathParaPr>
+                          <m:jc m:val="center"/>
+                        </m:oMathParaPr>
+                        <m:oMath xmlns:m="http://schemas.openxmlformats.org/officeDocument/2006/math">
+                          <m:sSub>
+                            <m:sSubPr>
+                              <m:ctrlPr>
+                                <a:rPr lang="en-IE" sz="1600" b="0" i="1" smtClean="0">
+                                  <a:solidFill>
+                                    <a:schemeClr val="tx1"/>
+                                  </a:solidFill>
+                                  <a:latin typeface="Cambria Math" panose="02040503050406030204" pitchFamily="18" charset="0"/>
+                                </a:rPr>
+                              </m:ctrlPr>
+                            </m:sSubPr>
+                            <m:e>
+                              <m:acc>
+                                <m:accPr>
+                                  <m:chr m:val="̃"/>
+                                  <m:ctrlPr>
+                                    <a:rPr lang="en-IE" sz="1600" b="1" i="1" smtClean="0">
+                                      <a:solidFill>
+                                        <a:schemeClr val="tx1"/>
+                                      </a:solidFill>
+                                      <a:latin typeface="Cambria Math" panose="02040503050406030204" pitchFamily="18" charset="0"/>
+                                    </a:rPr>
+                                  </m:ctrlPr>
+                                </m:accPr>
+                                <m:e>
+                                  <m:r>
+                                    <a:rPr lang="el-GR" sz="1600" b="1" i="1">
+                                      <a:solidFill>
+                                        <a:schemeClr val="tx1"/>
+                                      </a:solidFill>
+                                      <a:latin typeface="Cambria Math" panose="02040503050406030204" pitchFamily="18" charset="0"/>
+                                      <a:ea typeface="Cambria Math" panose="02040503050406030204" pitchFamily="18" charset="0"/>
+                                    </a:rPr>
+                                    <m:t>𝜲</m:t>
+                                  </m:r>
+                                </m:e>
+                              </m:acc>
+                            </m:e>
+                            <m:sub>
+                              <m:r>
+                                <a:rPr lang="en-IE" sz="1600" b="0" i="1" smtClean="0">
+                                  <a:solidFill>
+                                    <a:schemeClr val="tx1"/>
+                                  </a:solidFill>
+                                  <a:latin typeface="Cambria Math" panose="02040503050406030204" pitchFamily="18" charset="0"/>
+                                </a:rPr>
+                                <m:t>1∗</m:t>
+                              </m:r>
+                            </m:sub>
+                          </m:sSub>
+                          <m:r>
+                            <a:rPr lang="en-IE" sz="1600" b="0" i="1" smtClean="0">
+                              <a:solidFill>
+                                <a:schemeClr val="tx1"/>
+                              </a:solidFill>
+                              <a:latin typeface="Cambria Math" panose="02040503050406030204" pitchFamily="18" charset="0"/>
+                            </a:rPr>
+                            <m:t>(</m:t>
+                          </m:r>
+                          <m:sSub>
+                            <m:sSubPr>
+                              <m:ctrlPr>
+                                <a:rPr lang="en-IE" sz="1600" b="0" i="1" smtClean="0">
+                                  <a:solidFill>
+                                    <a:schemeClr val="tx1"/>
+                                  </a:solidFill>
+                                  <a:latin typeface="Cambria Math" panose="02040503050406030204" pitchFamily="18" charset="0"/>
+                                </a:rPr>
+                              </m:ctrlPr>
+                            </m:sSubPr>
+                            <m:e>
+                              <m:r>
+                                <a:rPr lang="en-IE" sz="1600" b="0" i="1" smtClean="0">
+                                  <a:solidFill>
+                                    <a:schemeClr val="tx1"/>
+                                  </a:solidFill>
+                                  <a:latin typeface="Cambria Math" panose="02040503050406030204" pitchFamily="18" charset="0"/>
+                                </a:rPr>
+                                <m:t>𝑘</m:t>
+                              </m:r>
+                            </m:e>
+                            <m:sub>
+                              <m:r>
+                                <a:rPr lang="en-IE" sz="1600" b="0" i="1" smtClean="0">
+                                  <a:solidFill>
+                                    <a:schemeClr val="tx1"/>
+                                  </a:solidFill>
+                                  <a:latin typeface="Cambria Math" panose="02040503050406030204" pitchFamily="18" charset="0"/>
+                                </a:rPr>
+                                <m:t>𝑗</m:t>
+                              </m:r>
+                            </m:sub>
+                          </m:sSub>
+                          <m:r>
+                            <a:rPr lang="en-IE" sz="1600" b="0" i="1" smtClean="0">
+                              <a:solidFill>
+                                <a:schemeClr val="tx1"/>
+                              </a:solidFill>
+                              <a:latin typeface="Cambria Math" panose="02040503050406030204" pitchFamily="18" charset="0"/>
+                            </a:rPr>
+                            <m:t>)</m:t>
+                          </m:r>
+                        </m:oMath>
+                      </m:oMathPara>
+                    </a14:m>
+                    <a:endParaRPr lang="en-US" sz="1600" dirty="0">
+                      <a:solidFill>
+                        <a:schemeClr val="tx1"/>
+                      </a:solidFill>
+                      <a:latin typeface="LM Roman 12" pitchFamily="2" charset="77"/>
+                    </a:endParaRPr>
+                  </a:p>
+                </p:txBody>
+              </p:sp>
+            </mc:Choice>
+            <mc:Fallback>
+              <p:sp>
+                <p:nvSpPr>
+                  <p:cNvPr id="116" name="Parallelogram 115">
+                    <a:extLst>
+                      <a:ext uri="{FF2B5EF4-FFF2-40B4-BE49-F238E27FC236}">
+                        <a16:creationId xmlns:a16="http://schemas.microsoft.com/office/drawing/2014/main" id="{9D706B3E-72EC-276E-A897-1EAFFE5941E1}"/>
+                      </a:ext>
+                    </a:extLst>
+                  </p:cNvPr>
+                  <p:cNvSpPr>
+                    <a:spLocks noRot="1" noChangeAspect="1" noMove="1" noResize="1" noEditPoints="1" noAdjustHandles="1" noChangeArrowheads="1" noChangeShapeType="1" noTextEdit="1"/>
+                  </p:cNvSpPr>
+                  <p:nvPr/>
+                </p:nvSpPr>
+                <p:spPr>
+                  <a:xfrm>
+                    <a:off x="2815886" y="2420753"/>
+                    <a:ext cx="986291" cy="348099"/>
+                  </a:xfrm>
+                  <a:prstGeom prst="parallelogram">
+                    <a:avLst/>
+                  </a:prstGeom>
+                  <a:blipFill>
+                    <a:blip r:embed="rId8"/>
+                    <a:stretch>
+                      <a:fillRect b="-10345"/>
+                    </a:stretch>
+                  </a:blipFill>
+                </p:spPr>
+                <p:txBody>
+                  <a:bodyPr/>
+                  <a:lstStyle/>
+                  <a:p>
+                    <a:r>
+                      <a:rPr lang="en-US">
+                        <a:noFill/>
+                      </a:rPr>
+                      <a:t> </a:t>
+                    </a:r>
+                  </a:p>
+                </p:txBody>
+              </p:sp>
+            </mc:Fallback>
+          </mc:AlternateContent>
+          <p:grpSp>
+            <p:nvGrpSpPr>
+              <p:cNvPr id="313" name="Group 312">
+                <a:extLst>
+                  <a:ext uri="{FF2B5EF4-FFF2-40B4-BE49-F238E27FC236}">
+                    <a16:creationId xmlns:a16="http://schemas.microsoft.com/office/drawing/2014/main" id="{3883AC6F-204E-50E1-2A33-EF6939F43959}"/>
+                  </a:ext>
+                </a:extLst>
+              </p:cNvPr>
+              <p:cNvGrpSpPr/>
+              <p:nvPr/>
+            </p:nvGrpSpPr>
+            <p:grpSpPr>
+              <a:xfrm>
+                <a:off x="3758665" y="2427402"/>
+                <a:ext cx="1473941" cy="334800"/>
+                <a:chOff x="3264253" y="2494035"/>
+                <a:chExt cx="1473941" cy="334800"/>
+              </a:xfrm>
+            </p:grpSpPr>
+            <mc:AlternateContent xmlns:mc="http://schemas.openxmlformats.org/markup-compatibility/2006">
+              <mc:Choice xmlns:a14="http://schemas.microsoft.com/office/drawing/2010/main" Requires="a14">
+                <p:sp>
+                  <p:nvSpPr>
+                    <p:cNvPr id="125" name="Rounded Rectangle 124">
+                      <a:extLst>
+                        <a:ext uri="{FF2B5EF4-FFF2-40B4-BE49-F238E27FC236}">
+                          <a16:creationId xmlns:a16="http://schemas.microsoft.com/office/drawing/2014/main" id="{B5718154-1151-6832-A237-FA3AE0C75A48}"/>
+                        </a:ext>
+                      </a:extLst>
+                    </p:cNvPr>
+                    <p:cNvSpPr/>
+                    <p:nvPr/>
+                  </p:nvSpPr>
+                  <p:spPr>
+                    <a:xfrm>
+                      <a:off x="3872336" y="2494035"/>
+                      <a:ext cx="547071" cy="334800"/>
+                    </a:xfrm>
+                    <a:prstGeom prst="roundRect">
+                      <a:avLst/>
+                    </a:prstGeom>
+                    <a:solidFill>
+                      <a:schemeClr val="tx1">
+                        <a:lumMod val="50000"/>
+                        <a:lumOff val="50000"/>
+                      </a:schemeClr>
+                    </a:solidFill>
+                  </p:spPr>
+                  <p:style>
+                    <a:lnRef idx="2">
+                      <a:schemeClr val="dk1">
+                        <a:shade val="50000"/>
+                      </a:schemeClr>
+                    </a:lnRef>
+                    <a:fillRef idx="1">
+                      <a:schemeClr val="dk1"/>
+                    </a:fillRef>
+                    <a:effectRef idx="0">
+                      <a:schemeClr val="dk1"/>
+                    </a:effectRef>
+                    <a:fontRef idx="minor">
+                      <a:schemeClr val="lt1"/>
+                    </a:fontRef>
+                  </p:style>
+                  <p:txBody>
+                    <a:bodyPr rtlCol="0" anchor="ctr"/>
+                    <a:lstStyle/>
+                    <a:p>
+                      <a:pPr algn="ctr"/>
+                      <a14:m>
+                        <m:oMathPara xmlns:m="http://schemas.openxmlformats.org/officeDocument/2006/math">
+                          <m:oMathParaPr>
+                            <m:jc m:val="center"/>
+                          </m:oMathParaPr>
+                          <m:oMath xmlns:m="http://schemas.openxmlformats.org/officeDocument/2006/math">
+                            <m:sSub>
+                              <m:sSubPr>
+                                <m:ctrlPr>
+                                  <a:rPr lang="en-US" sz="1600" i="1" smtClean="0">
+                                    <a:solidFill>
+                                      <a:schemeClr val="bg1"/>
+                                    </a:solidFill>
+                                    <a:latin typeface="Cambria Math" panose="02040503050406030204" pitchFamily="18" charset="0"/>
+                                    <a:ea typeface="Cambria Math" panose="02040503050406030204" pitchFamily="18" charset="0"/>
+                                  </a:rPr>
+                                </m:ctrlPr>
+                              </m:sSubPr>
+                              <m:e>
+                                <m:r>
+                                  <a:rPr lang="en-US" sz="1600" b="0" i="1">
+                                    <a:solidFill>
+                                      <a:schemeClr val="bg1"/>
+                                    </a:solidFill>
+                                    <a:latin typeface="Cambria Math" panose="02040503050406030204" pitchFamily="18" charset="0"/>
+                                    <a:ea typeface="Cambria Math" panose="02040503050406030204" pitchFamily="18" charset="0"/>
+                                  </a:rPr>
+                                  <m:t>𝒢𝒫</m:t>
+                                </m:r>
+                              </m:e>
+                              <m:sub>
+                                <m:r>
+                                  <a:rPr lang="en-IE" sz="1600" b="0" i="1" smtClean="0">
+                                    <a:solidFill>
+                                      <a:schemeClr val="bg1"/>
+                                    </a:solidFill>
+                                    <a:latin typeface="Cambria Math" panose="02040503050406030204" pitchFamily="18" charset="0"/>
+                                    <a:ea typeface="Cambria Math" panose="02040503050406030204" pitchFamily="18" charset="0"/>
+                                  </a:rPr>
+                                  <m:t>1</m:t>
+                                </m:r>
+                              </m:sub>
+                            </m:sSub>
+                          </m:oMath>
+                        </m:oMathPara>
+                      </a14:m>
+                      <a:endParaRPr lang="en-US" sz="1600" dirty="0">
+                        <a:solidFill>
+                          <a:schemeClr val="bg1"/>
+                        </a:solidFill>
+                        <a:latin typeface="LM Roman 12" pitchFamily="2" charset="77"/>
+                      </a:endParaRPr>
+                    </a:p>
+                  </p:txBody>
+                </p:sp>
+              </mc:Choice>
+              <mc:Fallback>
+                <p:sp>
+                  <p:nvSpPr>
+                    <p:cNvPr id="125" name="Rounded Rectangle 124">
+                      <a:extLst>
+                        <a:ext uri="{FF2B5EF4-FFF2-40B4-BE49-F238E27FC236}">
+                          <a16:creationId xmlns:a16="http://schemas.microsoft.com/office/drawing/2014/main" id="{B5718154-1151-6832-A237-FA3AE0C75A48}"/>
+                        </a:ext>
+                      </a:extLst>
+                    </p:cNvPr>
+                    <p:cNvSpPr>
+                      <a:spLocks noRot="1" noChangeAspect="1" noMove="1" noResize="1" noEditPoints="1" noAdjustHandles="1" noChangeArrowheads="1" noChangeShapeType="1" noTextEdit="1"/>
+                    </p:cNvSpPr>
+                    <p:nvPr/>
+                  </p:nvSpPr>
+                  <p:spPr>
+                    <a:xfrm>
+                      <a:off x="3872336" y="2494035"/>
+                      <a:ext cx="547071" cy="334800"/>
+                    </a:xfrm>
+                    <a:prstGeom prst="roundRect">
+                      <a:avLst/>
+                    </a:prstGeom>
+                    <a:blipFill>
+                      <a:blip r:embed="rId9"/>
+                      <a:stretch>
+                        <a:fillRect l="-2222" b="-7143"/>
+                      </a:stretch>
+                    </a:blipFill>
+                  </p:spPr>
+                  <p:txBody>
+                    <a:bodyPr/>
+                    <a:lstStyle/>
+                    <a:p>
+                      <a:r>
+                        <a:rPr lang="en-US">
+                          <a:noFill/>
+                        </a:rPr>
+                        <a:t> </a:t>
+                      </a:r>
+                    </a:p>
+                  </p:txBody>
+                </p:sp>
+              </mc:Fallback>
+            </mc:AlternateContent>
+            <p:cxnSp>
+              <p:nvCxnSpPr>
+                <p:cNvPr id="141" name="Straight Arrow Connector 140">
+                  <a:extLst>
+                    <a:ext uri="{FF2B5EF4-FFF2-40B4-BE49-F238E27FC236}">
+                      <a16:creationId xmlns:a16="http://schemas.microsoft.com/office/drawing/2014/main" id="{285EC01C-E1FC-0F92-E15A-F5FB0B395544}"/>
+                    </a:ext>
+                  </a:extLst>
+                </p:cNvPr>
+                <p:cNvCxnSpPr>
+                  <a:cxnSpLocks/>
+                  <a:stCxn id="125" idx="1"/>
+                  <a:endCxn id="116" idx="2"/>
+                </p:cNvCxnSpPr>
+                <p:nvPr/>
+              </p:nvCxnSpPr>
+              <p:spPr>
+                <a:xfrm flipH="1">
+                  <a:off x="3264253" y="2661435"/>
+                  <a:ext cx="608083" cy="1"/>
+                </a:xfrm>
+                <a:prstGeom prst="straightConnector1">
+                  <a:avLst/>
+                </a:prstGeom>
+                <a:ln w="38100">
+                  <a:solidFill>
+                    <a:schemeClr val="tx1"/>
+                  </a:solidFill>
+                  <a:headEnd type="triangle"/>
+                  <a:tailEnd type="none"/>
+                </a:ln>
+              </p:spPr>
+              <p:style>
+                <a:lnRef idx="1">
+                  <a:schemeClr val="accent1"/>
+                </a:lnRef>
+                <a:fillRef idx="0">
+                  <a:schemeClr val="accent1"/>
+                </a:fillRef>
+                <a:effectRef idx="0">
+                  <a:schemeClr val="accent1"/>
+                </a:effectRef>
+                <a:fontRef idx="minor">
+                  <a:schemeClr val="tx1"/>
+                </a:fontRef>
+              </p:style>
+            </p:cxnSp>
+            <p:cxnSp>
+              <p:nvCxnSpPr>
+                <p:cNvPr id="169" name="Straight Arrow Connector 168">
+                  <a:extLst>
+                    <a:ext uri="{FF2B5EF4-FFF2-40B4-BE49-F238E27FC236}">
+                      <a16:creationId xmlns:a16="http://schemas.microsoft.com/office/drawing/2014/main" id="{FFF95663-66E2-A3F5-7A2F-5C450D4546AB}"/>
+                    </a:ext>
+                  </a:extLst>
+                </p:cNvPr>
+                <p:cNvCxnSpPr>
+                  <a:cxnSpLocks/>
+                  <a:stCxn id="168" idx="5"/>
+                  <a:endCxn id="125" idx="3"/>
+                </p:cNvCxnSpPr>
+                <p:nvPr/>
+              </p:nvCxnSpPr>
+              <p:spPr>
+                <a:xfrm flipH="1">
+                  <a:off x="4419407" y="2661435"/>
+                  <a:ext cx="318787" cy="0"/>
+                </a:xfrm>
+                <a:prstGeom prst="straightConnector1">
+                  <a:avLst/>
+                </a:prstGeom>
+                <a:ln w="38100">
+                  <a:solidFill>
+                    <a:schemeClr val="tx1"/>
+                  </a:solidFill>
+                  <a:headEnd type="triangle"/>
+                  <a:tailEnd type="none"/>
+                </a:ln>
+              </p:spPr>
+              <p:style>
+                <a:lnRef idx="1">
+                  <a:schemeClr val="accent1"/>
+                </a:lnRef>
+                <a:fillRef idx="0">
+                  <a:schemeClr val="accent1"/>
+                </a:fillRef>
+                <a:effectRef idx="0">
+                  <a:schemeClr val="accent1"/>
+                </a:effectRef>
+                <a:fontRef idx="minor">
+                  <a:schemeClr val="tx1"/>
+                </a:fontRef>
+              </p:style>
+            </p:cxnSp>
+          </p:grpSp>
+        </p:grpSp>
+        <p:cxnSp>
+          <p:nvCxnSpPr>
+            <p:cNvPr id="143" name="Straight Arrow Connector 142">
+              <a:extLst>
+                <a:ext uri="{FF2B5EF4-FFF2-40B4-BE49-F238E27FC236}">
+                  <a16:creationId xmlns:a16="http://schemas.microsoft.com/office/drawing/2014/main" id="{0DCDAAA0-A9F6-7D46-2473-FB7BAA56090D}"/>
+                </a:ext>
+              </a:extLst>
+            </p:cNvPr>
+            <p:cNvCxnSpPr>
+              <a:cxnSpLocks/>
+              <a:stCxn id="71" idx="2"/>
+              <a:endCxn id="81" idx="2"/>
+            </p:cNvCxnSpPr>
+            <p:nvPr/>
+          </p:nvCxnSpPr>
+          <p:spPr>
+            <a:xfrm flipH="1">
+              <a:off x="5175102" y="3222372"/>
+              <a:ext cx="238315" cy="1865"/>
+            </a:xfrm>
+            <a:prstGeom prst="straightConnector1">
+              <a:avLst/>
+            </a:prstGeom>
+            <a:ln w="38100">
+              <a:solidFill>
+                <a:schemeClr val="tx1"/>
+              </a:solidFill>
+              <a:headEnd type="triangle"/>
+              <a:tailEnd type="none"/>
+            </a:ln>
+          </p:spPr>
+          <p:style>
+            <a:lnRef idx="1">
+              <a:schemeClr val="accent1"/>
+            </a:lnRef>
+            <a:fillRef idx="0">
+              <a:schemeClr val="accent1"/>
+            </a:fillRef>
+            <a:effectRef idx="0">
+              <a:schemeClr val="accent1"/>
+            </a:effectRef>
+            <a:fontRef idx="minor">
+              <a:schemeClr val="tx1"/>
+            </a:fontRef>
+          </p:style>
+        </p:cxnSp>
+        <p:cxnSp>
+          <p:nvCxnSpPr>
+            <p:cNvPr id="213" name="Straight Arrow Connector 212">
+              <a:extLst>
+                <a:ext uri="{FF2B5EF4-FFF2-40B4-BE49-F238E27FC236}">
+                  <a16:creationId xmlns:a16="http://schemas.microsoft.com/office/drawing/2014/main" id="{3A5589BF-71B4-BC70-3826-0C6469E0D28B}"/>
+                </a:ext>
+              </a:extLst>
+            </p:cNvPr>
+            <p:cNvCxnSpPr>
+              <a:cxnSpLocks/>
+              <a:stCxn id="248" idx="5"/>
+              <a:endCxn id="71" idx="6"/>
+            </p:cNvCxnSpPr>
+            <p:nvPr/>
+          </p:nvCxnSpPr>
+          <p:spPr>
+            <a:xfrm flipH="1" flipV="1">
+              <a:off x="5863417" y="3222372"/>
+              <a:ext cx="253892" cy="2922"/>
+            </a:xfrm>
+            <a:prstGeom prst="straightConnector1">
+              <a:avLst/>
+            </a:prstGeom>
+            <a:ln w="38100">
+              <a:solidFill>
+                <a:schemeClr val="tx1"/>
+              </a:solidFill>
+              <a:headEnd type="triangle"/>
+              <a:tailEnd type="none"/>
+            </a:ln>
+          </p:spPr>
+          <p:style>
+            <a:lnRef idx="1">
+              <a:schemeClr val="accent1"/>
+            </a:lnRef>
+            <a:fillRef idx="0">
+              <a:schemeClr val="accent1"/>
+            </a:fillRef>
+            <a:effectRef idx="0">
+              <a:schemeClr val="accent1"/>
+            </a:effectRef>
+            <a:fontRef idx="minor">
+              <a:schemeClr val="tx1"/>
+            </a:fontRef>
+          </p:style>
+        </p:cxnSp>
+        <mc:AlternateContent xmlns:mc="http://schemas.openxmlformats.org/markup-compatibility/2006" xmlns:a14="http://schemas.microsoft.com/office/drawing/2010/main">
+          <mc:Choice Requires="a14">
+            <p:sp>
+              <p:nvSpPr>
+                <p:cNvPr id="216" name="Parallelogram 215">
+                  <a:extLst>
+                    <a:ext uri="{FF2B5EF4-FFF2-40B4-BE49-F238E27FC236}">
+                      <a16:creationId xmlns:a16="http://schemas.microsoft.com/office/drawing/2014/main" id="{D4F351C7-EC35-3A49-FCF5-550A33464A72}"/>
+                    </a:ext>
+                  </a:extLst>
+                </p:cNvPr>
+                <p:cNvSpPr/>
+                <p:nvPr/>
+              </p:nvSpPr>
+              <p:spPr>
+                <a:xfrm>
+                  <a:off x="4219626" y="4364268"/>
+                  <a:ext cx="1001116" cy="365124"/>
+                </a:xfrm>
+                <a:prstGeom prst="parallelogram">
+                  <a:avLst/>
+                </a:prstGeom>
+                <a:solidFill>
+                  <a:schemeClr val="bg2">
+                    <a:lumMod val="20000"/>
+                    <a:lumOff val="80000"/>
+                  </a:schemeClr>
+                </a:solidFill>
+              </p:spPr>
+              <p:style>
+                <a:lnRef idx="2">
+                  <a:schemeClr val="accent1">
+                    <a:shade val="50000"/>
+                  </a:schemeClr>
+                </a:lnRef>
+                <a:fillRef idx="1">
+                  <a:schemeClr val="accent1"/>
+                </a:fillRef>
+                <a:effectRef idx="0">
+                  <a:schemeClr val="accent1"/>
+                </a:effectRef>
+                <a:fontRef idx="minor">
+                  <a:schemeClr val="lt1"/>
+                </a:fontRef>
+              </p:style>
+              <p:txBody>
+                <a:bodyPr rtlCol="0" anchor="ctr"/>
+                <a:lstStyle/>
+                <a:p>
+                  <a:pPr algn="ctr"/>
+                  <a14:m>
+                    <m:oMathPara xmlns:m="http://schemas.openxmlformats.org/officeDocument/2006/math">
+                      <m:oMathParaPr>
+                        <m:jc m:val="center"/>
+                      </m:oMathParaPr>
+                      <m:oMath xmlns:m="http://schemas.openxmlformats.org/officeDocument/2006/math">
+                        <m:sSubSup>
+                          <m:sSubSupPr>
+                            <m:ctrlPr>
+                              <a:rPr lang="en-IE" sz="1600" i="1" smtClean="0">
+                                <a:solidFill>
+                                  <a:schemeClr val="tx1"/>
+                                </a:solidFill>
+                                <a:latin typeface="Cambria Math" panose="02040503050406030204" pitchFamily="18" charset="0"/>
+                              </a:rPr>
+                            </m:ctrlPr>
+                          </m:sSubSupPr>
+                          <m:e>
+                            <m:r>
+                              <a:rPr lang="en-IE" sz="1600" i="1">
+                                <a:solidFill>
+                                  <a:schemeClr val="tx1"/>
+                                </a:solidFill>
+                                <a:latin typeface="Cambria Math" panose="02040503050406030204" pitchFamily="18" charset="0"/>
+                              </a:rPr>
+                              <m:t>𝑈</m:t>
+                            </m:r>
+                          </m:e>
+                          <m:sub>
+                            <m:r>
+                              <a:rPr lang="en-IE" sz="1600" b="0" i="1" smtClean="0">
+                                <a:solidFill>
+                                  <a:schemeClr val="tx1"/>
+                                </a:solidFill>
+                                <a:latin typeface="Cambria Math" panose="02040503050406030204" pitchFamily="18" charset="0"/>
+                              </a:rPr>
+                              <m:t>𝑑</m:t>
+                            </m:r>
+                          </m:sub>
+                          <m:sup>
+                            <m:r>
+                              <a:rPr lang="en-IE" sz="1600" i="1">
+                                <a:solidFill>
+                                  <a:schemeClr val="tx1"/>
+                                </a:solidFill>
+                                <a:latin typeface="Cambria Math" panose="02040503050406030204" pitchFamily="18" charset="0"/>
+                              </a:rPr>
+                              <m:t>𝑏</m:t>
+                            </m:r>
+                          </m:sup>
+                        </m:sSubSup>
+                        <m:r>
+                          <a:rPr lang="en-IE" sz="1600" i="1">
+                            <a:solidFill>
+                              <a:schemeClr val="tx1"/>
+                            </a:solidFill>
+                            <a:latin typeface="Cambria Math" panose="02040503050406030204" pitchFamily="18" charset="0"/>
+                          </a:rPr>
+                          <m:t>(</m:t>
+                        </m:r>
+                        <m:sSub>
+                          <m:sSubPr>
+                            <m:ctrlPr>
+                              <a:rPr lang="en-IE" sz="1600" i="1">
+                                <a:solidFill>
+                                  <a:schemeClr val="tx1"/>
+                                </a:solidFill>
+                                <a:latin typeface="Cambria Math" panose="02040503050406030204" pitchFamily="18" charset="0"/>
+                              </a:rPr>
+                            </m:ctrlPr>
+                          </m:sSubPr>
+                          <m:e>
+                            <m:r>
+                              <a:rPr lang="en-IE" sz="1600" i="1">
+                                <a:solidFill>
+                                  <a:schemeClr val="tx1"/>
+                                </a:solidFill>
+                                <a:latin typeface="Cambria Math" panose="02040503050406030204" pitchFamily="18" charset="0"/>
+                              </a:rPr>
+                              <m:t>𝑘</m:t>
+                            </m:r>
+                          </m:e>
+                          <m:sub>
+                            <m:r>
+                              <a:rPr lang="en-IE" sz="1600" i="1">
+                                <a:solidFill>
+                                  <a:schemeClr val="tx1"/>
+                                </a:solidFill>
+                                <a:latin typeface="Cambria Math" panose="02040503050406030204" pitchFamily="18" charset="0"/>
+                              </a:rPr>
+                              <m:t>𝑗</m:t>
+                            </m:r>
+                          </m:sub>
+                        </m:sSub>
+                        <m:r>
+                          <a:rPr lang="en-IE" sz="1600" i="1">
+                            <a:solidFill>
+                              <a:schemeClr val="tx1"/>
+                            </a:solidFill>
+                            <a:latin typeface="Cambria Math" panose="02040503050406030204" pitchFamily="18" charset="0"/>
+                          </a:rPr>
+                          <m:t>)</m:t>
+                        </m:r>
+                      </m:oMath>
+                    </m:oMathPara>
+                  </a14:m>
+                  <a:endParaRPr lang="en-US" sz="1600" dirty="0">
+                    <a:solidFill>
+                      <a:schemeClr val="tx1"/>
+                    </a:solidFill>
+                    <a:latin typeface="LM Roman 12" pitchFamily="2" charset="77"/>
+                  </a:endParaRPr>
+                </a:p>
+              </p:txBody>
+            </p:sp>
+          </mc:Choice>
+          <mc:Fallback xmlns="">
+            <p:sp>
+              <p:nvSpPr>
+                <p:cNvPr id="216" name="Parallelogram 215">
+                  <a:extLst>
+                    <a:ext uri="{FF2B5EF4-FFF2-40B4-BE49-F238E27FC236}">
+                      <a16:creationId xmlns:a16="http://schemas.microsoft.com/office/drawing/2014/main" id="{D4F351C7-EC35-3A49-FCF5-550A33464A72}"/>
+                    </a:ext>
+                  </a:extLst>
+                </p:cNvPr>
+                <p:cNvSpPr>
+                  <a:spLocks noRot="1" noChangeAspect="1" noMove="1" noResize="1" noEditPoints="1" noAdjustHandles="1" noChangeArrowheads="1" noChangeShapeType="1" noTextEdit="1"/>
+                </p:cNvSpPr>
+                <p:nvPr/>
+              </p:nvSpPr>
+              <p:spPr>
+                <a:xfrm>
+                  <a:off x="4219626" y="4364268"/>
+                  <a:ext cx="1001116" cy="365124"/>
+                </a:xfrm>
+                <a:prstGeom prst="parallelogram">
+                  <a:avLst/>
+                </a:prstGeom>
+                <a:blipFill>
+                  <a:blip r:embed="rId10"/>
+                  <a:stretch>
+                    <a:fillRect b="-10000"/>
+                  </a:stretch>
+                </a:blipFill>
+              </p:spPr>
+              <p:txBody>
+                <a:bodyPr/>
+                <a:lstStyle/>
+                <a:p>
+                  <a:r>
+                    <a:rPr lang="en-US">
+                      <a:noFill/>
+                    </a:rPr>
+                    <a:t> </a:t>
+                  </a:r>
+                </a:p>
+              </p:txBody>
+            </p:sp>
+          </mc:Fallback>
+        </mc:AlternateContent>
+        <mc:AlternateContent xmlns:mc="http://schemas.openxmlformats.org/markup-compatibility/2006">
+          <mc:Choice xmlns:a14="http://schemas.microsoft.com/office/drawing/2010/main" Requires="a14">
+            <p:sp>
+              <p:nvSpPr>
+                <p:cNvPr id="217" name="Parallelogram 216">
+                  <a:extLst>
+                    <a:ext uri="{FF2B5EF4-FFF2-40B4-BE49-F238E27FC236}">
+                      <a16:creationId xmlns:a16="http://schemas.microsoft.com/office/drawing/2014/main" id="{2F812347-3490-5717-34DE-1E7646D80971}"/>
+                    </a:ext>
+                  </a:extLst>
+                </p:cNvPr>
+                <p:cNvSpPr/>
+                <p:nvPr/>
+              </p:nvSpPr>
+              <p:spPr>
+                <a:xfrm>
+                  <a:off x="4208520" y="5692591"/>
+                  <a:ext cx="993884" cy="365124"/>
+                </a:xfrm>
+                <a:prstGeom prst="parallelogram">
+                  <a:avLst/>
+                </a:prstGeom>
+                <a:solidFill>
+                  <a:schemeClr val="bg2">
+                    <a:lumMod val="20000"/>
+                    <a:lumOff val="80000"/>
+                  </a:schemeClr>
+                </a:solidFill>
+              </p:spPr>
+              <p:style>
+                <a:lnRef idx="2">
+                  <a:schemeClr val="accent1">
+                    <a:shade val="50000"/>
+                  </a:schemeClr>
+                </a:lnRef>
+                <a:fillRef idx="1">
+                  <a:schemeClr val="accent1"/>
+                </a:fillRef>
+                <a:effectRef idx="0">
+                  <a:schemeClr val="accent1"/>
+                </a:effectRef>
+                <a:fontRef idx="minor">
+                  <a:schemeClr val="lt1"/>
+                </a:fontRef>
+              </p:style>
+              <p:txBody>
+                <a:bodyPr rtlCol="0" anchor="ctr"/>
+                <a:lstStyle/>
+                <a:p>
+                  <a:pPr algn="ctr"/>
+                  <a14:m>
+                    <m:oMathPara xmlns:m="http://schemas.openxmlformats.org/officeDocument/2006/math">
+                      <m:oMathParaPr>
+                        <m:jc m:val="center"/>
+                      </m:oMathParaPr>
+                      <m:oMath xmlns:m="http://schemas.openxmlformats.org/officeDocument/2006/math">
+                        <m:sSubSup>
+                          <m:sSubSupPr>
+                            <m:ctrlPr>
+                              <a:rPr lang="en-IE" sz="1600" i="1" smtClean="0">
+                                <a:solidFill>
+                                  <a:schemeClr val="tx1"/>
+                                </a:solidFill>
+                                <a:latin typeface="Cambria Math" panose="02040503050406030204" pitchFamily="18" charset="0"/>
+                              </a:rPr>
+                            </m:ctrlPr>
+                          </m:sSubSupPr>
+                          <m:e>
+                            <m:r>
+                              <a:rPr lang="en-IE" sz="1600" i="1">
+                                <a:solidFill>
+                                  <a:schemeClr val="tx1"/>
+                                </a:solidFill>
+                                <a:latin typeface="Cambria Math" panose="02040503050406030204" pitchFamily="18" charset="0"/>
+                              </a:rPr>
+                              <m:t>𝑈</m:t>
+                            </m:r>
+                          </m:e>
+                          <m:sub>
+                            <m:r>
+                              <a:rPr lang="en-IE" sz="1600" b="0" i="1" smtClean="0">
+                                <a:solidFill>
+                                  <a:schemeClr val="tx1"/>
+                                </a:solidFill>
+                                <a:latin typeface="Cambria Math" panose="02040503050406030204" pitchFamily="18" charset="0"/>
+                              </a:rPr>
+                              <m:t>𝐷</m:t>
+                            </m:r>
+                          </m:sub>
+                          <m:sup>
+                            <m:r>
+                              <a:rPr lang="en-IE" sz="1600" i="1">
+                                <a:solidFill>
+                                  <a:schemeClr val="tx1"/>
+                                </a:solidFill>
+                                <a:latin typeface="Cambria Math" panose="02040503050406030204" pitchFamily="18" charset="0"/>
+                              </a:rPr>
+                              <m:t>𝑏</m:t>
+                            </m:r>
+                          </m:sup>
+                        </m:sSubSup>
+                        <m:r>
+                          <a:rPr lang="en-IE" sz="1600" i="1">
+                            <a:solidFill>
+                              <a:schemeClr val="tx1"/>
+                            </a:solidFill>
+                            <a:latin typeface="Cambria Math" panose="02040503050406030204" pitchFamily="18" charset="0"/>
+                          </a:rPr>
+                          <m:t>(</m:t>
+                        </m:r>
+                        <m:sSub>
+                          <m:sSubPr>
+                            <m:ctrlPr>
+                              <a:rPr lang="en-IE" sz="1600" i="1">
+                                <a:solidFill>
+                                  <a:schemeClr val="tx1"/>
+                                </a:solidFill>
+                                <a:latin typeface="Cambria Math" panose="02040503050406030204" pitchFamily="18" charset="0"/>
+                              </a:rPr>
+                            </m:ctrlPr>
+                          </m:sSubPr>
+                          <m:e>
+                            <m:r>
+                              <a:rPr lang="en-IE" sz="1600" i="1">
+                                <a:solidFill>
+                                  <a:schemeClr val="tx1"/>
+                                </a:solidFill>
+                                <a:latin typeface="Cambria Math" panose="02040503050406030204" pitchFamily="18" charset="0"/>
+                              </a:rPr>
+                              <m:t>𝑘</m:t>
+                            </m:r>
+                          </m:e>
+                          <m:sub>
+                            <m:r>
+                              <a:rPr lang="en-IE" sz="1600" i="1">
+                                <a:solidFill>
+                                  <a:schemeClr val="tx1"/>
+                                </a:solidFill>
+                                <a:latin typeface="Cambria Math" panose="02040503050406030204" pitchFamily="18" charset="0"/>
+                              </a:rPr>
+                              <m:t>𝑗</m:t>
+                            </m:r>
+                          </m:sub>
+                        </m:sSub>
+                        <m:r>
+                          <a:rPr lang="en-IE" sz="1600" i="1">
+                            <a:solidFill>
+                              <a:schemeClr val="tx1"/>
+                            </a:solidFill>
+                            <a:latin typeface="Cambria Math" panose="02040503050406030204" pitchFamily="18" charset="0"/>
+                          </a:rPr>
+                          <m:t>)</m:t>
+                        </m:r>
+                      </m:oMath>
+                    </m:oMathPara>
+                  </a14:m>
+                  <a:endParaRPr lang="en-US" sz="1600" dirty="0">
+                    <a:solidFill>
+                      <a:schemeClr val="tx1"/>
+                    </a:solidFill>
+                    <a:latin typeface="LM Roman 12" pitchFamily="2" charset="77"/>
+                  </a:endParaRPr>
+                </a:p>
+              </p:txBody>
+            </p:sp>
+          </mc:Choice>
+          <mc:Fallback>
+            <p:sp>
+              <p:nvSpPr>
+                <p:cNvPr id="217" name="Parallelogram 216">
+                  <a:extLst>
+                    <a:ext uri="{FF2B5EF4-FFF2-40B4-BE49-F238E27FC236}">
+                      <a16:creationId xmlns:a16="http://schemas.microsoft.com/office/drawing/2014/main" id="{2F812347-3490-5717-34DE-1E7646D80971}"/>
+                    </a:ext>
+                  </a:extLst>
+                </p:cNvPr>
+                <p:cNvSpPr>
+                  <a:spLocks noRot="1" noChangeAspect="1" noMove="1" noResize="1" noEditPoints="1" noAdjustHandles="1" noChangeArrowheads="1" noChangeShapeType="1" noTextEdit="1"/>
+                </p:cNvSpPr>
+                <p:nvPr/>
+              </p:nvSpPr>
+              <p:spPr>
+                <a:xfrm>
+                  <a:off x="4208520" y="5692591"/>
+                  <a:ext cx="993884" cy="365124"/>
+                </a:xfrm>
+                <a:prstGeom prst="parallelogram">
+                  <a:avLst/>
+                </a:prstGeom>
+                <a:blipFill>
+                  <a:blip r:embed="rId11"/>
+                  <a:stretch>
+                    <a:fillRect b="-6452"/>
+                  </a:stretch>
+                </a:blipFill>
+              </p:spPr>
+              <p:txBody>
+                <a:bodyPr/>
+                <a:lstStyle/>
+                <a:p>
+                  <a:r>
+                    <a:rPr lang="en-US">
+                      <a:noFill/>
+                    </a:rPr>
+                    <a:t> </a:t>
+                  </a:r>
+                </a:p>
+              </p:txBody>
+            </p:sp>
+          </mc:Fallback>
+        </mc:AlternateContent>
+        <p:cxnSp>
+          <p:nvCxnSpPr>
+            <p:cNvPr id="240" name="Straight Arrow Connector 239">
+              <a:extLst>
+                <a:ext uri="{FF2B5EF4-FFF2-40B4-BE49-F238E27FC236}">
+                  <a16:creationId xmlns:a16="http://schemas.microsoft.com/office/drawing/2014/main" id="{59882AA0-AC67-7F18-A4A8-D8F40AE2B9AA}"/>
+                </a:ext>
+              </a:extLst>
+            </p:cNvPr>
+            <p:cNvCxnSpPr>
+              <a:cxnSpLocks/>
+            </p:cNvCxnSpPr>
+            <p:nvPr/>
+          </p:nvCxnSpPr>
+          <p:spPr>
+            <a:xfrm rot="16200000" flipV="1">
+              <a:off x="5287374" y="4442722"/>
+              <a:ext cx="0" cy="264909"/>
+            </a:xfrm>
+            <a:prstGeom prst="straightConnector1">
+              <a:avLst/>
+            </a:prstGeom>
+            <a:ln w="38100">
+              <a:solidFill>
+                <a:schemeClr val="tx1"/>
+              </a:solidFill>
+              <a:headEnd type="triangle"/>
+              <a:tailEnd type="none"/>
+            </a:ln>
+          </p:spPr>
+          <p:style>
+            <a:lnRef idx="1">
+              <a:schemeClr val="accent1"/>
+            </a:lnRef>
+            <a:fillRef idx="0">
+              <a:schemeClr val="accent1"/>
+            </a:fillRef>
+            <a:effectRef idx="0">
+              <a:schemeClr val="accent1"/>
+            </a:effectRef>
+            <a:fontRef idx="minor">
+              <a:schemeClr val="tx1"/>
+            </a:fontRef>
+          </p:style>
+        </p:cxnSp>
+        <p:cxnSp>
+          <p:nvCxnSpPr>
+            <p:cNvPr id="241" name="Straight Arrow Connector 240">
+              <a:extLst>
+                <a:ext uri="{FF2B5EF4-FFF2-40B4-BE49-F238E27FC236}">
+                  <a16:creationId xmlns:a16="http://schemas.microsoft.com/office/drawing/2014/main" id="{1A7000A4-191A-E527-196A-DFD12E0BE676}"/>
+                </a:ext>
+              </a:extLst>
+            </p:cNvPr>
+            <p:cNvCxnSpPr>
+              <a:cxnSpLocks/>
+            </p:cNvCxnSpPr>
+            <p:nvPr/>
+          </p:nvCxnSpPr>
+          <p:spPr>
+            <a:xfrm rot="16200000" flipV="1">
+              <a:off x="5987031" y="4428813"/>
+              <a:ext cx="0" cy="264909"/>
+            </a:xfrm>
+            <a:prstGeom prst="straightConnector1">
+              <a:avLst/>
+            </a:prstGeom>
+            <a:ln w="38100">
+              <a:solidFill>
+                <a:schemeClr val="tx1"/>
+              </a:solidFill>
+              <a:headEnd type="triangle"/>
+              <a:tailEnd type="none"/>
+            </a:ln>
+          </p:spPr>
+          <p:style>
+            <a:lnRef idx="1">
+              <a:schemeClr val="accent1"/>
+            </a:lnRef>
+            <a:fillRef idx="0">
+              <a:schemeClr val="accent1"/>
+            </a:fillRef>
+            <a:effectRef idx="0">
+              <a:schemeClr val="accent1"/>
+            </a:effectRef>
+            <a:fontRef idx="minor">
+              <a:schemeClr val="tx1"/>
+            </a:fontRef>
+          </p:style>
+        </p:cxnSp>
+        <p:cxnSp>
+          <p:nvCxnSpPr>
+            <p:cNvPr id="243" name="Straight Arrow Connector 242">
+              <a:extLst>
+                <a:ext uri="{FF2B5EF4-FFF2-40B4-BE49-F238E27FC236}">
+                  <a16:creationId xmlns:a16="http://schemas.microsoft.com/office/drawing/2014/main" id="{FC00652D-1ACB-F149-80B4-43B203AF5CA7}"/>
+                </a:ext>
+              </a:extLst>
+            </p:cNvPr>
+            <p:cNvCxnSpPr>
+              <a:cxnSpLocks/>
+              <a:stCxn id="154" idx="2"/>
+              <a:endCxn id="217" idx="2"/>
+            </p:cNvCxnSpPr>
+            <p:nvPr/>
+          </p:nvCxnSpPr>
+          <p:spPr>
+            <a:xfrm flipH="1">
+              <a:off x="5156764" y="5875153"/>
+              <a:ext cx="257250" cy="0"/>
+            </a:xfrm>
+            <a:prstGeom prst="straightConnector1">
+              <a:avLst/>
+            </a:prstGeom>
+            <a:ln w="38100">
+              <a:solidFill>
+                <a:schemeClr val="tx1"/>
+              </a:solidFill>
+              <a:headEnd type="triangle"/>
+              <a:tailEnd type="none"/>
+            </a:ln>
+          </p:spPr>
+          <p:style>
+            <a:lnRef idx="1">
+              <a:schemeClr val="accent1"/>
+            </a:lnRef>
+            <a:fillRef idx="0">
+              <a:schemeClr val="accent1"/>
+            </a:fillRef>
+            <a:effectRef idx="0">
+              <a:schemeClr val="accent1"/>
+            </a:effectRef>
+            <a:fontRef idx="minor">
+              <a:schemeClr val="tx1"/>
+            </a:fontRef>
+          </p:style>
+        </p:cxnSp>
+        <p:cxnSp>
+          <p:nvCxnSpPr>
+            <p:cNvPr id="244" name="Straight Arrow Connector 243">
+              <a:extLst>
+                <a:ext uri="{FF2B5EF4-FFF2-40B4-BE49-F238E27FC236}">
+                  <a16:creationId xmlns:a16="http://schemas.microsoft.com/office/drawing/2014/main" id="{BAA51044-4AFB-7467-20A8-985A10001A9E}"/>
+                </a:ext>
+              </a:extLst>
+            </p:cNvPr>
+            <p:cNvCxnSpPr>
+              <a:cxnSpLocks/>
+              <a:stCxn id="251" idx="5"/>
+              <a:endCxn id="154" idx="6"/>
+            </p:cNvCxnSpPr>
+            <p:nvPr/>
+          </p:nvCxnSpPr>
+          <p:spPr>
+            <a:xfrm flipH="1">
+              <a:off x="5864014" y="5875153"/>
+              <a:ext cx="257251" cy="0"/>
+            </a:xfrm>
+            <a:prstGeom prst="straightConnector1">
+              <a:avLst/>
+            </a:prstGeom>
+            <a:ln w="38100">
+              <a:solidFill>
+                <a:schemeClr val="tx1"/>
+              </a:solidFill>
+              <a:headEnd type="triangle"/>
+              <a:tailEnd type="none"/>
+            </a:ln>
+          </p:spPr>
+          <p:style>
+            <a:lnRef idx="1">
+              <a:schemeClr val="accent1"/>
+            </a:lnRef>
+            <a:fillRef idx="0">
+              <a:schemeClr val="accent1"/>
+            </a:fillRef>
+            <a:effectRef idx="0">
+              <a:schemeClr val="accent1"/>
+            </a:effectRef>
+            <a:fontRef idx="minor">
+              <a:schemeClr val="tx1"/>
+            </a:fontRef>
+          </p:style>
+        </p:cxnSp>
+        <p:cxnSp>
+          <p:nvCxnSpPr>
+            <p:cNvPr id="245" name="Straight Arrow Connector 244">
+              <a:extLst>
+                <a:ext uri="{FF2B5EF4-FFF2-40B4-BE49-F238E27FC236}">
+                  <a16:creationId xmlns:a16="http://schemas.microsoft.com/office/drawing/2014/main" id="{0427CB26-3F0D-34D7-D802-D4978C317091}"/>
+                </a:ext>
+              </a:extLst>
+            </p:cNvPr>
+            <p:cNvCxnSpPr>
+              <a:cxnSpLocks/>
+              <a:stCxn id="216" idx="5"/>
+              <a:endCxn id="12" idx="3"/>
+            </p:cNvCxnSpPr>
+            <p:nvPr/>
+          </p:nvCxnSpPr>
+          <p:spPr>
+            <a:xfrm flipH="1">
+              <a:off x="2497119" y="4546830"/>
+              <a:ext cx="1768148" cy="3311"/>
+            </a:xfrm>
+            <a:prstGeom prst="straightConnector1">
+              <a:avLst/>
+            </a:prstGeom>
+            <a:ln w="38100">
+              <a:solidFill>
+                <a:srgbClr val="0070C0"/>
+              </a:solidFill>
+              <a:headEnd type="triangle"/>
+              <a:tailEnd type="none"/>
+            </a:ln>
+          </p:spPr>
+          <p:style>
+            <a:lnRef idx="1">
+              <a:schemeClr val="accent1"/>
+            </a:lnRef>
+            <a:fillRef idx="0">
+              <a:schemeClr val="accent1"/>
+            </a:fillRef>
+            <a:effectRef idx="0">
+              <a:schemeClr val="accent1"/>
+            </a:effectRef>
+            <a:fontRef idx="minor">
+              <a:schemeClr val="tx1"/>
+            </a:fontRef>
+          </p:style>
+        </p:cxnSp>
+        <mc:AlternateContent xmlns:mc="http://schemas.openxmlformats.org/markup-compatibility/2006">
+          <mc:Choice xmlns:a14="http://schemas.microsoft.com/office/drawing/2010/main" Requires="a14">
+            <p:sp>
+              <p:nvSpPr>
+                <p:cNvPr id="248" name="Parallelogram 247">
+                  <a:extLst>
+                    <a:ext uri="{FF2B5EF4-FFF2-40B4-BE49-F238E27FC236}">
+                      <a16:creationId xmlns:a16="http://schemas.microsoft.com/office/drawing/2014/main" id="{04C30ACF-A7AA-FBB0-D6F2-BE62556002B0}"/>
+                    </a:ext>
+                  </a:extLst>
+                </p:cNvPr>
+                <p:cNvSpPr/>
+                <p:nvPr/>
+              </p:nvSpPr>
+              <p:spPr>
+                <a:xfrm>
+                  <a:off x="6071668" y="3042732"/>
+                  <a:ext cx="852965" cy="365124"/>
+                </a:xfrm>
+                <a:prstGeom prst="parallelogram">
+                  <a:avLst/>
+                </a:prstGeom>
+                <a:solidFill>
+                  <a:schemeClr val="bg2">
+                    <a:lumMod val="20000"/>
+                    <a:lumOff val="80000"/>
+                  </a:schemeClr>
+                </a:solidFill>
+              </p:spPr>
+              <p:style>
+                <a:lnRef idx="2">
+                  <a:schemeClr val="accent1">
+                    <a:shade val="50000"/>
+                  </a:schemeClr>
+                </a:lnRef>
+                <a:fillRef idx="1">
+                  <a:schemeClr val="accent1"/>
+                </a:fillRef>
+                <a:effectRef idx="0">
+                  <a:schemeClr val="accent1"/>
+                </a:effectRef>
+                <a:fontRef idx="minor">
+                  <a:schemeClr val="lt1"/>
+                </a:fontRef>
+              </p:style>
+              <p:txBody>
+                <a:bodyPr rtlCol="0" anchor="ctr"/>
+                <a:lstStyle/>
+                <a:p>
+                  <a:pPr algn="ctr"/>
+                  <a14:m>
+                    <m:oMathPara xmlns:m="http://schemas.openxmlformats.org/officeDocument/2006/math">
+                      <m:oMathParaPr>
+                        <m:jc m:val="center"/>
+                      </m:oMathParaPr>
+                      <m:oMath xmlns:m="http://schemas.openxmlformats.org/officeDocument/2006/math">
+                        <m:sSub>
+                          <m:sSubPr>
+                            <m:ctrlPr>
+                              <a:rPr lang="en-IE" sz="1600" i="1" smtClean="0">
+                                <a:solidFill>
+                                  <a:schemeClr val="tx1"/>
+                                </a:solidFill>
+                                <a:latin typeface="Cambria Math" panose="02040503050406030204" pitchFamily="18" charset="0"/>
+                              </a:rPr>
+                            </m:ctrlPr>
+                          </m:sSubPr>
+                          <m:e>
+                            <m:acc>
+                              <m:accPr>
+                                <m:chr m:val="̂"/>
+                                <m:ctrlPr>
+                                  <a:rPr lang="en-IE" sz="1600" i="1">
+                                    <a:solidFill>
+                                      <a:schemeClr val="tx1"/>
+                                    </a:solidFill>
+                                    <a:latin typeface="Cambria Math" panose="02040503050406030204" pitchFamily="18" charset="0"/>
+                                  </a:rPr>
+                                </m:ctrlPr>
+                              </m:accPr>
+                              <m:e>
+                                <m:r>
+                                  <a:rPr lang="en-IE" sz="1600" i="1">
+                                    <a:solidFill>
+                                      <a:schemeClr val="tx1"/>
+                                    </a:solidFill>
+                                    <a:latin typeface="Cambria Math" panose="02040503050406030204" pitchFamily="18" charset="0"/>
+                                  </a:rPr>
+                                  <m:t>𝑈</m:t>
+                                </m:r>
+                              </m:e>
+                            </m:acc>
+                          </m:e>
+                          <m:sub>
+                            <m:r>
+                              <a:rPr lang="en-IE" sz="1600" b="0" i="1" smtClean="0">
+                                <a:solidFill>
+                                  <a:schemeClr val="tx1"/>
+                                </a:solidFill>
+                                <a:latin typeface="Cambria Math" panose="02040503050406030204" pitchFamily="18" charset="0"/>
+                              </a:rPr>
+                              <m:t>1</m:t>
+                            </m:r>
+                          </m:sub>
+                        </m:sSub>
+                        <m:r>
+                          <a:rPr lang="en-IE" sz="1600" i="1">
+                            <a:solidFill>
+                              <a:schemeClr val="tx1"/>
+                            </a:solidFill>
+                            <a:latin typeface="Cambria Math" panose="02040503050406030204" pitchFamily="18" charset="0"/>
+                          </a:rPr>
+                          <m:t>(</m:t>
+                        </m:r>
+                        <m:sSub>
+                          <m:sSubPr>
+                            <m:ctrlPr>
+                              <a:rPr lang="en-IE" sz="1600" i="1">
+                                <a:solidFill>
+                                  <a:schemeClr val="tx1"/>
+                                </a:solidFill>
+                                <a:latin typeface="Cambria Math" panose="02040503050406030204" pitchFamily="18" charset="0"/>
+                              </a:rPr>
+                            </m:ctrlPr>
+                          </m:sSubPr>
+                          <m:e>
+                            <m:r>
+                              <a:rPr lang="en-IE" sz="1600" i="1">
+                                <a:solidFill>
+                                  <a:schemeClr val="tx1"/>
+                                </a:solidFill>
+                                <a:latin typeface="Cambria Math" panose="02040503050406030204" pitchFamily="18" charset="0"/>
+                              </a:rPr>
+                              <m:t>𝑘</m:t>
+                            </m:r>
+                          </m:e>
+                          <m:sub>
+                            <m:r>
+                              <a:rPr lang="en-IE" sz="1600" i="1">
+                                <a:solidFill>
+                                  <a:schemeClr val="tx1"/>
+                                </a:solidFill>
+                                <a:latin typeface="Cambria Math" panose="02040503050406030204" pitchFamily="18" charset="0"/>
+                              </a:rPr>
+                              <m:t>𝑗</m:t>
+                            </m:r>
+                          </m:sub>
+                        </m:sSub>
+                        <m:r>
+                          <a:rPr lang="en-IE" sz="1600" i="1">
+                            <a:solidFill>
+                              <a:schemeClr val="tx1"/>
+                            </a:solidFill>
+                            <a:latin typeface="Cambria Math" panose="02040503050406030204" pitchFamily="18" charset="0"/>
+                          </a:rPr>
+                          <m:t>)</m:t>
+                        </m:r>
+                      </m:oMath>
+                    </m:oMathPara>
+                  </a14:m>
+                  <a:endParaRPr lang="en-US" sz="1600" dirty="0">
+                    <a:solidFill>
+                      <a:schemeClr val="tx1"/>
+                    </a:solidFill>
+                    <a:latin typeface="LM Roman 12" pitchFamily="2" charset="77"/>
+                  </a:endParaRPr>
+                </a:p>
+              </p:txBody>
+            </p:sp>
+          </mc:Choice>
+          <mc:Fallback>
+            <p:sp>
+              <p:nvSpPr>
+                <p:cNvPr id="248" name="Parallelogram 247">
+                  <a:extLst>
+                    <a:ext uri="{FF2B5EF4-FFF2-40B4-BE49-F238E27FC236}">
+                      <a16:creationId xmlns:a16="http://schemas.microsoft.com/office/drawing/2014/main" id="{04C30ACF-A7AA-FBB0-D6F2-BE62556002B0}"/>
+                    </a:ext>
+                  </a:extLst>
+                </p:cNvPr>
+                <p:cNvSpPr>
+                  <a:spLocks noRot="1" noChangeAspect="1" noMove="1" noResize="1" noEditPoints="1" noAdjustHandles="1" noChangeArrowheads="1" noChangeShapeType="1" noTextEdit="1"/>
+                </p:cNvSpPr>
+                <p:nvPr/>
+              </p:nvSpPr>
+              <p:spPr>
+                <a:xfrm>
+                  <a:off x="6071668" y="3042732"/>
+                  <a:ext cx="852965" cy="365124"/>
+                </a:xfrm>
+                <a:prstGeom prst="parallelogram">
+                  <a:avLst/>
+                </a:prstGeom>
+                <a:blipFill>
+                  <a:blip r:embed="rId12"/>
+                  <a:stretch>
+                    <a:fillRect b="-6667"/>
+                  </a:stretch>
+                </a:blipFill>
+              </p:spPr>
+              <p:txBody>
+                <a:bodyPr/>
+                <a:lstStyle/>
+                <a:p>
+                  <a:r>
+                    <a:rPr lang="en-US">
+                      <a:noFill/>
+                    </a:rPr>
+                    <a:t> </a:t>
+                  </a:r>
+                </a:p>
+              </p:txBody>
+            </p:sp>
+          </mc:Fallback>
+        </mc:AlternateContent>
+        <mc:AlternateContent xmlns:mc="http://schemas.openxmlformats.org/markup-compatibility/2006" xmlns:a14="http://schemas.microsoft.com/office/drawing/2010/main">
+          <mc:Choice Requires="a14">
+            <p:sp>
+              <p:nvSpPr>
+                <p:cNvPr id="250" name="Parallelogram 249">
+                  <a:extLst>
+                    <a:ext uri="{FF2B5EF4-FFF2-40B4-BE49-F238E27FC236}">
+                      <a16:creationId xmlns:a16="http://schemas.microsoft.com/office/drawing/2014/main" id="{E62E4F22-E603-29C9-7263-4B5E22B644CB}"/>
+                    </a:ext>
+                  </a:extLst>
+                </p:cNvPr>
+                <p:cNvSpPr/>
+                <p:nvPr/>
+              </p:nvSpPr>
+              <p:spPr>
+                <a:xfrm>
+                  <a:off x="6075624" y="4350359"/>
+                  <a:ext cx="865066" cy="365124"/>
+                </a:xfrm>
+                <a:prstGeom prst="parallelogram">
+                  <a:avLst/>
+                </a:prstGeom>
+                <a:solidFill>
+                  <a:schemeClr val="bg2">
+                    <a:lumMod val="20000"/>
+                    <a:lumOff val="80000"/>
+                  </a:schemeClr>
+                </a:solidFill>
+              </p:spPr>
+              <p:style>
+                <a:lnRef idx="2">
+                  <a:schemeClr val="accent1">
+                    <a:shade val="50000"/>
+                  </a:schemeClr>
+                </a:lnRef>
+                <a:fillRef idx="1">
+                  <a:schemeClr val="accent1"/>
+                </a:fillRef>
+                <a:effectRef idx="0">
+                  <a:schemeClr val="accent1"/>
+                </a:effectRef>
+                <a:fontRef idx="minor">
+                  <a:schemeClr val="lt1"/>
+                </a:fontRef>
+              </p:style>
+              <p:txBody>
+                <a:bodyPr rtlCol="0" anchor="ctr"/>
+                <a:lstStyle/>
+                <a:p>
+                  <a:pPr algn="ctr"/>
+                  <a14:m>
+                    <m:oMathPara xmlns:m="http://schemas.openxmlformats.org/officeDocument/2006/math">
+                      <m:oMathParaPr>
+                        <m:jc m:val="center"/>
+                      </m:oMathParaPr>
+                      <m:oMath xmlns:m="http://schemas.openxmlformats.org/officeDocument/2006/math">
+                        <m:sSub>
+                          <m:sSubPr>
+                            <m:ctrlPr>
+                              <a:rPr lang="en-IE" sz="1600" i="1" smtClean="0">
+                                <a:solidFill>
+                                  <a:schemeClr val="tx1"/>
+                                </a:solidFill>
+                                <a:latin typeface="Cambria Math" panose="02040503050406030204" pitchFamily="18" charset="0"/>
+                              </a:rPr>
+                            </m:ctrlPr>
+                          </m:sSubPr>
+                          <m:e>
+                            <m:acc>
+                              <m:accPr>
+                                <m:chr m:val="̂"/>
+                                <m:ctrlPr>
+                                  <a:rPr lang="en-IE" sz="1600" i="1">
+                                    <a:solidFill>
+                                      <a:schemeClr val="tx1"/>
+                                    </a:solidFill>
+                                    <a:latin typeface="Cambria Math" panose="02040503050406030204" pitchFamily="18" charset="0"/>
+                                  </a:rPr>
+                                </m:ctrlPr>
+                              </m:accPr>
+                              <m:e>
+                                <m:r>
+                                  <a:rPr lang="en-IE" sz="1600" i="1">
+                                    <a:solidFill>
+                                      <a:schemeClr val="tx1"/>
+                                    </a:solidFill>
+                                    <a:latin typeface="Cambria Math" panose="02040503050406030204" pitchFamily="18" charset="0"/>
+                                  </a:rPr>
+                                  <m:t>𝑈</m:t>
+                                </m:r>
+                              </m:e>
+                            </m:acc>
+                          </m:e>
+                          <m:sub>
+                            <m:r>
+                              <a:rPr lang="en-IE" sz="1600" b="0" i="1" smtClean="0">
+                                <a:solidFill>
+                                  <a:schemeClr val="tx1"/>
+                                </a:solidFill>
+                                <a:latin typeface="Cambria Math" panose="02040503050406030204" pitchFamily="18" charset="0"/>
+                              </a:rPr>
+                              <m:t>𝑑</m:t>
+                            </m:r>
+                          </m:sub>
+                        </m:sSub>
+                        <m:r>
+                          <a:rPr lang="en-IE" sz="1600" i="1">
+                            <a:solidFill>
+                              <a:schemeClr val="tx1"/>
+                            </a:solidFill>
+                            <a:latin typeface="Cambria Math" panose="02040503050406030204" pitchFamily="18" charset="0"/>
+                          </a:rPr>
+                          <m:t>(</m:t>
+                        </m:r>
+                        <m:sSub>
+                          <m:sSubPr>
+                            <m:ctrlPr>
+                              <a:rPr lang="en-IE" sz="1600" i="1">
+                                <a:solidFill>
+                                  <a:schemeClr val="tx1"/>
+                                </a:solidFill>
+                                <a:latin typeface="Cambria Math" panose="02040503050406030204" pitchFamily="18" charset="0"/>
+                              </a:rPr>
+                            </m:ctrlPr>
+                          </m:sSubPr>
+                          <m:e>
+                            <m:r>
+                              <a:rPr lang="en-IE" sz="1600" i="1">
+                                <a:solidFill>
+                                  <a:schemeClr val="tx1"/>
+                                </a:solidFill>
+                                <a:latin typeface="Cambria Math" panose="02040503050406030204" pitchFamily="18" charset="0"/>
+                              </a:rPr>
+                              <m:t>𝑘</m:t>
+                            </m:r>
+                          </m:e>
+                          <m:sub>
+                            <m:r>
+                              <a:rPr lang="en-IE" sz="1600" i="1">
+                                <a:solidFill>
+                                  <a:schemeClr val="tx1"/>
+                                </a:solidFill>
+                                <a:latin typeface="Cambria Math" panose="02040503050406030204" pitchFamily="18" charset="0"/>
+                              </a:rPr>
+                              <m:t>𝑗</m:t>
+                            </m:r>
+                          </m:sub>
+                        </m:sSub>
+                        <m:r>
+                          <a:rPr lang="en-IE" sz="1600" i="1">
+                            <a:solidFill>
+                              <a:schemeClr val="tx1"/>
+                            </a:solidFill>
+                            <a:latin typeface="Cambria Math" panose="02040503050406030204" pitchFamily="18" charset="0"/>
+                          </a:rPr>
+                          <m:t>)</m:t>
+                        </m:r>
+                      </m:oMath>
+                    </m:oMathPara>
+                  </a14:m>
+                  <a:endParaRPr lang="en-US" sz="1600" dirty="0">
+                    <a:solidFill>
+                      <a:schemeClr val="tx1"/>
+                    </a:solidFill>
+                    <a:latin typeface="LM Roman 12" pitchFamily="2" charset="77"/>
+                  </a:endParaRPr>
+                </a:p>
+              </p:txBody>
+            </p:sp>
+          </mc:Choice>
+          <mc:Fallback xmlns="">
+            <p:sp>
+              <p:nvSpPr>
+                <p:cNvPr id="250" name="Parallelogram 249">
+                  <a:extLst>
+                    <a:ext uri="{FF2B5EF4-FFF2-40B4-BE49-F238E27FC236}">
+                      <a16:creationId xmlns:a16="http://schemas.microsoft.com/office/drawing/2014/main" id="{E62E4F22-E603-29C9-7263-4B5E22B644CB}"/>
+                    </a:ext>
+                  </a:extLst>
+                </p:cNvPr>
+                <p:cNvSpPr>
+                  <a:spLocks noRot="1" noChangeAspect="1" noMove="1" noResize="1" noEditPoints="1" noAdjustHandles="1" noChangeArrowheads="1" noChangeShapeType="1" noTextEdit="1"/>
+                </p:cNvSpPr>
+                <p:nvPr/>
+              </p:nvSpPr>
+              <p:spPr>
+                <a:xfrm>
+                  <a:off x="6075624" y="4350359"/>
+                  <a:ext cx="865066" cy="365124"/>
+                </a:xfrm>
+                <a:prstGeom prst="parallelogram">
+                  <a:avLst/>
+                </a:prstGeom>
+                <a:blipFill>
+                  <a:blip r:embed="rId13"/>
+                  <a:stretch>
+                    <a:fillRect b="-6667"/>
+                  </a:stretch>
+                </a:blipFill>
+              </p:spPr>
+              <p:txBody>
+                <a:bodyPr/>
+                <a:lstStyle/>
+                <a:p>
+                  <a:r>
+                    <a:rPr lang="en-US">
+                      <a:noFill/>
+                    </a:rPr>
+                    <a:t> </a:t>
+                  </a:r>
+                </a:p>
+              </p:txBody>
+            </p:sp>
+          </mc:Fallback>
+        </mc:AlternateContent>
+        <mc:AlternateContent xmlns:mc="http://schemas.openxmlformats.org/markup-compatibility/2006">
+          <mc:Choice xmlns:a14="http://schemas.microsoft.com/office/drawing/2010/main" Requires="a14">
+            <p:sp>
+              <p:nvSpPr>
+                <p:cNvPr id="251" name="Parallelogram 250">
+                  <a:extLst>
+                    <a:ext uri="{FF2B5EF4-FFF2-40B4-BE49-F238E27FC236}">
+                      <a16:creationId xmlns:a16="http://schemas.microsoft.com/office/drawing/2014/main" id="{7137C7EB-13A2-D692-39C1-C3A9097DFC80}"/>
+                    </a:ext>
+                  </a:extLst>
+                </p:cNvPr>
+                <p:cNvSpPr/>
+                <p:nvPr/>
+              </p:nvSpPr>
+              <p:spPr>
+                <a:xfrm>
+                  <a:off x="6075624" y="5692591"/>
+                  <a:ext cx="856125" cy="365124"/>
                 </a:xfrm>
                 <a:prstGeom prst="parallelogram">
                   <a:avLst/>
@@ -6569,16 +8144,30 @@
                             </m:ctrlPr>
                           </m:sSubPr>
                           <m:e>
-                            <m:r>
-                              <a:rPr lang="el-GR" sz="1600" b="1" i="1" smtClean="0">
-                                <a:solidFill>
-                                  <a:schemeClr val="tx1"/>
-                                </a:solidFill>
-                                <a:latin typeface="Cambria Math" panose="02040503050406030204" pitchFamily="18" charset="0"/>
-                                <a:ea typeface="Cambria Math" panose="02040503050406030204" pitchFamily="18" charset="0"/>
-                              </a:rPr>
-                              <m:t>𝜲</m:t>
-                            </m:r>
+                            <m:acc>
+                              <m:accPr>
+                                <m:chr m:val="̂"/>
+                                <m:ctrlPr>
+                                  <a:rPr lang="en-IE" sz="1600" b="0" i="1" smtClean="0">
+                                    <a:solidFill>
+                                      <a:schemeClr val="tx1"/>
+                                    </a:solidFill>
+                                    <a:latin typeface="Cambria Math" panose="02040503050406030204" pitchFamily="18" charset="0"/>
+                                  </a:rPr>
+                                </m:ctrlPr>
+                              </m:accPr>
+                              <m:e>
+                                <m:r>
+                                  <a:rPr lang="en-IE" sz="1600" b="0" i="1" smtClean="0">
+                                    <a:solidFill>
+                                      <a:schemeClr val="tx1"/>
+                                    </a:solidFill>
+                                    <a:latin typeface="Cambria Math" panose="02040503050406030204" pitchFamily="18" charset="0"/>
+                                  </a:rPr>
+                                  <m:t>𝑈</m:t>
+                                </m:r>
+                              </m:e>
+                            </m:acc>
                           </m:e>
                           <m:sub>
                             <m:r>
@@ -6588,2180 +8177,12 @@
                                 </a:solidFill>
                                 <a:latin typeface="Cambria Math" panose="02040503050406030204" pitchFamily="18" charset="0"/>
                               </a:rPr>
-                              <m:t>1</m:t>
+                              <m:t>𝐷</m:t>
                             </m:r>
                           </m:sub>
                         </m:sSub>
                         <m:r>
-                          <a:rPr lang="en-IE" sz="1600" b="0" i="1" smtClean="0">
-                            <a:solidFill>
-                              <a:schemeClr val="tx1"/>
-                            </a:solidFill>
-                            <a:latin typeface="Cambria Math" panose="02040503050406030204" pitchFamily="18" charset="0"/>
-                          </a:rPr>
-                          <m:t>(</m:t>
-                        </m:r>
-                        <m:sSub>
-                          <m:sSubPr>
-                            <m:ctrlPr>
-                              <a:rPr lang="en-IE" sz="1600" b="0" i="1" smtClean="0">
-                                <a:solidFill>
-                                  <a:schemeClr val="tx1"/>
-                                </a:solidFill>
-                                <a:latin typeface="Cambria Math" panose="02040503050406030204" pitchFamily="18" charset="0"/>
-                              </a:rPr>
-                            </m:ctrlPr>
-                          </m:sSubPr>
-                          <m:e>
-                            <m:r>
-                              <a:rPr lang="en-IE" sz="1600" b="0" i="1" smtClean="0">
-                                <a:solidFill>
-                                  <a:schemeClr val="tx1"/>
-                                </a:solidFill>
-                                <a:latin typeface="Cambria Math" panose="02040503050406030204" pitchFamily="18" charset="0"/>
-                              </a:rPr>
-                              <m:t>𝑘</m:t>
-                            </m:r>
-                          </m:e>
-                          <m:sub>
-                            <m:r>
-                              <a:rPr lang="en-IE" sz="1600" b="0" i="1" smtClean="0">
-                                <a:solidFill>
-                                  <a:schemeClr val="tx1"/>
-                                </a:solidFill>
-                                <a:latin typeface="Cambria Math" panose="02040503050406030204" pitchFamily="18" charset="0"/>
-                              </a:rPr>
-                              <m:t>𝑗</m:t>
-                            </m:r>
-                          </m:sub>
-                        </m:sSub>
-                        <m:r>
-                          <a:rPr lang="en-IE" sz="1600" b="0" i="1" smtClean="0">
-                            <a:solidFill>
-                              <a:schemeClr val="tx1"/>
-                            </a:solidFill>
-                            <a:latin typeface="Cambria Math" panose="02040503050406030204" pitchFamily="18" charset="0"/>
-                          </a:rPr>
-                          <m:t>)</m:t>
-                        </m:r>
-                      </m:oMath>
-                    </m:oMathPara>
-                  </a14:m>
-                  <a:endParaRPr lang="en-US" sz="1600" dirty="0">
-                    <a:solidFill>
-                      <a:schemeClr val="tx1"/>
-                    </a:solidFill>
-                    <a:latin typeface="LM Roman 12" pitchFamily="2" charset="77"/>
-                  </a:endParaRPr>
-                </a:p>
-              </p:txBody>
-            </p:sp>
-          </mc:Choice>
-          <mc:Fallback>
-            <p:sp>
-              <p:nvSpPr>
-                <p:cNvPr id="116" name="Parallelogram 115">
-                  <a:extLst>
-                    <a:ext uri="{FF2B5EF4-FFF2-40B4-BE49-F238E27FC236}">
-                      <a16:creationId xmlns:a16="http://schemas.microsoft.com/office/drawing/2014/main" id="{9D706B3E-72EC-276E-A897-1EAFFE5941E1}"/>
-                    </a:ext>
-                  </a:extLst>
-                </p:cNvPr>
-                <p:cNvSpPr>
-                  <a:spLocks noRot="1" noChangeAspect="1" noMove="1" noResize="1" noEditPoints="1" noAdjustHandles="1" noChangeArrowheads="1" noChangeShapeType="1" noTextEdit="1"/>
-                </p:cNvSpPr>
-                <p:nvPr/>
-              </p:nvSpPr>
-              <p:spPr>
-                <a:xfrm>
-                  <a:off x="2820109" y="1956072"/>
-                  <a:ext cx="831451" cy="348099"/>
-                </a:xfrm>
-                <a:prstGeom prst="parallelogram">
-                  <a:avLst/>
-                </a:prstGeom>
-                <a:blipFill>
-                  <a:blip r:embed="rId8"/>
-                  <a:stretch>
-                    <a:fillRect b="-10345"/>
-                  </a:stretch>
-                </a:blipFill>
-              </p:spPr>
-              <p:txBody>
-                <a:bodyPr/>
-                <a:lstStyle/>
-                <a:p>
-                  <a:r>
-                    <a:rPr lang="en-US">
-                      <a:noFill/>
-                    </a:rPr>
-                    <a:t> </a:t>
-                  </a:r>
-                </a:p>
-              </p:txBody>
-            </p:sp>
-          </mc:Fallback>
-        </mc:AlternateContent>
-        <p:grpSp>
-          <p:nvGrpSpPr>
-            <p:cNvPr id="313" name="Group 312">
-              <a:extLst>
-                <a:ext uri="{FF2B5EF4-FFF2-40B4-BE49-F238E27FC236}">
-                  <a16:creationId xmlns:a16="http://schemas.microsoft.com/office/drawing/2014/main" id="{3883AC6F-204E-50E1-2A33-EF6939F43959}"/>
-                </a:ext>
-              </a:extLst>
-            </p:cNvPr>
-            <p:cNvGrpSpPr/>
-            <p:nvPr/>
-          </p:nvGrpSpPr>
-          <p:grpSpPr>
-            <a:xfrm>
-              <a:off x="3608048" y="1962721"/>
-              <a:ext cx="1628781" cy="334800"/>
-              <a:chOff x="3113636" y="2029354"/>
-              <a:chExt cx="1628781" cy="334800"/>
-            </a:xfrm>
-          </p:grpSpPr>
-          <mc:AlternateContent xmlns:mc="http://schemas.openxmlformats.org/markup-compatibility/2006">
-            <mc:Choice xmlns:a14="http://schemas.microsoft.com/office/drawing/2010/main" Requires="a14">
-              <p:sp>
-                <p:nvSpPr>
-                  <p:cNvPr id="125" name="Rounded Rectangle 124">
-                    <a:extLst>
-                      <a:ext uri="{FF2B5EF4-FFF2-40B4-BE49-F238E27FC236}">
-                        <a16:creationId xmlns:a16="http://schemas.microsoft.com/office/drawing/2014/main" id="{B5718154-1151-6832-A237-FA3AE0C75A48}"/>
-                      </a:ext>
-                    </a:extLst>
-                  </p:cNvPr>
-                  <p:cNvSpPr/>
-                  <p:nvPr/>
-                </p:nvSpPr>
-                <p:spPr>
-                  <a:xfrm>
-                    <a:off x="3876559" y="2029354"/>
-                    <a:ext cx="547071" cy="334800"/>
-                  </a:xfrm>
-                  <a:prstGeom prst="roundRect">
-                    <a:avLst/>
-                  </a:prstGeom>
-                  <a:solidFill>
-                    <a:schemeClr val="tx1">
-                      <a:lumMod val="50000"/>
-                      <a:lumOff val="50000"/>
-                    </a:schemeClr>
-                  </a:solidFill>
-                </p:spPr>
-                <p:style>
-                  <a:lnRef idx="2">
-                    <a:schemeClr val="dk1">
-                      <a:shade val="50000"/>
-                    </a:schemeClr>
-                  </a:lnRef>
-                  <a:fillRef idx="1">
-                    <a:schemeClr val="dk1"/>
-                  </a:fillRef>
-                  <a:effectRef idx="0">
-                    <a:schemeClr val="dk1"/>
-                  </a:effectRef>
-                  <a:fontRef idx="minor">
-                    <a:schemeClr val="lt1"/>
-                  </a:fontRef>
-                </p:style>
-                <p:txBody>
-                  <a:bodyPr rtlCol="0" anchor="ctr"/>
-                  <a:lstStyle/>
-                  <a:p>
-                    <a:pPr algn="ctr"/>
-                    <a14:m>
-                      <m:oMathPara xmlns:m="http://schemas.openxmlformats.org/officeDocument/2006/math">
-                        <m:oMathParaPr>
-                          <m:jc m:val="center"/>
-                        </m:oMathParaPr>
-                        <m:oMath xmlns:m="http://schemas.openxmlformats.org/officeDocument/2006/math">
-                          <m:sSub>
-                            <m:sSubPr>
-                              <m:ctrlPr>
-                                <a:rPr lang="en-US" sz="1600" i="1" smtClean="0">
-                                  <a:solidFill>
-                                    <a:schemeClr val="bg1"/>
-                                  </a:solidFill>
-                                  <a:latin typeface="Cambria Math" panose="02040503050406030204" pitchFamily="18" charset="0"/>
-                                  <a:ea typeface="Cambria Math" panose="02040503050406030204" pitchFamily="18" charset="0"/>
-                                </a:rPr>
-                              </m:ctrlPr>
-                            </m:sSubPr>
-                            <m:e>
-                              <m:r>
-                                <a:rPr lang="en-US" sz="1600" b="0" i="1">
-                                  <a:solidFill>
-                                    <a:schemeClr val="bg1"/>
-                                  </a:solidFill>
-                                  <a:latin typeface="Cambria Math" panose="02040503050406030204" pitchFamily="18" charset="0"/>
-                                  <a:ea typeface="Cambria Math" panose="02040503050406030204" pitchFamily="18" charset="0"/>
-                                </a:rPr>
-                                <m:t>𝒢𝒫</m:t>
-                              </m:r>
-                            </m:e>
-                            <m:sub>
-                              <m:r>
-                                <a:rPr lang="en-IE" sz="1600" b="0" i="1" smtClean="0">
-                                  <a:solidFill>
-                                    <a:schemeClr val="bg1"/>
-                                  </a:solidFill>
-                                  <a:latin typeface="Cambria Math" panose="02040503050406030204" pitchFamily="18" charset="0"/>
-                                  <a:ea typeface="Cambria Math" panose="02040503050406030204" pitchFamily="18" charset="0"/>
-                                </a:rPr>
-                                <m:t>1</m:t>
-                              </m:r>
-                            </m:sub>
-                          </m:sSub>
-                        </m:oMath>
-                      </m:oMathPara>
-                    </a14:m>
-                    <a:endParaRPr lang="en-US" sz="1600" dirty="0">
-                      <a:solidFill>
-                        <a:schemeClr val="bg1"/>
-                      </a:solidFill>
-                      <a:latin typeface="LM Roman 12" pitchFamily="2" charset="77"/>
-                    </a:endParaRPr>
-                  </a:p>
-                </p:txBody>
-              </p:sp>
-            </mc:Choice>
-            <mc:Fallback>
-              <p:sp>
-                <p:nvSpPr>
-                  <p:cNvPr id="125" name="Rounded Rectangle 124">
-                    <a:extLst>
-                      <a:ext uri="{FF2B5EF4-FFF2-40B4-BE49-F238E27FC236}">
-                        <a16:creationId xmlns:a16="http://schemas.microsoft.com/office/drawing/2014/main" id="{B5718154-1151-6832-A237-FA3AE0C75A48}"/>
-                      </a:ext>
-                    </a:extLst>
-                  </p:cNvPr>
-                  <p:cNvSpPr>
-                    <a:spLocks noRot="1" noChangeAspect="1" noMove="1" noResize="1" noEditPoints="1" noAdjustHandles="1" noChangeArrowheads="1" noChangeShapeType="1" noTextEdit="1"/>
-                  </p:cNvSpPr>
-                  <p:nvPr/>
-                </p:nvSpPr>
-                <p:spPr>
-                  <a:xfrm>
-                    <a:off x="3876559" y="2029354"/>
-                    <a:ext cx="547071" cy="334800"/>
-                  </a:xfrm>
-                  <a:prstGeom prst="roundRect">
-                    <a:avLst/>
-                  </a:prstGeom>
-                  <a:blipFill>
-                    <a:blip r:embed="rId9"/>
-                    <a:stretch>
-                      <a:fillRect l="-2222" b="-7143"/>
-                    </a:stretch>
-                  </a:blipFill>
-                </p:spPr>
-                <p:txBody>
-                  <a:bodyPr/>
-                  <a:lstStyle/>
-                  <a:p>
-                    <a:r>
-                      <a:rPr lang="en-US">
-                        <a:noFill/>
-                      </a:rPr>
-                      <a:t> </a:t>
-                    </a:r>
-                  </a:p>
-                </p:txBody>
-              </p:sp>
-            </mc:Fallback>
-          </mc:AlternateContent>
-          <p:cxnSp>
-            <p:nvCxnSpPr>
-              <p:cNvPr id="141" name="Straight Arrow Connector 140">
-                <a:extLst>
-                  <a:ext uri="{FF2B5EF4-FFF2-40B4-BE49-F238E27FC236}">
-                    <a16:creationId xmlns:a16="http://schemas.microsoft.com/office/drawing/2014/main" id="{285EC01C-E1FC-0F92-E15A-F5FB0B395544}"/>
-                  </a:ext>
-                </a:extLst>
-              </p:cNvPr>
-              <p:cNvCxnSpPr>
-                <a:cxnSpLocks/>
-                <a:stCxn id="125" idx="1"/>
-                <a:endCxn id="116" idx="2"/>
-              </p:cNvCxnSpPr>
-              <p:nvPr/>
-            </p:nvCxnSpPr>
-            <p:spPr>
-              <a:xfrm flipH="1">
-                <a:off x="3113636" y="2196754"/>
-                <a:ext cx="762923" cy="1"/>
-              </a:xfrm>
-              <a:prstGeom prst="straightConnector1">
-                <a:avLst/>
-              </a:prstGeom>
-              <a:ln w="38100">
-                <a:solidFill>
-                  <a:schemeClr val="tx1"/>
-                </a:solidFill>
-                <a:headEnd type="triangle"/>
-                <a:tailEnd type="none"/>
-              </a:ln>
-            </p:spPr>
-            <p:style>
-              <a:lnRef idx="1">
-                <a:schemeClr val="accent1"/>
-              </a:lnRef>
-              <a:fillRef idx="0">
-                <a:schemeClr val="accent1"/>
-              </a:fillRef>
-              <a:effectRef idx="0">
-                <a:schemeClr val="accent1"/>
-              </a:effectRef>
-              <a:fontRef idx="minor">
-                <a:schemeClr val="tx1"/>
-              </a:fontRef>
-            </p:style>
-          </p:cxnSp>
-          <p:cxnSp>
-            <p:nvCxnSpPr>
-              <p:cNvPr id="169" name="Straight Arrow Connector 168">
-                <a:extLst>
-                  <a:ext uri="{FF2B5EF4-FFF2-40B4-BE49-F238E27FC236}">
-                    <a16:creationId xmlns:a16="http://schemas.microsoft.com/office/drawing/2014/main" id="{FFF95663-66E2-A3F5-7A2F-5C450D4546AB}"/>
-                  </a:ext>
-                </a:extLst>
-              </p:cNvPr>
-              <p:cNvCxnSpPr>
-                <a:cxnSpLocks/>
-                <a:stCxn id="168" idx="5"/>
-                <a:endCxn id="125" idx="3"/>
-              </p:cNvCxnSpPr>
-              <p:nvPr/>
-            </p:nvCxnSpPr>
-            <p:spPr>
-              <a:xfrm flipH="1">
-                <a:off x="4423630" y="2196754"/>
-                <a:ext cx="318787" cy="0"/>
-              </a:xfrm>
-              <a:prstGeom prst="straightConnector1">
-                <a:avLst/>
-              </a:prstGeom>
-              <a:ln w="38100">
-                <a:solidFill>
-                  <a:schemeClr val="tx1"/>
-                </a:solidFill>
-                <a:headEnd type="triangle"/>
-                <a:tailEnd type="none"/>
-              </a:ln>
-            </p:spPr>
-            <p:style>
-              <a:lnRef idx="1">
-                <a:schemeClr val="accent1"/>
-              </a:lnRef>
-              <a:fillRef idx="0">
-                <a:schemeClr val="accent1"/>
-              </a:fillRef>
-              <a:effectRef idx="0">
-                <a:schemeClr val="accent1"/>
-              </a:effectRef>
-              <a:fontRef idx="minor">
-                <a:schemeClr val="tx1"/>
-              </a:fontRef>
-            </p:style>
-          </p:cxnSp>
-        </p:grpSp>
-      </p:grpSp>
-      <p:cxnSp>
-        <p:nvCxnSpPr>
-          <p:cNvPr id="206" name="Straight Arrow Connector 205">
-            <a:extLst>
-              <a:ext uri="{FF2B5EF4-FFF2-40B4-BE49-F238E27FC236}">
-                <a16:creationId xmlns:a16="http://schemas.microsoft.com/office/drawing/2014/main" id="{6E5E1D92-1BDB-3703-1D25-F2B93F5BB974}"/>
-              </a:ext>
-            </a:extLst>
-          </p:cNvPr>
-          <p:cNvCxnSpPr>
-            <a:cxnSpLocks/>
-          </p:cNvCxnSpPr>
-          <p:nvPr/>
-        </p:nvCxnSpPr>
-        <p:spPr>
-          <a:xfrm flipV="1">
-            <a:off x="5577911" y="5891025"/>
-            <a:ext cx="0" cy="264909"/>
-          </a:xfrm>
-          <a:prstGeom prst="straightConnector1">
-            <a:avLst/>
-          </a:prstGeom>
-          <a:ln w="38100">
-            <a:solidFill>
-              <a:schemeClr val="tx1"/>
-            </a:solidFill>
-            <a:headEnd type="triangle"/>
-            <a:tailEnd type="none"/>
-          </a:ln>
-        </p:spPr>
-        <p:style>
-          <a:lnRef idx="1">
-            <a:schemeClr val="accent1"/>
-          </a:lnRef>
-          <a:fillRef idx="0">
-            <a:schemeClr val="accent1"/>
-          </a:fillRef>
-          <a:effectRef idx="0">
-            <a:schemeClr val="accent1"/>
-          </a:effectRef>
-          <a:fontRef idx="minor">
-            <a:schemeClr val="tx1"/>
-          </a:fontRef>
-        </p:style>
-      </p:cxnSp>
-      <p:cxnSp>
-        <p:nvCxnSpPr>
-          <p:cNvPr id="143" name="Straight Arrow Connector 142">
-            <a:extLst>
-              <a:ext uri="{FF2B5EF4-FFF2-40B4-BE49-F238E27FC236}">
-                <a16:creationId xmlns:a16="http://schemas.microsoft.com/office/drawing/2014/main" id="{0DCDAAA0-A9F6-7D46-2473-FB7BAA56090D}"/>
-              </a:ext>
-            </a:extLst>
-          </p:cNvPr>
-          <p:cNvCxnSpPr>
-            <a:cxnSpLocks/>
-          </p:cNvCxnSpPr>
-          <p:nvPr/>
-        </p:nvCxnSpPr>
-        <p:spPr>
-          <a:xfrm rot="16200000" flipV="1">
-            <a:off x="5239329" y="2639810"/>
-            <a:ext cx="0" cy="264909"/>
-          </a:xfrm>
-          <a:prstGeom prst="straightConnector1">
-            <a:avLst/>
-          </a:prstGeom>
-          <a:ln w="38100">
-            <a:solidFill>
-              <a:schemeClr val="tx1"/>
-            </a:solidFill>
-            <a:headEnd type="triangle"/>
-            <a:tailEnd type="none"/>
-          </a:ln>
-        </p:spPr>
-        <p:style>
-          <a:lnRef idx="1">
-            <a:schemeClr val="accent1"/>
-          </a:lnRef>
-          <a:fillRef idx="0">
-            <a:schemeClr val="accent1"/>
-          </a:fillRef>
-          <a:effectRef idx="0">
-            <a:schemeClr val="accent1"/>
-          </a:effectRef>
-          <a:fontRef idx="minor">
-            <a:schemeClr val="tx1"/>
-          </a:fontRef>
-        </p:style>
-      </p:cxnSp>
-      <p:cxnSp>
-        <p:nvCxnSpPr>
-          <p:cNvPr id="213" name="Straight Arrow Connector 212">
-            <a:extLst>
-              <a:ext uri="{FF2B5EF4-FFF2-40B4-BE49-F238E27FC236}">
-                <a16:creationId xmlns:a16="http://schemas.microsoft.com/office/drawing/2014/main" id="{3A5589BF-71B4-BC70-3826-0C6469E0D28B}"/>
-              </a:ext>
-            </a:extLst>
-          </p:cNvPr>
-          <p:cNvCxnSpPr>
-            <a:cxnSpLocks/>
-          </p:cNvCxnSpPr>
-          <p:nvPr/>
-        </p:nvCxnSpPr>
-        <p:spPr>
-          <a:xfrm rot="16200000" flipV="1">
-            <a:off x="5935365" y="2639810"/>
-            <a:ext cx="0" cy="264909"/>
-          </a:xfrm>
-          <a:prstGeom prst="straightConnector1">
-            <a:avLst/>
-          </a:prstGeom>
-          <a:ln w="38100">
-            <a:solidFill>
-              <a:schemeClr val="tx1"/>
-            </a:solidFill>
-            <a:headEnd type="triangle"/>
-            <a:tailEnd type="none"/>
-          </a:ln>
-        </p:spPr>
-        <p:style>
-          <a:lnRef idx="1">
-            <a:schemeClr val="accent1"/>
-          </a:lnRef>
-          <a:fillRef idx="0">
-            <a:schemeClr val="accent1"/>
-          </a:fillRef>
-          <a:effectRef idx="0">
-            <a:schemeClr val="accent1"/>
-          </a:effectRef>
-          <a:fontRef idx="minor">
-            <a:schemeClr val="tx1"/>
-          </a:fontRef>
-        </p:style>
-      </p:cxnSp>
-      <mc:AlternateContent xmlns:mc="http://schemas.openxmlformats.org/markup-compatibility/2006">
-        <mc:Choice xmlns:a14="http://schemas.microsoft.com/office/drawing/2010/main" Requires="a14">
-          <p:sp>
-            <p:nvSpPr>
-              <p:cNvPr id="216" name="Parallelogram 215">
-                <a:extLst>
-                  <a:ext uri="{FF2B5EF4-FFF2-40B4-BE49-F238E27FC236}">
-                    <a16:creationId xmlns:a16="http://schemas.microsoft.com/office/drawing/2014/main" id="{D4F351C7-EC35-3A49-FCF5-550A33464A72}"/>
-                  </a:ext>
-                </a:extLst>
-              </p:cNvPr>
-              <p:cNvSpPr/>
-              <p:nvPr/>
-            </p:nvSpPr>
-            <p:spPr>
-              <a:xfrm>
-                <a:off x="4162145" y="4353444"/>
-                <a:ext cx="1001116" cy="365124"/>
-              </a:xfrm>
-              <a:prstGeom prst="parallelogram">
-                <a:avLst/>
-              </a:prstGeom>
-              <a:solidFill>
-                <a:schemeClr val="bg2">
-                  <a:lumMod val="20000"/>
-                  <a:lumOff val="80000"/>
-                </a:schemeClr>
-              </a:solidFill>
-            </p:spPr>
-            <p:style>
-              <a:lnRef idx="2">
-                <a:schemeClr val="accent1">
-                  <a:shade val="50000"/>
-                </a:schemeClr>
-              </a:lnRef>
-              <a:fillRef idx="1">
-                <a:schemeClr val="accent1"/>
-              </a:fillRef>
-              <a:effectRef idx="0">
-                <a:schemeClr val="accent1"/>
-              </a:effectRef>
-              <a:fontRef idx="minor">
-                <a:schemeClr val="lt1"/>
-              </a:fontRef>
-            </p:style>
-            <p:txBody>
-              <a:bodyPr rtlCol="0" anchor="ctr"/>
-              <a:lstStyle/>
-              <a:p>
-                <a:pPr algn="ctr"/>
-                <a14:m>
-                  <m:oMathPara xmlns:m="http://schemas.openxmlformats.org/officeDocument/2006/math">
-                    <m:oMathParaPr>
-                      <m:jc m:val="center"/>
-                    </m:oMathParaPr>
-                    <m:oMath xmlns:m="http://schemas.openxmlformats.org/officeDocument/2006/math">
-                      <m:sSubSup>
-                        <m:sSubSupPr>
-                          <m:ctrlPr>
-                            <a:rPr lang="en-IE" sz="1600" i="1" smtClean="0">
-                              <a:solidFill>
-                                <a:schemeClr val="tx1"/>
-                              </a:solidFill>
-                              <a:latin typeface="Cambria Math" panose="02040503050406030204" pitchFamily="18" charset="0"/>
-                            </a:rPr>
-                          </m:ctrlPr>
-                        </m:sSubSupPr>
-                        <m:e>
-                          <m:r>
-                            <a:rPr lang="en-IE" sz="1600" i="1">
-                              <a:solidFill>
-                                <a:schemeClr val="tx1"/>
-                              </a:solidFill>
-                              <a:latin typeface="Cambria Math" panose="02040503050406030204" pitchFamily="18" charset="0"/>
-                            </a:rPr>
-                            <m:t>𝑈</m:t>
-                          </m:r>
-                        </m:e>
-                        <m:sub>
-                          <m:r>
-                            <a:rPr lang="en-IE" sz="1600" b="0" i="1" smtClean="0">
-                              <a:solidFill>
-                                <a:schemeClr val="tx1"/>
-                              </a:solidFill>
-                              <a:latin typeface="Cambria Math" panose="02040503050406030204" pitchFamily="18" charset="0"/>
-                            </a:rPr>
-                            <m:t>𝑑</m:t>
-                          </m:r>
-                        </m:sub>
-                        <m:sup>
-                          <m:r>
-                            <a:rPr lang="en-IE" sz="1600" i="1">
-                              <a:solidFill>
-                                <a:schemeClr val="tx1"/>
-                              </a:solidFill>
-                              <a:latin typeface="Cambria Math" panose="02040503050406030204" pitchFamily="18" charset="0"/>
-                            </a:rPr>
-                            <m:t>𝑚𝑑</m:t>
-                          </m:r>
-                        </m:sup>
-                      </m:sSubSup>
-                      <m:r>
-                        <a:rPr lang="en-IE" sz="1600" b="0" i="1" smtClean="0">
-                          <a:solidFill>
-                            <a:schemeClr val="tx1"/>
-                          </a:solidFill>
-                          <a:latin typeface="Cambria Math" panose="02040503050406030204" pitchFamily="18" charset="0"/>
-                        </a:rPr>
-                        <m:t>(</m:t>
-                      </m:r>
-                      <m:sSub>
-                        <m:sSubPr>
-                          <m:ctrlPr>
-                            <a:rPr lang="en-IE" sz="1600" i="1">
-                              <a:solidFill>
-                                <a:schemeClr val="tx1"/>
-                              </a:solidFill>
-                              <a:latin typeface="Cambria Math" panose="02040503050406030204" pitchFamily="18" charset="0"/>
-                            </a:rPr>
-                          </m:ctrlPr>
-                        </m:sSubPr>
-                        <m:e>
-                          <m:r>
-                            <a:rPr lang="en-IE" sz="1600" i="1">
-                              <a:solidFill>
-                                <a:schemeClr val="tx1"/>
-                              </a:solidFill>
-                              <a:latin typeface="Cambria Math" panose="02040503050406030204" pitchFamily="18" charset="0"/>
-                            </a:rPr>
-                            <m:t>𝑘</m:t>
-                          </m:r>
-                        </m:e>
-                        <m:sub>
-                          <m:r>
-                            <a:rPr lang="en-IE" sz="1600" i="1">
-                              <a:solidFill>
-                                <a:schemeClr val="tx1"/>
-                              </a:solidFill>
-                              <a:latin typeface="Cambria Math" panose="02040503050406030204" pitchFamily="18" charset="0"/>
-                            </a:rPr>
-                            <m:t>𝑗</m:t>
-                          </m:r>
-                        </m:sub>
-                      </m:sSub>
-                      <m:r>
-                        <a:rPr lang="en-IE" sz="1600" b="0" i="1" smtClean="0">
-                          <a:solidFill>
-                            <a:schemeClr val="tx1"/>
-                          </a:solidFill>
-                          <a:latin typeface="Cambria Math" panose="02040503050406030204" pitchFamily="18" charset="0"/>
-                        </a:rPr>
-                        <m:t>)</m:t>
-                      </m:r>
-                    </m:oMath>
-                  </m:oMathPara>
-                </a14:m>
-                <a:endParaRPr lang="en-US" sz="1600" dirty="0">
-                  <a:solidFill>
-                    <a:schemeClr val="tx1"/>
-                  </a:solidFill>
-                  <a:latin typeface="LM Roman 12" pitchFamily="2" charset="77"/>
-                </a:endParaRPr>
-              </a:p>
-            </p:txBody>
-          </p:sp>
-        </mc:Choice>
-        <mc:Fallback>
-          <p:sp>
-            <p:nvSpPr>
-              <p:cNvPr id="216" name="Parallelogram 215">
-                <a:extLst>
-                  <a:ext uri="{FF2B5EF4-FFF2-40B4-BE49-F238E27FC236}">
-                    <a16:creationId xmlns:a16="http://schemas.microsoft.com/office/drawing/2014/main" id="{D4F351C7-EC35-3A49-FCF5-550A33464A72}"/>
-                  </a:ext>
-                </a:extLst>
-              </p:cNvPr>
-              <p:cNvSpPr>
-                <a:spLocks noRot="1" noChangeAspect="1" noMove="1" noResize="1" noEditPoints="1" noAdjustHandles="1" noChangeArrowheads="1" noChangeShapeType="1" noTextEdit="1"/>
-              </p:cNvSpPr>
-              <p:nvPr/>
-            </p:nvSpPr>
-            <p:spPr>
-              <a:xfrm>
-                <a:off x="4162145" y="4353444"/>
-                <a:ext cx="1001116" cy="365124"/>
-              </a:xfrm>
-              <a:prstGeom prst="parallelogram">
-                <a:avLst/>
-              </a:prstGeom>
-              <a:blipFill>
-                <a:blip r:embed="rId10"/>
-                <a:stretch>
-                  <a:fillRect b="-10000"/>
-                </a:stretch>
-              </a:blipFill>
-            </p:spPr>
-            <p:txBody>
-              <a:bodyPr/>
-              <a:lstStyle/>
-              <a:p>
-                <a:r>
-                  <a:rPr lang="en-US">
-                    <a:noFill/>
-                  </a:rPr>
-                  <a:t> </a:t>
-                </a:r>
-              </a:p>
-            </p:txBody>
-          </p:sp>
-        </mc:Fallback>
-      </mc:AlternateContent>
-      <mc:AlternateContent xmlns:mc="http://schemas.openxmlformats.org/markup-compatibility/2006">
-        <mc:Choice xmlns:a14="http://schemas.microsoft.com/office/drawing/2010/main" Requires="a14">
-          <p:sp>
-            <p:nvSpPr>
-              <p:cNvPr id="217" name="Parallelogram 216">
-                <a:extLst>
-                  <a:ext uri="{FF2B5EF4-FFF2-40B4-BE49-F238E27FC236}">
-                    <a16:creationId xmlns:a16="http://schemas.microsoft.com/office/drawing/2014/main" id="{2F812347-3490-5717-34DE-1E7646D80971}"/>
-                  </a:ext>
-                </a:extLst>
-              </p:cNvPr>
-              <p:cNvSpPr/>
-              <p:nvPr/>
-            </p:nvSpPr>
-            <p:spPr>
-              <a:xfrm>
-                <a:off x="4147417" y="6176873"/>
-                <a:ext cx="993884" cy="365124"/>
-              </a:xfrm>
-              <a:prstGeom prst="parallelogram">
-                <a:avLst/>
-              </a:prstGeom>
-              <a:solidFill>
-                <a:schemeClr val="bg2">
-                  <a:lumMod val="20000"/>
-                  <a:lumOff val="80000"/>
-                </a:schemeClr>
-              </a:solidFill>
-            </p:spPr>
-            <p:style>
-              <a:lnRef idx="2">
-                <a:schemeClr val="accent1">
-                  <a:shade val="50000"/>
-                </a:schemeClr>
-              </a:lnRef>
-              <a:fillRef idx="1">
-                <a:schemeClr val="accent1"/>
-              </a:fillRef>
-              <a:effectRef idx="0">
-                <a:schemeClr val="accent1"/>
-              </a:effectRef>
-              <a:fontRef idx="minor">
-                <a:schemeClr val="lt1"/>
-              </a:fontRef>
-            </p:style>
-            <p:txBody>
-              <a:bodyPr rtlCol="0" anchor="ctr"/>
-              <a:lstStyle/>
-              <a:p>
-                <a:pPr algn="ctr"/>
-                <a14:m>
-                  <m:oMathPara xmlns:m="http://schemas.openxmlformats.org/officeDocument/2006/math">
-                    <m:oMathParaPr>
-                      <m:jc m:val="center"/>
-                    </m:oMathParaPr>
-                    <m:oMath xmlns:m="http://schemas.openxmlformats.org/officeDocument/2006/math">
-                      <m:sSubSup>
-                        <m:sSubSupPr>
-                          <m:ctrlPr>
-                            <a:rPr lang="en-IE" sz="1600" i="1" smtClean="0">
-                              <a:solidFill>
-                                <a:schemeClr val="tx1"/>
-                              </a:solidFill>
-                              <a:latin typeface="Cambria Math" panose="02040503050406030204" pitchFamily="18" charset="0"/>
-                            </a:rPr>
-                          </m:ctrlPr>
-                        </m:sSubSupPr>
-                        <m:e>
-                          <m:r>
-                            <a:rPr lang="en-IE" sz="1600" i="1">
-                              <a:solidFill>
-                                <a:schemeClr val="tx1"/>
-                              </a:solidFill>
-                              <a:latin typeface="Cambria Math" panose="02040503050406030204" pitchFamily="18" charset="0"/>
-                            </a:rPr>
-                            <m:t>𝑈</m:t>
-                          </m:r>
-                        </m:e>
-                        <m:sub>
-                          <m:r>
-                            <a:rPr lang="en-IE" sz="1600" b="0" i="1" smtClean="0">
-                              <a:solidFill>
-                                <a:schemeClr val="tx1"/>
-                              </a:solidFill>
-                              <a:latin typeface="Cambria Math" panose="02040503050406030204" pitchFamily="18" charset="0"/>
-                            </a:rPr>
-                            <m:t>𝐷</m:t>
-                          </m:r>
-                        </m:sub>
-                        <m:sup>
-                          <m:r>
-                            <a:rPr lang="en-IE" sz="1600" i="1">
-                              <a:solidFill>
-                                <a:schemeClr val="tx1"/>
-                              </a:solidFill>
-                              <a:latin typeface="Cambria Math" panose="02040503050406030204" pitchFamily="18" charset="0"/>
-                            </a:rPr>
-                            <m:t>𝑚𝑑</m:t>
-                          </m:r>
-                        </m:sup>
-                      </m:sSubSup>
-                      <m:r>
-                        <a:rPr lang="en-IE" sz="1600" b="0" i="1" smtClean="0">
-                          <a:solidFill>
-                            <a:schemeClr val="tx1"/>
-                          </a:solidFill>
-                          <a:latin typeface="Cambria Math" panose="02040503050406030204" pitchFamily="18" charset="0"/>
-                        </a:rPr>
-                        <m:t>(</m:t>
-                      </m:r>
-                      <m:sSub>
-                        <m:sSubPr>
-                          <m:ctrlPr>
-                            <a:rPr lang="en-IE" sz="1600" i="1">
-                              <a:solidFill>
-                                <a:schemeClr val="tx1"/>
-                              </a:solidFill>
-                              <a:latin typeface="Cambria Math" panose="02040503050406030204" pitchFamily="18" charset="0"/>
-                            </a:rPr>
-                          </m:ctrlPr>
-                        </m:sSubPr>
-                        <m:e>
-                          <m:r>
-                            <a:rPr lang="en-IE" sz="1600" i="1">
-                              <a:solidFill>
-                                <a:schemeClr val="tx1"/>
-                              </a:solidFill>
-                              <a:latin typeface="Cambria Math" panose="02040503050406030204" pitchFamily="18" charset="0"/>
-                            </a:rPr>
-                            <m:t>𝑘</m:t>
-                          </m:r>
-                        </m:e>
-                        <m:sub>
-                          <m:r>
-                            <a:rPr lang="en-IE" sz="1600" i="1">
-                              <a:solidFill>
-                                <a:schemeClr val="tx1"/>
-                              </a:solidFill>
-                              <a:latin typeface="Cambria Math" panose="02040503050406030204" pitchFamily="18" charset="0"/>
-                            </a:rPr>
-                            <m:t>𝑗</m:t>
-                          </m:r>
-                        </m:sub>
-                      </m:sSub>
-                      <m:r>
-                        <a:rPr lang="en-IE" sz="1600" b="0" i="1" smtClean="0">
-                          <a:solidFill>
-                            <a:schemeClr val="tx1"/>
-                          </a:solidFill>
-                          <a:latin typeface="Cambria Math" panose="02040503050406030204" pitchFamily="18" charset="0"/>
-                        </a:rPr>
-                        <m:t>)</m:t>
-                      </m:r>
-                    </m:oMath>
-                  </m:oMathPara>
-                </a14:m>
-                <a:endParaRPr lang="en-US" sz="1600" dirty="0">
-                  <a:solidFill>
-                    <a:schemeClr val="tx1"/>
-                  </a:solidFill>
-                  <a:latin typeface="LM Roman 12" pitchFamily="2" charset="77"/>
-                </a:endParaRPr>
-              </a:p>
-            </p:txBody>
-          </p:sp>
-        </mc:Choice>
-        <mc:Fallback>
-          <p:sp>
-            <p:nvSpPr>
-              <p:cNvPr id="217" name="Parallelogram 216">
-                <a:extLst>
-                  <a:ext uri="{FF2B5EF4-FFF2-40B4-BE49-F238E27FC236}">
-                    <a16:creationId xmlns:a16="http://schemas.microsoft.com/office/drawing/2014/main" id="{2F812347-3490-5717-34DE-1E7646D80971}"/>
-                  </a:ext>
-                </a:extLst>
-              </p:cNvPr>
-              <p:cNvSpPr>
-                <a:spLocks noRot="1" noChangeAspect="1" noMove="1" noResize="1" noEditPoints="1" noAdjustHandles="1" noChangeArrowheads="1" noChangeShapeType="1" noTextEdit="1"/>
-              </p:cNvSpPr>
-              <p:nvPr/>
-            </p:nvSpPr>
-            <p:spPr>
-              <a:xfrm>
-                <a:off x="4147417" y="6176873"/>
-                <a:ext cx="993884" cy="365124"/>
-              </a:xfrm>
-              <a:prstGeom prst="parallelogram">
-                <a:avLst/>
-              </a:prstGeom>
-              <a:blipFill>
-                <a:blip r:embed="rId11"/>
-                <a:stretch>
-                  <a:fillRect b="-6452"/>
-                </a:stretch>
-              </a:blipFill>
-            </p:spPr>
-            <p:txBody>
-              <a:bodyPr/>
-              <a:lstStyle/>
-              <a:p>
-                <a:r>
-                  <a:rPr lang="en-US">
-                    <a:noFill/>
-                  </a:rPr>
-                  <a:t> </a:t>
-                </a:r>
-              </a:p>
-            </p:txBody>
-          </p:sp>
-        </mc:Fallback>
-      </mc:AlternateContent>
-      <p:cxnSp>
-        <p:nvCxnSpPr>
-          <p:cNvPr id="240" name="Straight Arrow Connector 239">
-            <a:extLst>
-              <a:ext uri="{FF2B5EF4-FFF2-40B4-BE49-F238E27FC236}">
-                <a16:creationId xmlns:a16="http://schemas.microsoft.com/office/drawing/2014/main" id="{59882AA0-AC67-7F18-A4A8-D8F40AE2B9AA}"/>
-              </a:ext>
-            </a:extLst>
-          </p:cNvPr>
-          <p:cNvCxnSpPr>
-            <a:cxnSpLocks/>
-          </p:cNvCxnSpPr>
-          <p:nvPr/>
-        </p:nvCxnSpPr>
-        <p:spPr>
-          <a:xfrm rot="16200000" flipV="1">
-            <a:off x="5229893" y="4431898"/>
-            <a:ext cx="0" cy="264909"/>
-          </a:xfrm>
-          <a:prstGeom prst="straightConnector1">
-            <a:avLst/>
-          </a:prstGeom>
-          <a:ln w="38100">
-            <a:solidFill>
-              <a:schemeClr val="tx1"/>
-            </a:solidFill>
-            <a:headEnd type="triangle"/>
-            <a:tailEnd type="none"/>
-          </a:ln>
-        </p:spPr>
-        <p:style>
-          <a:lnRef idx="1">
-            <a:schemeClr val="accent1"/>
-          </a:lnRef>
-          <a:fillRef idx="0">
-            <a:schemeClr val="accent1"/>
-          </a:fillRef>
-          <a:effectRef idx="0">
-            <a:schemeClr val="accent1"/>
-          </a:effectRef>
-          <a:fontRef idx="minor">
-            <a:schemeClr val="tx1"/>
-          </a:fontRef>
-        </p:style>
-      </p:cxnSp>
-      <p:cxnSp>
-        <p:nvCxnSpPr>
-          <p:cNvPr id="241" name="Straight Arrow Connector 240">
-            <a:extLst>
-              <a:ext uri="{FF2B5EF4-FFF2-40B4-BE49-F238E27FC236}">
-                <a16:creationId xmlns:a16="http://schemas.microsoft.com/office/drawing/2014/main" id="{1A7000A4-191A-E527-196A-DFD12E0BE676}"/>
-              </a:ext>
-            </a:extLst>
-          </p:cNvPr>
-          <p:cNvCxnSpPr>
-            <a:cxnSpLocks/>
-          </p:cNvCxnSpPr>
-          <p:nvPr/>
-        </p:nvCxnSpPr>
-        <p:spPr>
-          <a:xfrm rot="16200000" flipV="1">
-            <a:off x="5925929" y="4431898"/>
-            <a:ext cx="0" cy="264909"/>
-          </a:xfrm>
-          <a:prstGeom prst="straightConnector1">
-            <a:avLst/>
-          </a:prstGeom>
-          <a:ln w="38100">
-            <a:solidFill>
-              <a:schemeClr val="tx1"/>
-            </a:solidFill>
-            <a:headEnd type="triangle"/>
-            <a:tailEnd type="none"/>
-          </a:ln>
-        </p:spPr>
-        <p:style>
-          <a:lnRef idx="1">
-            <a:schemeClr val="accent1"/>
-          </a:lnRef>
-          <a:fillRef idx="0">
-            <a:schemeClr val="accent1"/>
-          </a:fillRef>
-          <a:effectRef idx="0">
-            <a:schemeClr val="accent1"/>
-          </a:effectRef>
-          <a:fontRef idx="minor">
-            <a:schemeClr val="tx1"/>
-          </a:fontRef>
-        </p:style>
-      </p:cxnSp>
-      <p:cxnSp>
-        <p:nvCxnSpPr>
-          <p:cNvPr id="243" name="Straight Arrow Connector 242">
-            <a:extLst>
-              <a:ext uri="{FF2B5EF4-FFF2-40B4-BE49-F238E27FC236}">
-                <a16:creationId xmlns:a16="http://schemas.microsoft.com/office/drawing/2014/main" id="{FC00652D-1ACB-F149-80B4-43B203AF5CA7}"/>
-              </a:ext>
-            </a:extLst>
-          </p:cNvPr>
-          <p:cNvCxnSpPr>
-            <a:cxnSpLocks/>
-          </p:cNvCxnSpPr>
-          <p:nvPr/>
-        </p:nvCxnSpPr>
-        <p:spPr>
-          <a:xfrm rot="16200000" flipV="1">
-            <a:off x="5239329" y="6237729"/>
-            <a:ext cx="0" cy="264909"/>
-          </a:xfrm>
-          <a:prstGeom prst="straightConnector1">
-            <a:avLst/>
-          </a:prstGeom>
-          <a:ln w="38100">
-            <a:solidFill>
-              <a:schemeClr val="tx1"/>
-            </a:solidFill>
-            <a:headEnd type="triangle"/>
-            <a:tailEnd type="none"/>
-          </a:ln>
-        </p:spPr>
-        <p:style>
-          <a:lnRef idx="1">
-            <a:schemeClr val="accent1"/>
-          </a:lnRef>
-          <a:fillRef idx="0">
-            <a:schemeClr val="accent1"/>
-          </a:fillRef>
-          <a:effectRef idx="0">
-            <a:schemeClr val="accent1"/>
-          </a:effectRef>
-          <a:fontRef idx="minor">
-            <a:schemeClr val="tx1"/>
-          </a:fontRef>
-        </p:style>
-      </p:cxnSp>
-      <p:cxnSp>
-        <p:nvCxnSpPr>
-          <p:cNvPr id="244" name="Straight Arrow Connector 243">
-            <a:extLst>
-              <a:ext uri="{FF2B5EF4-FFF2-40B4-BE49-F238E27FC236}">
-                <a16:creationId xmlns:a16="http://schemas.microsoft.com/office/drawing/2014/main" id="{BAA51044-4AFB-7467-20A8-985A10001A9E}"/>
-              </a:ext>
-            </a:extLst>
-          </p:cNvPr>
-          <p:cNvCxnSpPr>
-            <a:cxnSpLocks/>
-          </p:cNvCxnSpPr>
-          <p:nvPr/>
-        </p:nvCxnSpPr>
-        <p:spPr>
-          <a:xfrm rot="16200000" flipV="1">
-            <a:off x="5935365" y="6237729"/>
-            <a:ext cx="0" cy="264909"/>
-          </a:xfrm>
-          <a:prstGeom prst="straightConnector1">
-            <a:avLst/>
-          </a:prstGeom>
-          <a:ln w="38100">
-            <a:solidFill>
-              <a:schemeClr val="tx1"/>
-            </a:solidFill>
-            <a:headEnd type="triangle"/>
-            <a:tailEnd type="none"/>
-          </a:ln>
-        </p:spPr>
-        <p:style>
-          <a:lnRef idx="1">
-            <a:schemeClr val="accent1"/>
-          </a:lnRef>
-          <a:fillRef idx="0">
-            <a:schemeClr val="accent1"/>
-          </a:fillRef>
-          <a:effectRef idx="0">
-            <a:schemeClr val="accent1"/>
-          </a:effectRef>
-          <a:fontRef idx="minor">
-            <a:schemeClr val="tx1"/>
-          </a:fontRef>
-        </p:style>
-      </p:cxnSp>
-      <p:cxnSp>
-        <p:nvCxnSpPr>
-          <p:cNvPr id="245" name="Straight Arrow Connector 244">
-            <a:extLst>
-              <a:ext uri="{FF2B5EF4-FFF2-40B4-BE49-F238E27FC236}">
-                <a16:creationId xmlns:a16="http://schemas.microsoft.com/office/drawing/2014/main" id="{0427CB26-3F0D-34D7-D802-D4978C317091}"/>
-              </a:ext>
-            </a:extLst>
-          </p:cNvPr>
-          <p:cNvCxnSpPr>
-            <a:cxnSpLocks/>
-            <a:stCxn id="216" idx="5"/>
-            <a:endCxn id="12" idx="3"/>
-          </p:cNvCxnSpPr>
-          <p:nvPr/>
-        </p:nvCxnSpPr>
-        <p:spPr>
-          <a:xfrm flipH="1">
-            <a:off x="2497119" y="4536006"/>
-            <a:ext cx="1710667" cy="14135"/>
-          </a:xfrm>
-          <a:prstGeom prst="straightConnector1">
-            <a:avLst/>
-          </a:prstGeom>
-          <a:ln w="38100">
-            <a:solidFill>
-              <a:srgbClr val="0070C0"/>
-            </a:solidFill>
-            <a:headEnd type="triangle"/>
-            <a:tailEnd type="none"/>
-          </a:ln>
-        </p:spPr>
-        <p:style>
-          <a:lnRef idx="1">
-            <a:schemeClr val="accent1"/>
-          </a:lnRef>
-          <a:fillRef idx="0">
-            <a:schemeClr val="accent1"/>
-          </a:fillRef>
-          <a:effectRef idx="0">
-            <a:schemeClr val="accent1"/>
-          </a:effectRef>
-          <a:fontRef idx="minor">
-            <a:schemeClr val="tx1"/>
-          </a:fontRef>
-        </p:style>
-      </p:cxnSp>
-      <mc:AlternateContent xmlns:mc="http://schemas.openxmlformats.org/markup-compatibility/2006">
-        <mc:Choice xmlns:a14="http://schemas.microsoft.com/office/drawing/2010/main" Requires="a14">
-          <p:sp>
-            <p:nvSpPr>
-              <p:cNvPr id="248" name="Parallelogram 247">
-                <a:extLst>
-                  <a:ext uri="{FF2B5EF4-FFF2-40B4-BE49-F238E27FC236}">
-                    <a16:creationId xmlns:a16="http://schemas.microsoft.com/office/drawing/2014/main" id="{04C30ACF-A7AA-FBB0-D6F2-BE62556002B0}"/>
-                  </a:ext>
-                </a:extLst>
-              </p:cNvPr>
-              <p:cNvSpPr/>
-              <p:nvPr/>
-            </p:nvSpPr>
-            <p:spPr>
-              <a:xfrm>
-                <a:off x="6017682" y="2547806"/>
-                <a:ext cx="852965" cy="365124"/>
-              </a:xfrm>
-              <a:prstGeom prst="parallelogram">
-                <a:avLst/>
-              </a:prstGeom>
-              <a:solidFill>
-                <a:schemeClr val="bg2">
-                  <a:lumMod val="20000"/>
-                  <a:lumOff val="80000"/>
-                </a:schemeClr>
-              </a:solidFill>
-            </p:spPr>
-            <p:style>
-              <a:lnRef idx="2">
-                <a:schemeClr val="accent1">
-                  <a:shade val="50000"/>
-                </a:schemeClr>
-              </a:lnRef>
-              <a:fillRef idx="1">
-                <a:schemeClr val="accent1"/>
-              </a:fillRef>
-              <a:effectRef idx="0">
-                <a:schemeClr val="accent1"/>
-              </a:effectRef>
-              <a:fontRef idx="minor">
-                <a:schemeClr val="lt1"/>
-              </a:fontRef>
-            </p:style>
-            <p:txBody>
-              <a:bodyPr rtlCol="0" anchor="ctr"/>
-              <a:lstStyle/>
-              <a:p>
-                <a:pPr algn="ctr"/>
-                <a14:m>
-                  <m:oMathPara xmlns:m="http://schemas.openxmlformats.org/officeDocument/2006/math">
-                    <m:oMathParaPr>
-                      <m:jc m:val="center"/>
-                    </m:oMathParaPr>
-                    <m:oMath xmlns:m="http://schemas.openxmlformats.org/officeDocument/2006/math">
-                      <m:sSubSup>
-                        <m:sSubSupPr>
-                          <m:ctrlPr>
-                            <a:rPr lang="en-IE" sz="1600" i="1" smtClean="0">
-                              <a:solidFill>
-                                <a:schemeClr val="tx1"/>
-                              </a:solidFill>
-                              <a:latin typeface="Cambria Math" panose="02040503050406030204" pitchFamily="18" charset="0"/>
-                            </a:rPr>
-                          </m:ctrlPr>
-                        </m:sSubSupPr>
-                        <m:e>
-                          <m:r>
-                            <a:rPr lang="en-IE" sz="1600" i="1">
-                              <a:solidFill>
-                                <a:schemeClr val="tx1"/>
-                              </a:solidFill>
-                              <a:latin typeface="Cambria Math" panose="02040503050406030204" pitchFamily="18" charset="0"/>
-                            </a:rPr>
-                            <m:t>𝑈</m:t>
-                          </m:r>
-                        </m:e>
-                        <m:sub>
-                          <m:r>
-                            <a:rPr lang="en-IE" sz="1600" i="1">
-                              <a:solidFill>
-                                <a:schemeClr val="tx1"/>
-                              </a:solidFill>
-                              <a:latin typeface="Cambria Math" panose="02040503050406030204" pitchFamily="18" charset="0"/>
-                            </a:rPr>
-                            <m:t>1</m:t>
-                          </m:r>
-                        </m:sub>
-                        <m:sup>
-                          <m:r>
-                            <a:rPr lang="en-IE" sz="1600" i="1">
-                              <a:solidFill>
-                                <a:schemeClr val="tx1"/>
-                              </a:solidFill>
-                              <a:latin typeface="Cambria Math" panose="02040503050406030204" pitchFamily="18" charset="0"/>
-                            </a:rPr>
-                            <m:t>𝑙</m:t>
-                          </m:r>
-                        </m:sup>
-                      </m:sSubSup>
-                      <m:r>
-                        <a:rPr lang="en-IE" sz="1600" i="1">
-                          <a:solidFill>
-                            <a:schemeClr val="tx1"/>
-                          </a:solidFill>
-                          <a:latin typeface="Cambria Math" panose="02040503050406030204" pitchFamily="18" charset="0"/>
-                        </a:rPr>
-                        <m:t>(</m:t>
-                      </m:r>
-                      <m:sSub>
-                        <m:sSubPr>
-                          <m:ctrlPr>
-                            <a:rPr lang="en-IE" sz="1600" i="1">
-                              <a:solidFill>
-                                <a:schemeClr val="tx1"/>
-                              </a:solidFill>
-                              <a:latin typeface="Cambria Math" panose="02040503050406030204" pitchFamily="18" charset="0"/>
-                            </a:rPr>
-                          </m:ctrlPr>
-                        </m:sSubPr>
-                        <m:e>
-                          <m:r>
-                            <a:rPr lang="en-IE" sz="1600" i="1">
-                              <a:solidFill>
-                                <a:schemeClr val="tx1"/>
-                              </a:solidFill>
-                              <a:latin typeface="Cambria Math" panose="02040503050406030204" pitchFamily="18" charset="0"/>
-                            </a:rPr>
-                            <m:t>𝑘</m:t>
-                          </m:r>
-                        </m:e>
-                        <m:sub>
-                          <m:r>
-                            <a:rPr lang="en-IE" sz="1600" i="1">
-                              <a:solidFill>
-                                <a:schemeClr val="tx1"/>
-                              </a:solidFill>
-                              <a:latin typeface="Cambria Math" panose="02040503050406030204" pitchFamily="18" charset="0"/>
-                            </a:rPr>
-                            <m:t>𝑗</m:t>
-                          </m:r>
-                        </m:sub>
-                      </m:sSub>
-                      <m:r>
-                        <a:rPr lang="en-IE" sz="1600" b="0" i="1" smtClean="0">
-                          <a:solidFill>
-                            <a:schemeClr val="tx1"/>
-                          </a:solidFill>
-                          <a:latin typeface="Cambria Math" panose="02040503050406030204" pitchFamily="18" charset="0"/>
-                        </a:rPr>
-                        <m:t>)</m:t>
-                      </m:r>
-                    </m:oMath>
-                  </m:oMathPara>
-                </a14:m>
-                <a:endParaRPr lang="en-US" sz="1600" dirty="0">
-                  <a:solidFill>
-                    <a:schemeClr val="tx1"/>
-                  </a:solidFill>
-                  <a:latin typeface="LM Roman 12" pitchFamily="2" charset="77"/>
-                </a:endParaRPr>
-              </a:p>
-            </p:txBody>
-          </p:sp>
-        </mc:Choice>
-        <mc:Fallback>
-          <p:sp>
-            <p:nvSpPr>
-              <p:cNvPr id="248" name="Parallelogram 247">
-                <a:extLst>
-                  <a:ext uri="{FF2B5EF4-FFF2-40B4-BE49-F238E27FC236}">
-                    <a16:creationId xmlns:a16="http://schemas.microsoft.com/office/drawing/2014/main" id="{04C30ACF-A7AA-FBB0-D6F2-BE62556002B0}"/>
-                  </a:ext>
-                </a:extLst>
-              </p:cNvPr>
-              <p:cNvSpPr>
-                <a:spLocks noRot="1" noChangeAspect="1" noMove="1" noResize="1" noEditPoints="1" noAdjustHandles="1" noChangeArrowheads="1" noChangeShapeType="1" noTextEdit="1"/>
-              </p:cNvSpPr>
-              <p:nvPr/>
-            </p:nvSpPr>
-            <p:spPr>
-              <a:xfrm>
-                <a:off x="6017682" y="2547806"/>
-                <a:ext cx="852965" cy="365124"/>
-              </a:xfrm>
-              <a:prstGeom prst="parallelogram">
-                <a:avLst/>
-              </a:prstGeom>
-              <a:blipFill>
-                <a:blip r:embed="rId12"/>
-                <a:stretch>
-                  <a:fillRect b="-6667"/>
-                </a:stretch>
-              </a:blipFill>
-            </p:spPr>
-            <p:txBody>
-              <a:bodyPr/>
-              <a:lstStyle/>
-              <a:p>
-                <a:r>
-                  <a:rPr lang="en-US">
-                    <a:noFill/>
-                  </a:rPr>
-                  <a:t> </a:t>
-                </a:r>
-              </a:p>
-            </p:txBody>
-          </p:sp>
-        </mc:Fallback>
-      </mc:AlternateContent>
-      <mc:AlternateContent xmlns:mc="http://schemas.openxmlformats.org/markup-compatibility/2006">
-        <mc:Choice xmlns:a14="http://schemas.microsoft.com/office/drawing/2010/main" Requires="a14">
-          <p:sp>
-            <p:nvSpPr>
-              <p:cNvPr id="250" name="Parallelogram 249">
-                <a:extLst>
-                  <a:ext uri="{FF2B5EF4-FFF2-40B4-BE49-F238E27FC236}">
-                    <a16:creationId xmlns:a16="http://schemas.microsoft.com/office/drawing/2014/main" id="{E62E4F22-E603-29C9-7263-4B5E22B644CB}"/>
-                  </a:ext>
-                </a:extLst>
-              </p:cNvPr>
-              <p:cNvSpPr/>
-              <p:nvPr/>
-            </p:nvSpPr>
-            <p:spPr>
-              <a:xfrm>
-                <a:off x="6014522" y="4353444"/>
-                <a:ext cx="865066" cy="365124"/>
-              </a:xfrm>
-              <a:prstGeom prst="parallelogram">
-                <a:avLst/>
-              </a:prstGeom>
-              <a:solidFill>
-                <a:schemeClr val="bg2">
-                  <a:lumMod val="20000"/>
-                  <a:lumOff val="80000"/>
-                </a:schemeClr>
-              </a:solidFill>
-            </p:spPr>
-            <p:style>
-              <a:lnRef idx="2">
-                <a:schemeClr val="accent1">
-                  <a:shade val="50000"/>
-                </a:schemeClr>
-              </a:lnRef>
-              <a:fillRef idx="1">
-                <a:schemeClr val="accent1"/>
-              </a:fillRef>
-              <a:effectRef idx="0">
-                <a:schemeClr val="accent1"/>
-              </a:effectRef>
-              <a:fontRef idx="minor">
-                <a:schemeClr val="lt1"/>
-              </a:fontRef>
-            </p:style>
-            <p:txBody>
-              <a:bodyPr rtlCol="0" anchor="ctr"/>
-              <a:lstStyle/>
-              <a:p>
-                <a:pPr algn="ctr"/>
-                <a14:m>
-                  <m:oMathPara xmlns:m="http://schemas.openxmlformats.org/officeDocument/2006/math">
-                    <m:oMathParaPr>
-                      <m:jc m:val="center"/>
-                    </m:oMathParaPr>
-                    <m:oMath xmlns:m="http://schemas.openxmlformats.org/officeDocument/2006/math">
-                      <m:sSubSup>
-                        <m:sSubSupPr>
-                          <m:ctrlPr>
-                            <a:rPr lang="en-IE" sz="1600" i="1" smtClean="0">
-                              <a:solidFill>
-                                <a:schemeClr val="tx1"/>
-                              </a:solidFill>
-                              <a:latin typeface="Cambria Math" panose="02040503050406030204" pitchFamily="18" charset="0"/>
-                            </a:rPr>
-                          </m:ctrlPr>
-                        </m:sSubSupPr>
-                        <m:e>
-                          <m:r>
-                            <a:rPr lang="en-IE" sz="1600" i="1">
-                              <a:solidFill>
-                                <a:schemeClr val="tx1"/>
-                              </a:solidFill>
-                              <a:latin typeface="Cambria Math" panose="02040503050406030204" pitchFamily="18" charset="0"/>
-                            </a:rPr>
-                            <m:t>𝑈</m:t>
-                          </m:r>
-                        </m:e>
-                        <m:sub>
-                          <m:r>
-                            <a:rPr lang="en-IE" sz="1600" b="0" i="1" smtClean="0">
-                              <a:solidFill>
-                                <a:schemeClr val="tx1"/>
-                              </a:solidFill>
-                              <a:latin typeface="Cambria Math" panose="02040503050406030204" pitchFamily="18" charset="0"/>
-                            </a:rPr>
-                            <m:t>𝑑</m:t>
-                          </m:r>
-                        </m:sub>
-                        <m:sup>
-                          <m:r>
-                            <a:rPr lang="en-IE" sz="1600" i="1">
-                              <a:solidFill>
-                                <a:schemeClr val="tx1"/>
-                              </a:solidFill>
-                              <a:latin typeface="Cambria Math" panose="02040503050406030204" pitchFamily="18" charset="0"/>
-                            </a:rPr>
-                            <m:t>𝑙</m:t>
-                          </m:r>
-                        </m:sup>
-                      </m:sSubSup>
-                      <m:r>
-                        <a:rPr lang="en-IE" sz="1600" i="1">
-                          <a:solidFill>
-                            <a:schemeClr val="tx1"/>
-                          </a:solidFill>
-                          <a:latin typeface="Cambria Math" panose="02040503050406030204" pitchFamily="18" charset="0"/>
-                        </a:rPr>
-                        <m:t>(</m:t>
-                      </m:r>
-                      <m:sSub>
-                        <m:sSubPr>
-                          <m:ctrlPr>
-                            <a:rPr lang="en-IE" sz="1600" i="1">
-                              <a:solidFill>
-                                <a:schemeClr val="tx1"/>
-                              </a:solidFill>
-                              <a:latin typeface="Cambria Math" panose="02040503050406030204" pitchFamily="18" charset="0"/>
-                            </a:rPr>
-                          </m:ctrlPr>
-                        </m:sSubPr>
-                        <m:e>
-                          <m:r>
-                            <a:rPr lang="en-IE" sz="1600" i="1">
-                              <a:solidFill>
-                                <a:schemeClr val="tx1"/>
-                              </a:solidFill>
-                              <a:latin typeface="Cambria Math" panose="02040503050406030204" pitchFamily="18" charset="0"/>
-                            </a:rPr>
-                            <m:t>𝑘</m:t>
-                          </m:r>
-                        </m:e>
-                        <m:sub>
-                          <m:r>
-                            <a:rPr lang="en-IE" sz="1600" i="1">
-                              <a:solidFill>
-                                <a:schemeClr val="tx1"/>
-                              </a:solidFill>
-                              <a:latin typeface="Cambria Math" panose="02040503050406030204" pitchFamily="18" charset="0"/>
-                            </a:rPr>
-                            <m:t>𝑗</m:t>
-                          </m:r>
-                        </m:sub>
-                      </m:sSub>
-                      <m:r>
-                        <a:rPr lang="en-IE" sz="1600" i="1">
-                          <a:solidFill>
-                            <a:schemeClr val="tx1"/>
-                          </a:solidFill>
-                          <a:latin typeface="Cambria Math" panose="02040503050406030204" pitchFamily="18" charset="0"/>
-                        </a:rPr>
-                        <m:t>)</m:t>
-                      </m:r>
-                    </m:oMath>
-                  </m:oMathPara>
-                </a14:m>
-                <a:endParaRPr lang="en-US" sz="1600" dirty="0">
-                  <a:solidFill>
-                    <a:schemeClr val="tx1"/>
-                  </a:solidFill>
-                  <a:latin typeface="LM Roman 12" pitchFamily="2" charset="77"/>
-                </a:endParaRPr>
-              </a:p>
-            </p:txBody>
-          </p:sp>
-        </mc:Choice>
-        <mc:Fallback>
-          <p:sp>
-            <p:nvSpPr>
-              <p:cNvPr id="250" name="Parallelogram 249">
-                <a:extLst>
-                  <a:ext uri="{FF2B5EF4-FFF2-40B4-BE49-F238E27FC236}">
-                    <a16:creationId xmlns:a16="http://schemas.microsoft.com/office/drawing/2014/main" id="{E62E4F22-E603-29C9-7263-4B5E22B644CB}"/>
-                  </a:ext>
-                </a:extLst>
-              </p:cNvPr>
-              <p:cNvSpPr>
-                <a:spLocks noRot="1" noChangeAspect="1" noMove="1" noResize="1" noEditPoints="1" noAdjustHandles="1" noChangeArrowheads="1" noChangeShapeType="1" noTextEdit="1"/>
-              </p:cNvSpPr>
-              <p:nvPr/>
-            </p:nvSpPr>
-            <p:spPr>
-              <a:xfrm>
-                <a:off x="6014522" y="4353444"/>
-                <a:ext cx="865066" cy="365124"/>
-              </a:xfrm>
-              <a:prstGeom prst="parallelogram">
-                <a:avLst/>
-              </a:prstGeom>
-              <a:blipFill>
-                <a:blip r:embed="rId13"/>
-                <a:stretch>
-                  <a:fillRect b="-10000"/>
-                </a:stretch>
-              </a:blipFill>
-            </p:spPr>
-            <p:txBody>
-              <a:bodyPr/>
-              <a:lstStyle/>
-              <a:p>
-                <a:r>
-                  <a:rPr lang="en-US">
-                    <a:noFill/>
-                  </a:rPr>
-                  <a:t> </a:t>
-                </a:r>
-              </a:p>
-            </p:txBody>
-          </p:sp>
-        </mc:Fallback>
-      </mc:AlternateContent>
-      <mc:AlternateContent xmlns:mc="http://schemas.openxmlformats.org/markup-compatibility/2006">
-        <mc:Choice xmlns:a14="http://schemas.microsoft.com/office/drawing/2010/main" Requires="a14">
-          <p:sp>
-            <p:nvSpPr>
-              <p:cNvPr id="251" name="Parallelogram 250">
-                <a:extLst>
-                  <a:ext uri="{FF2B5EF4-FFF2-40B4-BE49-F238E27FC236}">
-                    <a16:creationId xmlns:a16="http://schemas.microsoft.com/office/drawing/2014/main" id="{7137C7EB-13A2-D692-39C1-C3A9097DFC80}"/>
-                  </a:ext>
-                </a:extLst>
-              </p:cNvPr>
-              <p:cNvSpPr/>
-              <p:nvPr/>
-            </p:nvSpPr>
-            <p:spPr>
-              <a:xfrm>
-                <a:off x="6014521" y="6176873"/>
-                <a:ext cx="856125" cy="365124"/>
-              </a:xfrm>
-              <a:prstGeom prst="parallelogram">
-                <a:avLst/>
-              </a:prstGeom>
-              <a:solidFill>
-                <a:schemeClr val="bg2">
-                  <a:lumMod val="20000"/>
-                  <a:lumOff val="80000"/>
-                </a:schemeClr>
-              </a:solidFill>
-            </p:spPr>
-            <p:style>
-              <a:lnRef idx="2">
-                <a:schemeClr val="accent1">
-                  <a:shade val="50000"/>
-                </a:schemeClr>
-              </a:lnRef>
-              <a:fillRef idx="1">
-                <a:schemeClr val="accent1"/>
-              </a:fillRef>
-              <a:effectRef idx="0">
-                <a:schemeClr val="accent1"/>
-              </a:effectRef>
-              <a:fontRef idx="minor">
-                <a:schemeClr val="lt1"/>
-              </a:fontRef>
-            </p:style>
-            <p:txBody>
-              <a:bodyPr rtlCol="0" anchor="ctr"/>
-              <a:lstStyle/>
-              <a:p>
-                <a:pPr algn="ctr"/>
-                <a14:m>
-                  <m:oMathPara xmlns:m="http://schemas.openxmlformats.org/officeDocument/2006/math">
-                    <m:oMathParaPr>
-                      <m:jc m:val="center"/>
-                    </m:oMathParaPr>
-                    <m:oMath xmlns:m="http://schemas.openxmlformats.org/officeDocument/2006/math">
-                      <m:sSubSup>
-                        <m:sSubSupPr>
-                          <m:ctrlPr>
-                            <a:rPr lang="en-IE" sz="1600" i="1" smtClean="0">
-                              <a:solidFill>
-                                <a:schemeClr val="tx1"/>
-                              </a:solidFill>
-                              <a:latin typeface="Cambria Math" panose="02040503050406030204" pitchFamily="18" charset="0"/>
-                            </a:rPr>
-                          </m:ctrlPr>
-                        </m:sSubSupPr>
-                        <m:e>
-                          <m:r>
-                            <a:rPr lang="en-IE" sz="1600" i="1">
-                              <a:solidFill>
-                                <a:schemeClr val="tx1"/>
-                              </a:solidFill>
-                              <a:latin typeface="Cambria Math" panose="02040503050406030204" pitchFamily="18" charset="0"/>
-                            </a:rPr>
-                            <m:t>𝑈</m:t>
-                          </m:r>
-                        </m:e>
-                        <m:sub>
-                          <m:r>
-                            <a:rPr lang="en-IE" sz="1600" b="0" i="1" smtClean="0">
-                              <a:solidFill>
-                                <a:schemeClr val="tx1"/>
-                              </a:solidFill>
-                              <a:latin typeface="Cambria Math" panose="02040503050406030204" pitchFamily="18" charset="0"/>
-                            </a:rPr>
-                            <m:t>𝐷</m:t>
-                          </m:r>
-                        </m:sub>
-                        <m:sup>
-                          <m:r>
-                            <a:rPr lang="en-IE" sz="1600" i="1">
-                              <a:solidFill>
-                                <a:schemeClr val="tx1"/>
-                              </a:solidFill>
-                              <a:latin typeface="Cambria Math" panose="02040503050406030204" pitchFamily="18" charset="0"/>
-                            </a:rPr>
-                            <m:t>𝑙</m:t>
-                          </m:r>
-                        </m:sup>
-                      </m:sSubSup>
-                      <m:r>
-                        <a:rPr lang="en-IE" sz="1600" i="1">
-                          <a:solidFill>
-                            <a:schemeClr val="tx1"/>
-                          </a:solidFill>
-                          <a:latin typeface="Cambria Math" panose="02040503050406030204" pitchFamily="18" charset="0"/>
-                        </a:rPr>
-                        <m:t>(</m:t>
-                      </m:r>
-                      <m:sSub>
-                        <m:sSubPr>
-                          <m:ctrlPr>
-                            <a:rPr lang="en-IE" sz="1600" i="1">
-                              <a:solidFill>
-                                <a:schemeClr val="tx1"/>
-                              </a:solidFill>
-                              <a:latin typeface="Cambria Math" panose="02040503050406030204" pitchFamily="18" charset="0"/>
-                            </a:rPr>
-                          </m:ctrlPr>
-                        </m:sSubPr>
-                        <m:e>
-                          <m:r>
-                            <a:rPr lang="en-IE" sz="1600" i="1">
-                              <a:solidFill>
-                                <a:schemeClr val="tx1"/>
-                              </a:solidFill>
-                              <a:latin typeface="Cambria Math" panose="02040503050406030204" pitchFamily="18" charset="0"/>
-                            </a:rPr>
-                            <m:t>𝑘</m:t>
-                          </m:r>
-                        </m:e>
-                        <m:sub>
-                          <m:r>
-                            <a:rPr lang="en-IE" sz="1600" i="1">
-                              <a:solidFill>
-                                <a:schemeClr val="tx1"/>
-                              </a:solidFill>
-                              <a:latin typeface="Cambria Math" panose="02040503050406030204" pitchFamily="18" charset="0"/>
-                            </a:rPr>
-                            <m:t>𝑗</m:t>
-                          </m:r>
-                        </m:sub>
-                      </m:sSub>
-                      <m:r>
-                        <a:rPr lang="en-IE" sz="1600" i="1">
-                          <a:solidFill>
-                            <a:schemeClr val="tx1"/>
-                          </a:solidFill>
-                          <a:latin typeface="Cambria Math" panose="02040503050406030204" pitchFamily="18" charset="0"/>
-                        </a:rPr>
-                        <m:t>)</m:t>
-                      </m:r>
-                    </m:oMath>
-                  </m:oMathPara>
-                </a14:m>
-                <a:endParaRPr lang="en-US" sz="1600" dirty="0">
-                  <a:solidFill>
-                    <a:schemeClr val="tx1"/>
-                  </a:solidFill>
-                  <a:latin typeface="LM Roman 12" pitchFamily="2" charset="77"/>
-                </a:endParaRPr>
-              </a:p>
-            </p:txBody>
-          </p:sp>
-        </mc:Choice>
-        <mc:Fallback>
-          <p:sp>
-            <p:nvSpPr>
-              <p:cNvPr id="251" name="Parallelogram 250">
-                <a:extLst>
-                  <a:ext uri="{FF2B5EF4-FFF2-40B4-BE49-F238E27FC236}">
-                    <a16:creationId xmlns:a16="http://schemas.microsoft.com/office/drawing/2014/main" id="{7137C7EB-13A2-D692-39C1-C3A9097DFC80}"/>
-                  </a:ext>
-                </a:extLst>
-              </p:cNvPr>
-              <p:cNvSpPr>
-                <a:spLocks noRot="1" noChangeAspect="1" noMove="1" noResize="1" noEditPoints="1" noAdjustHandles="1" noChangeArrowheads="1" noChangeShapeType="1" noTextEdit="1"/>
-              </p:cNvSpPr>
-              <p:nvPr/>
-            </p:nvSpPr>
-            <p:spPr>
-              <a:xfrm>
-                <a:off x="6014521" y="6176873"/>
-                <a:ext cx="856125" cy="365124"/>
-              </a:xfrm>
-              <a:prstGeom prst="parallelogram">
-                <a:avLst/>
-              </a:prstGeom>
-              <a:blipFill>
-                <a:blip r:embed="rId14"/>
-                <a:stretch>
-                  <a:fillRect b="-6452"/>
-                </a:stretch>
-              </a:blipFill>
-            </p:spPr>
-            <p:txBody>
-              <a:bodyPr/>
-              <a:lstStyle/>
-              <a:p>
-                <a:r>
-                  <a:rPr lang="en-US">
-                    <a:noFill/>
-                  </a:rPr>
-                  <a:t> </a:t>
-                </a:r>
-              </a:p>
-            </p:txBody>
-          </p:sp>
-        </mc:Fallback>
-      </mc:AlternateContent>
-      <p:sp>
-        <p:nvSpPr>
-          <p:cNvPr id="252" name="Rounded Rectangle 251">
-            <a:extLst>
-              <a:ext uri="{FF2B5EF4-FFF2-40B4-BE49-F238E27FC236}">
-                <a16:creationId xmlns:a16="http://schemas.microsoft.com/office/drawing/2014/main" id="{2D33A370-5806-7F90-79D2-70046B22BADE}"/>
-              </a:ext>
-            </a:extLst>
-          </p:cNvPr>
-          <p:cNvSpPr/>
-          <p:nvPr/>
-        </p:nvSpPr>
-        <p:spPr>
-          <a:xfrm>
-            <a:off x="760463" y="3639368"/>
-            <a:ext cx="1745955" cy="553998"/>
-          </a:xfrm>
-          <a:prstGeom prst="roundRect">
-            <a:avLst/>
-          </a:prstGeom>
-          <a:solidFill>
-            <a:srgbClr val="C00000"/>
-          </a:solidFill>
-        </p:spPr>
-        <p:style>
-          <a:lnRef idx="2">
-            <a:schemeClr val="dk1">
-              <a:shade val="50000"/>
-            </a:schemeClr>
-          </a:lnRef>
-          <a:fillRef idx="1">
-            <a:schemeClr val="dk1"/>
-          </a:fillRef>
-          <a:effectRef idx="0">
-            <a:schemeClr val="dk1"/>
-          </a:effectRef>
-          <a:fontRef idx="minor">
-            <a:schemeClr val="lt1"/>
-          </a:fontRef>
-        </p:style>
-        <p:txBody>
-          <a:bodyPr rtlCol="0" anchor="ctr"/>
-          <a:lstStyle/>
-          <a:p>
-            <a:pPr algn="ctr"/>
-            <a:r>
-              <a:rPr lang="en-US" sz="1600" b="1" dirty="0">
-                <a:solidFill>
-                  <a:schemeClr val="bg1"/>
-                </a:solidFill>
-                <a:latin typeface="LM Roman 12" pitchFamily="2" charset="77"/>
-              </a:rPr>
-              <a:t>Measurements</a:t>
-            </a:r>
-          </a:p>
-        </p:txBody>
-      </p:sp>
-      <p:cxnSp>
-        <p:nvCxnSpPr>
-          <p:cNvPr id="272" name="Elbow Connector 271">
-            <a:extLst>
-              <a:ext uri="{FF2B5EF4-FFF2-40B4-BE49-F238E27FC236}">
-                <a16:creationId xmlns:a16="http://schemas.microsoft.com/office/drawing/2014/main" id="{B641676E-44A5-FE3C-8353-0C9530A14D2B}"/>
-              </a:ext>
-            </a:extLst>
-          </p:cNvPr>
-          <p:cNvCxnSpPr>
-            <a:cxnSpLocks/>
-            <a:stCxn id="252" idx="3"/>
-            <a:endCxn id="116" idx="5"/>
-          </p:cNvCxnSpPr>
-          <p:nvPr/>
-        </p:nvCxnSpPr>
-        <p:spPr>
-          <a:xfrm flipV="1">
-            <a:off x="2506418" y="2130122"/>
-            <a:ext cx="357203" cy="1786245"/>
-          </a:xfrm>
-          <a:prstGeom prst="bentConnector3">
-            <a:avLst>
-              <a:gd name="adj1" fmla="val 29403"/>
-            </a:avLst>
-          </a:prstGeom>
-          <a:ln w="38100">
-            <a:solidFill>
-              <a:srgbClr val="C00000"/>
-            </a:solidFill>
-            <a:tailEnd type="triangle"/>
-          </a:ln>
-        </p:spPr>
-        <p:style>
-          <a:lnRef idx="1">
-            <a:schemeClr val="accent1"/>
-          </a:lnRef>
-          <a:fillRef idx="0">
-            <a:schemeClr val="accent1"/>
-          </a:fillRef>
-          <a:effectRef idx="0">
-            <a:schemeClr val="accent1"/>
-          </a:effectRef>
-          <a:fontRef idx="minor">
-            <a:schemeClr val="tx1"/>
-          </a:fontRef>
-        </p:style>
-      </p:cxnSp>
-      <p:cxnSp>
-        <p:nvCxnSpPr>
-          <p:cNvPr id="278" name="Straight Arrow Connector 277">
-            <a:extLst>
-              <a:ext uri="{FF2B5EF4-FFF2-40B4-BE49-F238E27FC236}">
-                <a16:creationId xmlns:a16="http://schemas.microsoft.com/office/drawing/2014/main" id="{C7FD6906-72C6-AFCF-F1E1-E7A339A28303}"/>
-              </a:ext>
-            </a:extLst>
-          </p:cNvPr>
-          <p:cNvCxnSpPr>
-            <a:cxnSpLocks/>
-            <a:endCxn id="252" idx="3"/>
-          </p:cNvCxnSpPr>
-          <p:nvPr/>
-        </p:nvCxnSpPr>
-        <p:spPr>
-          <a:xfrm flipH="1">
-            <a:off x="2506418" y="3905008"/>
-            <a:ext cx="357204" cy="11359"/>
-          </a:xfrm>
-          <a:prstGeom prst="straightConnector1">
-            <a:avLst/>
-          </a:prstGeom>
-          <a:ln w="38100">
-            <a:solidFill>
-              <a:srgbClr val="C00000"/>
-            </a:solidFill>
-            <a:headEnd type="triangle"/>
-            <a:tailEnd type="none"/>
-          </a:ln>
-        </p:spPr>
-        <p:style>
-          <a:lnRef idx="1">
-            <a:schemeClr val="accent1"/>
-          </a:lnRef>
-          <a:fillRef idx="0">
-            <a:schemeClr val="accent1"/>
-          </a:fillRef>
-          <a:effectRef idx="0">
-            <a:schemeClr val="accent1"/>
-          </a:effectRef>
-          <a:fontRef idx="minor">
-            <a:schemeClr val="tx1"/>
-          </a:fontRef>
-        </p:style>
-      </p:cxnSp>
-      <p:cxnSp>
-        <p:nvCxnSpPr>
-          <p:cNvPr id="281" name="Elbow Connector 280">
-            <a:extLst>
-              <a:ext uri="{FF2B5EF4-FFF2-40B4-BE49-F238E27FC236}">
-                <a16:creationId xmlns:a16="http://schemas.microsoft.com/office/drawing/2014/main" id="{72E683AC-B54C-9DD2-0778-4FE233784B90}"/>
-              </a:ext>
-            </a:extLst>
-          </p:cNvPr>
-          <p:cNvCxnSpPr>
-            <a:cxnSpLocks/>
-            <a:stCxn id="252" idx="3"/>
-          </p:cNvCxnSpPr>
-          <p:nvPr/>
-        </p:nvCxnSpPr>
-        <p:spPr>
-          <a:xfrm>
-            <a:off x="2506418" y="3916367"/>
-            <a:ext cx="357204" cy="1821547"/>
-          </a:xfrm>
-          <a:prstGeom prst="bentConnector3">
-            <a:avLst>
-              <a:gd name="adj1" fmla="val 29403"/>
-            </a:avLst>
-          </a:prstGeom>
-          <a:ln w="38100">
-            <a:solidFill>
-              <a:srgbClr val="C00000"/>
-            </a:solidFill>
-            <a:tailEnd type="triangle"/>
-          </a:ln>
-        </p:spPr>
-        <p:style>
-          <a:lnRef idx="1">
-            <a:schemeClr val="accent1"/>
-          </a:lnRef>
-          <a:fillRef idx="0">
-            <a:schemeClr val="accent1"/>
-          </a:fillRef>
-          <a:effectRef idx="0">
-            <a:schemeClr val="accent1"/>
-          </a:effectRef>
-          <a:fontRef idx="minor">
-            <a:schemeClr val="tx1"/>
-          </a:fontRef>
-        </p:style>
-      </p:cxnSp>
-      <p:grpSp>
-        <p:nvGrpSpPr>
-          <p:cNvPr id="327" name="Group 326">
-            <a:extLst>
-              <a:ext uri="{FF2B5EF4-FFF2-40B4-BE49-F238E27FC236}">
-                <a16:creationId xmlns:a16="http://schemas.microsoft.com/office/drawing/2014/main" id="{88B7D4FF-3BA2-9F46-DD9B-F3FEFBF7CE94}"/>
-              </a:ext>
-            </a:extLst>
-          </p:cNvPr>
-          <p:cNvGrpSpPr/>
-          <p:nvPr/>
-        </p:nvGrpSpPr>
-        <p:grpSpPr>
-          <a:xfrm>
-            <a:off x="2820109" y="3750916"/>
-            <a:ext cx="3238275" cy="579705"/>
-            <a:chOff x="2820109" y="1956071"/>
-            <a:chExt cx="3238275" cy="579705"/>
-          </a:xfrm>
-        </p:grpSpPr>
-        <p:cxnSp>
-          <p:nvCxnSpPr>
-            <p:cNvPr id="328" name="Straight Arrow Connector 327">
-              <a:extLst>
-                <a:ext uri="{FF2B5EF4-FFF2-40B4-BE49-F238E27FC236}">
-                  <a16:creationId xmlns:a16="http://schemas.microsoft.com/office/drawing/2014/main" id="{007E3B59-9572-F056-1261-0347B6DEBFFA}"/>
-                </a:ext>
-              </a:extLst>
-            </p:cNvPr>
-            <p:cNvCxnSpPr>
-              <a:cxnSpLocks/>
-              <a:endCxn id="329" idx="3"/>
-            </p:cNvCxnSpPr>
-            <p:nvPr/>
-          </p:nvCxnSpPr>
-          <p:spPr>
-            <a:xfrm flipV="1">
-              <a:off x="5581538" y="2304170"/>
-              <a:ext cx="800" cy="231606"/>
-            </a:xfrm>
-            <a:prstGeom prst="straightConnector1">
-              <a:avLst/>
-            </a:prstGeom>
-            <a:ln w="38100">
-              <a:solidFill>
-                <a:schemeClr val="tx1"/>
-              </a:solidFill>
-              <a:headEnd type="triangle"/>
-              <a:tailEnd type="none"/>
-            </a:ln>
-          </p:spPr>
-          <p:style>
-            <a:lnRef idx="1">
-              <a:schemeClr val="accent1"/>
-            </a:lnRef>
-            <a:fillRef idx="0">
-              <a:schemeClr val="accent1"/>
-            </a:fillRef>
-            <a:effectRef idx="0">
-              <a:schemeClr val="accent1"/>
-            </a:effectRef>
-            <a:fontRef idx="minor">
-              <a:schemeClr val="tx1"/>
-            </a:fontRef>
-          </p:style>
-        </p:cxnSp>
-        <mc:AlternateContent xmlns:mc="http://schemas.openxmlformats.org/markup-compatibility/2006">
-          <mc:Choice xmlns:a14="http://schemas.microsoft.com/office/drawing/2010/main" Requires="a14">
-            <p:sp>
-              <p:nvSpPr>
-                <p:cNvPr id="329" name="Parallelogram 328">
-                  <a:extLst>
-                    <a:ext uri="{FF2B5EF4-FFF2-40B4-BE49-F238E27FC236}">
-                      <a16:creationId xmlns:a16="http://schemas.microsoft.com/office/drawing/2014/main" id="{CF8152C9-7F39-8187-15F8-6831E4C1FF56}"/>
-                    </a:ext>
-                  </a:extLst>
-                </p:cNvPr>
-                <p:cNvSpPr/>
-                <p:nvPr/>
-              </p:nvSpPr>
-              <p:spPr>
-                <a:xfrm>
-                  <a:off x="5193317" y="1956071"/>
-                  <a:ext cx="865067" cy="348099"/>
-                </a:xfrm>
-                <a:prstGeom prst="parallelogram">
-                  <a:avLst/>
-                </a:prstGeom>
-                <a:solidFill>
-                  <a:schemeClr val="bg2">
-                    <a:lumMod val="20000"/>
-                    <a:lumOff val="80000"/>
-                  </a:schemeClr>
-                </a:solidFill>
-              </p:spPr>
-              <p:style>
-                <a:lnRef idx="2">
-                  <a:schemeClr val="accent1">
-                    <a:shade val="50000"/>
-                  </a:schemeClr>
-                </a:lnRef>
-                <a:fillRef idx="1">
-                  <a:schemeClr val="accent1"/>
-                </a:fillRef>
-                <a:effectRef idx="0">
-                  <a:schemeClr val="accent1"/>
-                </a:effectRef>
-                <a:fontRef idx="minor">
-                  <a:schemeClr val="lt1"/>
-                </a:fontRef>
-              </p:style>
-              <p:txBody>
-                <a:bodyPr rtlCol="0" anchor="ctr"/>
-                <a:lstStyle/>
-                <a:p>
-                  <a:pPr algn="ctr"/>
-                  <a14:m>
-                    <m:oMathPara xmlns:m="http://schemas.openxmlformats.org/officeDocument/2006/math">
-                      <m:oMathParaPr>
-                        <m:jc m:val="center"/>
-                      </m:oMathParaPr>
-                      <m:oMath xmlns:m="http://schemas.openxmlformats.org/officeDocument/2006/math">
-                        <m:r>
-                          <a:rPr lang="en-IE" sz="1600" b="0" i="1" smtClean="0">
-                            <a:solidFill>
-                              <a:schemeClr val="tx1"/>
-                            </a:solidFill>
-                            <a:latin typeface="Cambria Math" panose="02040503050406030204" pitchFamily="18" charset="0"/>
-                          </a:rPr>
-                          <m:t>𝛿</m:t>
-                        </m:r>
-                        <m:sSubSup>
-                          <m:sSubSupPr>
-                            <m:ctrlPr>
-                              <a:rPr lang="en-IE" sz="1600" b="0" i="1" smtClean="0">
-                                <a:solidFill>
-                                  <a:schemeClr val="tx1"/>
-                                </a:solidFill>
-                                <a:latin typeface="Cambria Math" panose="02040503050406030204" pitchFamily="18" charset="0"/>
-                              </a:rPr>
-                            </m:ctrlPr>
-                          </m:sSubSupPr>
-                          <m:e>
-                            <m:r>
-                              <a:rPr lang="en-IE" sz="1600" b="0" i="1" smtClean="0">
-                                <a:solidFill>
-                                  <a:schemeClr val="tx1"/>
-                                </a:solidFill>
-                                <a:latin typeface="Cambria Math" panose="02040503050406030204" pitchFamily="18" charset="0"/>
-                              </a:rPr>
-                              <m:t>𝑈</m:t>
-                            </m:r>
-                          </m:e>
-                          <m:sub>
-                            <m:r>
-                              <a:rPr lang="en-IE" sz="1600" b="0" i="1" smtClean="0">
-                                <a:solidFill>
-                                  <a:schemeClr val="tx1"/>
-                                </a:solidFill>
-                                <a:latin typeface="Cambria Math" panose="02040503050406030204" pitchFamily="18" charset="0"/>
-                              </a:rPr>
-                              <m:t>𝑑</m:t>
-                            </m:r>
-                          </m:sub>
-                          <m:sup>
-                            <m:r>
-                              <a:rPr lang="en-IE" sz="1600" b="0" i="1" smtClean="0">
-                                <a:solidFill>
-                                  <a:schemeClr val="tx1"/>
-                                </a:solidFill>
-                                <a:latin typeface="Cambria Math" panose="02040503050406030204" pitchFamily="18" charset="0"/>
-                              </a:rPr>
-                              <m:t>𝑙</m:t>
-                            </m:r>
-                          </m:sup>
-                        </m:sSubSup>
-                        <m:r>
-                          <a:rPr lang="en-IE" sz="1600" b="0" i="1" smtClean="0">
+                          <a:rPr lang="en-IE" sz="1600" i="1">
                             <a:solidFill>
                               <a:schemeClr val="tx1"/>
                             </a:solidFill>
@@ -8804,7 +8225,7 @@
                           </m:sub>
                         </m:sSub>
                         <m:r>
-                          <a:rPr lang="en-IE" sz="1600" b="0" i="1" smtClean="0">
+                          <a:rPr lang="en-IE" sz="1600" i="1">
                             <a:solidFill>
                               <a:schemeClr val="tx1"/>
                             </a:solidFill>
@@ -8828,10 +8249,10 @@
           <mc:Fallback>
             <p:sp>
               <p:nvSpPr>
-                <p:cNvPr id="329" name="Parallelogram 328">
+                <p:cNvPr id="251" name="Parallelogram 250">
                   <a:extLst>
                     <a:ext uri="{FF2B5EF4-FFF2-40B4-BE49-F238E27FC236}">
-                      <a16:creationId xmlns:a16="http://schemas.microsoft.com/office/drawing/2014/main" id="{CF8152C9-7F39-8187-15F8-6831E4C1FF56}"/>
+                      <a16:creationId xmlns:a16="http://schemas.microsoft.com/office/drawing/2014/main" id="{7137C7EB-13A2-D692-39C1-C3A9097DFC80}"/>
                     </a:ext>
                   </a:extLst>
                 </p:cNvPr>
@@ -8842,16 +8263,16 @@
               </p:nvSpPr>
               <p:spPr>
                 <a:xfrm>
-                  <a:off x="5193317" y="1956071"/>
-                  <a:ext cx="865067" cy="348099"/>
+                  <a:off x="6075624" y="5692591"/>
+                  <a:ext cx="856125" cy="365124"/>
                 </a:xfrm>
                 <a:prstGeom prst="parallelogram">
                   <a:avLst/>
                 </a:prstGeom>
                 <a:blipFill>
-                  <a:blip r:embed="rId15"/>
+                  <a:blip r:embed="rId14"/>
                   <a:stretch>
-                    <a:fillRect l="-1429" b="-10000"/>
+                    <a:fillRect b="-6452"/>
                   </a:stretch>
                 </a:blipFill>
               </p:spPr>
@@ -8870,213 +8291,211 @@
             </p:sp>
           </mc:Fallback>
         </mc:AlternateContent>
-        <mc:AlternateContent xmlns:mc="http://schemas.openxmlformats.org/markup-compatibility/2006">
-          <mc:Choice xmlns:a14="http://schemas.microsoft.com/office/drawing/2010/main" Requires="a14">
-            <p:sp>
-              <p:nvSpPr>
-                <p:cNvPr id="330" name="Parallelogram 329">
-                  <a:extLst>
-                    <a:ext uri="{FF2B5EF4-FFF2-40B4-BE49-F238E27FC236}">
-                      <a16:creationId xmlns:a16="http://schemas.microsoft.com/office/drawing/2014/main" id="{2D338C51-60F6-5438-294E-05415AA16289}"/>
-                    </a:ext>
-                  </a:extLst>
-                </p:cNvPr>
-                <p:cNvSpPr/>
-                <p:nvPr/>
-              </p:nvSpPr>
-              <p:spPr>
-                <a:xfrm>
-                  <a:off x="2820109" y="1956072"/>
-                  <a:ext cx="831451" cy="348099"/>
-                </a:xfrm>
-                <a:prstGeom prst="parallelogram">
-                  <a:avLst/>
-                </a:prstGeom>
-                <a:solidFill>
-                  <a:schemeClr val="bg2">
-                    <a:lumMod val="20000"/>
-                    <a:lumOff val="80000"/>
-                  </a:schemeClr>
-                </a:solidFill>
-              </p:spPr>
-              <p:style>
-                <a:lnRef idx="2">
-                  <a:schemeClr val="accent1">
-                    <a:shade val="50000"/>
-                  </a:schemeClr>
-                </a:lnRef>
-                <a:fillRef idx="1">
-                  <a:schemeClr val="accent1"/>
-                </a:fillRef>
-                <a:effectRef idx="0">
-                  <a:schemeClr val="accent1"/>
-                </a:effectRef>
-                <a:fontRef idx="minor">
-                  <a:schemeClr val="lt1"/>
-                </a:fontRef>
-              </p:style>
-              <p:txBody>
-                <a:bodyPr rtlCol="0" anchor="ctr"/>
-                <a:lstStyle/>
-                <a:p>
-                  <a:pPr algn="ctr"/>
-                  <a14:m>
-                    <m:oMathPara xmlns:m="http://schemas.openxmlformats.org/officeDocument/2006/math">
-                      <m:oMathParaPr>
-                        <m:jc m:val="center"/>
-                      </m:oMathParaPr>
-                      <m:oMath xmlns:m="http://schemas.openxmlformats.org/officeDocument/2006/math">
-                        <m:sSub>
-                          <m:sSubPr>
-                            <m:ctrlPr>
-                              <a:rPr lang="en-IE" sz="1600" b="0" i="1" smtClean="0">
-                                <a:solidFill>
-                                  <a:schemeClr val="tx1"/>
-                                </a:solidFill>
-                                <a:latin typeface="Cambria Math" panose="02040503050406030204" pitchFamily="18" charset="0"/>
-                              </a:rPr>
-                            </m:ctrlPr>
-                          </m:sSubPr>
-                          <m:e>
-                            <m:r>
-                              <a:rPr lang="el-GR" sz="1600" b="1" i="1" smtClean="0">
-                                <a:solidFill>
-                                  <a:schemeClr val="tx1"/>
-                                </a:solidFill>
-                                <a:latin typeface="Cambria Math" panose="02040503050406030204" pitchFamily="18" charset="0"/>
-                                <a:ea typeface="Cambria Math" panose="02040503050406030204" pitchFamily="18" charset="0"/>
-                              </a:rPr>
-                              <m:t>𝜲</m:t>
-                            </m:r>
-                          </m:e>
-                          <m:sub>
-                            <m:r>
-                              <a:rPr lang="en-IE" sz="1600" b="0" i="1" smtClean="0">
-                                <a:solidFill>
-                                  <a:schemeClr val="tx1"/>
-                                </a:solidFill>
-                                <a:latin typeface="Cambria Math" panose="02040503050406030204" pitchFamily="18" charset="0"/>
-                              </a:rPr>
-                              <m:t>𝑑</m:t>
-                            </m:r>
-                          </m:sub>
-                        </m:sSub>
-                        <m:r>
-                          <a:rPr lang="en-IE" sz="1600" b="0" i="1" smtClean="0">
-                            <a:solidFill>
-                              <a:schemeClr val="tx1"/>
-                            </a:solidFill>
-                            <a:latin typeface="Cambria Math" panose="02040503050406030204" pitchFamily="18" charset="0"/>
-                          </a:rPr>
-                          <m:t>(</m:t>
-                        </m:r>
-                        <m:sSub>
-                          <m:sSubPr>
-                            <m:ctrlPr>
-                              <a:rPr lang="en-IE" sz="1600" b="0" i="1" smtClean="0">
-                                <a:solidFill>
-                                  <a:schemeClr val="tx1"/>
-                                </a:solidFill>
-                                <a:latin typeface="Cambria Math" panose="02040503050406030204" pitchFamily="18" charset="0"/>
-                              </a:rPr>
-                            </m:ctrlPr>
-                          </m:sSubPr>
-                          <m:e>
-                            <m:r>
-                              <a:rPr lang="en-IE" sz="1600" b="0" i="1" smtClean="0">
-                                <a:solidFill>
-                                  <a:schemeClr val="tx1"/>
-                                </a:solidFill>
-                                <a:latin typeface="Cambria Math" panose="02040503050406030204" pitchFamily="18" charset="0"/>
-                              </a:rPr>
-                              <m:t>𝑘</m:t>
-                            </m:r>
-                          </m:e>
-                          <m:sub>
-                            <m:r>
-                              <a:rPr lang="en-IE" sz="1600" b="0" i="1" smtClean="0">
-                                <a:solidFill>
-                                  <a:schemeClr val="tx1"/>
-                                </a:solidFill>
-                                <a:latin typeface="Cambria Math" panose="02040503050406030204" pitchFamily="18" charset="0"/>
-                              </a:rPr>
-                              <m:t>𝑗</m:t>
-                            </m:r>
-                          </m:sub>
-                        </m:sSub>
-                        <m:r>
-                          <a:rPr lang="en-IE" sz="1600" b="0" i="1" smtClean="0">
-                            <a:solidFill>
-                              <a:schemeClr val="tx1"/>
-                            </a:solidFill>
-                            <a:latin typeface="Cambria Math" panose="02040503050406030204" pitchFamily="18" charset="0"/>
-                          </a:rPr>
-                          <m:t>)</m:t>
-                        </m:r>
-                      </m:oMath>
-                    </m:oMathPara>
-                  </a14:m>
-                  <a:endParaRPr lang="en-US" sz="1600" dirty="0">
-                    <a:solidFill>
-                      <a:schemeClr val="tx1"/>
-                    </a:solidFill>
-                    <a:latin typeface="LM Roman 12" pitchFamily="2" charset="77"/>
-                  </a:endParaRPr>
-                </a:p>
-              </p:txBody>
-            </p:sp>
-          </mc:Choice>
-          <mc:Fallback>
-            <p:sp>
-              <p:nvSpPr>
-                <p:cNvPr id="330" name="Parallelogram 329">
-                  <a:extLst>
-                    <a:ext uri="{FF2B5EF4-FFF2-40B4-BE49-F238E27FC236}">
-                      <a16:creationId xmlns:a16="http://schemas.microsoft.com/office/drawing/2014/main" id="{2D338C51-60F6-5438-294E-05415AA16289}"/>
-                    </a:ext>
-                  </a:extLst>
-                </p:cNvPr>
-                <p:cNvSpPr>
-                  <a:spLocks noRot="1" noChangeAspect="1" noMove="1" noResize="1" noEditPoints="1" noAdjustHandles="1" noChangeArrowheads="1" noChangeShapeType="1" noTextEdit="1"/>
-                </p:cNvSpPr>
-                <p:nvPr/>
-              </p:nvSpPr>
-              <p:spPr>
-                <a:xfrm>
-                  <a:off x="2820109" y="1956072"/>
-                  <a:ext cx="831451" cy="348099"/>
-                </a:xfrm>
-                <a:prstGeom prst="parallelogram">
-                  <a:avLst/>
-                </a:prstGeom>
-                <a:blipFill>
-                  <a:blip r:embed="rId16"/>
-                  <a:stretch>
-                    <a:fillRect b="-6667"/>
-                  </a:stretch>
-                </a:blipFill>
-              </p:spPr>
-              <p:txBody>
-                <a:bodyPr/>
-                <a:lstStyle/>
-                <a:p>
-                  <a:r>
-                    <a:rPr lang="en-US">
-                      <a:noFill/>
-                    </a:rPr>
-                    <a:t> </a:t>
-                  </a:r>
-                </a:p>
-              </p:txBody>
-            </p:sp>
-          </mc:Fallback>
-        </mc:AlternateContent>
+        <p:sp>
+          <p:nvSpPr>
+            <p:cNvPr id="252" name="Rounded Rectangle 251">
+              <a:extLst>
+                <a:ext uri="{FF2B5EF4-FFF2-40B4-BE49-F238E27FC236}">
+                  <a16:creationId xmlns:a16="http://schemas.microsoft.com/office/drawing/2014/main" id="{2D33A370-5806-7F90-79D2-70046B22BADE}"/>
+                </a:ext>
+              </a:extLst>
+            </p:cNvPr>
+            <p:cNvSpPr/>
+            <p:nvPr/>
+          </p:nvSpPr>
+          <p:spPr>
+            <a:xfrm>
+              <a:off x="760463" y="3639368"/>
+              <a:ext cx="1745955" cy="553998"/>
+            </a:xfrm>
+            <a:prstGeom prst="roundRect">
+              <a:avLst/>
+            </a:prstGeom>
+            <a:solidFill>
+              <a:srgbClr val="C00000"/>
+            </a:solidFill>
+          </p:spPr>
+          <p:style>
+            <a:lnRef idx="2">
+              <a:schemeClr val="dk1">
+                <a:shade val="50000"/>
+              </a:schemeClr>
+            </a:lnRef>
+            <a:fillRef idx="1">
+              <a:schemeClr val="dk1"/>
+            </a:fillRef>
+            <a:effectRef idx="0">
+              <a:schemeClr val="dk1"/>
+            </a:effectRef>
+            <a:fontRef idx="minor">
+              <a:schemeClr val="lt1"/>
+            </a:fontRef>
+          </p:style>
+          <p:txBody>
+            <a:bodyPr rtlCol="0" anchor="ctr"/>
+            <a:lstStyle/>
+            <a:p>
+              <a:pPr algn="ctr"/>
+              <a:r>
+                <a:rPr lang="en-US" sz="1600" b="1" dirty="0">
+                  <a:solidFill>
+                    <a:schemeClr val="bg1"/>
+                  </a:solidFill>
+                  <a:latin typeface="LM Roman 12" pitchFamily="2" charset="77"/>
+                </a:rPr>
+                <a:t>Measurements</a:t>
+              </a:r>
+            </a:p>
+          </p:txBody>
+        </p:sp>
+        <p:cxnSp>
+          <p:nvCxnSpPr>
+            <p:cNvPr id="272" name="Elbow Connector 271">
+              <a:extLst>
+                <a:ext uri="{FF2B5EF4-FFF2-40B4-BE49-F238E27FC236}">
+                  <a16:creationId xmlns:a16="http://schemas.microsoft.com/office/drawing/2014/main" id="{B641676E-44A5-FE3C-8353-0C9530A14D2B}"/>
+                </a:ext>
+              </a:extLst>
+            </p:cNvPr>
+            <p:cNvCxnSpPr>
+              <a:cxnSpLocks/>
+              <a:stCxn id="252" idx="3"/>
+              <a:endCxn id="116" idx="5"/>
+            </p:cNvCxnSpPr>
+            <p:nvPr/>
+          </p:nvCxnSpPr>
+          <p:spPr>
+            <a:xfrm flipV="1">
+              <a:off x="2506418" y="2594803"/>
+              <a:ext cx="352980" cy="1321564"/>
+            </a:xfrm>
+            <a:prstGeom prst="bentConnector3">
+              <a:avLst>
+                <a:gd name="adj1" fmla="val 50000"/>
+              </a:avLst>
+            </a:prstGeom>
+            <a:ln w="38100">
+              <a:solidFill>
+                <a:srgbClr val="C00000"/>
+              </a:solidFill>
+              <a:tailEnd type="triangle"/>
+            </a:ln>
+          </p:spPr>
+          <p:style>
+            <a:lnRef idx="1">
+              <a:schemeClr val="accent1"/>
+            </a:lnRef>
+            <a:fillRef idx="0">
+              <a:schemeClr val="accent1"/>
+            </a:fillRef>
+            <a:effectRef idx="0">
+              <a:schemeClr val="accent1"/>
+            </a:effectRef>
+            <a:fontRef idx="minor">
+              <a:schemeClr val="tx1"/>
+            </a:fontRef>
+          </p:style>
+        </p:cxnSp>
+        <p:cxnSp>
+          <p:nvCxnSpPr>
+            <p:cNvPr id="278" name="Straight Arrow Connector 277">
+              <a:extLst>
+                <a:ext uri="{FF2B5EF4-FFF2-40B4-BE49-F238E27FC236}">
+                  <a16:creationId xmlns:a16="http://schemas.microsoft.com/office/drawing/2014/main" id="{C7FD6906-72C6-AFCF-F1E1-E7A339A28303}"/>
+                </a:ext>
+              </a:extLst>
+            </p:cNvPr>
+            <p:cNvCxnSpPr>
+              <a:cxnSpLocks/>
+              <a:endCxn id="252" idx="3"/>
+            </p:cNvCxnSpPr>
+            <p:nvPr/>
+          </p:nvCxnSpPr>
+          <p:spPr>
+            <a:xfrm flipH="1">
+              <a:off x="2506418" y="3905008"/>
+              <a:ext cx="357204" cy="11359"/>
+            </a:xfrm>
+            <a:prstGeom prst="straightConnector1">
+              <a:avLst/>
+            </a:prstGeom>
+            <a:ln w="38100">
+              <a:solidFill>
+                <a:srgbClr val="C00000"/>
+              </a:solidFill>
+              <a:headEnd type="triangle"/>
+              <a:tailEnd type="none"/>
+            </a:ln>
+          </p:spPr>
+          <p:style>
+            <a:lnRef idx="1">
+              <a:schemeClr val="accent1"/>
+            </a:lnRef>
+            <a:fillRef idx="0">
+              <a:schemeClr val="accent1"/>
+            </a:fillRef>
+            <a:effectRef idx="0">
+              <a:schemeClr val="accent1"/>
+            </a:effectRef>
+            <a:fontRef idx="minor">
+              <a:schemeClr val="tx1"/>
+            </a:fontRef>
+          </p:style>
+        </p:cxnSp>
+        <p:cxnSp>
+          <p:nvCxnSpPr>
+            <p:cNvPr id="281" name="Elbow Connector 280">
+              <a:extLst>
+                <a:ext uri="{FF2B5EF4-FFF2-40B4-BE49-F238E27FC236}">
+                  <a16:creationId xmlns:a16="http://schemas.microsoft.com/office/drawing/2014/main" id="{72E683AC-B54C-9DD2-0778-4FE233784B90}"/>
+                </a:ext>
+              </a:extLst>
+            </p:cNvPr>
+            <p:cNvCxnSpPr>
+              <a:cxnSpLocks/>
+              <a:stCxn id="252" idx="3"/>
+              <a:endCxn id="338" idx="5"/>
+            </p:cNvCxnSpPr>
+            <p:nvPr/>
+          </p:nvCxnSpPr>
+          <p:spPr>
+            <a:xfrm>
+              <a:off x="2506418" y="3916367"/>
+              <a:ext cx="352980" cy="1349665"/>
+            </a:xfrm>
+            <a:prstGeom prst="bentConnector3">
+              <a:avLst>
+                <a:gd name="adj1" fmla="val 50000"/>
+              </a:avLst>
+            </a:prstGeom>
+            <a:ln w="38100">
+              <a:solidFill>
+                <a:srgbClr val="C00000"/>
+              </a:solidFill>
+              <a:tailEnd type="triangle"/>
+            </a:ln>
+          </p:spPr>
+          <p:style>
+            <a:lnRef idx="1">
+              <a:schemeClr val="accent1"/>
+            </a:lnRef>
+            <a:fillRef idx="0">
+              <a:schemeClr val="accent1"/>
+            </a:fillRef>
+            <a:effectRef idx="0">
+              <a:schemeClr val="accent1"/>
+            </a:effectRef>
+            <a:fontRef idx="minor">
+              <a:schemeClr val="tx1"/>
+            </a:fontRef>
+          </p:style>
+        </p:cxnSp>
         <p:grpSp>
           <p:nvGrpSpPr>
-            <p:cNvPr id="331" name="Group 330">
+            <p:cNvPr id="327" name="Group 326">
               <a:extLst>
                 <a:ext uri="{FF2B5EF4-FFF2-40B4-BE49-F238E27FC236}">
-                  <a16:creationId xmlns:a16="http://schemas.microsoft.com/office/drawing/2014/main" id="{C9E84944-79B1-AC97-B24E-43BD7C1DEE68}"/>
+                  <a16:creationId xmlns:a16="http://schemas.microsoft.com/office/drawing/2014/main" id="{88B7D4FF-3BA2-9F46-DD9B-F3FEFBF7CE94}"/>
                 </a:ext>
               </a:extLst>
             </p:cNvPr>
@@ -9085,183 +8504,32 @@
           </p:nvGrpSpPr>
           <p:grpSpPr>
             <a:xfrm>
-              <a:off x="3608048" y="1962721"/>
-              <a:ext cx="1628781" cy="334800"/>
-              <a:chOff x="3113636" y="2029354"/>
-              <a:chExt cx="1628781" cy="334800"/>
+              <a:off x="2820109" y="3750916"/>
+              <a:ext cx="3371141" cy="557310"/>
+              <a:chOff x="2820109" y="1956071"/>
+              <a:chExt cx="3371141" cy="557310"/>
             </a:xfrm>
           </p:grpSpPr>
-          <mc:AlternateContent xmlns:mc="http://schemas.openxmlformats.org/markup-compatibility/2006">
-            <mc:Choice xmlns:a14="http://schemas.microsoft.com/office/drawing/2010/main" Requires="a14">
-              <p:sp>
-                <p:nvSpPr>
-                  <p:cNvPr id="332" name="Rounded Rectangle 331">
-                    <a:extLst>
-                      <a:ext uri="{FF2B5EF4-FFF2-40B4-BE49-F238E27FC236}">
-                        <a16:creationId xmlns:a16="http://schemas.microsoft.com/office/drawing/2014/main" id="{35FF2506-C4A2-2ABA-8D2A-82333E070793}"/>
-                      </a:ext>
-                    </a:extLst>
-                  </p:cNvPr>
-                  <p:cNvSpPr/>
-                  <p:nvPr/>
-                </p:nvSpPr>
-                <p:spPr>
-                  <a:xfrm>
-                    <a:off x="3876559" y="2029354"/>
-                    <a:ext cx="547071" cy="334800"/>
-                  </a:xfrm>
-                  <a:prstGeom prst="roundRect">
-                    <a:avLst/>
-                  </a:prstGeom>
-                  <a:solidFill>
-                    <a:schemeClr val="tx1">
-                      <a:lumMod val="50000"/>
-                      <a:lumOff val="50000"/>
-                    </a:schemeClr>
-                  </a:solidFill>
-                </p:spPr>
-                <p:style>
-                  <a:lnRef idx="2">
-                    <a:schemeClr val="dk1">
-                      <a:shade val="50000"/>
-                    </a:schemeClr>
-                  </a:lnRef>
-                  <a:fillRef idx="1">
-                    <a:schemeClr val="dk1"/>
-                  </a:fillRef>
-                  <a:effectRef idx="0">
-                    <a:schemeClr val="dk1"/>
-                  </a:effectRef>
-                  <a:fontRef idx="minor">
-                    <a:schemeClr val="lt1"/>
-                  </a:fontRef>
-                </p:style>
-                <p:txBody>
-                  <a:bodyPr rtlCol="0" anchor="ctr"/>
-                  <a:lstStyle/>
-                  <a:p>
-                    <a:pPr algn="ctr"/>
-                    <a14:m>
-                      <m:oMathPara xmlns:m="http://schemas.openxmlformats.org/officeDocument/2006/math">
-                        <m:oMathParaPr>
-                          <m:jc m:val="center"/>
-                        </m:oMathParaPr>
-                        <m:oMath xmlns:m="http://schemas.openxmlformats.org/officeDocument/2006/math">
-                          <m:sSub>
-                            <m:sSubPr>
-                              <m:ctrlPr>
-                                <a:rPr lang="en-US" sz="1600" i="1" smtClean="0">
-                                  <a:solidFill>
-                                    <a:schemeClr val="bg1"/>
-                                  </a:solidFill>
-                                  <a:latin typeface="Cambria Math" panose="02040503050406030204" pitchFamily="18" charset="0"/>
-                                  <a:ea typeface="Cambria Math" panose="02040503050406030204" pitchFamily="18" charset="0"/>
-                                </a:rPr>
-                              </m:ctrlPr>
-                            </m:sSubPr>
-                            <m:e>
-                              <m:r>
-                                <a:rPr lang="en-US" sz="1600" b="0" i="1">
-                                  <a:solidFill>
-                                    <a:schemeClr val="bg1"/>
-                                  </a:solidFill>
-                                  <a:latin typeface="Cambria Math" panose="02040503050406030204" pitchFamily="18" charset="0"/>
-                                  <a:ea typeface="Cambria Math" panose="02040503050406030204" pitchFamily="18" charset="0"/>
-                                </a:rPr>
-                                <m:t>𝒢𝒫</m:t>
-                              </m:r>
-                            </m:e>
-                            <m:sub>
-                              <m:r>
-                                <a:rPr lang="en-IE" sz="1600" b="0" i="1" smtClean="0">
-                                  <a:solidFill>
-                                    <a:schemeClr val="bg1"/>
-                                  </a:solidFill>
-                                  <a:latin typeface="Cambria Math" panose="02040503050406030204" pitchFamily="18" charset="0"/>
-                                  <a:ea typeface="Cambria Math" panose="02040503050406030204" pitchFamily="18" charset="0"/>
-                                </a:rPr>
-                                <m:t>𝑑</m:t>
-                              </m:r>
-                            </m:sub>
-                          </m:sSub>
-                        </m:oMath>
-                      </m:oMathPara>
-                    </a14:m>
-                    <a:endParaRPr lang="en-US" sz="1600" dirty="0">
-                      <a:solidFill>
-                        <a:schemeClr val="bg1"/>
-                      </a:solidFill>
-                      <a:latin typeface="LM Roman 12" pitchFamily="2" charset="77"/>
-                    </a:endParaRPr>
-                  </a:p>
-                </p:txBody>
-              </p:sp>
-            </mc:Choice>
-            <mc:Fallback>
-              <p:sp>
-                <p:nvSpPr>
-                  <p:cNvPr id="332" name="Rounded Rectangle 331">
-                    <a:extLst>
-                      <a:ext uri="{FF2B5EF4-FFF2-40B4-BE49-F238E27FC236}">
-                        <a16:creationId xmlns:a16="http://schemas.microsoft.com/office/drawing/2014/main" id="{35FF2506-C4A2-2ABA-8D2A-82333E070793}"/>
-                      </a:ext>
-                    </a:extLst>
-                  </p:cNvPr>
-                  <p:cNvSpPr>
-                    <a:spLocks noRot="1" noChangeAspect="1" noMove="1" noResize="1" noEditPoints="1" noAdjustHandles="1" noChangeArrowheads="1" noChangeShapeType="1" noTextEdit="1"/>
-                  </p:cNvSpPr>
-                  <p:nvPr/>
-                </p:nvSpPr>
-                <p:spPr>
-                  <a:xfrm>
-                    <a:off x="3876559" y="2029354"/>
-                    <a:ext cx="547071" cy="334800"/>
-                  </a:xfrm>
-                  <a:prstGeom prst="roundRect">
-                    <a:avLst/>
-                  </a:prstGeom>
-                  <a:blipFill>
-                    <a:blip r:embed="rId17"/>
-                    <a:stretch>
-                      <a:fillRect l="-4444" b="-7143"/>
-                    </a:stretch>
-                  </a:blipFill>
-                </p:spPr>
-                <p:txBody>
-                  <a:bodyPr/>
-                  <a:lstStyle/>
-                  <a:p>
-                    <a:r>
-                      <a:rPr lang="en-US">
-                        <a:noFill/>
-                      </a:rPr>
-                      <a:t> </a:t>
-                    </a:r>
-                  </a:p>
-                </p:txBody>
-              </p:sp>
-            </mc:Fallback>
-          </mc:AlternateContent>
           <p:cxnSp>
             <p:nvCxnSpPr>
-              <p:cNvPr id="333" name="Straight Arrow Connector 332">
+              <p:cNvPr id="328" name="Straight Arrow Connector 327">
                 <a:extLst>
                   <a:ext uri="{FF2B5EF4-FFF2-40B4-BE49-F238E27FC236}">
-                    <a16:creationId xmlns:a16="http://schemas.microsoft.com/office/drawing/2014/main" id="{56FA7FA7-17F7-4A29-3D2F-DB00AD9969E9}"/>
+                    <a16:creationId xmlns:a16="http://schemas.microsoft.com/office/drawing/2014/main" id="{007E3B59-9572-F056-1261-0347B6DEBFFA}"/>
                   </a:ext>
                 </a:extLst>
               </p:cNvPr>
               <p:cNvCxnSpPr>
                 <a:cxnSpLocks/>
-                <a:stCxn id="332" idx="1"/>
-                <a:endCxn id="330" idx="2"/>
+                <a:stCxn id="146" idx="0"/>
+                <a:endCxn id="329" idx="3"/>
               </p:cNvCxnSpPr>
               <p:nvPr/>
             </p:nvCxnSpPr>
             <p:spPr>
-              <a:xfrm flipH="1">
-                <a:off x="3113636" y="2196754"/>
-                <a:ext cx="762923" cy="1"/>
+              <a:xfrm flipV="1">
+                <a:off x="5639013" y="2304170"/>
+                <a:ext cx="9758" cy="209211"/>
               </a:xfrm>
               <a:prstGeom prst="straightConnector1">
                 <a:avLst/>
@@ -9289,26 +8557,758 @@
               </a:fontRef>
             </p:style>
           </p:cxnSp>
+          <mc:AlternateContent xmlns:mc="http://schemas.openxmlformats.org/markup-compatibility/2006" xmlns:a14="http://schemas.microsoft.com/office/drawing/2010/main">
+            <mc:Choice Requires="a14">
+              <p:sp>
+                <p:nvSpPr>
+                  <p:cNvPr id="329" name="Parallelogram 328">
+                    <a:extLst>
+                      <a:ext uri="{FF2B5EF4-FFF2-40B4-BE49-F238E27FC236}">
+                        <a16:creationId xmlns:a16="http://schemas.microsoft.com/office/drawing/2014/main" id="{CF8152C9-7F39-8187-15F8-6831E4C1FF56}"/>
+                      </a:ext>
+                    </a:extLst>
+                  </p:cNvPr>
+                  <p:cNvSpPr/>
+                  <p:nvPr/>
+                </p:nvSpPr>
+                <p:spPr>
+                  <a:xfrm>
+                    <a:off x="5193317" y="1956071"/>
+                    <a:ext cx="997933" cy="348099"/>
+                  </a:xfrm>
+                  <a:prstGeom prst="parallelogram">
+                    <a:avLst/>
+                  </a:prstGeom>
+                  <a:solidFill>
+                    <a:schemeClr val="bg2">
+                      <a:lumMod val="20000"/>
+                      <a:lumOff val="80000"/>
+                    </a:schemeClr>
+                  </a:solidFill>
+                </p:spPr>
+                <p:style>
+                  <a:lnRef idx="2">
+                    <a:schemeClr val="accent1">
+                      <a:shade val="50000"/>
+                    </a:schemeClr>
+                  </a:lnRef>
+                  <a:fillRef idx="1">
+                    <a:schemeClr val="accent1"/>
+                  </a:fillRef>
+                  <a:effectRef idx="0">
+                    <a:schemeClr val="accent1"/>
+                  </a:effectRef>
+                  <a:fontRef idx="minor">
+                    <a:schemeClr val="lt1"/>
+                  </a:fontRef>
+                </p:style>
+                <p:txBody>
+                  <a:bodyPr rtlCol="0" anchor="ctr"/>
+                  <a:lstStyle/>
+                  <a:p>
+                    <a:pPr algn="ctr"/>
+                    <a14:m>
+                      <m:oMathPara xmlns:m="http://schemas.openxmlformats.org/officeDocument/2006/math">
+                        <m:oMathParaPr>
+                          <m:jc m:val="center"/>
+                        </m:oMathParaPr>
+                        <m:oMath xmlns:m="http://schemas.openxmlformats.org/officeDocument/2006/math">
+                          <m:r>
+                            <a:rPr lang="en-IE" sz="1600" i="1" smtClean="0">
+                              <a:solidFill>
+                                <a:schemeClr val="tx1"/>
+                              </a:solidFill>
+                              <a:latin typeface="Cambria Math" panose="02040503050406030204" pitchFamily="18" charset="0"/>
+                            </a:rPr>
+                            <m:t>𝛿</m:t>
+                          </m:r>
+                          <m:sSub>
+                            <m:sSubPr>
+                              <m:ctrlPr>
+                                <a:rPr lang="en-IE" sz="1600" i="1">
+                                  <a:solidFill>
+                                    <a:schemeClr val="tx1"/>
+                                  </a:solidFill>
+                                  <a:latin typeface="Cambria Math" panose="02040503050406030204" pitchFamily="18" charset="0"/>
+                                </a:rPr>
+                              </m:ctrlPr>
+                            </m:sSubPr>
+                            <m:e>
+                              <m:r>
+                                <a:rPr lang="en-IE" sz="1600" i="1">
+                                  <a:solidFill>
+                                    <a:schemeClr val="tx1"/>
+                                  </a:solidFill>
+                                  <a:latin typeface="Cambria Math" panose="02040503050406030204" pitchFamily="18" charset="0"/>
+                                </a:rPr>
+                                <m:t>𝑈</m:t>
+                              </m:r>
+                            </m:e>
+                            <m:sub>
+                              <m:r>
+                                <a:rPr lang="en-IE" sz="1600" b="0" i="1" smtClean="0">
+                                  <a:solidFill>
+                                    <a:schemeClr val="tx1"/>
+                                  </a:solidFill>
+                                  <a:latin typeface="Cambria Math" panose="02040503050406030204" pitchFamily="18" charset="0"/>
+                                </a:rPr>
+                                <m:t>𝑑</m:t>
+                              </m:r>
+                              <m:r>
+                                <a:rPr lang="en-IE" sz="1600" i="1">
+                                  <a:solidFill>
+                                    <a:schemeClr val="tx1"/>
+                                  </a:solidFill>
+                                  <a:latin typeface="Cambria Math" panose="02040503050406030204" pitchFamily="18" charset="0"/>
+                                </a:rPr>
+                                <m:t>∗</m:t>
+                              </m:r>
+                            </m:sub>
+                          </m:sSub>
+                          <m:r>
+                            <a:rPr lang="en-IE" sz="1600" i="1">
+                              <a:solidFill>
+                                <a:schemeClr val="tx1"/>
+                              </a:solidFill>
+                              <a:latin typeface="Cambria Math" panose="02040503050406030204" pitchFamily="18" charset="0"/>
+                            </a:rPr>
+                            <m:t>(</m:t>
+                          </m:r>
+                          <m:sSub>
+                            <m:sSubPr>
+                              <m:ctrlPr>
+                                <a:rPr lang="en-IE" sz="1600" i="1">
+                                  <a:solidFill>
+                                    <a:schemeClr val="tx1"/>
+                                  </a:solidFill>
+                                  <a:latin typeface="Cambria Math" panose="02040503050406030204" pitchFamily="18" charset="0"/>
+                                </a:rPr>
+                              </m:ctrlPr>
+                            </m:sSubPr>
+                            <m:e>
+                              <m:r>
+                                <a:rPr lang="en-IE" sz="1600" i="1">
+                                  <a:solidFill>
+                                    <a:schemeClr val="tx1"/>
+                                  </a:solidFill>
+                                  <a:latin typeface="Cambria Math" panose="02040503050406030204" pitchFamily="18" charset="0"/>
+                                </a:rPr>
+                                <m:t>𝑘</m:t>
+                              </m:r>
+                            </m:e>
+                            <m:sub>
+                              <m:r>
+                                <a:rPr lang="en-IE" sz="1600" i="1">
+                                  <a:solidFill>
+                                    <a:schemeClr val="tx1"/>
+                                  </a:solidFill>
+                                  <a:latin typeface="Cambria Math" panose="02040503050406030204" pitchFamily="18" charset="0"/>
+                                </a:rPr>
+                                <m:t>𝑗</m:t>
+                              </m:r>
+                            </m:sub>
+                          </m:sSub>
+                          <m:r>
+                            <a:rPr lang="en-IE" sz="1600" i="1">
+                              <a:solidFill>
+                                <a:schemeClr val="tx1"/>
+                              </a:solidFill>
+                              <a:latin typeface="Cambria Math" panose="02040503050406030204" pitchFamily="18" charset="0"/>
+                            </a:rPr>
+                            <m:t>)</m:t>
+                          </m:r>
+                        </m:oMath>
+                      </m:oMathPara>
+                    </a14:m>
+                    <a:endParaRPr lang="en-US" sz="1600" dirty="0">
+                      <a:solidFill>
+                        <a:schemeClr val="tx1"/>
+                      </a:solidFill>
+                      <a:latin typeface="LM Roman 12" pitchFamily="2" charset="77"/>
+                    </a:endParaRPr>
+                  </a:p>
+                </p:txBody>
+              </p:sp>
+            </mc:Choice>
+            <mc:Fallback xmlns="">
+              <p:sp>
+                <p:nvSpPr>
+                  <p:cNvPr id="329" name="Parallelogram 328">
+                    <a:extLst>
+                      <a:ext uri="{FF2B5EF4-FFF2-40B4-BE49-F238E27FC236}">
+                        <a16:creationId xmlns:a16="http://schemas.microsoft.com/office/drawing/2014/main" id="{CF8152C9-7F39-8187-15F8-6831E4C1FF56}"/>
+                      </a:ext>
+                    </a:extLst>
+                  </p:cNvPr>
+                  <p:cNvSpPr>
+                    <a:spLocks noRot="1" noChangeAspect="1" noMove="1" noResize="1" noEditPoints="1" noAdjustHandles="1" noChangeArrowheads="1" noChangeShapeType="1" noTextEdit="1"/>
+                  </p:cNvSpPr>
+                  <p:nvPr/>
+                </p:nvSpPr>
+                <p:spPr>
+                  <a:xfrm>
+                    <a:off x="5193317" y="1956071"/>
+                    <a:ext cx="997933" cy="348099"/>
+                  </a:xfrm>
+                  <a:prstGeom prst="parallelogram">
+                    <a:avLst/>
+                  </a:prstGeom>
+                  <a:blipFill>
+                    <a:blip r:embed="rId15"/>
+                    <a:stretch>
+                      <a:fillRect b="-6667"/>
+                    </a:stretch>
+                  </a:blipFill>
+                </p:spPr>
+                <p:txBody>
+                  <a:bodyPr/>
+                  <a:lstStyle/>
+                  <a:p>
+                    <a:r>
+                      <a:rPr lang="en-US">
+                        <a:noFill/>
+                      </a:rPr>
+                      <a:t> </a:t>
+                    </a:r>
+                  </a:p>
+                </p:txBody>
+              </p:sp>
+            </mc:Fallback>
+          </mc:AlternateContent>
+          <mc:AlternateContent xmlns:mc="http://schemas.openxmlformats.org/markup-compatibility/2006" xmlns:a14="http://schemas.microsoft.com/office/drawing/2010/main">
+            <mc:Choice Requires="a14">
+              <p:sp>
+                <p:nvSpPr>
+                  <p:cNvPr id="330" name="Parallelogram 329">
+                    <a:extLst>
+                      <a:ext uri="{FF2B5EF4-FFF2-40B4-BE49-F238E27FC236}">
+                        <a16:creationId xmlns:a16="http://schemas.microsoft.com/office/drawing/2014/main" id="{2D338C51-60F6-5438-294E-05415AA16289}"/>
+                      </a:ext>
+                    </a:extLst>
+                  </p:cNvPr>
+                  <p:cNvSpPr/>
+                  <p:nvPr/>
+                </p:nvSpPr>
+                <p:spPr>
+                  <a:xfrm>
+                    <a:off x="2820109" y="1956072"/>
+                    <a:ext cx="986291" cy="348099"/>
+                  </a:xfrm>
+                  <a:prstGeom prst="parallelogram">
+                    <a:avLst/>
+                  </a:prstGeom>
+                  <a:solidFill>
+                    <a:schemeClr val="bg2">
+                      <a:lumMod val="20000"/>
+                      <a:lumOff val="80000"/>
+                    </a:schemeClr>
+                  </a:solidFill>
+                </p:spPr>
+                <p:style>
+                  <a:lnRef idx="2">
+                    <a:schemeClr val="accent1">
+                      <a:shade val="50000"/>
+                    </a:schemeClr>
+                  </a:lnRef>
+                  <a:fillRef idx="1">
+                    <a:schemeClr val="accent1"/>
+                  </a:fillRef>
+                  <a:effectRef idx="0">
+                    <a:schemeClr val="accent1"/>
+                  </a:effectRef>
+                  <a:fontRef idx="minor">
+                    <a:schemeClr val="lt1"/>
+                  </a:fontRef>
+                </p:style>
+                <p:txBody>
+                  <a:bodyPr rtlCol="0" anchor="ctr"/>
+                  <a:lstStyle/>
+                  <a:p>
+                    <a:pPr algn="ctr"/>
+                    <a14:m>
+                      <m:oMathPara xmlns:m="http://schemas.openxmlformats.org/officeDocument/2006/math">
+                        <m:oMathParaPr>
+                          <m:jc m:val="center"/>
+                        </m:oMathParaPr>
+                        <m:oMath xmlns:m="http://schemas.openxmlformats.org/officeDocument/2006/math">
+                          <m:sSub>
+                            <m:sSubPr>
+                              <m:ctrlPr>
+                                <a:rPr lang="en-IE" sz="1600" i="1" smtClean="0">
+                                  <a:solidFill>
+                                    <a:schemeClr val="tx1"/>
+                                  </a:solidFill>
+                                  <a:latin typeface="Cambria Math" panose="02040503050406030204" pitchFamily="18" charset="0"/>
+                                </a:rPr>
+                              </m:ctrlPr>
+                            </m:sSubPr>
+                            <m:e>
+                              <m:acc>
+                                <m:accPr>
+                                  <m:chr m:val="̃"/>
+                                  <m:ctrlPr>
+                                    <a:rPr lang="en-IE" sz="1600" b="1" i="1">
+                                      <a:solidFill>
+                                        <a:schemeClr val="tx1"/>
+                                      </a:solidFill>
+                                      <a:latin typeface="Cambria Math" panose="02040503050406030204" pitchFamily="18" charset="0"/>
+                                    </a:rPr>
+                                  </m:ctrlPr>
+                                </m:accPr>
+                                <m:e>
+                                  <m:r>
+                                    <a:rPr lang="el-GR" sz="1600" b="1" i="1">
+                                      <a:solidFill>
+                                        <a:schemeClr val="tx1"/>
+                                      </a:solidFill>
+                                      <a:latin typeface="Cambria Math" panose="02040503050406030204" pitchFamily="18" charset="0"/>
+                                      <a:ea typeface="Cambria Math" panose="02040503050406030204" pitchFamily="18" charset="0"/>
+                                    </a:rPr>
+                                    <m:t>𝜲</m:t>
+                                  </m:r>
+                                </m:e>
+                              </m:acc>
+                            </m:e>
+                            <m:sub>
+                              <m:r>
+                                <a:rPr lang="en-IE" sz="1600" b="0" i="1" smtClean="0">
+                                  <a:solidFill>
+                                    <a:schemeClr val="tx1"/>
+                                  </a:solidFill>
+                                  <a:latin typeface="Cambria Math" panose="02040503050406030204" pitchFamily="18" charset="0"/>
+                                  <a:ea typeface="Cambria Math" panose="02040503050406030204" pitchFamily="18" charset="0"/>
+                                </a:rPr>
+                                <m:t>𝑑</m:t>
+                              </m:r>
+                              <m:r>
+                                <a:rPr lang="en-IE" sz="1600" b="0" i="1" smtClean="0">
+                                  <a:solidFill>
+                                    <a:schemeClr val="tx1"/>
+                                  </a:solidFill>
+                                  <a:latin typeface="Cambria Math" panose="02040503050406030204" pitchFamily="18" charset="0"/>
+                                  <a:ea typeface="Cambria Math" panose="02040503050406030204" pitchFamily="18" charset="0"/>
+                                </a:rPr>
+                                <m:t>∗</m:t>
+                              </m:r>
+                            </m:sub>
+                          </m:sSub>
+                          <m:r>
+                            <a:rPr lang="en-IE" sz="1600" i="1">
+                              <a:solidFill>
+                                <a:schemeClr val="tx1"/>
+                              </a:solidFill>
+                              <a:latin typeface="Cambria Math" panose="02040503050406030204" pitchFamily="18" charset="0"/>
+                            </a:rPr>
+                            <m:t>(</m:t>
+                          </m:r>
+                          <m:sSub>
+                            <m:sSubPr>
+                              <m:ctrlPr>
+                                <a:rPr lang="en-IE" sz="1600" i="1">
+                                  <a:solidFill>
+                                    <a:schemeClr val="tx1"/>
+                                  </a:solidFill>
+                                  <a:latin typeface="Cambria Math" panose="02040503050406030204" pitchFamily="18" charset="0"/>
+                                </a:rPr>
+                              </m:ctrlPr>
+                            </m:sSubPr>
+                            <m:e>
+                              <m:r>
+                                <a:rPr lang="en-IE" sz="1600" i="1">
+                                  <a:solidFill>
+                                    <a:schemeClr val="tx1"/>
+                                  </a:solidFill>
+                                  <a:latin typeface="Cambria Math" panose="02040503050406030204" pitchFamily="18" charset="0"/>
+                                </a:rPr>
+                                <m:t>𝑘</m:t>
+                              </m:r>
+                            </m:e>
+                            <m:sub>
+                              <m:r>
+                                <a:rPr lang="en-IE" sz="1600" i="1">
+                                  <a:solidFill>
+                                    <a:schemeClr val="tx1"/>
+                                  </a:solidFill>
+                                  <a:latin typeface="Cambria Math" panose="02040503050406030204" pitchFamily="18" charset="0"/>
+                                </a:rPr>
+                                <m:t>𝑗</m:t>
+                              </m:r>
+                            </m:sub>
+                          </m:sSub>
+                          <m:r>
+                            <a:rPr lang="en-IE" sz="1600" i="1">
+                              <a:solidFill>
+                                <a:schemeClr val="tx1"/>
+                              </a:solidFill>
+                              <a:latin typeface="Cambria Math" panose="02040503050406030204" pitchFamily="18" charset="0"/>
+                            </a:rPr>
+                            <m:t>)</m:t>
+                          </m:r>
+                        </m:oMath>
+                      </m:oMathPara>
+                    </a14:m>
+                    <a:endParaRPr lang="en-US" sz="1600" dirty="0">
+                      <a:solidFill>
+                        <a:schemeClr val="tx1"/>
+                      </a:solidFill>
+                      <a:latin typeface="LM Roman 12" pitchFamily="2" charset="77"/>
+                    </a:endParaRPr>
+                  </a:p>
+                </p:txBody>
+              </p:sp>
+            </mc:Choice>
+            <mc:Fallback xmlns="">
+              <p:sp>
+                <p:nvSpPr>
+                  <p:cNvPr id="330" name="Parallelogram 329">
+                    <a:extLst>
+                      <a:ext uri="{FF2B5EF4-FFF2-40B4-BE49-F238E27FC236}">
+                        <a16:creationId xmlns:a16="http://schemas.microsoft.com/office/drawing/2014/main" id="{2D338C51-60F6-5438-294E-05415AA16289}"/>
+                      </a:ext>
+                    </a:extLst>
+                  </p:cNvPr>
+                  <p:cNvSpPr>
+                    <a:spLocks noRot="1" noChangeAspect="1" noMove="1" noResize="1" noEditPoints="1" noAdjustHandles="1" noChangeArrowheads="1" noChangeShapeType="1" noTextEdit="1"/>
+                  </p:cNvSpPr>
+                  <p:nvPr/>
+                </p:nvSpPr>
+                <p:spPr>
+                  <a:xfrm>
+                    <a:off x="2820109" y="1956072"/>
+                    <a:ext cx="986291" cy="348099"/>
+                  </a:xfrm>
+                  <a:prstGeom prst="parallelogram">
+                    <a:avLst/>
+                  </a:prstGeom>
+                  <a:blipFill>
+                    <a:blip r:embed="rId16"/>
+                    <a:stretch>
+                      <a:fillRect b="-6667"/>
+                    </a:stretch>
+                  </a:blipFill>
+                </p:spPr>
+                <p:txBody>
+                  <a:bodyPr/>
+                  <a:lstStyle/>
+                  <a:p>
+                    <a:r>
+                      <a:rPr lang="en-US">
+                        <a:noFill/>
+                      </a:rPr>
+                      <a:t> </a:t>
+                    </a:r>
+                  </a:p>
+                </p:txBody>
+              </p:sp>
+            </mc:Fallback>
+          </mc:AlternateContent>
+          <p:grpSp>
+            <p:nvGrpSpPr>
+              <p:cNvPr id="331" name="Group 330">
+                <a:extLst>
+                  <a:ext uri="{FF2B5EF4-FFF2-40B4-BE49-F238E27FC236}">
+                    <a16:creationId xmlns:a16="http://schemas.microsoft.com/office/drawing/2014/main" id="{C9E84944-79B1-AC97-B24E-43BD7C1DEE68}"/>
+                  </a:ext>
+                </a:extLst>
+              </p:cNvPr>
+              <p:cNvGrpSpPr/>
+              <p:nvPr/>
+            </p:nvGrpSpPr>
+            <p:grpSpPr>
+              <a:xfrm>
+                <a:off x="3762888" y="1962721"/>
+                <a:ext cx="1473941" cy="334800"/>
+                <a:chOff x="3268476" y="2029354"/>
+                <a:chExt cx="1473941" cy="334800"/>
+              </a:xfrm>
+            </p:grpSpPr>
+            <mc:AlternateContent xmlns:mc="http://schemas.openxmlformats.org/markup-compatibility/2006" xmlns:a14="http://schemas.microsoft.com/office/drawing/2010/main">
+              <mc:Choice Requires="a14">
+                <p:sp>
+                  <p:nvSpPr>
+                    <p:cNvPr id="332" name="Rounded Rectangle 331">
+                      <a:extLst>
+                        <a:ext uri="{FF2B5EF4-FFF2-40B4-BE49-F238E27FC236}">
+                          <a16:creationId xmlns:a16="http://schemas.microsoft.com/office/drawing/2014/main" id="{35FF2506-C4A2-2ABA-8D2A-82333E070793}"/>
+                        </a:ext>
+                      </a:extLst>
+                    </p:cNvPr>
+                    <p:cNvSpPr/>
+                    <p:nvPr/>
+                  </p:nvSpPr>
+                  <p:spPr>
+                    <a:xfrm>
+                      <a:off x="3876559" y="2029354"/>
+                      <a:ext cx="547071" cy="334800"/>
+                    </a:xfrm>
+                    <a:prstGeom prst="roundRect">
+                      <a:avLst/>
+                    </a:prstGeom>
+                    <a:solidFill>
+                      <a:schemeClr val="tx1">
+                        <a:lumMod val="50000"/>
+                        <a:lumOff val="50000"/>
+                      </a:schemeClr>
+                    </a:solidFill>
+                  </p:spPr>
+                  <p:style>
+                    <a:lnRef idx="2">
+                      <a:schemeClr val="dk1">
+                        <a:shade val="50000"/>
+                      </a:schemeClr>
+                    </a:lnRef>
+                    <a:fillRef idx="1">
+                      <a:schemeClr val="dk1"/>
+                    </a:fillRef>
+                    <a:effectRef idx="0">
+                      <a:schemeClr val="dk1"/>
+                    </a:effectRef>
+                    <a:fontRef idx="minor">
+                      <a:schemeClr val="lt1"/>
+                    </a:fontRef>
+                  </p:style>
+                  <p:txBody>
+                    <a:bodyPr rtlCol="0" anchor="ctr"/>
+                    <a:lstStyle/>
+                    <a:p>
+                      <a:pPr algn="ctr"/>
+                      <a14:m>
+                        <m:oMathPara xmlns:m="http://schemas.openxmlformats.org/officeDocument/2006/math">
+                          <m:oMathParaPr>
+                            <m:jc m:val="center"/>
+                          </m:oMathParaPr>
+                          <m:oMath xmlns:m="http://schemas.openxmlformats.org/officeDocument/2006/math">
+                            <m:sSub>
+                              <m:sSubPr>
+                                <m:ctrlPr>
+                                  <a:rPr lang="en-US" sz="1600" i="1" smtClean="0">
+                                    <a:solidFill>
+                                      <a:schemeClr val="bg1"/>
+                                    </a:solidFill>
+                                    <a:latin typeface="Cambria Math" panose="02040503050406030204" pitchFamily="18" charset="0"/>
+                                    <a:ea typeface="Cambria Math" panose="02040503050406030204" pitchFamily="18" charset="0"/>
+                                  </a:rPr>
+                                </m:ctrlPr>
+                              </m:sSubPr>
+                              <m:e>
+                                <m:r>
+                                  <a:rPr lang="en-US" sz="1600" b="0" i="1">
+                                    <a:solidFill>
+                                      <a:schemeClr val="bg1"/>
+                                    </a:solidFill>
+                                    <a:latin typeface="Cambria Math" panose="02040503050406030204" pitchFamily="18" charset="0"/>
+                                    <a:ea typeface="Cambria Math" panose="02040503050406030204" pitchFamily="18" charset="0"/>
+                                  </a:rPr>
+                                  <m:t>𝒢𝒫</m:t>
+                                </m:r>
+                              </m:e>
+                              <m:sub>
+                                <m:r>
+                                  <a:rPr lang="en-IE" sz="1600" b="0" i="1" smtClean="0">
+                                    <a:solidFill>
+                                      <a:schemeClr val="bg1"/>
+                                    </a:solidFill>
+                                    <a:latin typeface="Cambria Math" panose="02040503050406030204" pitchFamily="18" charset="0"/>
+                                    <a:ea typeface="Cambria Math" panose="02040503050406030204" pitchFamily="18" charset="0"/>
+                                  </a:rPr>
+                                  <m:t>𝑑</m:t>
+                                </m:r>
+                              </m:sub>
+                            </m:sSub>
+                          </m:oMath>
+                        </m:oMathPara>
+                      </a14:m>
+                      <a:endParaRPr lang="en-US" sz="1600" dirty="0">
+                        <a:solidFill>
+                          <a:schemeClr val="bg1"/>
+                        </a:solidFill>
+                        <a:latin typeface="LM Roman 12" pitchFamily="2" charset="77"/>
+                      </a:endParaRPr>
+                    </a:p>
+                  </p:txBody>
+                </p:sp>
+              </mc:Choice>
+              <mc:Fallback xmlns="">
+                <p:sp>
+                  <p:nvSpPr>
+                    <p:cNvPr id="332" name="Rounded Rectangle 331">
+                      <a:extLst>
+                        <a:ext uri="{FF2B5EF4-FFF2-40B4-BE49-F238E27FC236}">
+                          <a16:creationId xmlns:a16="http://schemas.microsoft.com/office/drawing/2014/main" id="{35FF2506-C4A2-2ABA-8D2A-82333E070793}"/>
+                        </a:ext>
+                      </a:extLst>
+                    </p:cNvPr>
+                    <p:cNvSpPr>
+                      <a:spLocks noRot="1" noChangeAspect="1" noMove="1" noResize="1" noEditPoints="1" noAdjustHandles="1" noChangeArrowheads="1" noChangeShapeType="1" noTextEdit="1"/>
+                    </p:cNvSpPr>
+                    <p:nvPr/>
+                  </p:nvSpPr>
+                  <p:spPr>
+                    <a:xfrm>
+                      <a:off x="3876559" y="2029354"/>
+                      <a:ext cx="547071" cy="334800"/>
+                    </a:xfrm>
+                    <a:prstGeom prst="roundRect">
+                      <a:avLst/>
+                    </a:prstGeom>
+                    <a:blipFill>
+                      <a:blip r:embed="rId17"/>
+                      <a:stretch>
+                        <a:fillRect l="-4444" b="-7143"/>
+                      </a:stretch>
+                    </a:blipFill>
+                  </p:spPr>
+                  <p:txBody>
+                    <a:bodyPr/>
+                    <a:lstStyle/>
+                    <a:p>
+                      <a:r>
+                        <a:rPr lang="en-US">
+                          <a:noFill/>
+                        </a:rPr>
+                        <a:t> </a:t>
+                      </a:r>
+                    </a:p>
+                  </p:txBody>
+                </p:sp>
+              </mc:Fallback>
+            </mc:AlternateContent>
+            <p:cxnSp>
+              <p:nvCxnSpPr>
+                <p:cNvPr id="333" name="Straight Arrow Connector 332">
+                  <a:extLst>
+                    <a:ext uri="{FF2B5EF4-FFF2-40B4-BE49-F238E27FC236}">
+                      <a16:creationId xmlns:a16="http://schemas.microsoft.com/office/drawing/2014/main" id="{56FA7FA7-17F7-4A29-3D2F-DB00AD9969E9}"/>
+                    </a:ext>
+                  </a:extLst>
+                </p:cNvPr>
+                <p:cNvCxnSpPr>
+                  <a:cxnSpLocks/>
+                  <a:stCxn id="332" idx="1"/>
+                  <a:endCxn id="330" idx="2"/>
+                </p:cNvCxnSpPr>
+                <p:nvPr/>
+              </p:nvCxnSpPr>
+              <p:spPr>
+                <a:xfrm flipH="1">
+                  <a:off x="3268476" y="2196754"/>
+                  <a:ext cx="608083" cy="1"/>
+                </a:xfrm>
+                <a:prstGeom prst="straightConnector1">
+                  <a:avLst/>
+                </a:prstGeom>
+                <a:ln w="38100">
+                  <a:solidFill>
+                    <a:schemeClr val="tx1"/>
+                  </a:solidFill>
+                  <a:headEnd type="triangle"/>
+                  <a:tailEnd type="none"/>
+                </a:ln>
+              </p:spPr>
+              <p:style>
+                <a:lnRef idx="1">
+                  <a:schemeClr val="accent1"/>
+                </a:lnRef>
+                <a:fillRef idx="0">
+                  <a:schemeClr val="accent1"/>
+                </a:fillRef>
+                <a:effectRef idx="0">
+                  <a:schemeClr val="accent1"/>
+                </a:effectRef>
+                <a:fontRef idx="minor">
+                  <a:schemeClr val="tx1"/>
+                </a:fontRef>
+              </p:style>
+            </p:cxnSp>
+            <p:cxnSp>
+              <p:nvCxnSpPr>
+                <p:cNvPr id="334" name="Straight Arrow Connector 333">
+                  <a:extLst>
+                    <a:ext uri="{FF2B5EF4-FFF2-40B4-BE49-F238E27FC236}">
+                      <a16:creationId xmlns:a16="http://schemas.microsoft.com/office/drawing/2014/main" id="{6B1F20EC-8047-7B97-8A67-54D16651CEAB}"/>
+                    </a:ext>
+                  </a:extLst>
+                </p:cNvPr>
+                <p:cNvCxnSpPr>
+                  <a:cxnSpLocks/>
+                  <a:stCxn id="329" idx="5"/>
+                  <a:endCxn id="332" idx="3"/>
+                </p:cNvCxnSpPr>
+                <p:nvPr/>
+              </p:nvCxnSpPr>
+              <p:spPr>
+                <a:xfrm flipH="1">
+                  <a:off x="4423630" y="2196754"/>
+                  <a:ext cx="318787" cy="0"/>
+                </a:xfrm>
+                <a:prstGeom prst="straightConnector1">
+                  <a:avLst/>
+                </a:prstGeom>
+                <a:ln w="38100">
+                  <a:solidFill>
+                    <a:schemeClr val="tx1"/>
+                  </a:solidFill>
+                  <a:headEnd type="triangle"/>
+                  <a:tailEnd type="none"/>
+                </a:ln>
+              </p:spPr>
+              <p:style>
+                <a:lnRef idx="1">
+                  <a:schemeClr val="accent1"/>
+                </a:lnRef>
+                <a:fillRef idx="0">
+                  <a:schemeClr val="accent1"/>
+                </a:fillRef>
+                <a:effectRef idx="0">
+                  <a:schemeClr val="accent1"/>
+                </a:effectRef>
+                <a:fontRef idx="minor">
+                  <a:schemeClr val="tx1"/>
+                </a:fontRef>
+              </p:style>
+            </p:cxnSp>
+          </p:grpSp>
+        </p:grpSp>
+        <p:grpSp>
+          <p:nvGrpSpPr>
+            <p:cNvPr id="335" name="Group 334">
+              <a:extLst>
+                <a:ext uri="{FF2B5EF4-FFF2-40B4-BE49-F238E27FC236}">
+                  <a16:creationId xmlns:a16="http://schemas.microsoft.com/office/drawing/2014/main" id="{B84FD460-7484-45BB-B4D5-170E0BF62E0C}"/>
+                </a:ext>
+              </a:extLst>
+            </p:cNvPr>
+            <p:cNvGrpSpPr/>
+            <p:nvPr/>
+          </p:nvGrpSpPr>
+          <p:grpSpPr>
+            <a:xfrm>
+              <a:off x="2815886" y="5091981"/>
+              <a:ext cx="3375365" cy="558172"/>
+              <a:chOff x="2820110" y="1474874"/>
+              <a:chExt cx="3375365" cy="558172"/>
+            </a:xfrm>
+          </p:grpSpPr>
           <p:cxnSp>
             <p:nvCxnSpPr>
-              <p:cNvPr id="334" name="Straight Arrow Connector 333">
+              <p:cNvPr id="336" name="Straight Arrow Connector 335">
                 <a:extLst>
                   <a:ext uri="{FF2B5EF4-FFF2-40B4-BE49-F238E27FC236}">
-                    <a16:creationId xmlns:a16="http://schemas.microsoft.com/office/drawing/2014/main" id="{6B1F20EC-8047-7B97-8A67-54D16651CEAB}"/>
+                    <a16:creationId xmlns:a16="http://schemas.microsoft.com/office/drawing/2014/main" id="{5579C47D-A925-F9FD-C44C-5D30FCBF94C1}"/>
                   </a:ext>
                 </a:extLst>
               </p:cNvPr>
               <p:cNvCxnSpPr>
                 <a:cxnSpLocks/>
-                <a:stCxn id="329" idx="5"/>
-                <a:endCxn id="332" idx="3"/>
+                <a:stCxn id="154" idx="0"/>
+                <a:endCxn id="337" idx="3"/>
               </p:cNvCxnSpPr>
               <p:nvPr/>
             </p:nvCxnSpPr>
             <p:spPr>
-              <a:xfrm flipH="1">
-                <a:off x="4423630" y="2196754"/>
-                <a:ext cx="318787" cy="0"/>
+              <a:xfrm flipV="1">
+                <a:off x="5643238" y="1822973"/>
+                <a:ext cx="7646" cy="210073"/>
               </a:xfrm>
               <a:prstGeom prst="straightConnector1">
                 <a:avLst/>
@@ -9336,523 +9336,14 @@
               </a:fontRef>
             </p:style>
           </p:cxnSp>
-        </p:grpSp>
-      </p:grpSp>
-      <p:grpSp>
-        <p:nvGrpSpPr>
-          <p:cNvPr id="335" name="Group 334">
-            <a:extLst>
-              <a:ext uri="{FF2B5EF4-FFF2-40B4-BE49-F238E27FC236}">
-                <a16:creationId xmlns:a16="http://schemas.microsoft.com/office/drawing/2014/main" id="{B84FD460-7484-45BB-B4D5-170E0BF62E0C}"/>
-              </a:ext>
-            </a:extLst>
-          </p:cNvPr>
-          <p:cNvGrpSpPr/>
-          <p:nvPr/>
-        </p:nvGrpSpPr>
-        <p:grpSpPr>
-          <a:xfrm>
-            <a:off x="2815885" y="5573178"/>
-            <a:ext cx="3238275" cy="579705"/>
-            <a:chOff x="2820109" y="1956071"/>
-            <a:chExt cx="3238275" cy="579705"/>
-          </a:xfrm>
-        </p:grpSpPr>
-        <p:cxnSp>
-          <p:nvCxnSpPr>
-            <p:cNvPr id="336" name="Straight Arrow Connector 335">
-              <a:extLst>
-                <a:ext uri="{FF2B5EF4-FFF2-40B4-BE49-F238E27FC236}">
-                  <a16:creationId xmlns:a16="http://schemas.microsoft.com/office/drawing/2014/main" id="{5579C47D-A925-F9FD-C44C-5D30FCBF94C1}"/>
-                </a:ext>
-              </a:extLst>
-            </p:cNvPr>
-            <p:cNvCxnSpPr>
-              <a:cxnSpLocks/>
-              <a:endCxn id="337" idx="3"/>
-            </p:cNvCxnSpPr>
-            <p:nvPr/>
-          </p:nvCxnSpPr>
-          <p:spPr>
-            <a:xfrm flipV="1">
-              <a:off x="5581538" y="2304170"/>
-              <a:ext cx="800" cy="231606"/>
-            </a:xfrm>
-            <a:prstGeom prst="straightConnector1">
-              <a:avLst/>
-            </a:prstGeom>
-            <a:ln w="38100">
-              <a:solidFill>
-                <a:schemeClr val="tx1"/>
-              </a:solidFill>
-              <a:headEnd type="triangle"/>
-              <a:tailEnd type="none"/>
-            </a:ln>
-          </p:spPr>
-          <p:style>
-            <a:lnRef idx="1">
-              <a:schemeClr val="accent1"/>
-            </a:lnRef>
-            <a:fillRef idx="0">
-              <a:schemeClr val="accent1"/>
-            </a:fillRef>
-            <a:effectRef idx="0">
-              <a:schemeClr val="accent1"/>
-            </a:effectRef>
-            <a:fontRef idx="minor">
-              <a:schemeClr val="tx1"/>
-            </a:fontRef>
-          </p:style>
-        </p:cxnSp>
-        <mc:AlternateContent xmlns:mc="http://schemas.openxmlformats.org/markup-compatibility/2006">
-          <mc:Choice xmlns:a14="http://schemas.microsoft.com/office/drawing/2010/main" Requires="a14">
-            <p:sp>
-              <p:nvSpPr>
-                <p:cNvPr id="337" name="Parallelogram 336">
-                  <a:extLst>
-                    <a:ext uri="{FF2B5EF4-FFF2-40B4-BE49-F238E27FC236}">
-                      <a16:creationId xmlns:a16="http://schemas.microsoft.com/office/drawing/2014/main" id="{61B55645-14B8-9B8D-DF28-6757EB722B39}"/>
-                    </a:ext>
-                  </a:extLst>
-                </p:cNvPr>
-                <p:cNvSpPr/>
-                <p:nvPr/>
-              </p:nvSpPr>
-              <p:spPr>
-                <a:xfrm>
-                  <a:off x="5193317" y="1956071"/>
-                  <a:ext cx="865067" cy="348099"/>
-                </a:xfrm>
-                <a:prstGeom prst="parallelogram">
-                  <a:avLst/>
-                </a:prstGeom>
-                <a:solidFill>
-                  <a:schemeClr val="bg2">
-                    <a:lumMod val="20000"/>
-                    <a:lumOff val="80000"/>
-                  </a:schemeClr>
-                </a:solidFill>
-              </p:spPr>
-              <p:style>
-                <a:lnRef idx="2">
-                  <a:schemeClr val="accent1">
-                    <a:shade val="50000"/>
-                  </a:schemeClr>
-                </a:lnRef>
-                <a:fillRef idx="1">
-                  <a:schemeClr val="accent1"/>
-                </a:fillRef>
-                <a:effectRef idx="0">
-                  <a:schemeClr val="accent1"/>
-                </a:effectRef>
-                <a:fontRef idx="minor">
-                  <a:schemeClr val="lt1"/>
-                </a:fontRef>
-              </p:style>
-              <p:txBody>
-                <a:bodyPr rtlCol="0" anchor="ctr"/>
-                <a:lstStyle/>
-                <a:p>
-                  <a:pPr algn="ctr"/>
-                  <a14:m>
-                    <m:oMathPara xmlns:m="http://schemas.openxmlformats.org/officeDocument/2006/math">
-                      <m:oMathParaPr>
-                        <m:jc m:val="center"/>
-                      </m:oMathParaPr>
-                      <m:oMath xmlns:m="http://schemas.openxmlformats.org/officeDocument/2006/math">
-                        <m:r>
-                          <a:rPr lang="en-IE" sz="1600" b="0" i="1" smtClean="0">
-                            <a:solidFill>
-                              <a:schemeClr val="tx1"/>
-                            </a:solidFill>
-                            <a:latin typeface="Cambria Math" panose="02040503050406030204" pitchFamily="18" charset="0"/>
-                          </a:rPr>
-                          <m:t>𝛿</m:t>
-                        </m:r>
-                        <m:sSubSup>
-                          <m:sSubSupPr>
-                            <m:ctrlPr>
-                              <a:rPr lang="en-IE" sz="1600" b="0" i="1" smtClean="0">
-                                <a:solidFill>
-                                  <a:schemeClr val="tx1"/>
-                                </a:solidFill>
-                                <a:latin typeface="Cambria Math" panose="02040503050406030204" pitchFamily="18" charset="0"/>
-                              </a:rPr>
-                            </m:ctrlPr>
-                          </m:sSubSupPr>
-                          <m:e>
-                            <m:r>
-                              <a:rPr lang="en-IE" sz="1600" b="0" i="1" smtClean="0">
-                                <a:solidFill>
-                                  <a:schemeClr val="tx1"/>
-                                </a:solidFill>
-                                <a:latin typeface="Cambria Math" panose="02040503050406030204" pitchFamily="18" charset="0"/>
-                              </a:rPr>
-                              <m:t>𝑈</m:t>
-                            </m:r>
-                          </m:e>
-                          <m:sub>
-                            <m:r>
-                              <a:rPr lang="en-IE" sz="1600" b="0" i="1" smtClean="0">
-                                <a:solidFill>
-                                  <a:schemeClr val="tx1"/>
-                                </a:solidFill>
-                                <a:latin typeface="Cambria Math" panose="02040503050406030204" pitchFamily="18" charset="0"/>
-                              </a:rPr>
-                              <m:t>𝐷</m:t>
-                            </m:r>
-                          </m:sub>
-                          <m:sup>
-                            <m:r>
-                              <a:rPr lang="en-IE" sz="1600" b="0" i="1" smtClean="0">
-                                <a:solidFill>
-                                  <a:schemeClr val="tx1"/>
-                                </a:solidFill>
-                                <a:latin typeface="Cambria Math" panose="02040503050406030204" pitchFamily="18" charset="0"/>
-                              </a:rPr>
-                              <m:t>𝑙</m:t>
-                            </m:r>
-                          </m:sup>
-                        </m:sSubSup>
-                        <m:r>
-                          <a:rPr lang="en-IE" sz="1600" b="0" i="1" smtClean="0">
-                            <a:solidFill>
-                              <a:schemeClr val="tx1"/>
-                            </a:solidFill>
-                            <a:latin typeface="Cambria Math" panose="02040503050406030204" pitchFamily="18" charset="0"/>
-                          </a:rPr>
-                          <m:t>(</m:t>
-                        </m:r>
-                        <m:sSub>
-                          <m:sSubPr>
-                            <m:ctrlPr>
-                              <a:rPr lang="en-IE" sz="1600" i="1">
-                                <a:solidFill>
-                                  <a:schemeClr val="tx1"/>
-                                </a:solidFill>
-                                <a:latin typeface="Cambria Math" panose="02040503050406030204" pitchFamily="18" charset="0"/>
-                              </a:rPr>
-                            </m:ctrlPr>
-                          </m:sSubPr>
-                          <m:e>
-                            <m:r>
-                              <a:rPr lang="en-IE" sz="1600" i="1">
-                                <a:solidFill>
-                                  <a:schemeClr val="tx1"/>
-                                </a:solidFill>
-                                <a:latin typeface="Cambria Math" panose="02040503050406030204" pitchFamily="18" charset="0"/>
-                              </a:rPr>
-                              <m:t>𝑘</m:t>
-                            </m:r>
-                          </m:e>
-                          <m:sub>
-                            <m:r>
-                              <a:rPr lang="en-IE" sz="1600" i="1">
-                                <a:solidFill>
-                                  <a:schemeClr val="tx1"/>
-                                </a:solidFill>
-                                <a:latin typeface="Cambria Math" panose="02040503050406030204" pitchFamily="18" charset="0"/>
-                              </a:rPr>
-                              <m:t>𝑗</m:t>
-                            </m:r>
-                          </m:sub>
-                        </m:sSub>
-                        <m:r>
-                          <a:rPr lang="en-IE" sz="1600" b="0" i="1" smtClean="0">
-                            <a:solidFill>
-                              <a:schemeClr val="tx1"/>
-                            </a:solidFill>
-                            <a:latin typeface="Cambria Math" panose="02040503050406030204" pitchFamily="18" charset="0"/>
-                          </a:rPr>
-                          <m:t>)</m:t>
-                        </m:r>
-                      </m:oMath>
-                    </m:oMathPara>
-                  </a14:m>
-                  <a:endParaRPr lang="en-US" sz="1600" dirty="0">
-                    <a:solidFill>
-                      <a:schemeClr val="tx1"/>
-                    </a:solidFill>
-                    <a:latin typeface="LM Roman 12" pitchFamily="2" charset="77"/>
-                  </a:endParaRPr>
-                </a:p>
-              </p:txBody>
-            </p:sp>
-          </mc:Choice>
-          <mc:Fallback>
-            <p:sp>
-              <p:nvSpPr>
-                <p:cNvPr id="337" name="Parallelogram 336">
-                  <a:extLst>
-                    <a:ext uri="{FF2B5EF4-FFF2-40B4-BE49-F238E27FC236}">
-                      <a16:creationId xmlns:a16="http://schemas.microsoft.com/office/drawing/2014/main" id="{61B55645-14B8-9B8D-DF28-6757EB722B39}"/>
-                    </a:ext>
-                  </a:extLst>
-                </p:cNvPr>
-                <p:cNvSpPr>
-                  <a:spLocks noRot="1" noChangeAspect="1" noMove="1" noResize="1" noEditPoints="1" noAdjustHandles="1" noChangeArrowheads="1" noChangeShapeType="1" noTextEdit="1"/>
-                </p:cNvSpPr>
-                <p:nvPr/>
-              </p:nvSpPr>
-              <p:spPr>
-                <a:xfrm>
-                  <a:off x="5193317" y="1956071"/>
-                  <a:ext cx="865067" cy="348099"/>
-                </a:xfrm>
-                <a:prstGeom prst="parallelogram">
-                  <a:avLst/>
-                </a:prstGeom>
-                <a:blipFill>
-                  <a:blip r:embed="rId18"/>
-                  <a:stretch>
-                    <a:fillRect l="-2857" b="-10345"/>
-                  </a:stretch>
-                </a:blipFill>
-              </p:spPr>
-              <p:txBody>
-                <a:bodyPr/>
-                <a:lstStyle/>
-                <a:p>
-                  <a:r>
-                    <a:rPr lang="en-US">
-                      <a:noFill/>
-                    </a:rPr>
-                    <a:t> </a:t>
-                  </a:r>
-                </a:p>
-              </p:txBody>
-            </p:sp>
-          </mc:Fallback>
-        </mc:AlternateContent>
-        <mc:AlternateContent xmlns:mc="http://schemas.openxmlformats.org/markup-compatibility/2006">
-          <mc:Choice xmlns:a14="http://schemas.microsoft.com/office/drawing/2010/main" Requires="a14">
-            <p:sp>
-              <p:nvSpPr>
-                <p:cNvPr id="338" name="Parallelogram 337">
-                  <a:extLst>
-                    <a:ext uri="{FF2B5EF4-FFF2-40B4-BE49-F238E27FC236}">
-                      <a16:creationId xmlns:a16="http://schemas.microsoft.com/office/drawing/2014/main" id="{5F87B6B7-630E-B2FE-87CD-F89F51E2D816}"/>
-                    </a:ext>
-                  </a:extLst>
-                </p:cNvPr>
-                <p:cNvSpPr/>
-                <p:nvPr/>
-              </p:nvSpPr>
-              <p:spPr>
-                <a:xfrm>
-                  <a:off x="2820109" y="1956072"/>
-                  <a:ext cx="831451" cy="348099"/>
-                </a:xfrm>
-                <a:prstGeom prst="parallelogram">
-                  <a:avLst/>
-                </a:prstGeom>
-                <a:solidFill>
-                  <a:schemeClr val="bg2">
-                    <a:lumMod val="20000"/>
-                    <a:lumOff val="80000"/>
-                  </a:schemeClr>
-                </a:solidFill>
-              </p:spPr>
-              <p:style>
-                <a:lnRef idx="2">
-                  <a:schemeClr val="accent1">
-                    <a:shade val="50000"/>
-                  </a:schemeClr>
-                </a:lnRef>
-                <a:fillRef idx="1">
-                  <a:schemeClr val="accent1"/>
-                </a:fillRef>
-                <a:effectRef idx="0">
-                  <a:schemeClr val="accent1"/>
-                </a:effectRef>
-                <a:fontRef idx="minor">
-                  <a:schemeClr val="lt1"/>
-                </a:fontRef>
-              </p:style>
-              <p:txBody>
-                <a:bodyPr rtlCol="0" anchor="ctr"/>
-                <a:lstStyle/>
-                <a:p>
-                  <a:pPr algn="ctr"/>
-                  <a14:m>
-                    <m:oMathPara xmlns:m="http://schemas.openxmlformats.org/officeDocument/2006/math">
-                      <m:oMathParaPr>
-                        <m:jc m:val="center"/>
-                      </m:oMathParaPr>
-                      <m:oMath xmlns:m="http://schemas.openxmlformats.org/officeDocument/2006/math">
-                        <m:sSub>
-                          <m:sSubPr>
-                            <m:ctrlPr>
-                              <a:rPr lang="en-IE" sz="1600" b="0" i="1" smtClean="0">
-                                <a:solidFill>
-                                  <a:schemeClr val="tx1"/>
-                                </a:solidFill>
-                                <a:latin typeface="Cambria Math" panose="02040503050406030204" pitchFamily="18" charset="0"/>
-                              </a:rPr>
-                            </m:ctrlPr>
-                          </m:sSubPr>
-                          <m:e>
-                            <m:r>
-                              <a:rPr lang="el-GR" sz="1600" b="1" i="1" smtClean="0">
-                                <a:solidFill>
-                                  <a:schemeClr val="tx1"/>
-                                </a:solidFill>
-                                <a:latin typeface="Cambria Math" panose="02040503050406030204" pitchFamily="18" charset="0"/>
-                                <a:ea typeface="Cambria Math" panose="02040503050406030204" pitchFamily="18" charset="0"/>
-                              </a:rPr>
-                              <m:t>𝜲</m:t>
-                            </m:r>
-                          </m:e>
-                          <m:sub>
-                            <m:r>
-                              <a:rPr lang="en-IE" sz="1600" b="0" i="1" smtClean="0">
-                                <a:solidFill>
-                                  <a:schemeClr val="tx1"/>
-                                </a:solidFill>
-                                <a:latin typeface="Cambria Math" panose="02040503050406030204" pitchFamily="18" charset="0"/>
-                              </a:rPr>
-                              <m:t>𝐷</m:t>
-                            </m:r>
-                          </m:sub>
-                        </m:sSub>
-                        <m:r>
-                          <a:rPr lang="en-IE" sz="1600" b="0" i="1" smtClean="0">
-                            <a:solidFill>
-                              <a:schemeClr val="tx1"/>
-                            </a:solidFill>
-                            <a:latin typeface="Cambria Math" panose="02040503050406030204" pitchFamily="18" charset="0"/>
-                          </a:rPr>
-                          <m:t>(</m:t>
-                        </m:r>
-                        <m:sSub>
-                          <m:sSubPr>
-                            <m:ctrlPr>
-                              <a:rPr lang="en-IE" sz="1600" b="0" i="1" smtClean="0">
-                                <a:solidFill>
-                                  <a:schemeClr val="tx1"/>
-                                </a:solidFill>
-                                <a:latin typeface="Cambria Math" panose="02040503050406030204" pitchFamily="18" charset="0"/>
-                              </a:rPr>
-                            </m:ctrlPr>
-                          </m:sSubPr>
-                          <m:e>
-                            <m:r>
-                              <a:rPr lang="en-IE" sz="1600" b="0" i="1" smtClean="0">
-                                <a:solidFill>
-                                  <a:schemeClr val="tx1"/>
-                                </a:solidFill>
-                                <a:latin typeface="Cambria Math" panose="02040503050406030204" pitchFamily="18" charset="0"/>
-                              </a:rPr>
-                              <m:t>𝑘</m:t>
-                            </m:r>
-                          </m:e>
-                          <m:sub>
-                            <m:r>
-                              <a:rPr lang="en-IE" sz="1600" b="0" i="1" smtClean="0">
-                                <a:solidFill>
-                                  <a:schemeClr val="tx1"/>
-                                </a:solidFill>
-                                <a:latin typeface="Cambria Math" panose="02040503050406030204" pitchFamily="18" charset="0"/>
-                              </a:rPr>
-                              <m:t>𝑗</m:t>
-                            </m:r>
-                          </m:sub>
-                        </m:sSub>
-                        <m:r>
-                          <a:rPr lang="en-IE" sz="1600" b="0" i="1" smtClean="0">
-                            <a:solidFill>
-                              <a:schemeClr val="tx1"/>
-                            </a:solidFill>
-                            <a:latin typeface="Cambria Math" panose="02040503050406030204" pitchFamily="18" charset="0"/>
-                          </a:rPr>
-                          <m:t>)</m:t>
-                        </m:r>
-                      </m:oMath>
-                    </m:oMathPara>
-                  </a14:m>
-                  <a:endParaRPr lang="en-US" sz="1600" dirty="0">
-                    <a:solidFill>
-                      <a:schemeClr val="tx1"/>
-                    </a:solidFill>
-                    <a:latin typeface="LM Roman 12" pitchFamily="2" charset="77"/>
-                  </a:endParaRPr>
-                </a:p>
-              </p:txBody>
-            </p:sp>
-          </mc:Choice>
-          <mc:Fallback>
-            <p:sp>
-              <p:nvSpPr>
-                <p:cNvPr id="338" name="Parallelogram 337">
-                  <a:extLst>
-                    <a:ext uri="{FF2B5EF4-FFF2-40B4-BE49-F238E27FC236}">
-                      <a16:creationId xmlns:a16="http://schemas.microsoft.com/office/drawing/2014/main" id="{5F87B6B7-630E-B2FE-87CD-F89F51E2D816}"/>
-                    </a:ext>
-                  </a:extLst>
-                </p:cNvPr>
-                <p:cNvSpPr>
-                  <a:spLocks noRot="1" noChangeAspect="1" noMove="1" noResize="1" noEditPoints="1" noAdjustHandles="1" noChangeArrowheads="1" noChangeShapeType="1" noTextEdit="1"/>
-                </p:cNvSpPr>
-                <p:nvPr/>
-              </p:nvSpPr>
-              <p:spPr>
-                <a:xfrm>
-                  <a:off x="2820109" y="1956072"/>
-                  <a:ext cx="831451" cy="348099"/>
-                </a:xfrm>
-                <a:prstGeom prst="parallelogram">
-                  <a:avLst/>
-                </a:prstGeom>
-                <a:blipFill>
-                  <a:blip r:embed="rId19"/>
-                  <a:stretch>
-                    <a:fillRect b="-6897"/>
-                  </a:stretch>
-                </a:blipFill>
-              </p:spPr>
-              <p:txBody>
-                <a:bodyPr/>
-                <a:lstStyle/>
-                <a:p>
-                  <a:r>
-                    <a:rPr lang="en-US">
-                      <a:noFill/>
-                    </a:rPr>
-                    <a:t> </a:t>
-                  </a:r>
-                </a:p>
-              </p:txBody>
-            </p:sp>
-          </mc:Fallback>
-        </mc:AlternateContent>
-        <p:grpSp>
-          <p:nvGrpSpPr>
-            <p:cNvPr id="339" name="Group 338">
-              <a:extLst>
-                <a:ext uri="{FF2B5EF4-FFF2-40B4-BE49-F238E27FC236}">
-                  <a16:creationId xmlns:a16="http://schemas.microsoft.com/office/drawing/2014/main" id="{1C60ABF9-ECE9-F7CE-9F92-7160D0D2D9F6}"/>
-                </a:ext>
-              </a:extLst>
-            </p:cNvPr>
-            <p:cNvGrpSpPr/>
-            <p:nvPr/>
-          </p:nvGrpSpPr>
-          <p:grpSpPr>
-            <a:xfrm>
-              <a:off x="3608048" y="1962721"/>
-              <a:ext cx="1628781" cy="334800"/>
-              <a:chOff x="3113636" y="2029354"/>
-              <a:chExt cx="1628781" cy="334800"/>
-            </a:xfrm>
-          </p:grpSpPr>
           <mc:AlternateContent xmlns:mc="http://schemas.openxmlformats.org/markup-compatibility/2006">
             <mc:Choice xmlns:a14="http://schemas.microsoft.com/office/drawing/2010/main" Requires="a14">
               <p:sp>
                 <p:nvSpPr>
-                  <p:cNvPr id="340" name="Rounded Rectangle 339">
+                  <p:cNvPr id="337" name="Parallelogram 336">
                     <a:extLst>
                       <a:ext uri="{FF2B5EF4-FFF2-40B4-BE49-F238E27FC236}">
-                        <a16:creationId xmlns:a16="http://schemas.microsoft.com/office/drawing/2014/main" id="{FB4E52F2-157A-CC40-BDB6-9CBEC5548A0E}"/>
+                        <a16:creationId xmlns:a16="http://schemas.microsoft.com/office/drawing/2014/main" id="{61B55645-14B8-9B8D-DF28-6757EB722B39}"/>
                       </a:ext>
                     </a:extLst>
                   </p:cNvPr>
@@ -9861,30 +9352,248 @@
                 </p:nvSpPr>
                 <p:spPr>
                   <a:xfrm>
-                    <a:off x="3876559" y="2029354"/>
-                    <a:ext cx="547071" cy="334800"/>
+                    <a:off x="5193318" y="1474874"/>
+                    <a:ext cx="1002157" cy="348099"/>
                   </a:xfrm>
-                  <a:prstGeom prst="roundRect">
+                  <a:prstGeom prst="parallelogram">
                     <a:avLst/>
                   </a:prstGeom>
                   <a:solidFill>
-                    <a:schemeClr val="tx1">
-                      <a:lumMod val="50000"/>
-                      <a:lumOff val="50000"/>
+                    <a:schemeClr val="bg2">
+                      <a:lumMod val="20000"/>
+                      <a:lumOff val="80000"/>
                     </a:schemeClr>
                   </a:solidFill>
                 </p:spPr>
                 <p:style>
                   <a:lnRef idx="2">
-                    <a:schemeClr val="dk1">
+                    <a:schemeClr val="accent1">
                       <a:shade val="50000"/>
                     </a:schemeClr>
                   </a:lnRef>
                   <a:fillRef idx="1">
-                    <a:schemeClr val="dk1"/>
+                    <a:schemeClr val="accent1"/>
                   </a:fillRef>
                   <a:effectRef idx="0">
-                    <a:schemeClr val="dk1"/>
+                    <a:schemeClr val="accent1"/>
+                  </a:effectRef>
+                  <a:fontRef idx="minor">
+                    <a:schemeClr val="lt1"/>
+                  </a:fontRef>
+                </p:style>
+                <p:txBody>
+                  <a:bodyPr rtlCol="0" anchor="ctr"/>
+                  <a:lstStyle/>
+                  <a:p>
+                    <a:pPr algn="ctr"/>
+                    <a14:m>
+                      <m:oMathPara xmlns:m="http://schemas.openxmlformats.org/officeDocument/2006/math">
+                        <m:oMathParaPr>
+                          <m:jc m:val="center"/>
+                        </m:oMathParaPr>
+                        <m:oMath xmlns:m="http://schemas.openxmlformats.org/officeDocument/2006/math">
+                          <m:r>
+                            <a:rPr lang="en-IE" sz="1600" i="1" smtClean="0">
+                              <a:solidFill>
+                                <a:schemeClr val="tx1"/>
+                              </a:solidFill>
+                              <a:latin typeface="Cambria Math" panose="02040503050406030204" pitchFamily="18" charset="0"/>
+                            </a:rPr>
+                            <m:t>𝛿</m:t>
+                          </m:r>
+                          <m:sSub>
+                            <m:sSubPr>
+                              <m:ctrlPr>
+                                <a:rPr lang="en-IE" sz="1600" i="1">
+                                  <a:solidFill>
+                                    <a:schemeClr val="tx1"/>
+                                  </a:solidFill>
+                                  <a:latin typeface="Cambria Math" panose="02040503050406030204" pitchFamily="18" charset="0"/>
+                                </a:rPr>
+                              </m:ctrlPr>
+                            </m:sSubPr>
+                            <m:e>
+                              <m:r>
+                                <a:rPr lang="en-IE" sz="1600" i="1">
+                                  <a:solidFill>
+                                    <a:schemeClr val="tx1"/>
+                                  </a:solidFill>
+                                  <a:latin typeface="Cambria Math" panose="02040503050406030204" pitchFamily="18" charset="0"/>
+                                </a:rPr>
+                                <m:t>𝑈</m:t>
+                              </m:r>
+                            </m:e>
+                            <m:sub>
+                              <m:r>
+                                <a:rPr lang="en-IE" sz="1600" b="0" i="1" smtClean="0">
+                                  <a:solidFill>
+                                    <a:schemeClr val="tx1"/>
+                                  </a:solidFill>
+                                  <a:latin typeface="Cambria Math" panose="02040503050406030204" pitchFamily="18" charset="0"/>
+                                </a:rPr>
+                                <m:t>𝐷</m:t>
+                              </m:r>
+                              <m:r>
+                                <a:rPr lang="en-IE" sz="1600" i="1">
+                                  <a:solidFill>
+                                    <a:schemeClr val="tx1"/>
+                                  </a:solidFill>
+                                  <a:latin typeface="Cambria Math" panose="02040503050406030204" pitchFamily="18" charset="0"/>
+                                </a:rPr>
+                                <m:t>∗</m:t>
+                              </m:r>
+                            </m:sub>
+                          </m:sSub>
+                          <m:r>
+                            <a:rPr lang="en-IE" sz="1600" i="1">
+                              <a:solidFill>
+                                <a:schemeClr val="tx1"/>
+                              </a:solidFill>
+                              <a:latin typeface="Cambria Math" panose="02040503050406030204" pitchFamily="18" charset="0"/>
+                            </a:rPr>
+                            <m:t>(</m:t>
+                          </m:r>
+                          <m:sSub>
+                            <m:sSubPr>
+                              <m:ctrlPr>
+                                <a:rPr lang="en-IE" sz="1600" i="1">
+                                  <a:solidFill>
+                                    <a:schemeClr val="tx1"/>
+                                  </a:solidFill>
+                                  <a:latin typeface="Cambria Math" panose="02040503050406030204" pitchFamily="18" charset="0"/>
+                                </a:rPr>
+                              </m:ctrlPr>
+                            </m:sSubPr>
+                            <m:e>
+                              <m:r>
+                                <a:rPr lang="en-IE" sz="1600" i="1">
+                                  <a:solidFill>
+                                    <a:schemeClr val="tx1"/>
+                                  </a:solidFill>
+                                  <a:latin typeface="Cambria Math" panose="02040503050406030204" pitchFamily="18" charset="0"/>
+                                </a:rPr>
+                                <m:t>𝑘</m:t>
+                              </m:r>
+                            </m:e>
+                            <m:sub>
+                              <m:r>
+                                <a:rPr lang="en-IE" sz="1600" i="1">
+                                  <a:solidFill>
+                                    <a:schemeClr val="tx1"/>
+                                  </a:solidFill>
+                                  <a:latin typeface="Cambria Math" panose="02040503050406030204" pitchFamily="18" charset="0"/>
+                                </a:rPr>
+                                <m:t>𝑗</m:t>
+                              </m:r>
+                            </m:sub>
+                          </m:sSub>
+                          <m:r>
+                            <a:rPr lang="en-IE" sz="1600" i="1">
+                              <a:solidFill>
+                                <a:schemeClr val="tx1"/>
+                              </a:solidFill>
+                              <a:latin typeface="Cambria Math" panose="02040503050406030204" pitchFamily="18" charset="0"/>
+                            </a:rPr>
+                            <m:t>)</m:t>
+                          </m:r>
+                        </m:oMath>
+                      </m:oMathPara>
+                    </a14:m>
+                    <a:endParaRPr lang="en-US" sz="1600" dirty="0">
+                      <a:solidFill>
+                        <a:schemeClr val="tx1"/>
+                      </a:solidFill>
+                      <a:latin typeface="LM Roman 12" pitchFamily="2" charset="77"/>
+                    </a:endParaRPr>
+                  </a:p>
+                </p:txBody>
+              </p:sp>
+            </mc:Choice>
+            <mc:Fallback>
+              <p:sp>
+                <p:nvSpPr>
+                  <p:cNvPr id="337" name="Parallelogram 336">
+                    <a:extLst>
+                      <a:ext uri="{FF2B5EF4-FFF2-40B4-BE49-F238E27FC236}">
+                        <a16:creationId xmlns:a16="http://schemas.microsoft.com/office/drawing/2014/main" id="{61B55645-14B8-9B8D-DF28-6757EB722B39}"/>
+                      </a:ext>
+                    </a:extLst>
+                  </p:cNvPr>
+                  <p:cNvSpPr>
+                    <a:spLocks noRot="1" noChangeAspect="1" noMove="1" noResize="1" noEditPoints="1" noAdjustHandles="1" noChangeArrowheads="1" noChangeShapeType="1" noTextEdit="1"/>
+                  </p:cNvSpPr>
+                  <p:nvPr/>
+                </p:nvSpPr>
+                <p:spPr>
+                  <a:xfrm>
+                    <a:off x="5193318" y="1474874"/>
+                    <a:ext cx="1002157" cy="348099"/>
+                  </a:xfrm>
+                  <a:prstGeom prst="parallelogram">
+                    <a:avLst/>
+                  </a:prstGeom>
+                  <a:blipFill>
+                    <a:blip r:embed="rId18"/>
+                    <a:stretch>
+                      <a:fillRect b="-10345"/>
+                    </a:stretch>
+                  </a:blipFill>
+                </p:spPr>
+                <p:txBody>
+                  <a:bodyPr/>
+                  <a:lstStyle/>
+                  <a:p>
+                    <a:r>
+                      <a:rPr lang="en-US">
+                        <a:noFill/>
+                      </a:rPr>
+                      <a:t> </a:t>
+                    </a:r>
+                  </a:p>
+                </p:txBody>
+              </p:sp>
+            </mc:Fallback>
+          </mc:AlternateContent>
+          <mc:AlternateContent xmlns:mc="http://schemas.openxmlformats.org/markup-compatibility/2006">
+            <mc:Choice xmlns:a14="http://schemas.microsoft.com/office/drawing/2010/main" Requires="a14">
+              <p:sp>
+                <p:nvSpPr>
+                  <p:cNvPr id="338" name="Parallelogram 337">
+                    <a:extLst>
+                      <a:ext uri="{FF2B5EF4-FFF2-40B4-BE49-F238E27FC236}">
+                        <a16:creationId xmlns:a16="http://schemas.microsoft.com/office/drawing/2014/main" id="{5F87B6B7-630E-B2FE-87CD-F89F51E2D816}"/>
+                      </a:ext>
+                    </a:extLst>
+                  </p:cNvPr>
+                  <p:cNvSpPr/>
+                  <p:nvPr/>
+                </p:nvSpPr>
+                <p:spPr>
+                  <a:xfrm>
+                    <a:off x="2820110" y="1474875"/>
+                    <a:ext cx="986291" cy="348099"/>
+                  </a:xfrm>
+                  <a:prstGeom prst="parallelogram">
+                    <a:avLst/>
+                  </a:prstGeom>
+                  <a:solidFill>
+                    <a:schemeClr val="bg2">
+                      <a:lumMod val="20000"/>
+                      <a:lumOff val="80000"/>
+                    </a:schemeClr>
+                  </a:solidFill>
+                </p:spPr>
+                <p:style>
+                  <a:lnRef idx="2">
+                    <a:schemeClr val="accent1">
+                      <a:shade val="50000"/>
+                    </a:schemeClr>
+                  </a:lnRef>
+                  <a:fillRef idx="1">
+                    <a:schemeClr val="accent1"/>
+                  </a:fillRef>
+                  <a:effectRef idx="0">
+                    <a:schemeClr val="accent1"/>
                   </a:effectRef>
                   <a:fontRef idx="minor">
                     <a:schemeClr val="lt1"/>
@@ -9904,46 +9613,122 @@
                           <m:sSub>
                             <m:sSubPr>
                               <m:ctrlPr>
-                                <a:rPr lang="en-US" sz="1600" i="1" smtClean="0">
+                                <a:rPr lang="en-IE" sz="1600" i="1" smtClean="0">
                                   <a:solidFill>
-                                    <a:schemeClr val="bg1"/>
+                                    <a:schemeClr val="tx1"/>
                                   </a:solidFill>
                                   <a:latin typeface="Cambria Math" panose="02040503050406030204" pitchFamily="18" charset="0"/>
-                                  <a:ea typeface="Cambria Math" panose="02040503050406030204" pitchFamily="18" charset="0"/>
                                 </a:rPr>
                               </m:ctrlPr>
                             </m:sSubPr>
                             <m:e>
-                              <m:r>
-                                <a:rPr lang="en-US" sz="1600" b="0" i="1">
-                                  <a:solidFill>
-                                    <a:schemeClr val="bg1"/>
-                                  </a:solidFill>
-                                  <a:latin typeface="Cambria Math" panose="02040503050406030204" pitchFamily="18" charset="0"/>
-                                  <a:ea typeface="Cambria Math" panose="02040503050406030204" pitchFamily="18" charset="0"/>
-                                </a:rPr>
-                                <m:t>𝒢𝒫</m:t>
-                              </m:r>
+                              <m:acc>
+                                <m:accPr>
+                                  <m:chr m:val="̃"/>
+                                  <m:ctrlPr>
+                                    <a:rPr lang="en-IE" sz="1600" b="1" i="1">
+                                      <a:solidFill>
+                                        <a:schemeClr val="tx1"/>
+                                      </a:solidFill>
+                                      <a:latin typeface="Cambria Math" panose="02040503050406030204" pitchFamily="18" charset="0"/>
+                                    </a:rPr>
+                                  </m:ctrlPr>
+                                </m:accPr>
+                                <m:e>
+                                  <m:r>
+                                    <a:rPr lang="el-GR" sz="1600" b="1" i="1">
+                                      <a:solidFill>
+                                        <a:schemeClr val="tx1"/>
+                                      </a:solidFill>
+                                      <a:latin typeface="Cambria Math" panose="02040503050406030204" pitchFamily="18" charset="0"/>
+                                      <a:ea typeface="Cambria Math" panose="02040503050406030204" pitchFamily="18" charset="0"/>
+                                    </a:rPr>
+                                    <m:t>𝜲</m:t>
+                                  </m:r>
+                                </m:e>
+                              </m:acc>
                             </m:e>
                             <m:sub>
                               <m:r>
                                 <a:rPr lang="en-IE" sz="1600" b="0" i="1" smtClean="0">
                                   <a:solidFill>
-                                    <a:schemeClr val="bg1"/>
+                                    <a:schemeClr val="tx1"/>
                                   </a:solidFill>
                                   <a:latin typeface="Cambria Math" panose="02040503050406030204" pitchFamily="18" charset="0"/>
                                   <a:ea typeface="Cambria Math" panose="02040503050406030204" pitchFamily="18" charset="0"/>
                                 </a:rPr>
                                 <m:t>𝐷</m:t>
                               </m:r>
+                              <m:r>
+                                <a:rPr lang="en-IE" sz="1600" b="0" i="1" smtClean="0">
+                                  <a:solidFill>
+                                    <a:schemeClr val="tx1"/>
+                                  </a:solidFill>
+                                  <a:latin typeface="Cambria Math" panose="02040503050406030204" pitchFamily="18" charset="0"/>
+                                  <a:ea typeface="Cambria Math" panose="02040503050406030204" pitchFamily="18" charset="0"/>
+                                </a:rPr>
+                                <m:t>∗</m:t>
+                              </m:r>
                             </m:sub>
                           </m:sSub>
+                          <m:r>
+                            <a:rPr lang="en-IE" sz="1600" i="1">
+                              <a:solidFill>
+                                <a:schemeClr val="tx1"/>
+                              </a:solidFill>
+                              <a:latin typeface="Cambria Math" panose="02040503050406030204" pitchFamily="18" charset="0"/>
+                            </a:rPr>
+                            <m:t>(</m:t>
+                          </m:r>
+                          <m:sSub>
+                            <m:sSubPr>
+                              <m:ctrlPr>
+                                <a:rPr lang="en-IE" sz="1600" i="1">
+                                  <a:solidFill>
+                                    <a:schemeClr val="tx1"/>
+                                  </a:solidFill>
+                                  <a:latin typeface="Cambria Math" panose="02040503050406030204" pitchFamily="18" charset="0"/>
+                                </a:rPr>
+                              </m:ctrlPr>
+                            </m:sSubPr>
+                            <m:e>
+                              <m:r>
+                                <a:rPr lang="en-IE" sz="1600" i="1">
+                                  <a:solidFill>
+                                    <a:schemeClr val="tx1"/>
+                                  </a:solidFill>
+                                  <a:latin typeface="Cambria Math" panose="02040503050406030204" pitchFamily="18" charset="0"/>
+                                </a:rPr>
+                                <m:t>𝑘</m:t>
+                              </m:r>
+                            </m:e>
+                            <m:sub>
+                              <m:r>
+                                <a:rPr lang="en-IE" sz="1600" i="1">
+                                  <a:solidFill>
+                                    <a:schemeClr val="tx1"/>
+                                  </a:solidFill>
+                                  <a:latin typeface="Cambria Math" panose="02040503050406030204" pitchFamily="18" charset="0"/>
+                                </a:rPr>
+                                <m:t>𝑗</m:t>
+                              </m:r>
+                            </m:sub>
+                          </m:sSub>
+                          <m:r>
+                            <a:rPr lang="en-IE" sz="1600" i="1">
+                              <a:solidFill>
+                                <a:schemeClr val="tx1"/>
+                              </a:solidFill>
+                              <a:latin typeface="Cambria Math" panose="02040503050406030204" pitchFamily="18" charset="0"/>
+                            </a:rPr>
+                            <m:t>)</m:t>
+                          </m:r>
                         </m:oMath>
                       </m:oMathPara>
                     </a14:m>
                     <a:endParaRPr lang="en-US" sz="1600" dirty="0">
                       <a:solidFill>
-                        <a:schemeClr val="bg1"/>
+                        <a:schemeClr val="tx1"/>
                       </a:solidFill>
                       <a:latin typeface="LM Roman 12" pitchFamily="2" charset="77"/>
                     </a:endParaRPr>
@@ -9954,10 +9739,10 @@
             <mc:Fallback>
               <p:sp>
                 <p:nvSpPr>
-                  <p:cNvPr id="340" name="Rounded Rectangle 339">
+                  <p:cNvPr id="338" name="Parallelogram 337">
                     <a:extLst>
                       <a:ext uri="{FF2B5EF4-FFF2-40B4-BE49-F238E27FC236}">
-                        <a16:creationId xmlns:a16="http://schemas.microsoft.com/office/drawing/2014/main" id="{FB4E52F2-157A-CC40-BDB6-9CBEC5548A0E}"/>
+                        <a16:creationId xmlns:a16="http://schemas.microsoft.com/office/drawing/2014/main" id="{5F87B6B7-630E-B2FE-87CD-F89F51E2D816}"/>
                       </a:ext>
                     </a:extLst>
                   </p:cNvPr>
@@ -9968,16 +9753,16 @@
                 </p:nvSpPr>
                 <p:spPr>
                   <a:xfrm>
-                    <a:off x="3876559" y="2029354"/>
-                    <a:ext cx="547071" cy="334800"/>
+                    <a:off x="2820110" y="1474875"/>
+                    <a:ext cx="986291" cy="348099"/>
                   </a:xfrm>
-                  <a:prstGeom prst="roundRect">
+                  <a:prstGeom prst="parallelogram">
                     <a:avLst/>
                   </a:prstGeom>
                   <a:blipFill>
-                    <a:blip r:embed="rId20"/>
+                    <a:blip r:embed="rId19"/>
                     <a:stretch>
-                      <a:fillRect l="-4444" b="-6897"/>
+                      <a:fillRect b="-10345"/>
                     </a:stretch>
                   </a:blipFill>
                 </p:spPr>
@@ -9996,101 +9781,639 @@
               </p:sp>
             </mc:Fallback>
           </mc:AlternateContent>
-          <p:cxnSp>
-            <p:nvCxnSpPr>
-              <p:cNvPr id="341" name="Straight Arrow Connector 340">
+          <p:grpSp>
+            <p:nvGrpSpPr>
+              <p:cNvPr id="339" name="Group 338">
                 <a:extLst>
                   <a:ext uri="{FF2B5EF4-FFF2-40B4-BE49-F238E27FC236}">
-                    <a16:creationId xmlns:a16="http://schemas.microsoft.com/office/drawing/2014/main" id="{C784B480-20A8-2372-2E8E-37F5A0809997}"/>
+                    <a16:creationId xmlns:a16="http://schemas.microsoft.com/office/drawing/2014/main" id="{1C60ABF9-ECE9-F7CE-9F92-7160D0D2D9F6}"/>
                   </a:ext>
                 </a:extLst>
               </p:cNvPr>
-              <p:cNvCxnSpPr>
-                <a:cxnSpLocks/>
-                <a:stCxn id="340" idx="1"/>
-                <a:endCxn id="338" idx="2"/>
-              </p:cNvCxnSpPr>
+              <p:cNvGrpSpPr/>
               <p:nvPr/>
-            </p:nvCxnSpPr>
-            <p:spPr>
-              <a:xfrm flipH="1">
-                <a:off x="3113636" y="2196754"/>
-                <a:ext cx="762923" cy="1"/>
+            </p:nvGrpSpPr>
+            <p:grpSpPr>
+              <a:xfrm>
+                <a:off x="3762889" y="1481524"/>
+                <a:ext cx="1473941" cy="334800"/>
+                <a:chOff x="3268477" y="1548157"/>
+                <a:chExt cx="1473941" cy="334800"/>
               </a:xfrm>
-              <a:prstGeom prst="straightConnector1">
-                <a:avLst/>
-              </a:prstGeom>
-              <a:ln w="38100">
-                <a:solidFill>
+            </p:grpSpPr>
+            <mc:AlternateContent xmlns:mc="http://schemas.openxmlformats.org/markup-compatibility/2006">
+              <mc:Choice xmlns:a14="http://schemas.microsoft.com/office/drawing/2010/main" Requires="a14">
+                <p:sp>
+                  <p:nvSpPr>
+                    <p:cNvPr id="340" name="Rounded Rectangle 339">
+                      <a:extLst>
+                        <a:ext uri="{FF2B5EF4-FFF2-40B4-BE49-F238E27FC236}">
+                          <a16:creationId xmlns:a16="http://schemas.microsoft.com/office/drawing/2014/main" id="{FB4E52F2-157A-CC40-BDB6-9CBEC5548A0E}"/>
+                        </a:ext>
+                      </a:extLst>
+                    </p:cNvPr>
+                    <p:cNvSpPr/>
+                    <p:nvPr/>
+                  </p:nvSpPr>
+                  <p:spPr>
+                    <a:xfrm>
+                      <a:off x="3876560" y="1548157"/>
+                      <a:ext cx="547071" cy="334800"/>
+                    </a:xfrm>
+                    <a:prstGeom prst="roundRect">
+                      <a:avLst/>
+                    </a:prstGeom>
+                    <a:solidFill>
+                      <a:schemeClr val="tx1">
+                        <a:lumMod val="50000"/>
+                        <a:lumOff val="50000"/>
+                      </a:schemeClr>
+                    </a:solidFill>
+                  </p:spPr>
+                  <p:style>
+                    <a:lnRef idx="2">
+                      <a:schemeClr val="dk1">
+                        <a:shade val="50000"/>
+                      </a:schemeClr>
+                    </a:lnRef>
+                    <a:fillRef idx="1">
+                      <a:schemeClr val="dk1"/>
+                    </a:fillRef>
+                    <a:effectRef idx="0">
+                      <a:schemeClr val="dk1"/>
+                    </a:effectRef>
+                    <a:fontRef idx="minor">
+                      <a:schemeClr val="lt1"/>
+                    </a:fontRef>
+                  </p:style>
+                  <p:txBody>
+                    <a:bodyPr rtlCol="0" anchor="ctr"/>
+                    <a:lstStyle/>
+                    <a:p>
+                      <a:pPr algn="ctr"/>
+                      <a14:m>
+                        <m:oMathPara xmlns:m="http://schemas.openxmlformats.org/officeDocument/2006/math">
+                          <m:oMathParaPr>
+                            <m:jc m:val="center"/>
+                          </m:oMathParaPr>
+                          <m:oMath xmlns:m="http://schemas.openxmlformats.org/officeDocument/2006/math">
+                            <m:sSub>
+                              <m:sSubPr>
+                                <m:ctrlPr>
+                                  <a:rPr lang="en-US" sz="1600" i="1" smtClean="0">
+                                    <a:solidFill>
+                                      <a:schemeClr val="bg1"/>
+                                    </a:solidFill>
+                                    <a:latin typeface="Cambria Math" panose="02040503050406030204" pitchFamily="18" charset="0"/>
+                                    <a:ea typeface="Cambria Math" panose="02040503050406030204" pitchFamily="18" charset="0"/>
+                                  </a:rPr>
+                                </m:ctrlPr>
+                              </m:sSubPr>
+                              <m:e>
+                                <m:r>
+                                  <a:rPr lang="en-US" sz="1600" b="0" i="1">
+                                    <a:solidFill>
+                                      <a:schemeClr val="bg1"/>
+                                    </a:solidFill>
+                                    <a:latin typeface="Cambria Math" panose="02040503050406030204" pitchFamily="18" charset="0"/>
+                                    <a:ea typeface="Cambria Math" panose="02040503050406030204" pitchFamily="18" charset="0"/>
+                                  </a:rPr>
+                                  <m:t>𝒢𝒫</m:t>
+                                </m:r>
+                              </m:e>
+                              <m:sub>
+                                <m:r>
+                                  <a:rPr lang="en-IE" sz="1600" b="0" i="1" smtClean="0">
+                                    <a:solidFill>
+                                      <a:schemeClr val="bg1"/>
+                                    </a:solidFill>
+                                    <a:latin typeface="Cambria Math" panose="02040503050406030204" pitchFamily="18" charset="0"/>
+                                    <a:ea typeface="Cambria Math" panose="02040503050406030204" pitchFamily="18" charset="0"/>
+                                  </a:rPr>
+                                  <m:t>𝐷</m:t>
+                                </m:r>
+                              </m:sub>
+                            </m:sSub>
+                          </m:oMath>
+                        </m:oMathPara>
+                      </a14:m>
+                      <a:endParaRPr lang="en-US" sz="1600" dirty="0">
+                        <a:solidFill>
+                          <a:schemeClr val="bg1"/>
+                        </a:solidFill>
+                        <a:latin typeface="LM Roman 12" pitchFamily="2" charset="77"/>
+                      </a:endParaRPr>
+                    </a:p>
+                  </p:txBody>
+                </p:sp>
+              </mc:Choice>
+              <mc:Fallback>
+                <p:sp>
+                  <p:nvSpPr>
+                    <p:cNvPr id="340" name="Rounded Rectangle 339">
+                      <a:extLst>
+                        <a:ext uri="{FF2B5EF4-FFF2-40B4-BE49-F238E27FC236}">
+                          <a16:creationId xmlns:a16="http://schemas.microsoft.com/office/drawing/2014/main" id="{FB4E52F2-157A-CC40-BDB6-9CBEC5548A0E}"/>
+                        </a:ext>
+                      </a:extLst>
+                    </p:cNvPr>
+                    <p:cNvSpPr>
+                      <a:spLocks noRot="1" noChangeAspect="1" noMove="1" noResize="1" noEditPoints="1" noAdjustHandles="1" noChangeArrowheads="1" noChangeShapeType="1" noTextEdit="1"/>
+                    </p:cNvSpPr>
+                    <p:nvPr/>
+                  </p:nvSpPr>
+                  <p:spPr>
+                    <a:xfrm>
+                      <a:off x="3876560" y="1548157"/>
+                      <a:ext cx="547071" cy="334800"/>
+                    </a:xfrm>
+                    <a:prstGeom prst="roundRect">
+                      <a:avLst/>
+                    </a:prstGeom>
+                    <a:blipFill>
+                      <a:blip r:embed="rId20"/>
+                      <a:stretch>
+                        <a:fillRect l="-4444" b="-6897"/>
+                      </a:stretch>
+                    </a:blipFill>
+                  </p:spPr>
+                  <p:txBody>
+                    <a:bodyPr/>
+                    <a:lstStyle/>
+                    <a:p>
+                      <a:r>
+                        <a:rPr lang="en-US">
+                          <a:noFill/>
+                        </a:rPr>
+                        <a:t> </a:t>
+                      </a:r>
+                    </a:p>
+                  </p:txBody>
+                </p:sp>
+              </mc:Fallback>
+            </mc:AlternateContent>
+            <p:cxnSp>
+              <p:nvCxnSpPr>
+                <p:cNvPr id="341" name="Straight Arrow Connector 340">
+                  <a:extLst>
+                    <a:ext uri="{FF2B5EF4-FFF2-40B4-BE49-F238E27FC236}">
+                      <a16:creationId xmlns:a16="http://schemas.microsoft.com/office/drawing/2014/main" id="{C784B480-20A8-2372-2E8E-37F5A0809997}"/>
+                    </a:ext>
+                  </a:extLst>
+                </p:cNvPr>
+                <p:cNvCxnSpPr>
+                  <a:cxnSpLocks/>
+                  <a:stCxn id="340" idx="1"/>
+                  <a:endCxn id="338" idx="2"/>
+                </p:cNvCxnSpPr>
+                <p:nvPr/>
+              </p:nvCxnSpPr>
+              <p:spPr>
+                <a:xfrm flipH="1">
+                  <a:off x="3268477" y="1715557"/>
+                  <a:ext cx="608083" cy="1"/>
+                </a:xfrm>
+                <a:prstGeom prst="straightConnector1">
+                  <a:avLst/>
+                </a:prstGeom>
+                <a:ln w="38100">
+                  <a:solidFill>
+                    <a:schemeClr val="tx1"/>
+                  </a:solidFill>
+                  <a:headEnd type="triangle"/>
+                  <a:tailEnd type="none"/>
+                </a:ln>
+              </p:spPr>
+              <p:style>
+                <a:lnRef idx="1">
+                  <a:schemeClr val="accent1"/>
+                </a:lnRef>
+                <a:fillRef idx="0">
+                  <a:schemeClr val="accent1"/>
+                </a:fillRef>
+                <a:effectRef idx="0">
+                  <a:schemeClr val="accent1"/>
+                </a:effectRef>
+                <a:fontRef idx="minor">
                   <a:schemeClr val="tx1"/>
-                </a:solidFill>
-                <a:headEnd type="triangle"/>
-                <a:tailEnd type="none"/>
-              </a:ln>
-            </p:spPr>
-            <p:style>
-              <a:lnRef idx="1">
-                <a:schemeClr val="accent1"/>
-              </a:lnRef>
-              <a:fillRef idx="0">
-                <a:schemeClr val="accent1"/>
-              </a:fillRef>
-              <a:effectRef idx="0">
-                <a:schemeClr val="accent1"/>
-              </a:effectRef>
-              <a:fontRef idx="minor">
+                </a:fontRef>
+              </p:style>
+            </p:cxnSp>
+            <p:cxnSp>
+              <p:nvCxnSpPr>
+                <p:cNvPr id="342" name="Straight Arrow Connector 341">
+                  <a:extLst>
+                    <a:ext uri="{FF2B5EF4-FFF2-40B4-BE49-F238E27FC236}">
+                      <a16:creationId xmlns:a16="http://schemas.microsoft.com/office/drawing/2014/main" id="{FCDC53F5-4F2B-863A-1491-56E464BA1771}"/>
+                    </a:ext>
+                  </a:extLst>
+                </p:cNvPr>
+                <p:cNvCxnSpPr>
+                  <a:cxnSpLocks/>
+                  <a:stCxn id="337" idx="5"/>
+                  <a:endCxn id="340" idx="3"/>
+                </p:cNvCxnSpPr>
+                <p:nvPr/>
+              </p:nvCxnSpPr>
+              <p:spPr>
+                <a:xfrm flipH="1">
+                  <a:off x="4423631" y="1715557"/>
+                  <a:ext cx="318787" cy="0"/>
+                </a:xfrm>
+                <a:prstGeom prst="straightConnector1">
+                  <a:avLst/>
+                </a:prstGeom>
+                <a:ln w="38100">
+                  <a:solidFill>
+                    <a:schemeClr val="tx1"/>
+                  </a:solidFill>
+                  <a:headEnd type="triangle"/>
+                  <a:tailEnd type="none"/>
+                </a:ln>
+              </p:spPr>
+              <p:style>
+                <a:lnRef idx="1">
+                  <a:schemeClr val="accent1"/>
+                </a:lnRef>
+                <a:fillRef idx="0">
+                  <a:schemeClr val="accent1"/>
+                </a:fillRef>
+                <a:effectRef idx="0">
+                  <a:schemeClr val="accent1"/>
+                </a:effectRef>
+                <a:fontRef idx="minor">
+                  <a:schemeClr val="tx1"/>
+                </a:fontRef>
+              </p:style>
+            </p:cxnSp>
+          </p:grpSp>
+        </p:grpSp>
+      </p:grpSp>
+      <p:grpSp>
+        <p:nvGrpSpPr>
+          <p:cNvPr id="9" name="Group 8">
+            <a:extLst>
+              <a:ext uri="{FF2B5EF4-FFF2-40B4-BE49-F238E27FC236}">
+                <a16:creationId xmlns:a16="http://schemas.microsoft.com/office/drawing/2014/main" id="{978D1888-1328-79FC-2D2C-981FD946B497}"/>
+              </a:ext>
+            </a:extLst>
+          </p:cNvPr>
+          <p:cNvGrpSpPr/>
+          <p:nvPr/>
+        </p:nvGrpSpPr>
+        <p:grpSpPr>
+          <a:xfrm>
+            <a:off x="5622845" y="3486927"/>
+            <a:ext cx="45719" cy="208567"/>
+            <a:chOff x="9694881" y="2587439"/>
+            <a:chExt cx="45719" cy="208567"/>
+          </a:xfrm>
+        </p:grpSpPr>
+        <p:sp>
+          <p:nvSpPr>
+            <p:cNvPr id="3" name="Oval 2">
+              <a:extLst>
+                <a:ext uri="{FF2B5EF4-FFF2-40B4-BE49-F238E27FC236}">
+                  <a16:creationId xmlns:a16="http://schemas.microsoft.com/office/drawing/2014/main" id="{2D356510-E27A-9634-1A5E-CBACCFF77796}"/>
+                </a:ext>
+              </a:extLst>
+            </p:cNvPr>
+            <p:cNvSpPr/>
+            <p:nvPr/>
+          </p:nvSpPr>
+          <p:spPr>
+            <a:xfrm>
+              <a:off x="9694881" y="2587439"/>
+              <a:ext cx="45719" cy="45719"/>
+            </a:xfrm>
+            <a:prstGeom prst="ellipse">
+              <a:avLst/>
+            </a:prstGeom>
+            <a:solidFill>
+              <a:schemeClr val="tx1"/>
+            </a:solidFill>
+            <a:ln>
+              <a:solidFill>
                 <a:schemeClr val="tx1"/>
-              </a:fontRef>
-            </p:style>
-          </p:cxnSp>
-          <p:cxnSp>
-            <p:nvCxnSpPr>
-              <p:cNvPr id="342" name="Straight Arrow Connector 341">
-                <a:extLst>
-                  <a:ext uri="{FF2B5EF4-FFF2-40B4-BE49-F238E27FC236}">
-                    <a16:creationId xmlns:a16="http://schemas.microsoft.com/office/drawing/2014/main" id="{FCDC53F5-4F2B-863A-1491-56E464BA1771}"/>
-                  </a:ext>
-                </a:extLst>
-              </p:cNvPr>
-              <p:cNvCxnSpPr>
-                <a:cxnSpLocks/>
-                <a:stCxn id="337" idx="5"/>
-                <a:endCxn id="340" idx="3"/>
-              </p:cNvCxnSpPr>
-              <p:nvPr/>
-            </p:nvCxnSpPr>
-            <p:spPr>
-              <a:xfrm flipH="1">
-                <a:off x="4423630" y="2196754"/>
-                <a:ext cx="318787" cy="0"/>
-              </a:xfrm>
-              <a:prstGeom prst="straightConnector1">
-                <a:avLst/>
-              </a:prstGeom>
-              <a:ln w="38100">
-                <a:solidFill>
-                  <a:schemeClr val="tx1"/>
-                </a:solidFill>
-                <a:headEnd type="triangle"/>
-                <a:tailEnd type="none"/>
-              </a:ln>
-            </p:spPr>
-            <p:style>
-              <a:lnRef idx="1">
-                <a:schemeClr val="accent1"/>
-              </a:lnRef>
-              <a:fillRef idx="0">
-                <a:schemeClr val="accent1"/>
-              </a:fillRef>
-              <a:effectRef idx="0">
-                <a:schemeClr val="accent1"/>
-              </a:effectRef>
-              <a:fontRef idx="minor">
+              </a:solidFill>
+            </a:ln>
+          </p:spPr>
+          <p:style>
+            <a:lnRef idx="2">
+              <a:schemeClr val="accent1">
+                <a:shade val="50000"/>
+              </a:schemeClr>
+            </a:lnRef>
+            <a:fillRef idx="1">
+              <a:schemeClr val="accent1"/>
+            </a:fillRef>
+            <a:effectRef idx="0">
+              <a:schemeClr val="accent1"/>
+            </a:effectRef>
+            <a:fontRef idx="minor">
+              <a:schemeClr val="lt1"/>
+            </a:fontRef>
+          </p:style>
+          <p:txBody>
+            <a:bodyPr rtlCol="0" anchor="ctr"/>
+            <a:lstStyle/>
+            <a:p>
+              <a:pPr algn="ctr"/>
+              <a:endParaRPr lang="en-US"/>
+            </a:p>
+          </p:txBody>
+        </p:sp>
+        <p:sp>
+          <p:nvSpPr>
+            <p:cNvPr id="4" name="Oval 3">
+              <a:extLst>
+                <a:ext uri="{FF2B5EF4-FFF2-40B4-BE49-F238E27FC236}">
+                  <a16:creationId xmlns:a16="http://schemas.microsoft.com/office/drawing/2014/main" id="{7DD4D822-B518-3195-8B30-05EC5CAF6BB6}"/>
+                </a:ext>
+              </a:extLst>
+            </p:cNvPr>
+            <p:cNvSpPr/>
+            <p:nvPr/>
+          </p:nvSpPr>
+          <p:spPr>
+            <a:xfrm>
+              <a:off x="9694881" y="2668863"/>
+              <a:ext cx="45719" cy="45719"/>
+            </a:xfrm>
+            <a:prstGeom prst="ellipse">
+              <a:avLst/>
+            </a:prstGeom>
+            <a:solidFill>
+              <a:schemeClr val="tx1"/>
+            </a:solidFill>
+            <a:ln>
+              <a:solidFill>
                 <a:schemeClr val="tx1"/>
-              </a:fontRef>
-            </p:style>
-          </p:cxnSp>
-        </p:grpSp>
+              </a:solidFill>
+            </a:ln>
+          </p:spPr>
+          <p:style>
+            <a:lnRef idx="2">
+              <a:schemeClr val="accent1">
+                <a:shade val="50000"/>
+              </a:schemeClr>
+            </a:lnRef>
+            <a:fillRef idx="1">
+              <a:schemeClr val="accent1"/>
+            </a:fillRef>
+            <a:effectRef idx="0">
+              <a:schemeClr val="accent1"/>
+            </a:effectRef>
+            <a:fontRef idx="minor">
+              <a:schemeClr val="lt1"/>
+            </a:fontRef>
+          </p:style>
+          <p:txBody>
+            <a:bodyPr rtlCol="0" anchor="ctr"/>
+            <a:lstStyle/>
+            <a:p>
+              <a:pPr algn="ctr"/>
+              <a:endParaRPr lang="en-US"/>
+            </a:p>
+          </p:txBody>
+        </p:sp>
+        <p:sp>
+          <p:nvSpPr>
+            <p:cNvPr id="5" name="Oval 4">
+              <a:extLst>
+                <a:ext uri="{FF2B5EF4-FFF2-40B4-BE49-F238E27FC236}">
+                  <a16:creationId xmlns:a16="http://schemas.microsoft.com/office/drawing/2014/main" id="{7526287A-C8F8-F2BB-DC95-46DD4E1B0592}"/>
+                </a:ext>
+              </a:extLst>
+            </p:cNvPr>
+            <p:cNvSpPr/>
+            <p:nvPr/>
+          </p:nvSpPr>
+          <p:spPr>
+            <a:xfrm>
+              <a:off x="9694881" y="2750287"/>
+              <a:ext cx="45719" cy="45719"/>
+            </a:xfrm>
+            <a:prstGeom prst="ellipse">
+              <a:avLst/>
+            </a:prstGeom>
+            <a:solidFill>
+              <a:schemeClr val="tx1"/>
+            </a:solidFill>
+            <a:ln>
+              <a:solidFill>
+                <a:schemeClr val="tx1"/>
+              </a:solidFill>
+            </a:ln>
+          </p:spPr>
+          <p:style>
+            <a:lnRef idx="2">
+              <a:schemeClr val="accent1">
+                <a:shade val="50000"/>
+              </a:schemeClr>
+            </a:lnRef>
+            <a:fillRef idx="1">
+              <a:schemeClr val="accent1"/>
+            </a:fillRef>
+            <a:effectRef idx="0">
+              <a:schemeClr val="accent1"/>
+            </a:effectRef>
+            <a:fontRef idx="minor">
+              <a:schemeClr val="lt1"/>
+            </a:fontRef>
+          </p:style>
+          <p:txBody>
+            <a:bodyPr rtlCol="0" anchor="ctr"/>
+            <a:lstStyle/>
+            <a:p>
+              <a:pPr algn="ctr"/>
+              <a:endParaRPr lang="en-US"/>
+            </a:p>
+          </p:txBody>
+        </p:sp>
+      </p:grpSp>
+      <p:grpSp>
+        <p:nvGrpSpPr>
+          <p:cNvPr id="10" name="Group 9">
+            <a:extLst>
+              <a:ext uri="{FF2B5EF4-FFF2-40B4-BE49-F238E27FC236}">
+                <a16:creationId xmlns:a16="http://schemas.microsoft.com/office/drawing/2014/main" id="{6A13AF1B-49B8-DC41-E819-6F82ED440B3C}"/>
+              </a:ext>
+            </a:extLst>
+          </p:cNvPr>
+          <p:cNvGrpSpPr/>
+          <p:nvPr/>
+        </p:nvGrpSpPr>
+        <p:grpSpPr>
+          <a:xfrm>
+            <a:off x="5616153" y="4813648"/>
+            <a:ext cx="45719" cy="208567"/>
+            <a:chOff x="9694881" y="2587439"/>
+            <a:chExt cx="45719" cy="208567"/>
+          </a:xfrm>
+        </p:grpSpPr>
+        <p:sp>
+          <p:nvSpPr>
+            <p:cNvPr id="11" name="Oval 10">
+              <a:extLst>
+                <a:ext uri="{FF2B5EF4-FFF2-40B4-BE49-F238E27FC236}">
+                  <a16:creationId xmlns:a16="http://schemas.microsoft.com/office/drawing/2014/main" id="{0A08E39E-AB07-3D5F-625A-6B60B36AA6B0}"/>
+                </a:ext>
+              </a:extLst>
+            </p:cNvPr>
+            <p:cNvSpPr/>
+            <p:nvPr/>
+          </p:nvSpPr>
+          <p:spPr>
+            <a:xfrm>
+              <a:off x="9694881" y="2587439"/>
+              <a:ext cx="45719" cy="45719"/>
+            </a:xfrm>
+            <a:prstGeom prst="ellipse">
+              <a:avLst/>
+            </a:prstGeom>
+            <a:solidFill>
+              <a:schemeClr val="tx1"/>
+            </a:solidFill>
+            <a:ln>
+              <a:solidFill>
+                <a:schemeClr val="tx1"/>
+              </a:solidFill>
+            </a:ln>
+          </p:spPr>
+          <p:style>
+            <a:lnRef idx="2">
+              <a:schemeClr val="accent1">
+                <a:shade val="50000"/>
+              </a:schemeClr>
+            </a:lnRef>
+            <a:fillRef idx="1">
+              <a:schemeClr val="accent1"/>
+            </a:fillRef>
+            <a:effectRef idx="0">
+              <a:schemeClr val="accent1"/>
+            </a:effectRef>
+            <a:fontRef idx="minor">
+              <a:schemeClr val="lt1"/>
+            </a:fontRef>
+          </p:style>
+          <p:txBody>
+            <a:bodyPr rtlCol="0" anchor="ctr"/>
+            <a:lstStyle/>
+            <a:p>
+              <a:pPr algn="ctr"/>
+              <a:endParaRPr lang="en-US"/>
+            </a:p>
+          </p:txBody>
+        </p:sp>
+        <p:sp>
+          <p:nvSpPr>
+            <p:cNvPr id="13" name="Oval 12">
+              <a:extLst>
+                <a:ext uri="{FF2B5EF4-FFF2-40B4-BE49-F238E27FC236}">
+                  <a16:creationId xmlns:a16="http://schemas.microsoft.com/office/drawing/2014/main" id="{EC516E17-C9D7-273A-FEB0-D3662054EF2E}"/>
+                </a:ext>
+              </a:extLst>
+            </p:cNvPr>
+            <p:cNvSpPr/>
+            <p:nvPr/>
+          </p:nvSpPr>
+          <p:spPr>
+            <a:xfrm>
+              <a:off x="9694881" y="2668863"/>
+              <a:ext cx="45719" cy="45719"/>
+            </a:xfrm>
+            <a:prstGeom prst="ellipse">
+              <a:avLst/>
+            </a:prstGeom>
+            <a:solidFill>
+              <a:schemeClr val="tx1"/>
+            </a:solidFill>
+            <a:ln>
+              <a:solidFill>
+                <a:schemeClr val="tx1"/>
+              </a:solidFill>
+            </a:ln>
+          </p:spPr>
+          <p:style>
+            <a:lnRef idx="2">
+              <a:schemeClr val="accent1">
+                <a:shade val="50000"/>
+              </a:schemeClr>
+            </a:lnRef>
+            <a:fillRef idx="1">
+              <a:schemeClr val="accent1"/>
+            </a:fillRef>
+            <a:effectRef idx="0">
+              <a:schemeClr val="accent1"/>
+            </a:effectRef>
+            <a:fontRef idx="minor">
+              <a:schemeClr val="lt1"/>
+            </a:fontRef>
+          </p:style>
+          <p:txBody>
+            <a:bodyPr rtlCol="0" anchor="ctr"/>
+            <a:lstStyle/>
+            <a:p>
+              <a:pPr algn="ctr"/>
+              <a:endParaRPr lang="en-US"/>
+            </a:p>
+          </p:txBody>
+        </p:sp>
+        <p:sp>
+          <p:nvSpPr>
+            <p:cNvPr id="14" name="Oval 13">
+              <a:extLst>
+                <a:ext uri="{FF2B5EF4-FFF2-40B4-BE49-F238E27FC236}">
+                  <a16:creationId xmlns:a16="http://schemas.microsoft.com/office/drawing/2014/main" id="{8E63AAE8-A9D8-9A94-235D-12E884EB2A22}"/>
+                </a:ext>
+              </a:extLst>
+            </p:cNvPr>
+            <p:cNvSpPr/>
+            <p:nvPr/>
+          </p:nvSpPr>
+          <p:spPr>
+            <a:xfrm>
+              <a:off x="9694881" y="2750287"/>
+              <a:ext cx="45719" cy="45719"/>
+            </a:xfrm>
+            <a:prstGeom prst="ellipse">
+              <a:avLst/>
+            </a:prstGeom>
+            <a:solidFill>
+              <a:schemeClr val="tx1"/>
+            </a:solidFill>
+            <a:ln>
+              <a:solidFill>
+                <a:schemeClr val="tx1"/>
+              </a:solidFill>
+            </a:ln>
+          </p:spPr>
+          <p:style>
+            <a:lnRef idx="2">
+              <a:schemeClr val="accent1">
+                <a:shade val="50000"/>
+              </a:schemeClr>
+            </a:lnRef>
+            <a:fillRef idx="1">
+              <a:schemeClr val="accent1"/>
+            </a:fillRef>
+            <a:effectRef idx="0">
+              <a:schemeClr val="accent1"/>
+            </a:effectRef>
+            <a:fontRef idx="minor">
+              <a:schemeClr val="lt1"/>
+            </a:fontRef>
+          </p:style>
+          <p:txBody>
+            <a:bodyPr rtlCol="0" anchor="ctr"/>
+            <a:lstStyle/>
+            <a:p>
+              <a:pPr algn="ctr"/>
+              <a:endParaRPr lang="en-US"/>
+            </a:p>
+          </p:txBody>
+        </p:sp>
       </p:grpSp>
     </p:spTree>
     <p:extLst>
